--- a/Resources/Images/Figuras.pptx
+++ b/Resources/Images/Figuras.pptx
@@ -7,6 +7,7 @@
   <p:sldIdLst>
     <p:sldId id="256" r:id="rId2"/>
     <p:sldId id="257" r:id="rId3"/>
+    <p:sldId id="258" r:id="rId4"/>
   </p:sldIdLst>
   <p:sldSz cx="12192000" cy="6858000"/>
   <p:notesSz cx="6858000" cy="9144000"/>
@@ -3398,13 +3399,8 @@
             </a:r>
             <a:r>
               <a:rPr lang="pt-BR" b="1" dirty="0" smtClean="0"/>
-              <a:t>R </a:t>
-            </a:r>
-            <a:r>
-              <a:rPr lang="pt-BR" b="1" dirty="0" smtClean="0"/>
-              <a:t>do</a:t>
-            </a:r>
-            <a:endParaRPr lang="pt-BR" b="1" dirty="0" smtClean="0"/>
+              <a:t>R do</a:t>
+            </a:r>
           </a:p>
           <a:p>
             <a:pPr algn="ctr"/>
@@ -3658,11 +3654,7 @@
             </a:r>
             <a:r>
               <a:rPr lang="pt-BR" b="1" dirty="0" smtClean="0"/>
-              <a:t>o </a:t>
-            </a:r>
-            <a:r>
-              <a:rPr lang="pt-BR" b="1" dirty="0" smtClean="0"/>
-              <a:t>Ajuste</a:t>
+              <a:t>o Ajuste</a:t>
             </a:r>
           </a:p>
           <a:p>
@@ -4189,11 +4181,7 @@
           <a:p>
             <a:r>
               <a:rPr lang="pt-BR" dirty="0" smtClean="0"/>
-              <a:t>Cadeia de medidas proposta – </a:t>
-            </a:r>
-            <a:r>
-              <a:rPr lang="pt-BR" dirty="0" smtClean="0"/>
-              <a:t>Termômetro</a:t>
+              <a:t>Cadeia de medidas proposta – Termômetro</a:t>
             </a:r>
             <a:endParaRPr lang="pt-BR" dirty="0"/>
           </a:p>
@@ -6266,6 +6254,36 @@
 </p:sld>
 </file>
 
+<file path=ppt/slides/slide3.xml><?xml version="1.0" encoding="utf-8"?>
+<p:sld xmlns:a="http://schemas.openxmlformats.org/drawingml/2006/main" xmlns:r="http://schemas.openxmlformats.org/officeDocument/2006/relationships" xmlns:p="http://schemas.openxmlformats.org/presentationml/2006/main">
+  <p:cSld>
+    <p:spTree>
+      <p:nvGrpSpPr>
+        <p:cNvPr id="1" name=""/>
+        <p:cNvGrpSpPr/>
+        <p:nvPr/>
+      </p:nvGrpSpPr>
+      <p:grpSpPr>
+        <a:xfrm>
+          <a:off x="0" y="0"/>
+          <a:ext cx="0" cy="0"/>
+          <a:chOff x="0" y="0"/>
+          <a:chExt cx="0" cy="0"/>
+        </a:xfrm>
+      </p:grpSpPr>
+    </p:spTree>
+    <p:extLst>
+      <p:ext uri="{BB962C8B-B14F-4D97-AF65-F5344CB8AC3E}">
+        <p14:creationId xmlns:p14="http://schemas.microsoft.com/office/powerpoint/2010/main" val="2920437492"/>
+      </p:ext>
+    </p:extLst>
+  </p:cSld>
+  <p:clrMapOvr>
+    <a:masterClrMapping/>
+  </p:clrMapOvr>
+</p:sld>
+</file>
+
 <file path=ppt/theme/theme1.xml><?xml version="1.0" encoding="utf-8"?>
 <a:theme xmlns:a="http://schemas.openxmlformats.org/drawingml/2006/main" name="Tema do Office">
   <a:themeElements>

--- a/Resources/Images/Figuras.pptx
+++ b/Resources/Images/Figuras.pptx
@@ -6271,6 +6271,449 @@
           <a:chExt cx="0" cy="0"/>
         </a:xfrm>
       </p:grpSpPr>
+      <p:sp>
+        <p:nvSpPr>
+          <p:cNvPr id="3" name="Retângulo 2"/>
+          <p:cNvSpPr/>
+          <p:nvPr/>
+        </p:nvSpPr>
+        <p:spPr>
+          <a:xfrm>
+            <a:off x="127341" y="1815353"/>
+            <a:ext cx="1445965" cy="1461213"/>
+          </a:xfrm>
+          <a:prstGeom prst="rect">
+            <a:avLst/>
+          </a:prstGeom>
+        </p:spPr>
+        <p:style>
+          <a:lnRef idx="2">
+            <a:schemeClr val="accent1">
+              <a:shade val="50000"/>
+            </a:schemeClr>
+          </a:lnRef>
+          <a:fillRef idx="1">
+            <a:schemeClr val="accent1"/>
+          </a:fillRef>
+          <a:effectRef idx="0">
+            <a:schemeClr val="accent1"/>
+          </a:effectRef>
+          <a:fontRef idx="minor">
+            <a:schemeClr val="lt1"/>
+          </a:fontRef>
+        </p:style>
+        <p:txBody>
+          <a:bodyPr rtlCol="0" anchor="ctr"/>
+          <a:lstStyle/>
+          <a:p>
+            <a:pPr algn="ctr"/>
+            <a:r>
+              <a:rPr lang="pt-BR" sz="2800" b="1" dirty="0" smtClean="0"/>
+              <a:t>Sensor</a:t>
+            </a:r>
+          </a:p>
+          <a:p>
+            <a:pPr algn="ctr"/>
+            <a:r>
+              <a:rPr lang="pt-BR" sz="2800" b="1" dirty="0" smtClean="0"/>
+              <a:t>Efeito</a:t>
+            </a:r>
+          </a:p>
+          <a:p>
+            <a:pPr algn="ctr"/>
+            <a:r>
+              <a:rPr lang="pt-BR" sz="2800" b="1" dirty="0" smtClean="0"/>
+              <a:t>Hall</a:t>
+            </a:r>
+            <a:endParaRPr lang="pt-BR" sz="2800" b="1" dirty="0"/>
+          </a:p>
+        </p:txBody>
+      </p:sp>
+      <p:sp>
+        <p:nvSpPr>
+          <p:cNvPr id="4" name="Retângulo 3"/>
+          <p:cNvSpPr/>
+          <p:nvPr/>
+        </p:nvSpPr>
+        <p:spPr>
+          <a:xfrm>
+            <a:off x="2399887" y="1815353"/>
+            <a:ext cx="2441051" cy="1461213"/>
+          </a:xfrm>
+          <a:prstGeom prst="rect">
+            <a:avLst/>
+          </a:prstGeom>
+        </p:spPr>
+        <p:style>
+          <a:lnRef idx="2">
+            <a:schemeClr val="accent1">
+              <a:shade val="50000"/>
+            </a:schemeClr>
+          </a:lnRef>
+          <a:fillRef idx="1">
+            <a:schemeClr val="accent1"/>
+          </a:fillRef>
+          <a:effectRef idx="0">
+            <a:schemeClr val="accent1"/>
+          </a:effectRef>
+          <a:fontRef idx="minor">
+            <a:schemeClr val="lt1"/>
+          </a:fontRef>
+        </p:style>
+        <p:txBody>
+          <a:bodyPr rtlCol="0" anchor="ctr"/>
+          <a:lstStyle/>
+          <a:p>
+            <a:pPr algn="ctr"/>
+            <a:r>
+              <a:rPr lang="pt-BR" sz="2800" b="1" dirty="0" smtClean="0"/>
+              <a:t>Circuito</a:t>
+            </a:r>
+          </a:p>
+          <a:p>
+            <a:pPr algn="ctr"/>
+            <a:r>
+              <a:rPr lang="pt-BR" sz="2800" b="1" dirty="0" smtClean="0"/>
+              <a:t>Condicionador</a:t>
+            </a:r>
+            <a:endParaRPr lang="pt-BR" sz="2800" b="1" dirty="0"/>
+          </a:p>
+        </p:txBody>
+      </p:sp>
+      <p:sp>
+        <p:nvSpPr>
+          <p:cNvPr id="5" name="Retângulo 4"/>
+          <p:cNvSpPr/>
+          <p:nvPr/>
+        </p:nvSpPr>
+        <p:spPr>
+          <a:xfrm>
+            <a:off x="5667526" y="1815353"/>
+            <a:ext cx="1661121" cy="1461213"/>
+          </a:xfrm>
+          <a:prstGeom prst="rect">
+            <a:avLst/>
+          </a:prstGeom>
+        </p:spPr>
+        <p:style>
+          <a:lnRef idx="2">
+            <a:schemeClr val="accent1">
+              <a:shade val="50000"/>
+            </a:schemeClr>
+          </a:lnRef>
+          <a:fillRef idx="1">
+            <a:schemeClr val="accent1"/>
+          </a:fillRef>
+          <a:effectRef idx="0">
+            <a:schemeClr val="accent1"/>
+          </a:effectRef>
+          <a:fontRef idx="minor">
+            <a:schemeClr val="lt1"/>
+          </a:fontRef>
+        </p:style>
+        <p:txBody>
+          <a:bodyPr rtlCol="0" anchor="ctr"/>
+          <a:lstStyle/>
+          <a:p>
+            <a:pPr algn="ctr"/>
+            <a:r>
+              <a:rPr lang="pt-BR" sz="2800" b="1" dirty="0" smtClean="0"/>
+              <a:t>Filtro PB</a:t>
+            </a:r>
+            <a:endParaRPr lang="pt-BR" sz="2800" b="1" dirty="0"/>
+          </a:p>
+        </p:txBody>
+      </p:sp>
+      <p:sp>
+        <p:nvSpPr>
+          <p:cNvPr id="6" name="Retângulo 5"/>
+          <p:cNvSpPr/>
+          <p:nvPr/>
+        </p:nvSpPr>
+        <p:spPr>
+          <a:xfrm>
+            <a:off x="8175813" y="1815353"/>
+            <a:ext cx="1116106" cy="1461213"/>
+          </a:xfrm>
+          <a:prstGeom prst="rect">
+            <a:avLst/>
+          </a:prstGeom>
+        </p:spPr>
+        <p:style>
+          <a:lnRef idx="2">
+            <a:schemeClr val="accent1">
+              <a:shade val="50000"/>
+            </a:schemeClr>
+          </a:lnRef>
+          <a:fillRef idx="1">
+            <a:schemeClr val="accent1"/>
+          </a:fillRef>
+          <a:effectRef idx="0">
+            <a:schemeClr val="accent1"/>
+          </a:effectRef>
+          <a:fontRef idx="minor">
+            <a:schemeClr val="lt1"/>
+          </a:fontRef>
+        </p:style>
+        <p:txBody>
+          <a:bodyPr rtlCol="0" anchor="ctr"/>
+          <a:lstStyle/>
+          <a:p>
+            <a:pPr algn="ctr"/>
+            <a:r>
+              <a:rPr lang="pt-BR" sz="2800" b="1" dirty="0" smtClean="0"/>
+              <a:t>ADC</a:t>
+            </a:r>
+            <a:endParaRPr lang="pt-BR" sz="2800" b="1" dirty="0"/>
+          </a:p>
+        </p:txBody>
+      </p:sp>
+      <p:sp>
+        <p:nvSpPr>
+          <p:cNvPr id="7" name="Retângulo 6"/>
+          <p:cNvSpPr/>
+          <p:nvPr/>
+        </p:nvSpPr>
+        <p:spPr>
+          <a:xfrm>
+            <a:off x="10118501" y="1815353"/>
+            <a:ext cx="2669650" cy="1461213"/>
+          </a:xfrm>
+          <a:prstGeom prst="rect">
+            <a:avLst/>
+          </a:prstGeom>
+        </p:spPr>
+        <p:style>
+          <a:lnRef idx="2">
+            <a:schemeClr val="accent1">
+              <a:shade val="50000"/>
+            </a:schemeClr>
+          </a:lnRef>
+          <a:fillRef idx="1">
+            <a:schemeClr val="accent1"/>
+          </a:fillRef>
+          <a:effectRef idx="0">
+            <a:schemeClr val="accent1"/>
+          </a:effectRef>
+          <a:fontRef idx="minor">
+            <a:schemeClr val="lt1"/>
+          </a:fontRef>
+        </p:style>
+        <p:txBody>
+          <a:bodyPr rtlCol="0" anchor="ctr"/>
+          <a:lstStyle/>
+          <a:p>
+            <a:pPr algn="ctr"/>
+            <a:r>
+              <a:rPr lang="pt-BR" sz="2800" b="1" dirty="0" smtClean="0"/>
+              <a:t>Ferramenta de Instrumentação Virtual</a:t>
+            </a:r>
+            <a:endParaRPr lang="pt-BR" sz="2800" b="1" dirty="0"/>
+          </a:p>
+        </p:txBody>
+      </p:sp>
+      <p:cxnSp>
+        <p:nvCxnSpPr>
+          <p:cNvPr id="9" name="Conector de seta reta 8"/>
+          <p:cNvCxnSpPr>
+            <a:stCxn id="3" idx="3"/>
+          </p:cNvCxnSpPr>
+          <p:nvPr/>
+        </p:nvCxnSpPr>
+        <p:spPr>
+          <a:xfrm flipV="1">
+            <a:off x="1573306" y="2528047"/>
+            <a:ext cx="820270" cy="17913"/>
+          </a:xfrm>
+          <a:prstGeom prst="straightConnector1">
+            <a:avLst/>
+          </a:prstGeom>
+          <a:ln w="76200">
+            <a:solidFill>
+              <a:schemeClr val="tx2">
+                <a:lumMod val="75000"/>
+              </a:schemeClr>
+            </a:solidFill>
+            <a:tailEnd type="triangle"/>
+          </a:ln>
+        </p:spPr>
+        <p:style>
+          <a:lnRef idx="1">
+            <a:schemeClr val="accent1"/>
+          </a:lnRef>
+          <a:fillRef idx="0">
+            <a:schemeClr val="accent1"/>
+          </a:fillRef>
+          <a:effectRef idx="0">
+            <a:schemeClr val="accent1"/>
+          </a:effectRef>
+          <a:fontRef idx="minor">
+            <a:schemeClr val="tx1"/>
+          </a:fontRef>
+        </p:style>
+      </p:cxnSp>
+      <p:cxnSp>
+        <p:nvCxnSpPr>
+          <p:cNvPr id="10" name="Conector de seta reta 9"/>
+          <p:cNvCxnSpPr/>
+          <p:nvPr/>
+        </p:nvCxnSpPr>
+        <p:spPr>
+          <a:xfrm flipV="1">
+            <a:off x="4840941" y="2528047"/>
+            <a:ext cx="820270" cy="17913"/>
+          </a:xfrm>
+          <a:prstGeom prst="straightConnector1">
+            <a:avLst/>
+          </a:prstGeom>
+          <a:ln w="76200">
+            <a:solidFill>
+              <a:schemeClr val="tx2">
+                <a:lumMod val="75000"/>
+              </a:schemeClr>
+            </a:solidFill>
+            <a:tailEnd type="triangle"/>
+          </a:ln>
+        </p:spPr>
+        <p:style>
+          <a:lnRef idx="1">
+            <a:schemeClr val="accent1"/>
+          </a:lnRef>
+          <a:fillRef idx="0">
+            <a:schemeClr val="accent1"/>
+          </a:fillRef>
+          <a:effectRef idx="0">
+            <a:schemeClr val="accent1"/>
+          </a:effectRef>
+          <a:fontRef idx="minor">
+            <a:schemeClr val="tx1"/>
+          </a:fontRef>
+        </p:style>
+      </p:cxnSp>
+      <p:cxnSp>
+        <p:nvCxnSpPr>
+          <p:cNvPr id="11" name="Conector de seta reta 10"/>
+          <p:cNvCxnSpPr/>
+          <p:nvPr/>
+        </p:nvCxnSpPr>
+        <p:spPr>
+          <a:xfrm flipV="1">
+            <a:off x="7342094" y="2528047"/>
+            <a:ext cx="820270" cy="17913"/>
+          </a:xfrm>
+          <a:prstGeom prst="straightConnector1">
+            <a:avLst/>
+          </a:prstGeom>
+          <a:ln w="76200">
+            <a:solidFill>
+              <a:schemeClr val="tx2">
+                <a:lumMod val="75000"/>
+              </a:schemeClr>
+            </a:solidFill>
+            <a:tailEnd type="triangle"/>
+          </a:ln>
+        </p:spPr>
+        <p:style>
+          <a:lnRef idx="1">
+            <a:schemeClr val="accent1"/>
+          </a:lnRef>
+          <a:fillRef idx="0">
+            <a:schemeClr val="accent1"/>
+          </a:fillRef>
+          <a:effectRef idx="0">
+            <a:schemeClr val="accent1"/>
+          </a:effectRef>
+          <a:fontRef idx="minor">
+            <a:schemeClr val="tx1"/>
+          </a:fontRef>
+        </p:style>
+      </p:cxnSp>
+      <p:cxnSp>
+        <p:nvCxnSpPr>
+          <p:cNvPr id="12" name="Conector de seta reta 11"/>
+          <p:cNvCxnSpPr/>
+          <p:nvPr/>
+        </p:nvCxnSpPr>
+        <p:spPr>
+          <a:xfrm flipV="1">
+            <a:off x="9291917" y="2528047"/>
+            <a:ext cx="820270" cy="17913"/>
+          </a:xfrm>
+          <a:prstGeom prst="straightConnector1">
+            <a:avLst/>
+          </a:prstGeom>
+          <a:ln w="76200">
+            <a:solidFill>
+              <a:schemeClr val="tx2">
+                <a:lumMod val="75000"/>
+              </a:schemeClr>
+            </a:solidFill>
+            <a:tailEnd type="triangle"/>
+          </a:ln>
+        </p:spPr>
+        <p:style>
+          <a:lnRef idx="1">
+            <a:schemeClr val="accent1"/>
+          </a:lnRef>
+          <a:fillRef idx="0">
+            <a:schemeClr val="accent1"/>
+          </a:fillRef>
+          <a:effectRef idx="0">
+            <a:schemeClr val="accent1"/>
+          </a:effectRef>
+          <a:fontRef idx="minor">
+            <a:schemeClr val="tx1"/>
+          </a:fontRef>
+        </p:style>
+      </p:cxnSp>
+      <p:pic>
+        <p:nvPicPr>
+          <p:cNvPr id="13" name="Imagem 12"/>
+          <p:cNvPicPr>
+            <a:picLocks noChangeAspect="1"/>
+          </p:cNvPicPr>
+          <p:nvPr/>
+        </p:nvPicPr>
+        <p:blipFill>
+          <a:blip r:embed="rId2"/>
+          <a:stretch>
+            <a:fillRect/>
+          </a:stretch>
+        </p:blipFill>
+        <p:spPr>
+          <a:xfrm>
+            <a:off x="1683349" y="3429000"/>
+            <a:ext cx="2182454" cy="3808969"/>
+          </a:xfrm>
+          <a:prstGeom prst="rect">
+            <a:avLst/>
+          </a:prstGeom>
+        </p:spPr>
+      </p:pic>
+      <p:pic>
+        <p:nvPicPr>
+          <p:cNvPr id="15" name="Imagem 14"/>
+          <p:cNvPicPr>
+            <a:picLocks noChangeAspect="1"/>
+          </p:cNvPicPr>
+          <p:nvPr/>
+        </p:nvPicPr>
+        <p:blipFill>
+          <a:blip r:embed="rId3"/>
+          <a:stretch>
+            <a:fillRect/>
+          </a:stretch>
+        </p:blipFill>
+        <p:spPr>
+          <a:xfrm>
+            <a:off x="4736074" y="3657620"/>
+            <a:ext cx="3876299" cy="1990125"/>
+          </a:xfrm>
+          <a:prstGeom prst="rect">
+            <a:avLst/>
+          </a:prstGeom>
+        </p:spPr>
+      </p:pic>
     </p:spTree>
     <p:extLst>
       <p:ext uri="{BB962C8B-B14F-4D97-AF65-F5344CB8AC3E}">

--- a/Resources/Images/Figuras.pptx
+++ b/Resources/Images/Figuras.pptx
@@ -8,6 +8,8 @@
     <p:sldId id="256" r:id="rId2"/>
     <p:sldId id="257" r:id="rId3"/>
     <p:sldId id="258" r:id="rId4"/>
+    <p:sldId id="259" r:id="rId5"/>
+    <p:sldId id="260" r:id="rId6"/>
   </p:sldIdLst>
   <p:sldSz cx="12192000" cy="6858000"/>
   <p:notesSz cx="6858000" cy="9144000"/>
@@ -119,6 +121,36 @@
             <a:srgbClr val="A4A3A4"/>
           </p15:clr>
         </p15:guide>
+        <p15:guide id="3" pos="393" userDrawn="1">
+          <p15:clr>
+            <a:srgbClr val="A4A3A4"/>
+          </p15:clr>
+        </p15:guide>
+        <p15:guide id="4" pos="5269" userDrawn="1">
+          <p15:clr>
+            <a:srgbClr val="A4A3A4"/>
+          </p15:clr>
+        </p15:guide>
+        <p15:guide id="5" orient="horz" pos="2568" userDrawn="1">
+          <p15:clr>
+            <a:srgbClr val="A4A3A4"/>
+          </p15:clr>
+        </p15:guide>
+        <p15:guide id="6" pos="3296" userDrawn="1">
+          <p15:clr>
+            <a:srgbClr val="A4A3A4"/>
+          </p15:clr>
+        </p15:guide>
+        <p15:guide id="7" pos="4044" userDrawn="1">
+          <p15:clr>
+            <a:srgbClr val="A4A3A4"/>
+          </p15:clr>
+        </p15:guide>
+        <p15:guide id="8" orient="horz" pos="3249" userDrawn="1">
+          <p15:clr>
+            <a:srgbClr val="A4A3A4"/>
+          </p15:clr>
+        </p15:guide>
       </p15:sldGuideLst>
     </p:ext>
   </p:extLst>
@@ -256,7 +288,7 @@
           <a:p>
             <a:fld id="{637E9AFB-B08B-4167-BD8F-E796937CD375}" type="datetimeFigureOut">
               <a:rPr lang="pt-BR" smtClean="0"/>
-              <a:t>06/06/2016</a:t>
+              <a:t>25/06/2016</a:t>
             </a:fld>
             <a:endParaRPr lang="pt-BR"/>
           </a:p>
@@ -426,7 +458,7 @@
           <a:p>
             <a:fld id="{637E9AFB-B08B-4167-BD8F-E796937CD375}" type="datetimeFigureOut">
               <a:rPr lang="pt-BR" smtClean="0"/>
-              <a:t>06/06/2016</a:t>
+              <a:t>25/06/2016</a:t>
             </a:fld>
             <a:endParaRPr lang="pt-BR"/>
           </a:p>
@@ -606,7 +638,7 @@
           <a:p>
             <a:fld id="{637E9AFB-B08B-4167-BD8F-E796937CD375}" type="datetimeFigureOut">
               <a:rPr lang="pt-BR" smtClean="0"/>
-              <a:t>06/06/2016</a:t>
+              <a:t>25/06/2016</a:t>
             </a:fld>
             <a:endParaRPr lang="pt-BR"/>
           </a:p>
@@ -776,7 +808,7 @@
           <a:p>
             <a:fld id="{637E9AFB-B08B-4167-BD8F-E796937CD375}" type="datetimeFigureOut">
               <a:rPr lang="pt-BR" smtClean="0"/>
-              <a:t>06/06/2016</a:t>
+              <a:t>25/06/2016</a:t>
             </a:fld>
             <a:endParaRPr lang="pt-BR"/>
           </a:p>
@@ -1022,7 +1054,7 @@
           <a:p>
             <a:fld id="{637E9AFB-B08B-4167-BD8F-E796937CD375}" type="datetimeFigureOut">
               <a:rPr lang="pt-BR" smtClean="0"/>
-              <a:t>06/06/2016</a:t>
+              <a:t>25/06/2016</a:t>
             </a:fld>
             <a:endParaRPr lang="pt-BR"/>
           </a:p>
@@ -1254,7 +1286,7 @@
           <a:p>
             <a:fld id="{637E9AFB-B08B-4167-BD8F-E796937CD375}" type="datetimeFigureOut">
               <a:rPr lang="pt-BR" smtClean="0"/>
-              <a:t>06/06/2016</a:t>
+              <a:t>25/06/2016</a:t>
             </a:fld>
             <a:endParaRPr lang="pt-BR"/>
           </a:p>
@@ -1621,7 +1653,7 @@
           <a:p>
             <a:fld id="{637E9AFB-B08B-4167-BD8F-E796937CD375}" type="datetimeFigureOut">
               <a:rPr lang="pt-BR" smtClean="0"/>
-              <a:t>06/06/2016</a:t>
+              <a:t>25/06/2016</a:t>
             </a:fld>
             <a:endParaRPr lang="pt-BR"/>
           </a:p>
@@ -1739,7 +1771,7 @@
           <a:p>
             <a:fld id="{637E9AFB-B08B-4167-BD8F-E796937CD375}" type="datetimeFigureOut">
               <a:rPr lang="pt-BR" smtClean="0"/>
-              <a:t>06/06/2016</a:t>
+              <a:t>25/06/2016</a:t>
             </a:fld>
             <a:endParaRPr lang="pt-BR"/>
           </a:p>
@@ -1834,7 +1866,7 @@
           <a:p>
             <a:fld id="{637E9AFB-B08B-4167-BD8F-E796937CD375}" type="datetimeFigureOut">
               <a:rPr lang="pt-BR" smtClean="0"/>
-              <a:t>06/06/2016</a:t>
+              <a:t>25/06/2016</a:t>
             </a:fld>
             <a:endParaRPr lang="pt-BR"/>
           </a:p>
@@ -2111,7 +2143,7 @@
           <a:p>
             <a:fld id="{637E9AFB-B08B-4167-BD8F-E796937CD375}" type="datetimeFigureOut">
               <a:rPr lang="pt-BR" smtClean="0"/>
-              <a:t>06/06/2016</a:t>
+              <a:t>25/06/2016</a:t>
             </a:fld>
             <a:endParaRPr lang="pt-BR"/>
           </a:p>
@@ -2364,7 +2396,7 @@
           <a:p>
             <a:fld id="{637E9AFB-B08B-4167-BD8F-E796937CD375}" type="datetimeFigureOut">
               <a:rPr lang="pt-BR" smtClean="0"/>
-              <a:t>06/06/2016</a:t>
+              <a:t>25/06/2016</a:t>
             </a:fld>
             <a:endParaRPr lang="pt-BR"/>
           </a:p>
@@ -2577,7 +2609,7 @@
           <a:p>
             <a:fld id="{637E9AFB-B08B-4167-BD8F-E796937CD375}" type="datetimeFigureOut">
               <a:rPr lang="pt-BR" smtClean="0"/>
-              <a:t>06/06/2016</a:t>
+              <a:t>25/06/2016</a:t>
             </a:fld>
             <a:endParaRPr lang="pt-BR"/>
           </a:p>
@@ -3467,215 +3499,13 @@
       </p:sp>
       <p:cxnSp>
         <p:nvCxnSpPr>
-          <p:cNvPr id="17" name="Conector reto 16"/>
-          <p:cNvCxnSpPr/>
-          <p:nvPr/>
-        </p:nvCxnSpPr>
-        <p:spPr>
-          <a:xfrm rot="-1800000">
-            <a:off x="5317860" y="1460245"/>
-            <a:ext cx="825500" cy="0"/>
-          </a:xfrm>
-          <a:prstGeom prst="line">
-            <a:avLst/>
-          </a:prstGeom>
-          <a:ln w="28575">
-            <a:solidFill>
-              <a:schemeClr val="tx1"/>
-            </a:solidFill>
-            <a:prstDash val="dash"/>
-          </a:ln>
-        </p:spPr>
-        <p:style>
-          <a:lnRef idx="1">
-            <a:schemeClr val="accent1"/>
-          </a:lnRef>
-          <a:fillRef idx="0">
-            <a:schemeClr val="accent1"/>
-          </a:fillRef>
-          <a:effectRef idx="0">
-            <a:schemeClr val="accent1"/>
-          </a:effectRef>
-          <a:fontRef idx="minor">
-            <a:schemeClr val="tx1"/>
-          </a:fontRef>
-        </p:style>
-      </p:cxnSp>
-      <p:cxnSp>
-        <p:nvCxnSpPr>
-          <p:cNvPr id="18" name="Conector reto 17"/>
-          <p:cNvCxnSpPr/>
-          <p:nvPr/>
-        </p:nvCxnSpPr>
-        <p:spPr>
-          <a:xfrm>
-            <a:off x="6088062" y="1253870"/>
-            <a:ext cx="1028700" cy="0"/>
-          </a:xfrm>
-          <a:prstGeom prst="line">
-            <a:avLst/>
-          </a:prstGeom>
-          <a:ln w="19050">
-            <a:solidFill>
-              <a:schemeClr val="tx1"/>
-            </a:solidFill>
-          </a:ln>
-        </p:spPr>
-        <p:style>
-          <a:lnRef idx="1">
-            <a:schemeClr val="accent1"/>
-          </a:lnRef>
-          <a:fillRef idx="0">
-            <a:schemeClr val="accent1"/>
-          </a:fillRef>
-          <a:effectRef idx="0">
-            <a:schemeClr val="accent1"/>
-          </a:effectRef>
-          <a:fontRef idx="minor">
-            <a:schemeClr val="tx1"/>
-          </a:fontRef>
-        </p:style>
-      </p:cxnSp>
-      <p:cxnSp>
-        <p:nvCxnSpPr>
-          <p:cNvPr id="19" name="Conector reto 18"/>
-          <p:cNvCxnSpPr/>
-          <p:nvPr/>
-        </p:nvCxnSpPr>
-        <p:spPr>
-          <a:xfrm rot="1800000">
-            <a:off x="5317859" y="4257677"/>
-            <a:ext cx="825500" cy="0"/>
-          </a:xfrm>
-          <a:prstGeom prst="line">
-            <a:avLst/>
-          </a:prstGeom>
-          <a:ln w="28575">
-            <a:solidFill>
-              <a:schemeClr val="tx1"/>
-            </a:solidFill>
-            <a:prstDash val="dash"/>
-          </a:ln>
-        </p:spPr>
-        <p:style>
-          <a:lnRef idx="1">
-            <a:schemeClr val="accent1"/>
-          </a:lnRef>
-          <a:fillRef idx="0">
-            <a:schemeClr val="accent1"/>
-          </a:fillRef>
-          <a:effectRef idx="0">
-            <a:schemeClr val="accent1"/>
-          </a:effectRef>
-          <a:fontRef idx="minor">
-            <a:schemeClr val="tx1"/>
-          </a:fontRef>
-        </p:style>
-      </p:cxnSp>
-      <p:cxnSp>
-        <p:nvCxnSpPr>
-          <p:cNvPr id="20" name="Conector reto 19"/>
-          <p:cNvCxnSpPr/>
-          <p:nvPr/>
-        </p:nvCxnSpPr>
-        <p:spPr>
-          <a:xfrm>
-            <a:off x="6088061" y="4457702"/>
-            <a:ext cx="1028700" cy="0"/>
-          </a:xfrm>
-          <a:prstGeom prst="line">
-            <a:avLst/>
-          </a:prstGeom>
-          <a:ln w="19050">
-            <a:solidFill>
-              <a:schemeClr val="tx1"/>
-            </a:solidFill>
-          </a:ln>
-        </p:spPr>
-        <p:style>
-          <a:lnRef idx="1">
-            <a:schemeClr val="accent1"/>
-          </a:lnRef>
-          <a:fillRef idx="0">
-            <a:schemeClr val="accent1"/>
-          </a:fillRef>
-          <a:effectRef idx="0">
-            <a:schemeClr val="accent1"/>
-          </a:effectRef>
-          <a:fontRef idx="minor">
-            <a:schemeClr val="tx1"/>
-          </a:fontRef>
-        </p:style>
-      </p:cxnSp>
-      <p:sp>
-        <p:nvSpPr>
-          <p:cNvPr id="21" name="CaixaDeTexto 20"/>
-          <p:cNvSpPr txBox="1"/>
-          <p:nvPr/>
-        </p:nvSpPr>
-        <p:spPr>
-          <a:xfrm>
-            <a:off x="6038213" y="2219495"/>
-            <a:ext cx="1088182" cy="1200329"/>
-          </a:xfrm>
-          <a:prstGeom prst="rect">
-            <a:avLst/>
-          </a:prstGeom>
-          <a:noFill/>
-        </p:spPr>
-        <p:txBody>
-          <a:bodyPr wrap="none" rtlCol="0">
-            <a:spAutoFit/>
-          </a:bodyPr>
-          <a:lstStyle/>
-          <a:p>
-            <a:pPr algn="ctr"/>
-            <a:r>
-              <a:rPr lang="pt-BR" b="1" dirty="0" smtClean="0"/>
-              <a:t>Tensão</a:t>
-            </a:r>
-          </a:p>
-          <a:p>
-            <a:pPr algn="ctr"/>
-            <a:r>
-              <a:rPr lang="pt-BR" b="1" dirty="0"/>
-              <a:t>d</a:t>
-            </a:r>
-            <a:r>
-              <a:rPr lang="pt-BR" b="1" dirty="0" smtClean="0"/>
-              <a:t>e Saída</a:t>
-            </a:r>
-          </a:p>
-          <a:p>
-            <a:pPr algn="ctr"/>
-            <a:r>
-              <a:rPr lang="pt-BR" b="1" dirty="0"/>
-              <a:t>d</a:t>
-            </a:r>
-            <a:r>
-              <a:rPr lang="pt-BR" b="1" dirty="0" smtClean="0"/>
-              <a:t>o Ajuste</a:t>
-            </a:r>
-          </a:p>
-          <a:p>
-            <a:pPr algn="ctr"/>
-            <a:r>
-              <a:rPr lang="pt-BR" b="1" dirty="0" smtClean="0"/>
-              <a:t>de Offset</a:t>
-            </a:r>
-            <a:endParaRPr lang="pt-BR" b="1" dirty="0"/>
-          </a:p>
-        </p:txBody>
-      </p:sp>
-      <p:cxnSp>
-        <p:nvCxnSpPr>
           <p:cNvPr id="22" name="Conector reto 21"/>
           <p:cNvCxnSpPr/>
           <p:nvPr/>
         </p:nvCxnSpPr>
         <p:spPr>
           <a:xfrm rot="-1800000">
-            <a:off x="7061463" y="1044064"/>
+            <a:off x="5272607" y="1474314"/>
             <a:ext cx="825500" cy="0"/>
           </a:xfrm>
           <a:prstGeom prst="line">
@@ -3711,7 +3541,7 @@
         </p:nvCxnSpPr>
         <p:spPr>
           <a:xfrm>
-            <a:off x="7831665" y="837689"/>
+            <a:off x="6042809" y="1267939"/>
             <a:ext cx="1028700" cy="0"/>
           </a:xfrm>
           <a:prstGeom prst="line">
@@ -3746,7 +3576,7 @@
         </p:nvCxnSpPr>
         <p:spPr>
           <a:xfrm rot="1800000">
-            <a:off x="7061463" y="4664076"/>
+            <a:off x="5317860" y="4248773"/>
             <a:ext cx="825500" cy="0"/>
           </a:xfrm>
           <a:prstGeom prst="line">
@@ -3782,7 +3612,7 @@
         </p:nvCxnSpPr>
         <p:spPr>
           <a:xfrm>
-            <a:off x="7831665" y="4864101"/>
+            <a:off x="6088062" y="4448798"/>
             <a:ext cx="1028700" cy="0"/>
           </a:xfrm>
           <a:prstGeom prst="line">
@@ -4019,14 +3849,14 @@
       </p:sp>
       <p:sp>
         <p:nvSpPr>
-          <p:cNvPr id="33" name="CaixaDeTexto 32"/>
+          <p:cNvPr id="35" name="CaixaDeTexto 34"/>
           <p:cNvSpPr txBox="1"/>
           <p:nvPr/>
         </p:nvSpPr>
         <p:spPr>
           <a:xfrm>
-            <a:off x="6030860" y="884539"/>
-            <a:ext cx="1190390" cy="369332"/>
+            <a:off x="6115276" y="872697"/>
+            <a:ext cx="883768" cy="369332"/>
           </a:xfrm>
           <a:prstGeom prst="rect">
             <a:avLst/>
@@ -4046,76 +3876,6 @@
             </a:r>
             <a:r>
               <a:rPr lang="pt-BR" baseline="-25000" dirty="0" err="1" smtClean="0"/>
-              <a:t>aj_offset_máx</a:t>
-            </a:r>
-            <a:endParaRPr lang="pt-BR" dirty="0"/>
-          </a:p>
-        </p:txBody>
-      </p:sp>
-      <p:sp>
-        <p:nvSpPr>
-          <p:cNvPr id="34" name="CaixaDeTexto 33"/>
-          <p:cNvSpPr txBox="1"/>
-          <p:nvPr/>
-        </p:nvSpPr>
-        <p:spPr>
-          <a:xfrm>
-            <a:off x="6042979" y="4453239"/>
-            <a:ext cx="1166153" cy="369332"/>
-          </a:xfrm>
-          <a:prstGeom prst="rect">
-            <a:avLst/>
-          </a:prstGeom>
-          <a:noFill/>
-        </p:spPr>
-        <p:txBody>
-          <a:bodyPr wrap="none" rtlCol="0">
-            <a:spAutoFit/>
-          </a:bodyPr>
-          <a:lstStyle/>
-          <a:p>
-            <a:pPr algn="ctr"/>
-            <a:r>
-              <a:rPr lang="pt-BR" dirty="0" err="1" smtClean="0"/>
-              <a:t>V</a:t>
-            </a:r>
-            <a:r>
-              <a:rPr lang="pt-BR" baseline="-25000" dirty="0" err="1" smtClean="0"/>
-              <a:t>aj_offset_mín</a:t>
-            </a:r>
-            <a:endParaRPr lang="pt-BR" dirty="0"/>
-          </a:p>
-        </p:txBody>
-      </p:sp>
-      <p:sp>
-        <p:nvSpPr>
-          <p:cNvPr id="35" name="CaixaDeTexto 34"/>
-          <p:cNvSpPr txBox="1"/>
-          <p:nvPr/>
-        </p:nvSpPr>
-        <p:spPr>
-          <a:xfrm>
-            <a:off x="7904132" y="442447"/>
-            <a:ext cx="883768" cy="369332"/>
-          </a:xfrm>
-          <a:prstGeom prst="rect">
-            <a:avLst/>
-          </a:prstGeom>
-          <a:noFill/>
-        </p:spPr>
-        <p:txBody>
-          <a:bodyPr wrap="none" rtlCol="0">
-            <a:spAutoFit/>
-          </a:bodyPr>
-          <a:lstStyle/>
-          <a:p>
-            <a:pPr algn="ctr"/>
-            <a:r>
-              <a:rPr lang="pt-BR" dirty="0" err="1" smtClean="0"/>
-              <a:t>V</a:t>
-            </a:r>
-            <a:r>
-              <a:rPr lang="pt-BR" baseline="-25000" dirty="0" err="1" smtClean="0"/>
               <a:t>INA_máx</a:t>
             </a:r>
             <a:endParaRPr lang="pt-BR" dirty="0"/>
@@ -4130,7 +3890,7 @@
         </p:nvSpPr>
         <p:spPr>
           <a:xfrm>
-            <a:off x="7916250" y="4836647"/>
+            <a:off x="6172647" y="4421344"/>
             <a:ext cx="859530" cy="369332"/>
           </a:xfrm>
           <a:prstGeom prst="rect">
@@ -4339,8 +4099,8 @@
         </p:nvSpPr>
         <p:spPr>
           <a:xfrm>
-            <a:off x="4478793" y="3791566"/>
-            <a:ext cx="803425" cy="307777"/>
+            <a:off x="4433108" y="3791566"/>
+            <a:ext cx="894797" cy="307777"/>
           </a:xfrm>
           <a:prstGeom prst="rect">
             <a:avLst/>
@@ -4356,7 +4116,7 @@
             <a:pPr algn="ctr"/>
             <a:r>
               <a:rPr lang="pt-BR" sz="1400" dirty="0" smtClean="0"/>
-              <a:t>-49.7mV</a:t>
+              <a:t>-2.265mV</a:t>
             </a:r>
             <a:endParaRPr lang="pt-BR" sz="1400" dirty="0"/>
           </a:p>
@@ -4370,7 +4130,7 @@
         </p:nvSpPr>
         <p:spPr>
           <a:xfrm>
-            <a:off x="4460358" y="1619866"/>
+            <a:off x="4460359" y="1619866"/>
             <a:ext cx="840295" cy="307777"/>
           </a:xfrm>
           <a:prstGeom prst="rect">
@@ -4387,69 +4147,7 @@
             <a:pPr algn="ctr"/>
             <a:r>
               <a:rPr lang="pt-BR" sz="1400" dirty="0" smtClean="0"/>
-              <a:t>221.1mV</a:t>
-            </a:r>
-            <a:endParaRPr lang="pt-BR" sz="1400" dirty="0"/>
-          </a:p>
-        </p:txBody>
-      </p:sp>
-      <p:sp>
-        <p:nvSpPr>
-          <p:cNvPr id="44" name="CaixaDeTexto 43"/>
-          <p:cNvSpPr txBox="1"/>
-          <p:nvPr/>
-        </p:nvSpPr>
-        <p:spPr>
-          <a:xfrm>
-            <a:off x="6205907" y="1212199"/>
-            <a:ext cx="840294" cy="307777"/>
-          </a:xfrm>
-          <a:prstGeom prst="rect">
-            <a:avLst/>
-          </a:prstGeom>
-          <a:noFill/>
-        </p:spPr>
-        <p:txBody>
-          <a:bodyPr wrap="none" rtlCol="0">
-            <a:spAutoFit/>
-          </a:bodyPr>
-          <a:lstStyle/>
-          <a:p>
-            <a:pPr algn="ctr"/>
-            <a:r>
-              <a:rPr lang="pt-BR" sz="1400" dirty="0" smtClean="0"/>
-              <a:t>270.8mV</a:t>
-            </a:r>
-            <a:endParaRPr lang="pt-BR" sz="1400" dirty="0"/>
-          </a:p>
-        </p:txBody>
-      </p:sp>
-      <p:sp>
-        <p:nvSpPr>
-          <p:cNvPr id="45" name="CaixaDeTexto 44"/>
-          <p:cNvSpPr txBox="1"/>
-          <p:nvPr/>
-        </p:nvSpPr>
-        <p:spPr>
-          <a:xfrm>
-            <a:off x="6341361" y="4178919"/>
-            <a:ext cx="569387" cy="307777"/>
-          </a:xfrm>
-          <a:prstGeom prst="rect">
-            <a:avLst/>
-          </a:prstGeom>
-          <a:noFill/>
-        </p:spPr>
-        <p:txBody>
-          <a:bodyPr wrap="none" rtlCol="0">
-            <a:spAutoFit/>
-          </a:bodyPr>
-          <a:lstStyle/>
-          <a:p>
-            <a:pPr algn="ctr"/>
-            <a:r>
-              <a:rPr lang="pt-BR" sz="1400" dirty="0" smtClean="0"/>
-              <a:t>73µV</a:t>
+              <a:t>1.842mV</a:t>
             </a:r>
             <a:endParaRPr lang="pt-BR" sz="1400" dirty="0"/>
           </a:p>
@@ -4463,7 +4161,7 @@
         </p:nvCxnSpPr>
         <p:spPr>
           <a:xfrm rot="-1800000">
-            <a:off x="8805067" y="631314"/>
+            <a:off x="7016211" y="1061564"/>
             <a:ext cx="825500" cy="0"/>
           </a:xfrm>
           <a:prstGeom prst="line">
@@ -4499,7 +4197,7 @@
         </p:nvCxnSpPr>
         <p:spPr>
           <a:xfrm>
-            <a:off x="9575269" y="424939"/>
+            <a:off x="7786413" y="855189"/>
             <a:ext cx="1028700" cy="0"/>
           </a:xfrm>
           <a:prstGeom prst="line">
@@ -4534,7 +4232,7 @@
         </p:nvSpPr>
         <p:spPr>
           <a:xfrm>
-            <a:off x="9794410" y="29697"/>
+            <a:off x="8005554" y="459947"/>
             <a:ext cx="590418" cy="369332"/>
           </a:xfrm>
           <a:prstGeom prst="rect">
@@ -4569,7 +4267,7 @@
         </p:nvCxnSpPr>
         <p:spPr>
           <a:xfrm rot="1800000">
-            <a:off x="8805067" y="5070477"/>
+            <a:off x="7061464" y="4655174"/>
             <a:ext cx="825500" cy="0"/>
           </a:xfrm>
           <a:prstGeom prst="line">
@@ -4605,7 +4303,7 @@
         </p:nvCxnSpPr>
         <p:spPr>
           <a:xfrm>
-            <a:off x="9575269" y="5270502"/>
+            <a:off x="7831666" y="4855199"/>
             <a:ext cx="1028700" cy="0"/>
           </a:xfrm>
           <a:prstGeom prst="line">
@@ -4640,7 +4338,7 @@
         </p:nvSpPr>
         <p:spPr>
           <a:xfrm>
-            <a:off x="9806529" y="5243048"/>
+            <a:off x="8062926" y="4827745"/>
             <a:ext cx="566181" cy="369332"/>
           </a:xfrm>
           <a:prstGeom prst="rect">
@@ -4675,7 +4373,7 @@
         </p:nvSpPr>
         <p:spPr>
           <a:xfrm>
-            <a:off x="7769421" y="2219495"/>
+            <a:off x="5970317" y="2219495"/>
             <a:ext cx="1283364" cy="1477328"/>
           </a:xfrm>
           <a:prstGeom prst="rect">
@@ -4744,7 +4442,7 @@
             <a:pPr algn="ctr"/>
             <a:r>
               <a:rPr lang="pt-BR" b="1" dirty="0" smtClean="0"/>
-              <a:t>G=14.756</a:t>
+              <a:t>G=805</a:t>
             </a:r>
             <a:endParaRPr lang="pt-BR" b="1" dirty="0"/>
           </a:p>
@@ -4758,8 +4456,8 @@
         </p:nvSpPr>
         <p:spPr>
           <a:xfrm>
-            <a:off x="8017239" y="4595347"/>
-            <a:ext cx="657552" cy="307777"/>
+            <a:off x="6226349" y="4180044"/>
+            <a:ext cx="752129" cy="307777"/>
           </a:xfrm>
           <a:prstGeom prst="rect">
             <a:avLst/>
@@ -4775,7 +4473,7 @@
             <a:pPr algn="ctr"/>
             <a:r>
               <a:rPr lang="pt-BR" sz="1400" dirty="0" smtClean="0"/>
-              <a:t>1.3mV</a:t>
+              <a:t>-1.823V</a:t>
             </a:r>
             <a:endParaRPr lang="pt-BR" sz="1400" dirty="0"/>
           </a:p>
@@ -4789,8 +4487,8 @@
         </p:nvSpPr>
         <p:spPr>
           <a:xfrm>
-            <a:off x="7997202" y="798047"/>
-            <a:ext cx="697627" cy="307777"/>
+            <a:off x="6208346" y="1228297"/>
+            <a:ext cx="697628" cy="307777"/>
           </a:xfrm>
           <a:prstGeom prst="rect">
             <a:avLst/>
@@ -4806,7 +4504,7 @@
             <a:pPr algn="ctr"/>
             <a:r>
               <a:rPr lang="pt-BR" sz="1400" dirty="0" smtClean="0"/>
-              <a:t>3.997V</a:t>
+              <a:t>1.483V</a:t>
             </a:r>
             <a:endParaRPr lang="pt-BR" sz="1400" dirty="0"/>
           </a:p>
@@ -4820,8 +4518,8 @@
         </p:nvSpPr>
         <p:spPr>
           <a:xfrm>
-            <a:off x="9657451" y="2436503"/>
-            <a:ext cx="889987" cy="923330"/>
+            <a:off x="7754953" y="2436503"/>
+            <a:ext cx="1096775" cy="923330"/>
           </a:xfrm>
           <a:prstGeom prst="rect">
             <a:avLst/>
@@ -4851,7 +4549,11 @@
             <a:pPr algn="ctr"/>
             <a:r>
               <a:rPr lang="pt-BR" b="1" dirty="0" smtClean="0"/>
-              <a:t>0 a +5V</a:t>
+              <a:t>-5V </a:t>
+            </a:r>
+            <a:r>
+              <a:rPr lang="pt-BR" b="1" dirty="0" smtClean="0"/>
+              <a:t>a +5V</a:t>
             </a:r>
             <a:endParaRPr lang="pt-BR" b="1" dirty="0"/>
           </a:p>
@@ -4865,7 +4567,7 @@
         </p:nvSpPr>
         <p:spPr>
           <a:xfrm>
-            <a:off x="9721570" y="4989048"/>
+            <a:off x="7977967" y="4573745"/>
             <a:ext cx="736100" cy="307777"/>
           </a:xfrm>
           <a:prstGeom prst="rect">
@@ -4896,7 +4598,7 @@
         </p:nvSpPr>
         <p:spPr>
           <a:xfrm>
-            <a:off x="9721570" y="391648"/>
+            <a:off x="7932714" y="821898"/>
             <a:ext cx="736100" cy="307777"/>
           </a:xfrm>
           <a:prstGeom prst="rect">
@@ -6241,6 +5943,2224 @@
           </a:p>
         </p:txBody>
       </p:sp>
+      <p:sp>
+        <p:nvSpPr>
+          <p:cNvPr id="26" name="Retângulo 25"/>
+          <p:cNvSpPr/>
+          <p:nvPr/>
+        </p:nvSpPr>
+        <p:spPr>
+          <a:xfrm rot="16200000">
+            <a:off x="4213225" y="5113763"/>
+            <a:ext cx="152400" cy="292100"/>
+          </a:xfrm>
+          <a:prstGeom prst="rect">
+            <a:avLst/>
+          </a:prstGeom>
+          <a:solidFill>
+            <a:schemeClr val="tx1">
+              <a:lumMod val="65000"/>
+              <a:lumOff val="35000"/>
+            </a:schemeClr>
+          </a:solidFill>
+        </p:spPr>
+        <p:style>
+          <a:lnRef idx="2">
+            <a:schemeClr val="accent1">
+              <a:shade val="50000"/>
+            </a:schemeClr>
+          </a:lnRef>
+          <a:fillRef idx="1">
+            <a:schemeClr val="accent1"/>
+          </a:fillRef>
+          <a:effectRef idx="0">
+            <a:schemeClr val="accent1"/>
+          </a:effectRef>
+          <a:fontRef idx="minor">
+            <a:schemeClr val="lt1"/>
+          </a:fontRef>
+        </p:style>
+        <p:txBody>
+          <a:bodyPr rtlCol="0" anchor="ctr"/>
+          <a:lstStyle/>
+          <a:p>
+            <a:pPr algn="ctr"/>
+            <a:endParaRPr lang="pt-BR"/>
+          </a:p>
+        </p:txBody>
+      </p:sp>
+      <p:sp>
+        <p:nvSpPr>
+          <p:cNvPr id="27" name="Forma livre 26"/>
+          <p:cNvSpPr/>
+          <p:nvPr/>
+        </p:nvSpPr>
+        <p:spPr>
+          <a:xfrm rot="16200000">
+            <a:off x="5838825" y="2357863"/>
+            <a:ext cx="1498600" cy="4305300"/>
+          </a:xfrm>
+          <a:custGeom>
+            <a:avLst/>
+            <a:gdLst>
+              <a:gd name="connsiteX0" fmla="*/ 38100 w 1498600"/>
+              <a:gd name="connsiteY0" fmla="*/ 0 h 4305300"/>
+              <a:gd name="connsiteX1" fmla="*/ 25400 w 1498600"/>
+              <a:gd name="connsiteY1" fmla="*/ 1117600 h 4305300"/>
+              <a:gd name="connsiteX2" fmla="*/ 0 w 1498600"/>
+              <a:gd name="connsiteY2" fmla="*/ 1320800 h 4305300"/>
+              <a:gd name="connsiteX3" fmla="*/ 12700 w 1498600"/>
+              <a:gd name="connsiteY3" fmla="*/ 2374900 h 4305300"/>
+              <a:gd name="connsiteX4" fmla="*/ 38100 w 1498600"/>
+              <a:gd name="connsiteY4" fmla="*/ 2565400 h 4305300"/>
+              <a:gd name="connsiteX5" fmla="*/ 50800 w 1498600"/>
+              <a:gd name="connsiteY5" fmla="*/ 3848100 h 4305300"/>
+              <a:gd name="connsiteX6" fmla="*/ 76200 w 1498600"/>
+              <a:gd name="connsiteY6" fmla="*/ 3924300 h 4305300"/>
+              <a:gd name="connsiteX7" fmla="*/ 88900 w 1498600"/>
+              <a:gd name="connsiteY7" fmla="*/ 4013200 h 4305300"/>
+              <a:gd name="connsiteX8" fmla="*/ 127000 w 1498600"/>
+              <a:gd name="connsiteY8" fmla="*/ 4051300 h 4305300"/>
+              <a:gd name="connsiteX9" fmla="*/ 139700 w 1498600"/>
+              <a:gd name="connsiteY9" fmla="*/ 4140200 h 4305300"/>
+              <a:gd name="connsiteX10" fmla="*/ 190500 w 1498600"/>
+              <a:gd name="connsiteY10" fmla="*/ 4216400 h 4305300"/>
+              <a:gd name="connsiteX11" fmla="*/ 241300 w 1498600"/>
+              <a:gd name="connsiteY11" fmla="*/ 4229100 h 4305300"/>
+              <a:gd name="connsiteX12" fmla="*/ 279400 w 1498600"/>
+              <a:gd name="connsiteY12" fmla="*/ 4254500 h 4305300"/>
+              <a:gd name="connsiteX13" fmla="*/ 508000 w 1498600"/>
+              <a:gd name="connsiteY13" fmla="*/ 4254500 h 4305300"/>
+              <a:gd name="connsiteX14" fmla="*/ 571500 w 1498600"/>
+              <a:gd name="connsiteY14" fmla="*/ 4241800 h 4305300"/>
+              <a:gd name="connsiteX15" fmla="*/ 673100 w 1498600"/>
+              <a:gd name="connsiteY15" fmla="*/ 4203700 h 4305300"/>
+              <a:gd name="connsiteX16" fmla="*/ 762000 w 1498600"/>
+              <a:gd name="connsiteY16" fmla="*/ 4191000 h 4305300"/>
+              <a:gd name="connsiteX17" fmla="*/ 1028700 w 1498600"/>
+              <a:gd name="connsiteY17" fmla="*/ 4203700 h 4305300"/>
+              <a:gd name="connsiteX18" fmla="*/ 1104900 w 1498600"/>
+              <a:gd name="connsiteY18" fmla="*/ 4216400 h 4305300"/>
+              <a:gd name="connsiteX19" fmla="*/ 1308100 w 1498600"/>
+              <a:gd name="connsiteY19" fmla="*/ 4305300 h 4305300"/>
+              <a:gd name="connsiteX20" fmla="*/ 1498600 w 1498600"/>
+              <a:gd name="connsiteY20" fmla="*/ 4292600 h 4305300"/>
+            </a:gdLst>
+            <a:ahLst/>
+            <a:cxnLst>
+              <a:cxn ang="0">
+                <a:pos x="connsiteX0" y="connsiteY0"/>
+              </a:cxn>
+              <a:cxn ang="0">
+                <a:pos x="connsiteX1" y="connsiteY1"/>
+              </a:cxn>
+              <a:cxn ang="0">
+                <a:pos x="connsiteX2" y="connsiteY2"/>
+              </a:cxn>
+              <a:cxn ang="0">
+                <a:pos x="connsiteX3" y="connsiteY3"/>
+              </a:cxn>
+              <a:cxn ang="0">
+                <a:pos x="connsiteX4" y="connsiteY4"/>
+              </a:cxn>
+              <a:cxn ang="0">
+                <a:pos x="connsiteX5" y="connsiteY5"/>
+              </a:cxn>
+              <a:cxn ang="0">
+                <a:pos x="connsiteX6" y="connsiteY6"/>
+              </a:cxn>
+              <a:cxn ang="0">
+                <a:pos x="connsiteX7" y="connsiteY7"/>
+              </a:cxn>
+              <a:cxn ang="0">
+                <a:pos x="connsiteX8" y="connsiteY8"/>
+              </a:cxn>
+              <a:cxn ang="0">
+                <a:pos x="connsiteX9" y="connsiteY9"/>
+              </a:cxn>
+              <a:cxn ang="0">
+                <a:pos x="connsiteX10" y="connsiteY10"/>
+              </a:cxn>
+              <a:cxn ang="0">
+                <a:pos x="connsiteX11" y="connsiteY11"/>
+              </a:cxn>
+              <a:cxn ang="0">
+                <a:pos x="connsiteX12" y="connsiteY12"/>
+              </a:cxn>
+              <a:cxn ang="0">
+                <a:pos x="connsiteX13" y="connsiteY13"/>
+              </a:cxn>
+              <a:cxn ang="0">
+                <a:pos x="connsiteX14" y="connsiteY14"/>
+              </a:cxn>
+              <a:cxn ang="0">
+                <a:pos x="connsiteX15" y="connsiteY15"/>
+              </a:cxn>
+              <a:cxn ang="0">
+                <a:pos x="connsiteX16" y="connsiteY16"/>
+              </a:cxn>
+              <a:cxn ang="0">
+                <a:pos x="connsiteX17" y="connsiteY17"/>
+              </a:cxn>
+              <a:cxn ang="0">
+                <a:pos x="connsiteX18" y="connsiteY18"/>
+              </a:cxn>
+              <a:cxn ang="0">
+                <a:pos x="connsiteX19" y="connsiteY19"/>
+              </a:cxn>
+              <a:cxn ang="0">
+                <a:pos x="connsiteX20" y="connsiteY20"/>
+              </a:cxn>
+            </a:cxnLst>
+            <a:rect l="l" t="t" r="r" b="b"/>
+            <a:pathLst>
+              <a:path w="1498600" h="4305300">
+                <a:moveTo>
+                  <a:pt x="38100" y="0"/>
+                </a:moveTo>
+                <a:cubicBezTo>
+                  <a:pt x="33867" y="372533"/>
+                  <a:pt x="32850" y="745117"/>
+                  <a:pt x="25400" y="1117600"/>
+                </a:cubicBezTo>
+                <a:cubicBezTo>
+                  <a:pt x="22939" y="1240639"/>
+                  <a:pt x="21061" y="1236555"/>
+                  <a:pt x="0" y="1320800"/>
+                </a:cubicBezTo>
+                <a:cubicBezTo>
+                  <a:pt x="4233" y="1672167"/>
+                  <a:pt x="1948" y="2023672"/>
+                  <a:pt x="12700" y="2374900"/>
+                </a:cubicBezTo>
+                <a:cubicBezTo>
+                  <a:pt x="14660" y="2438932"/>
+                  <a:pt x="36444" y="2501359"/>
+                  <a:pt x="38100" y="2565400"/>
+                </a:cubicBezTo>
+                <a:cubicBezTo>
+                  <a:pt x="49155" y="2992845"/>
+                  <a:pt x="38816" y="3420680"/>
+                  <a:pt x="50800" y="3848100"/>
+                </a:cubicBezTo>
+                <a:cubicBezTo>
+                  <a:pt x="51550" y="3874863"/>
+                  <a:pt x="76200" y="3924300"/>
+                  <a:pt x="76200" y="3924300"/>
+                </a:cubicBezTo>
+                <a:cubicBezTo>
+                  <a:pt x="80433" y="3953933"/>
+                  <a:pt x="77783" y="3985407"/>
+                  <a:pt x="88900" y="4013200"/>
+                </a:cubicBezTo>
+                <a:cubicBezTo>
+                  <a:pt x="95570" y="4029876"/>
+                  <a:pt x="120330" y="4034624"/>
+                  <a:pt x="127000" y="4051300"/>
+                </a:cubicBezTo>
+                <a:cubicBezTo>
+                  <a:pt x="138117" y="4079093"/>
+                  <a:pt x="133829" y="4110847"/>
+                  <a:pt x="139700" y="4140200"/>
+                </a:cubicBezTo>
+                <a:cubicBezTo>
+                  <a:pt x="146348" y="4173441"/>
+                  <a:pt x="158673" y="4198213"/>
+                  <a:pt x="190500" y="4216400"/>
+                </a:cubicBezTo>
+                <a:cubicBezTo>
+                  <a:pt x="205655" y="4225060"/>
+                  <a:pt x="224367" y="4224867"/>
+                  <a:pt x="241300" y="4229100"/>
+                </a:cubicBezTo>
+                <a:cubicBezTo>
+                  <a:pt x="254000" y="4237567"/>
+                  <a:pt x="265748" y="4247674"/>
+                  <a:pt x="279400" y="4254500"/>
+                </a:cubicBezTo>
+                <a:cubicBezTo>
+                  <a:pt x="348912" y="4289256"/>
+                  <a:pt x="441832" y="4258911"/>
+                  <a:pt x="508000" y="4254500"/>
+                </a:cubicBezTo>
+                <a:cubicBezTo>
+                  <a:pt x="529167" y="4250267"/>
+                  <a:pt x="550825" y="4248003"/>
+                  <a:pt x="571500" y="4241800"/>
+                </a:cubicBezTo>
+                <a:cubicBezTo>
+                  <a:pt x="587743" y="4236927"/>
+                  <a:pt x="648422" y="4208636"/>
+                  <a:pt x="673100" y="4203700"/>
+                </a:cubicBezTo>
+                <a:cubicBezTo>
+                  <a:pt x="702453" y="4197829"/>
+                  <a:pt x="732367" y="4195233"/>
+                  <a:pt x="762000" y="4191000"/>
+                </a:cubicBezTo>
+                <a:cubicBezTo>
+                  <a:pt x="850900" y="4195233"/>
+                  <a:pt x="939942" y="4197125"/>
+                  <a:pt x="1028700" y="4203700"/>
+                </a:cubicBezTo>
+                <a:cubicBezTo>
+                  <a:pt x="1054380" y="4205602"/>
+                  <a:pt x="1082657" y="4203425"/>
+                  <a:pt x="1104900" y="4216400"/>
+                </a:cubicBezTo>
+                <a:cubicBezTo>
+                  <a:pt x="1302807" y="4331846"/>
+                  <a:pt x="1036839" y="4278174"/>
+                  <a:pt x="1308100" y="4305300"/>
+                </a:cubicBezTo>
+                <a:cubicBezTo>
+                  <a:pt x="1490123" y="4292298"/>
+                  <a:pt x="1426482" y="4292600"/>
+                  <a:pt x="1498600" y="4292600"/>
+                </a:cubicBezTo>
+              </a:path>
+            </a:pathLst>
+          </a:custGeom>
+          <a:noFill/>
+        </p:spPr>
+        <p:style>
+          <a:lnRef idx="2">
+            <a:schemeClr val="accent1">
+              <a:shade val="50000"/>
+            </a:schemeClr>
+          </a:lnRef>
+          <a:fillRef idx="1">
+            <a:schemeClr val="accent1"/>
+          </a:fillRef>
+          <a:effectRef idx="0">
+            <a:schemeClr val="accent1"/>
+          </a:effectRef>
+          <a:fontRef idx="minor">
+            <a:schemeClr val="lt1"/>
+          </a:fontRef>
+        </p:style>
+        <p:txBody>
+          <a:bodyPr rtlCol="0" anchor="ctr"/>
+          <a:lstStyle/>
+          <a:p>
+            <a:pPr algn="ctr"/>
+            <a:endParaRPr lang="pt-BR"/>
+          </a:p>
+        </p:txBody>
+      </p:sp>
+      <p:sp>
+        <p:nvSpPr>
+          <p:cNvPr id="28" name="Forma livre 27"/>
+          <p:cNvSpPr/>
+          <p:nvPr/>
+        </p:nvSpPr>
+        <p:spPr>
+          <a:xfrm rot="16200000">
+            <a:off x="5813425" y="2319763"/>
+            <a:ext cx="1714500" cy="4470400"/>
+          </a:xfrm>
+          <a:custGeom>
+            <a:avLst/>
+            <a:gdLst>
+              <a:gd name="connsiteX0" fmla="*/ 101600 w 1714500"/>
+              <a:gd name="connsiteY0" fmla="*/ 0 h 4470400"/>
+              <a:gd name="connsiteX1" fmla="*/ 127000 w 1714500"/>
+              <a:gd name="connsiteY1" fmla="*/ 152400 h 4470400"/>
+              <a:gd name="connsiteX2" fmla="*/ 114300 w 1714500"/>
+              <a:gd name="connsiteY2" fmla="*/ 355600 h 4470400"/>
+              <a:gd name="connsiteX3" fmla="*/ 88900 w 1714500"/>
+              <a:gd name="connsiteY3" fmla="*/ 444500 h 4470400"/>
+              <a:gd name="connsiteX4" fmla="*/ 76200 w 1714500"/>
+              <a:gd name="connsiteY4" fmla="*/ 520700 h 4470400"/>
+              <a:gd name="connsiteX5" fmla="*/ 63500 w 1714500"/>
+              <a:gd name="connsiteY5" fmla="*/ 1612900 h 4470400"/>
+              <a:gd name="connsiteX6" fmla="*/ 50800 w 1714500"/>
+              <a:gd name="connsiteY6" fmla="*/ 1752600 h 4470400"/>
+              <a:gd name="connsiteX7" fmla="*/ 12700 w 1714500"/>
+              <a:gd name="connsiteY7" fmla="*/ 1828800 h 4470400"/>
+              <a:gd name="connsiteX8" fmla="*/ 0 w 1714500"/>
+              <a:gd name="connsiteY8" fmla="*/ 1866900 h 4470400"/>
+              <a:gd name="connsiteX9" fmla="*/ 25400 w 1714500"/>
+              <a:gd name="connsiteY9" fmla="*/ 2146300 h 4470400"/>
+              <a:gd name="connsiteX10" fmla="*/ 50800 w 1714500"/>
+              <a:gd name="connsiteY10" fmla="*/ 2235200 h 4470400"/>
+              <a:gd name="connsiteX11" fmla="*/ 76200 w 1714500"/>
+              <a:gd name="connsiteY11" fmla="*/ 2273300 h 4470400"/>
+              <a:gd name="connsiteX12" fmla="*/ 88900 w 1714500"/>
+              <a:gd name="connsiteY12" fmla="*/ 2324100 h 4470400"/>
+              <a:gd name="connsiteX13" fmla="*/ 101600 w 1714500"/>
+              <a:gd name="connsiteY13" fmla="*/ 2362200 h 4470400"/>
+              <a:gd name="connsiteX14" fmla="*/ 76200 w 1714500"/>
+              <a:gd name="connsiteY14" fmla="*/ 3009900 h 4470400"/>
+              <a:gd name="connsiteX15" fmla="*/ 63500 w 1714500"/>
+              <a:gd name="connsiteY15" fmla="*/ 3124200 h 4470400"/>
+              <a:gd name="connsiteX16" fmla="*/ 76200 w 1714500"/>
+              <a:gd name="connsiteY16" fmla="*/ 3797300 h 4470400"/>
+              <a:gd name="connsiteX17" fmla="*/ 101600 w 1714500"/>
+              <a:gd name="connsiteY17" fmla="*/ 3873500 h 4470400"/>
+              <a:gd name="connsiteX18" fmla="*/ 127000 w 1714500"/>
+              <a:gd name="connsiteY18" fmla="*/ 4025900 h 4470400"/>
+              <a:gd name="connsiteX19" fmla="*/ 165100 w 1714500"/>
+              <a:gd name="connsiteY19" fmla="*/ 4140200 h 4470400"/>
+              <a:gd name="connsiteX20" fmla="*/ 177800 w 1714500"/>
+              <a:gd name="connsiteY20" fmla="*/ 4178300 h 4470400"/>
+              <a:gd name="connsiteX21" fmla="*/ 190500 w 1714500"/>
+              <a:gd name="connsiteY21" fmla="*/ 4216400 h 4470400"/>
+              <a:gd name="connsiteX22" fmla="*/ 266700 w 1714500"/>
+              <a:gd name="connsiteY22" fmla="*/ 4279900 h 4470400"/>
+              <a:gd name="connsiteX23" fmla="*/ 355600 w 1714500"/>
+              <a:gd name="connsiteY23" fmla="*/ 4267200 h 4470400"/>
+              <a:gd name="connsiteX24" fmla="*/ 457200 w 1714500"/>
+              <a:gd name="connsiteY24" fmla="*/ 4305300 h 4470400"/>
+              <a:gd name="connsiteX25" fmla="*/ 571500 w 1714500"/>
+              <a:gd name="connsiteY25" fmla="*/ 4318000 h 4470400"/>
+              <a:gd name="connsiteX26" fmla="*/ 622300 w 1714500"/>
+              <a:gd name="connsiteY26" fmla="*/ 4330700 h 4470400"/>
+              <a:gd name="connsiteX27" fmla="*/ 660400 w 1714500"/>
+              <a:gd name="connsiteY27" fmla="*/ 4356100 h 4470400"/>
+              <a:gd name="connsiteX28" fmla="*/ 723900 w 1714500"/>
+              <a:gd name="connsiteY28" fmla="*/ 4368800 h 4470400"/>
+              <a:gd name="connsiteX29" fmla="*/ 762000 w 1714500"/>
+              <a:gd name="connsiteY29" fmla="*/ 4406900 h 4470400"/>
+              <a:gd name="connsiteX30" fmla="*/ 800100 w 1714500"/>
+              <a:gd name="connsiteY30" fmla="*/ 4419600 h 4470400"/>
+              <a:gd name="connsiteX31" fmla="*/ 952500 w 1714500"/>
+              <a:gd name="connsiteY31" fmla="*/ 4432300 h 4470400"/>
+              <a:gd name="connsiteX32" fmla="*/ 1460500 w 1714500"/>
+              <a:gd name="connsiteY32" fmla="*/ 4445000 h 4470400"/>
+              <a:gd name="connsiteX33" fmla="*/ 1498600 w 1714500"/>
+              <a:gd name="connsiteY33" fmla="*/ 4470400 h 4470400"/>
+              <a:gd name="connsiteX34" fmla="*/ 1714500 w 1714500"/>
+              <a:gd name="connsiteY34" fmla="*/ 4457700 h 4470400"/>
+            </a:gdLst>
+            <a:ahLst/>
+            <a:cxnLst>
+              <a:cxn ang="0">
+                <a:pos x="connsiteX0" y="connsiteY0"/>
+              </a:cxn>
+              <a:cxn ang="0">
+                <a:pos x="connsiteX1" y="connsiteY1"/>
+              </a:cxn>
+              <a:cxn ang="0">
+                <a:pos x="connsiteX2" y="connsiteY2"/>
+              </a:cxn>
+              <a:cxn ang="0">
+                <a:pos x="connsiteX3" y="connsiteY3"/>
+              </a:cxn>
+              <a:cxn ang="0">
+                <a:pos x="connsiteX4" y="connsiteY4"/>
+              </a:cxn>
+              <a:cxn ang="0">
+                <a:pos x="connsiteX5" y="connsiteY5"/>
+              </a:cxn>
+              <a:cxn ang="0">
+                <a:pos x="connsiteX6" y="connsiteY6"/>
+              </a:cxn>
+              <a:cxn ang="0">
+                <a:pos x="connsiteX7" y="connsiteY7"/>
+              </a:cxn>
+              <a:cxn ang="0">
+                <a:pos x="connsiteX8" y="connsiteY8"/>
+              </a:cxn>
+              <a:cxn ang="0">
+                <a:pos x="connsiteX9" y="connsiteY9"/>
+              </a:cxn>
+              <a:cxn ang="0">
+                <a:pos x="connsiteX10" y="connsiteY10"/>
+              </a:cxn>
+              <a:cxn ang="0">
+                <a:pos x="connsiteX11" y="connsiteY11"/>
+              </a:cxn>
+              <a:cxn ang="0">
+                <a:pos x="connsiteX12" y="connsiteY12"/>
+              </a:cxn>
+              <a:cxn ang="0">
+                <a:pos x="connsiteX13" y="connsiteY13"/>
+              </a:cxn>
+              <a:cxn ang="0">
+                <a:pos x="connsiteX14" y="connsiteY14"/>
+              </a:cxn>
+              <a:cxn ang="0">
+                <a:pos x="connsiteX15" y="connsiteY15"/>
+              </a:cxn>
+              <a:cxn ang="0">
+                <a:pos x="connsiteX16" y="connsiteY16"/>
+              </a:cxn>
+              <a:cxn ang="0">
+                <a:pos x="connsiteX17" y="connsiteY17"/>
+              </a:cxn>
+              <a:cxn ang="0">
+                <a:pos x="connsiteX18" y="connsiteY18"/>
+              </a:cxn>
+              <a:cxn ang="0">
+                <a:pos x="connsiteX19" y="connsiteY19"/>
+              </a:cxn>
+              <a:cxn ang="0">
+                <a:pos x="connsiteX20" y="connsiteY20"/>
+              </a:cxn>
+              <a:cxn ang="0">
+                <a:pos x="connsiteX21" y="connsiteY21"/>
+              </a:cxn>
+              <a:cxn ang="0">
+                <a:pos x="connsiteX22" y="connsiteY22"/>
+              </a:cxn>
+              <a:cxn ang="0">
+                <a:pos x="connsiteX23" y="connsiteY23"/>
+              </a:cxn>
+              <a:cxn ang="0">
+                <a:pos x="connsiteX24" y="connsiteY24"/>
+              </a:cxn>
+              <a:cxn ang="0">
+                <a:pos x="connsiteX25" y="connsiteY25"/>
+              </a:cxn>
+              <a:cxn ang="0">
+                <a:pos x="connsiteX26" y="connsiteY26"/>
+              </a:cxn>
+              <a:cxn ang="0">
+                <a:pos x="connsiteX27" y="connsiteY27"/>
+              </a:cxn>
+              <a:cxn ang="0">
+                <a:pos x="connsiteX28" y="connsiteY28"/>
+              </a:cxn>
+              <a:cxn ang="0">
+                <a:pos x="connsiteX29" y="connsiteY29"/>
+              </a:cxn>
+              <a:cxn ang="0">
+                <a:pos x="connsiteX30" y="connsiteY30"/>
+              </a:cxn>
+              <a:cxn ang="0">
+                <a:pos x="connsiteX31" y="connsiteY31"/>
+              </a:cxn>
+              <a:cxn ang="0">
+                <a:pos x="connsiteX32" y="connsiteY32"/>
+              </a:cxn>
+              <a:cxn ang="0">
+                <a:pos x="connsiteX33" y="connsiteY33"/>
+              </a:cxn>
+              <a:cxn ang="0">
+                <a:pos x="connsiteX34" y="connsiteY34"/>
+              </a:cxn>
+            </a:cxnLst>
+            <a:rect l="l" t="t" r="r" b="b"/>
+            <a:pathLst>
+              <a:path w="1714500" h="4470400">
+                <a:moveTo>
+                  <a:pt x="101600" y="0"/>
+                </a:moveTo>
+                <a:cubicBezTo>
+                  <a:pt x="108811" y="36056"/>
+                  <a:pt x="127000" y="120895"/>
+                  <a:pt x="127000" y="152400"/>
+                </a:cubicBezTo>
+                <a:cubicBezTo>
+                  <a:pt x="127000" y="220265"/>
+                  <a:pt x="121053" y="288071"/>
+                  <a:pt x="114300" y="355600"/>
+                </a:cubicBezTo>
+                <a:cubicBezTo>
+                  <a:pt x="109271" y="405890"/>
+                  <a:pt x="98746" y="400193"/>
+                  <a:pt x="88900" y="444500"/>
+                </a:cubicBezTo>
+                <a:cubicBezTo>
+                  <a:pt x="83314" y="469637"/>
+                  <a:pt x="80433" y="495300"/>
+                  <a:pt x="76200" y="520700"/>
+                </a:cubicBezTo>
+                <a:cubicBezTo>
+                  <a:pt x="71967" y="884767"/>
+                  <a:pt x="71005" y="1248886"/>
+                  <a:pt x="63500" y="1612900"/>
+                </a:cubicBezTo>
+                <a:cubicBezTo>
+                  <a:pt x="62536" y="1659649"/>
+                  <a:pt x="61510" y="1707084"/>
+                  <a:pt x="50800" y="1752600"/>
+                </a:cubicBezTo>
+                <a:cubicBezTo>
+                  <a:pt x="44296" y="1780243"/>
+                  <a:pt x="24234" y="1802850"/>
+                  <a:pt x="12700" y="1828800"/>
+                </a:cubicBezTo>
+                <a:cubicBezTo>
+                  <a:pt x="7263" y="1841033"/>
+                  <a:pt x="4233" y="1854200"/>
+                  <a:pt x="0" y="1866900"/>
+                </a:cubicBezTo>
+                <a:cubicBezTo>
+                  <a:pt x="20812" y="2262327"/>
+                  <a:pt x="-14002" y="2008394"/>
+                  <a:pt x="25400" y="2146300"/>
+                </a:cubicBezTo>
+                <a:cubicBezTo>
+                  <a:pt x="30825" y="2165289"/>
+                  <a:pt x="40650" y="2214900"/>
+                  <a:pt x="50800" y="2235200"/>
+                </a:cubicBezTo>
+                <a:cubicBezTo>
+                  <a:pt x="57626" y="2248852"/>
+                  <a:pt x="67733" y="2260600"/>
+                  <a:pt x="76200" y="2273300"/>
+                </a:cubicBezTo>
+                <a:cubicBezTo>
+                  <a:pt x="80433" y="2290233"/>
+                  <a:pt x="84105" y="2307317"/>
+                  <a:pt x="88900" y="2324100"/>
+                </a:cubicBezTo>
+                <a:cubicBezTo>
+                  <a:pt x="92578" y="2336972"/>
+                  <a:pt x="101600" y="2348813"/>
+                  <a:pt x="101600" y="2362200"/>
+                </a:cubicBezTo>
+                <a:cubicBezTo>
+                  <a:pt x="101600" y="2946248"/>
+                  <a:pt x="152317" y="2781550"/>
+                  <a:pt x="76200" y="3009900"/>
+                </a:cubicBezTo>
+                <a:cubicBezTo>
+                  <a:pt x="71967" y="3048000"/>
+                  <a:pt x="63500" y="3085866"/>
+                  <a:pt x="63500" y="3124200"/>
+                </a:cubicBezTo>
+                <a:cubicBezTo>
+                  <a:pt x="63500" y="3348607"/>
+                  <a:pt x="64804" y="3573183"/>
+                  <a:pt x="76200" y="3797300"/>
+                </a:cubicBezTo>
+                <a:cubicBezTo>
+                  <a:pt x="77560" y="3824039"/>
+                  <a:pt x="97198" y="3847090"/>
+                  <a:pt x="101600" y="3873500"/>
+                </a:cubicBezTo>
+                <a:cubicBezTo>
+                  <a:pt x="110067" y="3924300"/>
+                  <a:pt x="110714" y="3977042"/>
+                  <a:pt x="127000" y="4025900"/>
+                </a:cubicBezTo>
+                <a:lnTo>
+                  <a:pt x="165100" y="4140200"/>
+                </a:lnTo>
+                <a:lnTo>
+                  <a:pt x="177800" y="4178300"/>
+                </a:lnTo>
+                <a:cubicBezTo>
+                  <a:pt x="182033" y="4191000"/>
+                  <a:pt x="181034" y="4206934"/>
+                  <a:pt x="190500" y="4216400"/>
+                </a:cubicBezTo>
+                <a:cubicBezTo>
+                  <a:pt x="239393" y="4265293"/>
+                  <a:pt x="213656" y="4244537"/>
+                  <a:pt x="266700" y="4279900"/>
+                </a:cubicBezTo>
+                <a:cubicBezTo>
+                  <a:pt x="296333" y="4275667"/>
+                  <a:pt x="325666" y="4267200"/>
+                  <a:pt x="355600" y="4267200"/>
+                </a:cubicBezTo>
+                <a:cubicBezTo>
+                  <a:pt x="503429" y="4267200"/>
+                  <a:pt x="352093" y="4279023"/>
+                  <a:pt x="457200" y="4305300"/>
+                </a:cubicBezTo>
+                <a:cubicBezTo>
+                  <a:pt x="494390" y="4314597"/>
+                  <a:pt x="533400" y="4313767"/>
+                  <a:pt x="571500" y="4318000"/>
+                </a:cubicBezTo>
+                <a:cubicBezTo>
+                  <a:pt x="588433" y="4322233"/>
+                  <a:pt x="606257" y="4323824"/>
+                  <a:pt x="622300" y="4330700"/>
+                </a:cubicBezTo>
+                <a:cubicBezTo>
+                  <a:pt x="636329" y="4336713"/>
+                  <a:pt x="646108" y="4350741"/>
+                  <a:pt x="660400" y="4356100"/>
+                </a:cubicBezTo>
+                <a:cubicBezTo>
+                  <a:pt x="680611" y="4363679"/>
+                  <a:pt x="702733" y="4364567"/>
+                  <a:pt x="723900" y="4368800"/>
+                </a:cubicBezTo>
+                <a:cubicBezTo>
+                  <a:pt x="736600" y="4381500"/>
+                  <a:pt x="747056" y="4396937"/>
+                  <a:pt x="762000" y="4406900"/>
+                </a:cubicBezTo>
+                <a:cubicBezTo>
+                  <a:pt x="773139" y="4414326"/>
+                  <a:pt x="786830" y="4417831"/>
+                  <a:pt x="800100" y="4419600"/>
+                </a:cubicBezTo>
+                <a:cubicBezTo>
+                  <a:pt x="850629" y="4426337"/>
+                  <a:pt x="901562" y="4430341"/>
+                  <a:pt x="952500" y="4432300"/>
+                </a:cubicBezTo>
+                <a:cubicBezTo>
+                  <a:pt x="1121761" y="4438810"/>
+                  <a:pt x="1291167" y="4440767"/>
+                  <a:pt x="1460500" y="4445000"/>
+                </a:cubicBezTo>
+                <a:cubicBezTo>
+                  <a:pt x="1473200" y="4453467"/>
+                  <a:pt x="1483356" y="4469638"/>
+                  <a:pt x="1498600" y="4470400"/>
+                </a:cubicBezTo>
+                <a:lnTo>
+                  <a:pt x="1714500" y="4457700"/>
+                </a:lnTo>
+              </a:path>
+            </a:pathLst>
+          </a:custGeom>
+          <a:noFill/>
+        </p:spPr>
+        <p:style>
+          <a:lnRef idx="2">
+            <a:schemeClr val="accent1">
+              <a:shade val="50000"/>
+            </a:schemeClr>
+          </a:lnRef>
+          <a:fillRef idx="1">
+            <a:schemeClr val="accent1"/>
+          </a:fillRef>
+          <a:effectRef idx="0">
+            <a:schemeClr val="accent1"/>
+          </a:effectRef>
+          <a:fontRef idx="minor">
+            <a:schemeClr val="lt1"/>
+          </a:fontRef>
+        </p:style>
+        <p:txBody>
+          <a:bodyPr rtlCol="0" anchor="ctr"/>
+          <a:lstStyle/>
+          <a:p>
+            <a:pPr algn="ctr"/>
+            <a:endParaRPr lang="pt-BR"/>
+          </a:p>
+        </p:txBody>
+      </p:sp>
+      <p:sp>
+        <p:nvSpPr>
+          <p:cNvPr id="3" name="Retângulo 2"/>
+          <p:cNvSpPr/>
+          <p:nvPr/>
+        </p:nvSpPr>
+        <p:spPr>
+          <a:xfrm>
+            <a:off x="4085214" y="5111594"/>
+            <a:ext cx="561975" cy="296437"/>
+          </a:xfrm>
+          <a:prstGeom prst="rect">
+            <a:avLst/>
+          </a:prstGeom>
+          <a:solidFill>
+            <a:schemeClr val="bg1">
+              <a:lumMod val="50000"/>
+              <a:alpha val="51000"/>
+            </a:schemeClr>
+          </a:solidFill>
+          <a:ln>
+            <a:solidFill>
+              <a:schemeClr val="accent1">
+                <a:shade val="50000"/>
+              </a:schemeClr>
+            </a:solidFill>
+          </a:ln>
+        </p:spPr>
+        <p:style>
+          <a:lnRef idx="2">
+            <a:schemeClr val="accent1">
+              <a:shade val="50000"/>
+            </a:schemeClr>
+          </a:lnRef>
+          <a:fillRef idx="1">
+            <a:schemeClr val="accent1"/>
+          </a:fillRef>
+          <a:effectRef idx="0">
+            <a:schemeClr val="accent1"/>
+          </a:effectRef>
+          <a:fontRef idx="minor">
+            <a:schemeClr val="lt1"/>
+          </a:fontRef>
+        </p:style>
+        <p:txBody>
+          <a:bodyPr rtlCol="0" anchor="ctr"/>
+          <a:lstStyle/>
+          <a:p>
+            <a:pPr algn="ctr"/>
+            <a:endParaRPr lang="pt-BR"/>
+          </a:p>
+        </p:txBody>
+      </p:sp>
+      <p:sp>
+        <p:nvSpPr>
+          <p:cNvPr id="2" name="Elipse 1"/>
+          <p:cNvSpPr/>
+          <p:nvPr/>
+        </p:nvSpPr>
+        <p:spPr>
+          <a:xfrm>
+            <a:off x="4042569" y="5111594"/>
+            <a:ext cx="82503" cy="296437"/>
+          </a:xfrm>
+          <a:prstGeom prst="ellipse">
+            <a:avLst/>
+          </a:prstGeom>
+          <a:solidFill>
+            <a:schemeClr val="bg1">
+              <a:lumMod val="50000"/>
+            </a:schemeClr>
+          </a:solidFill>
+        </p:spPr>
+        <p:style>
+          <a:lnRef idx="2">
+            <a:schemeClr val="accent1">
+              <a:shade val="50000"/>
+            </a:schemeClr>
+          </a:lnRef>
+          <a:fillRef idx="1">
+            <a:schemeClr val="accent1"/>
+          </a:fillRef>
+          <a:effectRef idx="0">
+            <a:schemeClr val="accent1"/>
+          </a:effectRef>
+          <a:fontRef idx="minor">
+            <a:schemeClr val="lt1"/>
+          </a:fontRef>
+        </p:style>
+        <p:txBody>
+          <a:bodyPr rtlCol="0" anchor="ctr"/>
+          <a:lstStyle/>
+          <a:p>
+            <a:pPr algn="ctr"/>
+            <a:endParaRPr lang="pt-BR"/>
+          </a:p>
+        </p:txBody>
+      </p:sp>
+      <p:sp>
+        <p:nvSpPr>
+          <p:cNvPr id="6" name="Forma livre 5"/>
+          <p:cNvSpPr/>
+          <p:nvPr/>
+        </p:nvSpPr>
+        <p:spPr>
+          <a:xfrm>
+            <a:off x="4553830" y="5031266"/>
+            <a:ext cx="231906" cy="431748"/>
+          </a:xfrm>
+          <a:custGeom>
+            <a:avLst/>
+            <a:gdLst>
+              <a:gd name="connsiteX0" fmla="*/ 46745 w 418220"/>
+              <a:gd name="connsiteY0" fmla="*/ 140810 h 486091"/>
+              <a:gd name="connsiteX1" fmla="*/ 39601 w 418220"/>
+              <a:gd name="connsiteY1" fmla="*/ 126523 h 486091"/>
+              <a:gd name="connsiteX2" fmla="*/ 30076 w 418220"/>
+              <a:gd name="connsiteY2" fmla="*/ 102710 h 486091"/>
+              <a:gd name="connsiteX3" fmla="*/ 22933 w 418220"/>
+              <a:gd name="connsiteY3" fmla="*/ 93185 h 486091"/>
+              <a:gd name="connsiteX4" fmla="*/ 22933 w 418220"/>
+              <a:gd name="connsiteY4" fmla="*/ 43179 h 486091"/>
+              <a:gd name="connsiteX5" fmla="*/ 32458 w 418220"/>
+              <a:gd name="connsiteY5" fmla="*/ 38416 h 486091"/>
+              <a:gd name="connsiteX6" fmla="*/ 46745 w 418220"/>
+              <a:gd name="connsiteY6" fmla="*/ 28891 h 486091"/>
+              <a:gd name="connsiteX7" fmla="*/ 61033 w 418220"/>
+              <a:gd name="connsiteY7" fmla="*/ 31273 h 486091"/>
+              <a:gd name="connsiteX8" fmla="*/ 68176 w 418220"/>
+              <a:gd name="connsiteY8" fmla="*/ 28891 h 486091"/>
+              <a:gd name="connsiteX9" fmla="*/ 80083 w 418220"/>
+              <a:gd name="connsiteY9" fmla="*/ 26510 h 486091"/>
+              <a:gd name="connsiteX10" fmla="*/ 89608 w 418220"/>
+              <a:gd name="connsiteY10" fmla="*/ 19366 h 486091"/>
+              <a:gd name="connsiteX11" fmla="*/ 132470 w 418220"/>
+              <a:gd name="connsiteY11" fmla="*/ 5079 h 486091"/>
+              <a:gd name="connsiteX12" fmla="*/ 165808 w 418220"/>
+              <a:gd name="connsiteY12" fmla="*/ 316 h 486091"/>
+              <a:gd name="connsiteX13" fmla="*/ 211051 w 418220"/>
+              <a:gd name="connsiteY13" fmla="*/ 2698 h 486091"/>
+              <a:gd name="connsiteX14" fmla="*/ 215814 w 418220"/>
+              <a:gd name="connsiteY14" fmla="*/ 16985 h 486091"/>
+              <a:gd name="connsiteX15" fmla="*/ 222958 w 418220"/>
+              <a:gd name="connsiteY15" fmla="*/ 36035 h 486091"/>
+              <a:gd name="connsiteX16" fmla="*/ 322970 w 418220"/>
+              <a:gd name="connsiteY16" fmla="*/ 38416 h 486091"/>
+              <a:gd name="connsiteX17" fmla="*/ 339639 w 418220"/>
+              <a:gd name="connsiteY17" fmla="*/ 50323 h 486091"/>
+              <a:gd name="connsiteX18" fmla="*/ 344401 w 418220"/>
+              <a:gd name="connsiteY18" fmla="*/ 57466 h 486091"/>
+              <a:gd name="connsiteX19" fmla="*/ 351545 w 418220"/>
+              <a:gd name="connsiteY19" fmla="*/ 62229 h 486091"/>
+              <a:gd name="connsiteX20" fmla="*/ 353926 w 418220"/>
+              <a:gd name="connsiteY20" fmla="*/ 71754 h 486091"/>
+              <a:gd name="connsiteX21" fmla="*/ 358689 w 418220"/>
+              <a:gd name="connsiteY21" fmla="*/ 81279 h 486091"/>
+              <a:gd name="connsiteX22" fmla="*/ 365833 w 418220"/>
+              <a:gd name="connsiteY22" fmla="*/ 112235 h 486091"/>
+              <a:gd name="connsiteX23" fmla="*/ 372976 w 418220"/>
+              <a:gd name="connsiteY23" fmla="*/ 114616 h 486091"/>
+              <a:gd name="connsiteX24" fmla="*/ 389645 w 418220"/>
+              <a:gd name="connsiteY24" fmla="*/ 124141 h 486091"/>
+              <a:gd name="connsiteX25" fmla="*/ 396789 w 418220"/>
+              <a:gd name="connsiteY25" fmla="*/ 126523 h 486091"/>
+              <a:gd name="connsiteX26" fmla="*/ 418220 w 418220"/>
+              <a:gd name="connsiteY26" fmla="*/ 150335 h 486091"/>
+              <a:gd name="connsiteX27" fmla="*/ 408695 w 418220"/>
+              <a:gd name="connsiteY27" fmla="*/ 176529 h 486091"/>
+              <a:gd name="connsiteX28" fmla="*/ 394408 w 418220"/>
+              <a:gd name="connsiteY28" fmla="*/ 178910 h 486091"/>
+              <a:gd name="connsiteX29" fmla="*/ 380120 w 418220"/>
+              <a:gd name="connsiteY29" fmla="*/ 183673 h 486091"/>
+              <a:gd name="connsiteX30" fmla="*/ 370595 w 418220"/>
+              <a:gd name="connsiteY30" fmla="*/ 240823 h 486091"/>
+              <a:gd name="connsiteX31" fmla="*/ 358689 w 418220"/>
+              <a:gd name="connsiteY31" fmla="*/ 252729 h 486091"/>
+              <a:gd name="connsiteX32" fmla="*/ 344401 w 418220"/>
+              <a:gd name="connsiteY32" fmla="*/ 257491 h 486091"/>
+              <a:gd name="connsiteX33" fmla="*/ 337258 w 418220"/>
+              <a:gd name="connsiteY33" fmla="*/ 262254 h 486091"/>
+              <a:gd name="connsiteX34" fmla="*/ 351545 w 418220"/>
+              <a:gd name="connsiteY34" fmla="*/ 278923 h 486091"/>
+              <a:gd name="connsiteX35" fmla="*/ 361070 w 418220"/>
+              <a:gd name="connsiteY35" fmla="*/ 286066 h 486091"/>
+              <a:gd name="connsiteX36" fmla="*/ 365833 w 418220"/>
+              <a:gd name="connsiteY36" fmla="*/ 295591 h 486091"/>
+              <a:gd name="connsiteX37" fmla="*/ 370595 w 418220"/>
+              <a:gd name="connsiteY37" fmla="*/ 328929 h 486091"/>
+              <a:gd name="connsiteX38" fmla="*/ 356308 w 418220"/>
+              <a:gd name="connsiteY38" fmla="*/ 343216 h 486091"/>
+              <a:gd name="connsiteX39" fmla="*/ 346783 w 418220"/>
+              <a:gd name="connsiteY39" fmla="*/ 352741 h 486091"/>
+              <a:gd name="connsiteX40" fmla="*/ 342020 w 418220"/>
+              <a:gd name="connsiteY40" fmla="*/ 367029 h 486091"/>
+              <a:gd name="connsiteX41" fmla="*/ 337258 w 418220"/>
+              <a:gd name="connsiteY41" fmla="*/ 428941 h 486091"/>
+              <a:gd name="connsiteX42" fmla="*/ 280108 w 418220"/>
+              <a:gd name="connsiteY42" fmla="*/ 436085 h 486091"/>
+              <a:gd name="connsiteX43" fmla="*/ 277726 w 418220"/>
+              <a:gd name="connsiteY43" fmla="*/ 464660 h 486091"/>
+              <a:gd name="connsiteX44" fmla="*/ 258676 w 418220"/>
+              <a:gd name="connsiteY44" fmla="*/ 476566 h 486091"/>
+              <a:gd name="connsiteX45" fmla="*/ 211051 w 418220"/>
+              <a:gd name="connsiteY45" fmla="*/ 481329 h 486091"/>
+              <a:gd name="connsiteX46" fmla="*/ 153901 w 418220"/>
+              <a:gd name="connsiteY46" fmla="*/ 478948 h 486091"/>
+              <a:gd name="connsiteX47" fmla="*/ 163426 w 418220"/>
+              <a:gd name="connsiteY47" fmla="*/ 481329 h 486091"/>
+              <a:gd name="connsiteX48" fmla="*/ 149139 w 418220"/>
+              <a:gd name="connsiteY48" fmla="*/ 486091 h 486091"/>
+              <a:gd name="connsiteX49" fmla="*/ 127708 w 418220"/>
+              <a:gd name="connsiteY49" fmla="*/ 481329 h 486091"/>
+              <a:gd name="connsiteX50" fmla="*/ 101514 w 418220"/>
+              <a:gd name="connsiteY50" fmla="*/ 469423 h 486091"/>
+              <a:gd name="connsiteX51" fmla="*/ 77701 w 418220"/>
+              <a:gd name="connsiteY51" fmla="*/ 467041 h 486091"/>
+              <a:gd name="connsiteX52" fmla="*/ 70558 w 418220"/>
+              <a:gd name="connsiteY52" fmla="*/ 464660 h 486091"/>
+              <a:gd name="connsiteX53" fmla="*/ 63414 w 418220"/>
+              <a:gd name="connsiteY53" fmla="*/ 459898 h 486091"/>
+              <a:gd name="connsiteX54" fmla="*/ 46745 w 418220"/>
+              <a:gd name="connsiteY54" fmla="*/ 457516 h 486091"/>
+              <a:gd name="connsiteX55" fmla="*/ 30076 w 418220"/>
+              <a:gd name="connsiteY55" fmla="*/ 447991 h 486091"/>
+              <a:gd name="connsiteX56" fmla="*/ 25314 w 418220"/>
+              <a:gd name="connsiteY56" fmla="*/ 440848 h 486091"/>
+              <a:gd name="connsiteX57" fmla="*/ 30076 w 418220"/>
+              <a:gd name="connsiteY57" fmla="*/ 405129 h 486091"/>
+              <a:gd name="connsiteX58" fmla="*/ 53889 w 418220"/>
+              <a:gd name="connsiteY58" fmla="*/ 400366 h 486091"/>
+              <a:gd name="connsiteX59" fmla="*/ 44364 w 418220"/>
+              <a:gd name="connsiteY59" fmla="*/ 402748 h 486091"/>
+              <a:gd name="connsiteX60" fmla="*/ 18170 w 418220"/>
+              <a:gd name="connsiteY60" fmla="*/ 397985 h 486091"/>
+              <a:gd name="connsiteX61" fmla="*/ 13408 w 418220"/>
+              <a:gd name="connsiteY61" fmla="*/ 390841 h 486091"/>
+              <a:gd name="connsiteX62" fmla="*/ 15789 w 418220"/>
+              <a:gd name="connsiteY62" fmla="*/ 343216 h 486091"/>
+              <a:gd name="connsiteX63" fmla="*/ 18170 w 418220"/>
+              <a:gd name="connsiteY63" fmla="*/ 336073 h 486091"/>
+              <a:gd name="connsiteX64" fmla="*/ 34839 w 418220"/>
+              <a:gd name="connsiteY64" fmla="*/ 328929 h 486091"/>
+              <a:gd name="connsiteX65" fmla="*/ 37220 w 418220"/>
+              <a:gd name="connsiteY65" fmla="*/ 321785 h 486091"/>
+              <a:gd name="connsiteX66" fmla="*/ 22933 w 418220"/>
+              <a:gd name="connsiteY66" fmla="*/ 305116 h 486091"/>
+              <a:gd name="connsiteX67" fmla="*/ 18170 w 418220"/>
+              <a:gd name="connsiteY67" fmla="*/ 295591 h 486091"/>
+              <a:gd name="connsiteX68" fmla="*/ 13408 w 418220"/>
+              <a:gd name="connsiteY68" fmla="*/ 271779 h 486091"/>
+              <a:gd name="connsiteX69" fmla="*/ 8645 w 418220"/>
+              <a:gd name="connsiteY69" fmla="*/ 262254 h 486091"/>
+              <a:gd name="connsiteX70" fmla="*/ 11026 w 418220"/>
+              <a:gd name="connsiteY70" fmla="*/ 243204 h 486091"/>
+              <a:gd name="connsiteX71" fmla="*/ 22933 w 418220"/>
+              <a:gd name="connsiteY71" fmla="*/ 240823 h 486091"/>
+              <a:gd name="connsiteX72" fmla="*/ 30076 w 418220"/>
+              <a:gd name="connsiteY72" fmla="*/ 236060 h 486091"/>
+              <a:gd name="connsiteX73" fmla="*/ 22933 w 418220"/>
+              <a:gd name="connsiteY73" fmla="*/ 224154 h 486091"/>
+              <a:gd name="connsiteX74" fmla="*/ 18170 w 418220"/>
+              <a:gd name="connsiteY74" fmla="*/ 212248 h 486091"/>
+              <a:gd name="connsiteX75" fmla="*/ 8645 w 418220"/>
+              <a:gd name="connsiteY75" fmla="*/ 202723 h 486091"/>
+              <a:gd name="connsiteX76" fmla="*/ 3883 w 418220"/>
+              <a:gd name="connsiteY76" fmla="*/ 190816 h 486091"/>
+              <a:gd name="connsiteX77" fmla="*/ 15789 w 418220"/>
+              <a:gd name="connsiteY77" fmla="*/ 126523 h 486091"/>
+              <a:gd name="connsiteX78" fmla="*/ 46745 w 418220"/>
+              <a:gd name="connsiteY78" fmla="*/ 140810 h 486091"/>
+            </a:gdLst>
+            <a:ahLst/>
+            <a:cxnLst>
+              <a:cxn ang="0">
+                <a:pos x="connsiteX0" y="connsiteY0"/>
+              </a:cxn>
+              <a:cxn ang="0">
+                <a:pos x="connsiteX1" y="connsiteY1"/>
+              </a:cxn>
+              <a:cxn ang="0">
+                <a:pos x="connsiteX2" y="connsiteY2"/>
+              </a:cxn>
+              <a:cxn ang="0">
+                <a:pos x="connsiteX3" y="connsiteY3"/>
+              </a:cxn>
+              <a:cxn ang="0">
+                <a:pos x="connsiteX4" y="connsiteY4"/>
+              </a:cxn>
+              <a:cxn ang="0">
+                <a:pos x="connsiteX5" y="connsiteY5"/>
+              </a:cxn>
+              <a:cxn ang="0">
+                <a:pos x="connsiteX6" y="connsiteY6"/>
+              </a:cxn>
+              <a:cxn ang="0">
+                <a:pos x="connsiteX7" y="connsiteY7"/>
+              </a:cxn>
+              <a:cxn ang="0">
+                <a:pos x="connsiteX8" y="connsiteY8"/>
+              </a:cxn>
+              <a:cxn ang="0">
+                <a:pos x="connsiteX9" y="connsiteY9"/>
+              </a:cxn>
+              <a:cxn ang="0">
+                <a:pos x="connsiteX10" y="connsiteY10"/>
+              </a:cxn>
+              <a:cxn ang="0">
+                <a:pos x="connsiteX11" y="connsiteY11"/>
+              </a:cxn>
+              <a:cxn ang="0">
+                <a:pos x="connsiteX12" y="connsiteY12"/>
+              </a:cxn>
+              <a:cxn ang="0">
+                <a:pos x="connsiteX13" y="connsiteY13"/>
+              </a:cxn>
+              <a:cxn ang="0">
+                <a:pos x="connsiteX14" y="connsiteY14"/>
+              </a:cxn>
+              <a:cxn ang="0">
+                <a:pos x="connsiteX15" y="connsiteY15"/>
+              </a:cxn>
+              <a:cxn ang="0">
+                <a:pos x="connsiteX16" y="connsiteY16"/>
+              </a:cxn>
+              <a:cxn ang="0">
+                <a:pos x="connsiteX17" y="connsiteY17"/>
+              </a:cxn>
+              <a:cxn ang="0">
+                <a:pos x="connsiteX18" y="connsiteY18"/>
+              </a:cxn>
+              <a:cxn ang="0">
+                <a:pos x="connsiteX19" y="connsiteY19"/>
+              </a:cxn>
+              <a:cxn ang="0">
+                <a:pos x="connsiteX20" y="connsiteY20"/>
+              </a:cxn>
+              <a:cxn ang="0">
+                <a:pos x="connsiteX21" y="connsiteY21"/>
+              </a:cxn>
+              <a:cxn ang="0">
+                <a:pos x="connsiteX22" y="connsiteY22"/>
+              </a:cxn>
+              <a:cxn ang="0">
+                <a:pos x="connsiteX23" y="connsiteY23"/>
+              </a:cxn>
+              <a:cxn ang="0">
+                <a:pos x="connsiteX24" y="connsiteY24"/>
+              </a:cxn>
+              <a:cxn ang="0">
+                <a:pos x="connsiteX25" y="connsiteY25"/>
+              </a:cxn>
+              <a:cxn ang="0">
+                <a:pos x="connsiteX26" y="connsiteY26"/>
+              </a:cxn>
+              <a:cxn ang="0">
+                <a:pos x="connsiteX27" y="connsiteY27"/>
+              </a:cxn>
+              <a:cxn ang="0">
+                <a:pos x="connsiteX28" y="connsiteY28"/>
+              </a:cxn>
+              <a:cxn ang="0">
+                <a:pos x="connsiteX29" y="connsiteY29"/>
+              </a:cxn>
+              <a:cxn ang="0">
+                <a:pos x="connsiteX30" y="connsiteY30"/>
+              </a:cxn>
+              <a:cxn ang="0">
+                <a:pos x="connsiteX31" y="connsiteY31"/>
+              </a:cxn>
+              <a:cxn ang="0">
+                <a:pos x="connsiteX32" y="connsiteY32"/>
+              </a:cxn>
+              <a:cxn ang="0">
+                <a:pos x="connsiteX33" y="connsiteY33"/>
+              </a:cxn>
+              <a:cxn ang="0">
+                <a:pos x="connsiteX34" y="connsiteY34"/>
+              </a:cxn>
+              <a:cxn ang="0">
+                <a:pos x="connsiteX35" y="connsiteY35"/>
+              </a:cxn>
+              <a:cxn ang="0">
+                <a:pos x="connsiteX36" y="connsiteY36"/>
+              </a:cxn>
+              <a:cxn ang="0">
+                <a:pos x="connsiteX37" y="connsiteY37"/>
+              </a:cxn>
+              <a:cxn ang="0">
+                <a:pos x="connsiteX38" y="connsiteY38"/>
+              </a:cxn>
+              <a:cxn ang="0">
+                <a:pos x="connsiteX39" y="connsiteY39"/>
+              </a:cxn>
+              <a:cxn ang="0">
+                <a:pos x="connsiteX40" y="connsiteY40"/>
+              </a:cxn>
+              <a:cxn ang="0">
+                <a:pos x="connsiteX41" y="connsiteY41"/>
+              </a:cxn>
+              <a:cxn ang="0">
+                <a:pos x="connsiteX42" y="connsiteY42"/>
+              </a:cxn>
+              <a:cxn ang="0">
+                <a:pos x="connsiteX43" y="connsiteY43"/>
+              </a:cxn>
+              <a:cxn ang="0">
+                <a:pos x="connsiteX44" y="connsiteY44"/>
+              </a:cxn>
+              <a:cxn ang="0">
+                <a:pos x="connsiteX45" y="connsiteY45"/>
+              </a:cxn>
+              <a:cxn ang="0">
+                <a:pos x="connsiteX46" y="connsiteY46"/>
+              </a:cxn>
+              <a:cxn ang="0">
+                <a:pos x="connsiteX47" y="connsiteY47"/>
+              </a:cxn>
+              <a:cxn ang="0">
+                <a:pos x="connsiteX48" y="connsiteY48"/>
+              </a:cxn>
+              <a:cxn ang="0">
+                <a:pos x="connsiteX49" y="connsiteY49"/>
+              </a:cxn>
+              <a:cxn ang="0">
+                <a:pos x="connsiteX50" y="connsiteY50"/>
+              </a:cxn>
+              <a:cxn ang="0">
+                <a:pos x="connsiteX51" y="connsiteY51"/>
+              </a:cxn>
+              <a:cxn ang="0">
+                <a:pos x="connsiteX52" y="connsiteY52"/>
+              </a:cxn>
+              <a:cxn ang="0">
+                <a:pos x="connsiteX53" y="connsiteY53"/>
+              </a:cxn>
+              <a:cxn ang="0">
+                <a:pos x="connsiteX54" y="connsiteY54"/>
+              </a:cxn>
+              <a:cxn ang="0">
+                <a:pos x="connsiteX55" y="connsiteY55"/>
+              </a:cxn>
+              <a:cxn ang="0">
+                <a:pos x="connsiteX56" y="connsiteY56"/>
+              </a:cxn>
+              <a:cxn ang="0">
+                <a:pos x="connsiteX57" y="connsiteY57"/>
+              </a:cxn>
+              <a:cxn ang="0">
+                <a:pos x="connsiteX58" y="connsiteY58"/>
+              </a:cxn>
+              <a:cxn ang="0">
+                <a:pos x="connsiteX59" y="connsiteY59"/>
+              </a:cxn>
+              <a:cxn ang="0">
+                <a:pos x="connsiteX60" y="connsiteY60"/>
+              </a:cxn>
+              <a:cxn ang="0">
+                <a:pos x="connsiteX61" y="connsiteY61"/>
+              </a:cxn>
+              <a:cxn ang="0">
+                <a:pos x="connsiteX62" y="connsiteY62"/>
+              </a:cxn>
+              <a:cxn ang="0">
+                <a:pos x="connsiteX63" y="connsiteY63"/>
+              </a:cxn>
+              <a:cxn ang="0">
+                <a:pos x="connsiteX64" y="connsiteY64"/>
+              </a:cxn>
+              <a:cxn ang="0">
+                <a:pos x="connsiteX65" y="connsiteY65"/>
+              </a:cxn>
+              <a:cxn ang="0">
+                <a:pos x="connsiteX66" y="connsiteY66"/>
+              </a:cxn>
+              <a:cxn ang="0">
+                <a:pos x="connsiteX67" y="connsiteY67"/>
+              </a:cxn>
+              <a:cxn ang="0">
+                <a:pos x="connsiteX68" y="connsiteY68"/>
+              </a:cxn>
+              <a:cxn ang="0">
+                <a:pos x="connsiteX69" y="connsiteY69"/>
+              </a:cxn>
+              <a:cxn ang="0">
+                <a:pos x="connsiteX70" y="connsiteY70"/>
+              </a:cxn>
+              <a:cxn ang="0">
+                <a:pos x="connsiteX71" y="connsiteY71"/>
+              </a:cxn>
+              <a:cxn ang="0">
+                <a:pos x="connsiteX72" y="connsiteY72"/>
+              </a:cxn>
+              <a:cxn ang="0">
+                <a:pos x="connsiteX73" y="connsiteY73"/>
+              </a:cxn>
+              <a:cxn ang="0">
+                <a:pos x="connsiteX74" y="connsiteY74"/>
+              </a:cxn>
+              <a:cxn ang="0">
+                <a:pos x="connsiteX75" y="connsiteY75"/>
+              </a:cxn>
+              <a:cxn ang="0">
+                <a:pos x="connsiteX76" y="connsiteY76"/>
+              </a:cxn>
+              <a:cxn ang="0">
+                <a:pos x="connsiteX77" y="connsiteY77"/>
+              </a:cxn>
+              <a:cxn ang="0">
+                <a:pos x="connsiteX78" y="connsiteY78"/>
+              </a:cxn>
+            </a:cxnLst>
+            <a:rect l="l" t="t" r="r" b="b"/>
+            <a:pathLst>
+              <a:path w="418220" h="486091">
+                <a:moveTo>
+                  <a:pt x="46745" y="140810"/>
+                </a:moveTo>
+                <a:cubicBezTo>
+                  <a:pt x="50714" y="140810"/>
+                  <a:pt x="41764" y="131389"/>
+                  <a:pt x="39601" y="126523"/>
+                </a:cubicBezTo>
+                <a:cubicBezTo>
+                  <a:pt x="31628" y="108584"/>
+                  <a:pt x="47073" y="133872"/>
+                  <a:pt x="30076" y="102710"/>
+                </a:cubicBezTo>
+                <a:cubicBezTo>
+                  <a:pt x="28176" y="99226"/>
+                  <a:pt x="25314" y="96360"/>
+                  <a:pt x="22933" y="93185"/>
+                </a:cubicBezTo>
+                <a:cubicBezTo>
+                  <a:pt x="17859" y="72892"/>
+                  <a:pt x="13631" y="66433"/>
+                  <a:pt x="22933" y="43179"/>
+                </a:cubicBezTo>
+                <a:cubicBezTo>
+                  <a:pt x="24251" y="39883"/>
+                  <a:pt x="29414" y="40242"/>
+                  <a:pt x="32458" y="38416"/>
+                </a:cubicBezTo>
+                <a:cubicBezTo>
+                  <a:pt x="37366" y="35471"/>
+                  <a:pt x="46745" y="28891"/>
+                  <a:pt x="46745" y="28891"/>
+                </a:cubicBezTo>
+                <a:cubicBezTo>
+                  <a:pt x="51508" y="29685"/>
+                  <a:pt x="56205" y="31273"/>
+                  <a:pt x="61033" y="31273"/>
+                </a:cubicBezTo>
+                <a:cubicBezTo>
+                  <a:pt x="63543" y="31273"/>
+                  <a:pt x="65741" y="29500"/>
+                  <a:pt x="68176" y="28891"/>
+                </a:cubicBezTo>
+                <a:cubicBezTo>
+                  <a:pt x="72103" y="27909"/>
+                  <a:pt x="76114" y="27304"/>
+                  <a:pt x="80083" y="26510"/>
+                </a:cubicBezTo>
+                <a:cubicBezTo>
+                  <a:pt x="83258" y="24129"/>
+                  <a:pt x="86058" y="21141"/>
+                  <a:pt x="89608" y="19366"/>
+                </a:cubicBezTo>
+                <a:cubicBezTo>
+                  <a:pt x="112287" y="8027"/>
+                  <a:pt x="112849" y="8022"/>
+                  <a:pt x="132470" y="5079"/>
+                </a:cubicBezTo>
+                <a:lnTo>
+                  <a:pt x="165808" y="316"/>
+                </a:lnTo>
+                <a:cubicBezTo>
+                  <a:pt x="180889" y="1110"/>
+                  <a:pt x="196724" y="-2078"/>
+                  <a:pt x="211051" y="2698"/>
+                </a:cubicBezTo>
+                <a:cubicBezTo>
+                  <a:pt x="215813" y="4285"/>
+                  <a:pt x="214226" y="12223"/>
+                  <a:pt x="215814" y="16985"/>
+                </a:cubicBezTo>
+                <a:cubicBezTo>
+                  <a:pt x="219551" y="28195"/>
+                  <a:pt x="217256" y="21781"/>
+                  <a:pt x="222958" y="36035"/>
+                </a:cubicBezTo>
+                <a:cubicBezTo>
+                  <a:pt x="267088" y="32358"/>
+                  <a:pt x="262540" y="31306"/>
+                  <a:pt x="322970" y="38416"/>
+                </a:cubicBezTo>
+                <a:cubicBezTo>
+                  <a:pt x="329197" y="39149"/>
+                  <a:pt x="335971" y="45921"/>
+                  <a:pt x="339639" y="50323"/>
+                </a:cubicBezTo>
+                <a:cubicBezTo>
+                  <a:pt x="341471" y="52521"/>
+                  <a:pt x="342378" y="55443"/>
+                  <a:pt x="344401" y="57466"/>
+                </a:cubicBezTo>
+                <a:cubicBezTo>
+                  <a:pt x="346425" y="59490"/>
+                  <a:pt x="349164" y="60641"/>
+                  <a:pt x="351545" y="62229"/>
+                </a:cubicBezTo>
+                <a:cubicBezTo>
+                  <a:pt x="352339" y="65404"/>
+                  <a:pt x="352777" y="68690"/>
+                  <a:pt x="353926" y="71754"/>
+                </a:cubicBezTo>
+                <a:cubicBezTo>
+                  <a:pt x="355172" y="75078"/>
+                  <a:pt x="357945" y="77808"/>
+                  <a:pt x="358689" y="81279"/>
+                </a:cubicBezTo>
+                <a:cubicBezTo>
+                  <a:pt x="360397" y="89250"/>
+                  <a:pt x="356989" y="105159"/>
+                  <a:pt x="365833" y="112235"/>
+                </a:cubicBezTo>
+                <a:cubicBezTo>
+                  <a:pt x="367793" y="113803"/>
+                  <a:pt x="370669" y="113627"/>
+                  <a:pt x="372976" y="114616"/>
+                </a:cubicBezTo>
+                <a:cubicBezTo>
+                  <a:pt x="402190" y="127137"/>
+                  <a:pt x="365738" y="112187"/>
+                  <a:pt x="389645" y="124141"/>
+                </a:cubicBezTo>
+                <a:cubicBezTo>
+                  <a:pt x="391890" y="125264"/>
+                  <a:pt x="394408" y="125729"/>
+                  <a:pt x="396789" y="126523"/>
+                </a:cubicBezTo>
+                <a:cubicBezTo>
+                  <a:pt x="413882" y="143616"/>
+                  <a:pt x="407035" y="135422"/>
+                  <a:pt x="418220" y="150335"/>
+                </a:cubicBezTo>
+                <a:cubicBezTo>
+                  <a:pt x="416791" y="163200"/>
+                  <a:pt x="421315" y="172322"/>
+                  <a:pt x="408695" y="176529"/>
+                </a:cubicBezTo>
+                <a:cubicBezTo>
+                  <a:pt x="404115" y="178056"/>
+                  <a:pt x="399092" y="177739"/>
+                  <a:pt x="394408" y="178910"/>
+                </a:cubicBezTo>
+                <a:cubicBezTo>
+                  <a:pt x="389538" y="180128"/>
+                  <a:pt x="380120" y="183673"/>
+                  <a:pt x="380120" y="183673"/>
+                </a:cubicBezTo>
+                <a:cubicBezTo>
+                  <a:pt x="376945" y="202723"/>
+                  <a:pt x="374784" y="221970"/>
+                  <a:pt x="370595" y="240823"/>
+                </a:cubicBezTo>
+                <a:cubicBezTo>
+                  <a:pt x="369464" y="245911"/>
+                  <a:pt x="362994" y="250816"/>
+                  <a:pt x="358689" y="252729"/>
+                </a:cubicBezTo>
+                <a:cubicBezTo>
+                  <a:pt x="354101" y="254768"/>
+                  <a:pt x="344401" y="257491"/>
+                  <a:pt x="344401" y="257491"/>
+                </a:cubicBezTo>
+                <a:cubicBezTo>
+                  <a:pt x="342020" y="259079"/>
+                  <a:pt x="337258" y="259392"/>
+                  <a:pt x="337258" y="262254"/>
+                </a:cubicBezTo>
+                <a:cubicBezTo>
+                  <a:pt x="337258" y="271306"/>
+                  <a:pt x="345878" y="274875"/>
+                  <a:pt x="351545" y="278923"/>
+                </a:cubicBezTo>
+                <a:cubicBezTo>
+                  <a:pt x="354774" y="281230"/>
+                  <a:pt x="357895" y="283685"/>
+                  <a:pt x="361070" y="286066"/>
+                </a:cubicBezTo>
+                <a:cubicBezTo>
+                  <a:pt x="362658" y="289241"/>
+                  <a:pt x="364364" y="292359"/>
+                  <a:pt x="365833" y="295591"/>
+                </a:cubicBezTo>
+                <a:cubicBezTo>
+                  <a:pt x="371077" y="307127"/>
+                  <a:pt x="377647" y="315832"/>
+                  <a:pt x="370595" y="328929"/>
+                </a:cubicBezTo>
+                <a:cubicBezTo>
+                  <a:pt x="367402" y="334859"/>
+                  <a:pt x="361070" y="338454"/>
+                  <a:pt x="356308" y="343216"/>
+                </a:cubicBezTo>
+                <a:lnTo>
+                  <a:pt x="346783" y="352741"/>
+                </a:lnTo>
+                <a:cubicBezTo>
+                  <a:pt x="345195" y="357504"/>
+                  <a:pt x="342405" y="362023"/>
+                  <a:pt x="342020" y="367029"/>
+                </a:cubicBezTo>
+                <a:cubicBezTo>
+                  <a:pt x="340433" y="387666"/>
+                  <a:pt x="351075" y="413530"/>
+                  <a:pt x="337258" y="428941"/>
+                </a:cubicBezTo>
+                <a:cubicBezTo>
+                  <a:pt x="324442" y="443235"/>
+                  <a:pt x="299158" y="433704"/>
+                  <a:pt x="280108" y="436085"/>
+                </a:cubicBezTo>
+                <a:cubicBezTo>
+                  <a:pt x="279314" y="445610"/>
+                  <a:pt x="280044" y="455387"/>
+                  <a:pt x="277726" y="464660"/>
+                </a:cubicBezTo>
+                <a:cubicBezTo>
+                  <a:pt x="275001" y="475561"/>
+                  <a:pt x="267492" y="475306"/>
+                  <a:pt x="258676" y="476566"/>
+                </a:cubicBezTo>
+                <a:cubicBezTo>
+                  <a:pt x="246931" y="478244"/>
+                  <a:pt x="221959" y="480337"/>
+                  <a:pt x="211051" y="481329"/>
+                </a:cubicBezTo>
+                <a:cubicBezTo>
+                  <a:pt x="192001" y="480535"/>
+                  <a:pt x="172968" y="478948"/>
+                  <a:pt x="153901" y="478948"/>
+                </a:cubicBezTo>
+                <a:cubicBezTo>
+                  <a:pt x="150628" y="478948"/>
+                  <a:pt x="165241" y="478606"/>
+                  <a:pt x="163426" y="481329"/>
+                </a:cubicBezTo>
+                <a:cubicBezTo>
+                  <a:pt x="160641" y="485506"/>
+                  <a:pt x="153901" y="484504"/>
+                  <a:pt x="149139" y="486091"/>
+                </a:cubicBezTo>
+                <a:cubicBezTo>
+                  <a:pt x="143651" y="485177"/>
+                  <a:pt x="133570" y="484260"/>
+                  <a:pt x="127708" y="481329"/>
+                </a:cubicBezTo>
+                <a:cubicBezTo>
+                  <a:pt x="114345" y="474647"/>
+                  <a:pt x="117103" y="472346"/>
+                  <a:pt x="101514" y="469423"/>
+                </a:cubicBezTo>
+                <a:cubicBezTo>
+                  <a:pt x="93673" y="467953"/>
+                  <a:pt x="85639" y="467835"/>
+                  <a:pt x="77701" y="467041"/>
+                </a:cubicBezTo>
+                <a:cubicBezTo>
+                  <a:pt x="75320" y="466247"/>
+                  <a:pt x="72803" y="465782"/>
+                  <a:pt x="70558" y="464660"/>
+                </a:cubicBezTo>
+                <a:cubicBezTo>
+                  <a:pt x="67998" y="463380"/>
+                  <a:pt x="66155" y="460720"/>
+                  <a:pt x="63414" y="459898"/>
+                </a:cubicBezTo>
+                <a:cubicBezTo>
+                  <a:pt x="58038" y="458285"/>
+                  <a:pt x="52301" y="458310"/>
+                  <a:pt x="46745" y="457516"/>
+                </a:cubicBezTo>
+                <a:cubicBezTo>
+                  <a:pt x="38571" y="454792"/>
+                  <a:pt x="37285" y="455200"/>
+                  <a:pt x="30076" y="447991"/>
+                </a:cubicBezTo>
+                <a:cubicBezTo>
+                  <a:pt x="28053" y="445968"/>
+                  <a:pt x="26901" y="443229"/>
+                  <a:pt x="25314" y="440848"/>
+                </a:cubicBezTo>
+                <a:cubicBezTo>
+                  <a:pt x="26901" y="428942"/>
+                  <a:pt x="23149" y="414942"/>
+                  <a:pt x="30076" y="405129"/>
+                </a:cubicBezTo>
+                <a:cubicBezTo>
+                  <a:pt x="34744" y="398516"/>
+                  <a:pt x="61742" y="398402"/>
+                  <a:pt x="53889" y="400366"/>
+                </a:cubicBezTo>
+                <a:lnTo>
+                  <a:pt x="44364" y="402748"/>
+                </a:lnTo>
+                <a:cubicBezTo>
+                  <a:pt x="35633" y="401160"/>
+                  <a:pt x="26453" y="401171"/>
+                  <a:pt x="18170" y="397985"/>
+                </a:cubicBezTo>
+                <a:cubicBezTo>
+                  <a:pt x="15499" y="396958"/>
+                  <a:pt x="13532" y="393700"/>
+                  <a:pt x="13408" y="390841"/>
+                </a:cubicBezTo>
+                <a:cubicBezTo>
+                  <a:pt x="12718" y="374961"/>
+                  <a:pt x="14412" y="359051"/>
+                  <a:pt x="15789" y="343216"/>
+                </a:cubicBezTo>
+                <a:cubicBezTo>
+                  <a:pt x="16006" y="340716"/>
+                  <a:pt x="16602" y="338033"/>
+                  <a:pt x="18170" y="336073"/>
+                </a:cubicBezTo>
+                <a:cubicBezTo>
+                  <a:pt x="22282" y="330933"/>
+                  <a:pt x="29118" y="330359"/>
+                  <a:pt x="34839" y="328929"/>
+                </a:cubicBezTo>
+                <a:cubicBezTo>
+                  <a:pt x="35633" y="326548"/>
+                  <a:pt x="37910" y="324199"/>
+                  <a:pt x="37220" y="321785"/>
+                </a:cubicBezTo>
+                <a:cubicBezTo>
+                  <a:pt x="35278" y="314989"/>
+                  <a:pt x="26754" y="310465"/>
+                  <a:pt x="22933" y="305116"/>
+                </a:cubicBezTo>
+                <a:cubicBezTo>
+                  <a:pt x="20870" y="302227"/>
+                  <a:pt x="19758" y="298766"/>
+                  <a:pt x="18170" y="295591"/>
+                </a:cubicBezTo>
+                <a:cubicBezTo>
+                  <a:pt x="17347" y="290655"/>
+                  <a:pt x="15539" y="277461"/>
+                  <a:pt x="13408" y="271779"/>
+                </a:cubicBezTo>
+                <a:cubicBezTo>
+                  <a:pt x="12162" y="268455"/>
+                  <a:pt x="10233" y="265429"/>
+                  <a:pt x="8645" y="262254"/>
+                </a:cubicBezTo>
+                <a:cubicBezTo>
+                  <a:pt x="9439" y="255904"/>
+                  <a:pt x="7476" y="248529"/>
+                  <a:pt x="11026" y="243204"/>
+                </a:cubicBezTo>
+                <a:cubicBezTo>
+                  <a:pt x="13271" y="239836"/>
+                  <a:pt x="19143" y="242244"/>
+                  <a:pt x="22933" y="240823"/>
+                </a:cubicBezTo>
+                <a:cubicBezTo>
+                  <a:pt x="25613" y="239818"/>
+                  <a:pt x="27695" y="237648"/>
+                  <a:pt x="30076" y="236060"/>
+                </a:cubicBezTo>
+                <a:cubicBezTo>
+                  <a:pt x="27695" y="232091"/>
+                  <a:pt x="25003" y="228294"/>
+                  <a:pt x="22933" y="224154"/>
+                </a:cubicBezTo>
+                <a:cubicBezTo>
+                  <a:pt x="21021" y="220331"/>
+                  <a:pt x="20541" y="215805"/>
+                  <a:pt x="18170" y="212248"/>
+                </a:cubicBezTo>
+                <a:cubicBezTo>
+                  <a:pt x="15679" y="208512"/>
+                  <a:pt x="11820" y="205898"/>
+                  <a:pt x="8645" y="202723"/>
+                </a:cubicBezTo>
+                <a:cubicBezTo>
+                  <a:pt x="7058" y="198754"/>
+                  <a:pt x="3883" y="195091"/>
+                  <a:pt x="3883" y="190816"/>
+                </a:cubicBezTo>
+                <a:cubicBezTo>
+                  <a:pt x="3883" y="184583"/>
+                  <a:pt x="-10391" y="128393"/>
+                  <a:pt x="15789" y="126523"/>
+                </a:cubicBezTo>
+                <a:cubicBezTo>
+                  <a:pt x="24498" y="125901"/>
+                  <a:pt x="42776" y="140810"/>
+                  <a:pt x="46745" y="140810"/>
+                </a:cubicBezTo>
+                <a:close/>
+              </a:path>
+            </a:pathLst>
+          </a:custGeom>
+          <a:solidFill>
+            <a:schemeClr val="accent4">
+              <a:lumMod val="40000"/>
+              <a:lumOff val="60000"/>
+            </a:schemeClr>
+          </a:solidFill>
+          <a:ln>
+            <a:solidFill>
+              <a:schemeClr val="accent4">
+                <a:lumMod val="60000"/>
+                <a:lumOff val="40000"/>
+              </a:schemeClr>
+            </a:solidFill>
+          </a:ln>
+        </p:spPr>
+        <p:style>
+          <a:lnRef idx="2">
+            <a:schemeClr val="accent1">
+              <a:shade val="50000"/>
+            </a:schemeClr>
+          </a:lnRef>
+          <a:fillRef idx="1">
+            <a:schemeClr val="accent1"/>
+          </a:fillRef>
+          <a:effectRef idx="0">
+            <a:schemeClr val="accent1"/>
+          </a:effectRef>
+          <a:fontRef idx="minor">
+            <a:schemeClr val="lt1"/>
+          </a:fontRef>
+        </p:style>
+        <p:txBody>
+          <a:bodyPr rtlCol="0" anchor="ctr"/>
+          <a:lstStyle/>
+          <a:p>
+            <a:pPr algn="ctr"/>
+            <a:endParaRPr lang="pt-BR"/>
+          </a:p>
+        </p:txBody>
+      </p:sp>
+      <p:sp>
+        <p:nvSpPr>
+          <p:cNvPr id="29" name="Forma livre 28"/>
+          <p:cNvSpPr/>
+          <p:nvPr/>
+        </p:nvSpPr>
+        <p:spPr>
+          <a:xfrm rot="20250084">
+            <a:off x="4223560" y="4858330"/>
+            <a:ext cx="1238250" cy="138175"/>
+          </a:xfrm>
+          <a:custGeom>
+            <a:avLst/>
+            <a:gdLst>
+              <a:gd name="connsiteX0" fmla="*/ 0 w 1238250"/>
+              <a:gd name="connsiteY0" fmla="*/ 138175 h 138175"/>
+              <a:gd name="connsiteX1" fmla="*/ 323850 w 1238250"/>
+              <a:gd name="connsiteY1" fmla="*/ 63 h 138175"/>
+              <a:gd name="connsiteX2" fmla="*/ 957262 w 1238250"/>
+              <a:gd name="connsiteY2" fmla="*/ 119125 h 138175"/>
+              <a:gd name="connsiteX3" fmla="*/ 1238250 w 1238250"/>
+              <a:gd name="connsiteY3" fmla="*/ 28638 h 138175"/>
+            </a:gdLst>
+            <a:ahLst/>
+            <a:cxnLst>
+              <a:cxn ang="0">
+                <a:pos x="connsiteX0" y="connsiteY0"/>
+              </a:cxn>
+              <a:cxn ang="0">
+                <a:pos x="connsiteX1" y="connsiteY1"/>
+              </a:cxn>
+              <a:cxn ang="0">
+                <a:pos x="connsiteX2" y="connsiteY2"/>
+              </a:cxn>
+              <a:cxn ang="0">
+                <a:pos x="connsiteX3" y="connsiteY3"/>
+              </a:cxn>
+            </a:cxnLst>
+            <a:rect l="l" t="t" r="r" b="b"/>
+            <a:pathLst>
+              <a:path w="1238250" h="138175">
+                <a:moveTo>
+                  <a:pt x="0" y="138175"/>
+                </a:moveTo>
+                <a:cubicBezTo>
+                  <a:pt x="82153" y="70706"/>
+                  <a:pt x="164306" y="3238"/>
+                  <a:pt x="323850" y="63"/>
+                </a:cubicBezTo>
+                <a:cubicBezTo>
+                  <a:pt x="483394" y="-3112"/>
+                  <a:pt x="804862" y="114362"/>
+                  <a:pt x="957262" y="119125"/>
+                </a:cubicBezTo>
+                <a:cubicBezTo>
+                  <a:pt x="1109662" y="123888"/>
+                  <a:pt x="1173956" y="76263"/>
+                  <a:pt x="1238250" y="28638"/>
+                </a:cubicBezTo>
+              </a:path>
+            </a:pathLst>
+          </a:custGeom>
+          <a:noFill/>
+          <a:ln>
+            <a:headEnd type="triangle" w="med" len="med"/>
+            <a:tailEnd type="none" w="med" len="med"/>
+          </a:ln>
+        </p:spPr>
+        <p:style>
+          <a:lnRef idx="2">
+            <a:schemeClr val="accent1">
+              <a:shade val="50000"/>
+            </a:schemeClr>
+          </a:lnRef>
+          <a:fillRef idx="1">
+            <a:schemeClr val="accent1"/>
+          </a:fillRef>
+          <a:effectRef idx="0">
+            <a:schemeClr val="accent1"/>
+          </a:effectRef>
+          <a:fontRef idx="minor">
+            <a:schemeClr val="lt1"/>
+          </a:fontRef>
+        </p:style>
+        <p:txBody>
+          <a:bodyPr rtlCol="0" anchor="ctr"/>
+          <a:lstStyle/>
+          <a:p>
+            <a:pPr algn="ctr"/>
+            <a:endParaRPr lang="pt-BR"/>
+          </a:p>
+        </p:txBody>
+      </p:sp>
+      <p:sp>
+        <p:nvSpPr>
+          <p:cNvPr id="30" name="CaixaDeTexto 29"/>
+          <p:cNvSpPr txBox="1"/>
+          <p:nvPr/>
+        </p:nvSpPr>
+        <p:spPr>
+          <a:xfrm>
+            <a:off x="4943092" y="4338645"/>
+            <a:ext cx="732636" cy="369332"/>
+          </a:xfrm>
+          <a:prstGeom prst="rect">
+            <a:avLst/>
+          </a:prstGeom>
+          <a:noFill/>
+        </p:spPr>
+        <p:txBody>
+          <a:bodyPr wrap="none" rtlCol="0">
+            <a:spAutoFit/>
+          </a:bodyPr>
+          <a:lstStyle/>
+          <a:p>
+            <a:r>
+              <a:rPr lang="pt-BR" dirty="0" smtClean="0"/>
+              <a:t>Pt100</a:t>
+            </a:r>
+            <a:endParaRPr lang="pt-BR" dirty="0"/>
+          </a:p>
+        </p:txBody>
+      </p:sp>
+      <p:sp>
+        <p:nvSpPr>
+          <p:cNvPr id="31" name="Forma livre 30"/>
+          <p:cNvSpPr/>
+          <p:nvPr/>
+        </p:nvSpPr>
+        <p:spPr>
+          <a:xfrm rot="13038807" flipH="1" flipV="1">
+            <a:off x="4027353" y="5563541"/>
+            <a:ext cx="808886" cy="294379"/>
+          </a:xfrm>
+          <a:custGeom>
+            <a:avLst/>
+            <a:gdLst>
+              <a:gd name="connsiteX0" fmla="*/ 0 w 933450"/>
+              <a:gd name="connsiteY0" fmla="*/ 109537 h 316298"/>
+              <a:gd name="connsiteX1" fmla="*/ 419100 w 933450"/>
+              <a:gd name="connsiteY1" fmla="*/ 314325 h 316298"/>
+              <a:gd name="connsiteX2" fmla="*/ 933450 w 933450"/>
+              <a:gd name="connsiteY2" fmla="*/ 0 h 316298"/>
+            </a:gdLst>
+            <a:ahLst/>
+            <a:cxnLst>
+              <a:cxn ang="0">
+                <a:pos x="connsiteX0" y="connsiteY0"/>
+              </a:cxn>
+              <a:cxn ang="0">
+                <a:pos x="connsiteX1" y="connsiteY1"/>
+              </a:cxn>
+              <a:cxn ang="0">
+                <a:pos x="connsiteX2" y="connsiteY2"/>
+              </a:cxn>
+            </a:cxnLst>
+            <a:rect l="l" t="t" r="r" b="b"/>
+            <a:pathLst>
+              <a:path w="933450" h="316298">
+                <a:moveTo>
+                  <a:pt x="0" y="109537"/>
+                </a:moveTo>
+                <a:cubicBezTo>
+                  <a:pt x="131762" y="221059"/>
+                  <a:pt x="263525" y="332581"/>
+                  <a:pt x="419100" y="314325"/>
+                </a:cubicBezTo>
+                <a:cubicBezTo>
+                  <a:pt x="574675" y="296069"/>
+                  <a:pt x="754062" y="148034"/>
+                  <a:pt x="933450" y="0"/>
+                </a:cubicBezTo>
+              </a:path>
+            </a:pathLst>
+          </a:custGeom>
+          <a:noFill/>
+          <a:ln>
+            <a:headEnd type="triangle" w="med" len="med"/>
+            <a:tailEnd type="none" w="med" len="med"/>
+          </a:ln>
+        </p:spPr>
+        <p:style>
+          <a:lnRef idx="2">
+            <a:schemeClr val="accent1">
+              <a:shade val="50000"/>
+            </a:schemeClr>
+          </a:lnRef>
+          <a:fillRef idx="1">
+            <a:schemeClr val="accent1"/>
+          </a:fillRef>
+          <a:effectRef idx="0">
+            <a:schemeClr val="accent1"/>
+          </a:effectRef>
+          <a:fontRef idx="minor">
+            <a:schemeClr val="lt1"/>
+          </a:fontRef>
+        </p:style>
+        <p:txBody>
+          <a:bodyPr rtlCol="0" anchor="ctr"/>
+          <a:lstStyle/>
+          <a:p>
+            <a:pPr algn="ctr"/>
+            <a:endParaRPr lang="pt-BR"/>
+          </a:p>
+        </p:txBody>
+      </p:sp>
+      <p:sp>
+        <p:nvSpPr>
+          <p:cNvPr id="32" name="CaixaDeTexto 31"/>
+          <p:cNvSpPr txBox="1"/>
+          <p:nvPr/>
+        </p:nvSpPr>
+        <p:spPr>
+          <a:xfrm>
+            <a:off x="4785230" y="5604855"/>
+            <a:ext cx="1914691" cy="369332"/>
+          </a:xfrm>
+          <a:prstGeom prst="rect">
+            <a:avLst/>
+          </a:prstGeom>
+          <a:noFill/>
+        </p:spPr>
+        <p:txBody>
+          <a:bodyPr wrap="none" rtlCol="0">
+            <a:spAutoFit/>
+          </a:bodyPr>
+          <a:lstStyle/>
+          <a:p>
+            <a:r>
+              <a:rPr lang="pt-BR" dirty="0" smtClean="0"/>
+              <a:t>Inv</a:t>
+            </a:r>
+            <a:r>
+              <a:rPr lang="pt-BR" dirty="0" smtClean="0"/>
+              <a:t>ólucro metálico</a:t>
+            </a:r>
+            <a:endParaRPr lang="pt-BR" dirty="0"/>
+          </a:p>
+        </p:txBody>
+      </p:sp>
+      <p:sp>
+        <p:nvSpPr>
+          <p:cNvPr id="9" name="Forma livre 8"/>
+          <p:cNvSpPr/>
+          <p:nvPr/>
+        </p:nvSpPr>
+        <p:spPr>
+          <a:xfrm>
+            <a:off x="4724400" y="4681705"/>
+            <a:ext cx="1500285" cy="452270"/>
+          </a:xfrm>
+          <a:custGeom>
+            <a:avLst/>
+            <a:gdLst>
+              <a:gd name="connsiteX0" fmla="*/ 0 w 1500285"/>
+              <a:gd name="connsiteY0" fmla="*/ 452270 h 452270"/>
+              <a:gd name="connsiteX1" fmla="*/ 742950 w 1500285"/>
+              <a:gd name="connsiteY1" fmla="*/ 376070 h 452270"/>
+              <a:gd name="connsiteX2" fmla="*/ 1409700 w 1500285"/>
+              <a:gd name="connsiteY2" fmla="*/ 52220 h 452270"/>
+              <a:gd name="connsiteX3" fmla="*/ 1476375 w 1500285"/>
+              <a:gd name="connsiteY3" fmla="*/ 4595 h 452270"/>
+            </a:gdLst>
+            <a:ahLst/>
+            <a:cxnLst>
+              <a:cxn ang="0">
+                <a:pos x="connsiteX0" y="connsiteY0"/>
+              </a:cxn>
+              <a:cxn ang="0">
+                <a:pos x="connsiteX1" y="connsiteY1"/>
+              </a:cxn>
+              <a:cxn ang="0">
+                <a:pos x="connsiteX2" y="connsiteY2"/>
+              </a:cxn>
+              <a:cxn ang="0">
+                <a:pos x="connsiteX3" y="connsiteY3"/>
+              </a:cxn>
+            </a:cxnLst>
+            <a:rect l="l" t="t" r="r" b="b"/>
+            <a:pathLst>
+              <a:path w="1500285" h="452270">
+                <a:moveTo>
+                  <a:pt x="0" y="452270"/>
+                </a:moveTo>
+                <a:cubicBezTo>
+                  <a:pt x="254000" y="447507"/>
+                  <a:pt x="508000" y="442745"/>
+                  <a:pt x="742950" y="376070"/>
+                </a:cubicBezTo>
+                <a:cubicBezTo>
+                  <a:pt x="977900" y="309395"/>
+                  <a:pt x="1287463" y="114132"/>
+                  <a:pt x="1409700" y="52220"/>
+                </a:cubicBezTo>
+                <a:cubicBezTo>
+                  <a:pt x="1531938" y="-9693"/>
+                  <a:pt x="1504156" y="-2549"/>
+                  <a:pt x="1476375" y="4595"/>
+                </a:cubicBezTo>
+              </a:path>
+            </a:pathLst>
+          </a:custGeom>
+          <a:noFill/>
+          <a:ln>
+            <a:headEnd type="triangle" w="med" len="med"/>
+            <a:tailEnd type="none" w="med" len="med"/>
+          </a:ln>
+        </p:spPr>
+        <p:style>
+          <a:lnRef idx="2">
+            <a:schemeClr val="accent1">
+              <a:shade val="50000"/>
+            </a:schemeClr>
+          </a:lnRef>
+          <a:fillRef idx="1">
+            <a:schemeClr val="accent1"/>
+          </a:fillRef>
+          <a:effectRef idx="0">
+            <a:schemeClr val="accent1"/>
+          </a:effectRef>
+          <a:fontRef idx="minor">
+            <a:schemeClr val="lt1"/>
+          </a:fontRef>
+        </p:style>
+        <p:txBody>
+          <a:bodyPr rtlCol="0" anchor="ctr"/>
+          <a:lstStyle/>
+          <a:p>
+            <a:pPr algn="ctr"/>
+            <a:endParaRPr lang="pt-BR"/>
+          </a:p>
+        </p:txBody>
+      </p:sp>
+      <p:sp>
+        <p:nvSpPr>
+          <p:cNvPr id="33" name="CaixaDeTexto 32"/>
+          <p:cNvSpPr txBox="1"/>
+          <p:nvPr/>
+        </p:nvSpPr>
+        <p:spPr>
+          <a:xfrm>
+            <a:off x="5632355" y="4385739"/>
+            <a:ext cx="2472343" cy="369332"/>
+          </a:xfrm>
+          <a:prstGeom prst="rect">
+            <a:avLst/>
+          </a:prstGeom>
+          <a:noFill/>
+        </p:spPr>
+        <p:txBody>
+          <a:bodyPr wrap="none" rtlCol="0">
+            <a:spAutoFit/>
+          </a:bodyPr>
+          <a:lstStyle/>
+          <a:p>
+            <a:r>
+              <a:rPr lang="pt-BR" dirty="0" smtClean="0"/>
+              <a:t>Silicone para isolamento</a:t>
+            </a:r>
+            <a:endParaRPr lang="pt-BR" dirty="0"/>
+          </a:p>
+        </p:txBody>
+      </p:sp>
+      <p:sp>
+        <p:nvSpPr>
+          <p:cNvPr id="36" name="Forma livre 35"/>
+          <p:cNvSpPr/>
+          <p:nvPr/>
+        </p:nvSpPr>
+        <p:spPr>
+          <a:xfrm>
+            <a:off x="8016294" y="3820744"/>
+            <a:ext cx="847725" cy="225486"/>
+          </a:xfrm>
+          <a:custGeom>
+            <a:avLst/>
+            <a:gdLst>
+              <a:gd name="connsiteX0" fmla="*/ 0 w 847725"/>
+              <a:gd name="connsiteY0" fmla="*/ 225486 h 225486"/>
+              <a:gd name="connsiteX1" fmla="*/ 504825 w 847725"/>
+              <a:gd name="connsiteY1" fmla="*/ 6411 h 225486"/>
+              <a:gd name="connsiteX2" fmla="*/ 847725 w 847725"/>
+              <a:gd name="connsiteY2" fmla="*/ 54036 h 225486"/>
+              <a:gd name="connsiteX3" fmla="*/ 847725 w 847725"/>
+              <a:gd name="connsiteY3" fmla="*/ 54036 h 225486"/>
+              <a:gd name="connsiteX4" fmla="*/ 847725 w 847725"/>
+              <a:gd name="connsiteY4" fmla="*/ 54036 h 225486"/>
+            </a:gdLst>
+            <a:ahLst/>
+            <a:cxnLst>
+              <a:cxn ang="0">
+                <a:pos x="connsiteX0" y="connsiteY0"/>
+              </a:cxn>
+              <a:cxn ang="0">
+                <a:pos x="connsiteX1" y="connsiteY1"/>
+              </a:cxn>
+              <a:cxn ang="0">
+                <a:pos x="connsiteX2" y="connsiteY2"/>
+              </a:cxn>
+              <a:cxn ang="0">
+                <a:pos x="connsiteX3" y="connsiteY3"/>
+              </a:cxn>
+              <a:cxn ang="0">
+                <a:pos x="connsiteX4" y="connsiteY4"/>
+              </a:cxn>
+            </a:cxnLst>
+            <a:rect l="l" t="t" r="r" b="b"/>
+            <a:pathLst>
+              <a:path w="847725" h="225486">
+                <a:moveTo>
+                  <a:pt x="0" y="225486"/>
+                </a:moveTo>
+                <a:cubicBezTo>
+                  <a:pt x="181769" y="130236"/>
+                  <a:pt x="363538" y="34986"/>
+                  <a:pt x="504825" y="6411"/>
+                </a:cubicBezTo>
+                <a:cubicBezTo>
+                  <a:pt x="646112" y="-22164"/>
+                  <a:pt x="847725" y="54036"/>
+                  <a:pt x="847725" y="54036"/>
+                </a:cubicBezTo>
+                <a:lnTo>
+                  <a:pt x="847725" y="54036"/>
+                </a:lnTo>
+                <a:lnTo>
+                  <a:pt x="847725" y="54036"/>
+                </a:lnTo>
+              </a:path>
+            </a:pathLst>
+          </a:custGeom>
+          <a:noFill/>
+          <a:ln>
+            <a:headEnd type="none" w="med" len="med"/>
+            <a:tailEnd type="triangle" w="med" len="med"/>
+          </a:ln>
+        </p:spPr>
+        <p:style>
+          <a:lnRef idx="2">
+            <a:schemeClr val="accent1">
+              <a:shade val="50000"/>
+            </a:schemeClr>
+          </a:lnRef>
+          <a:fillRef idx="1">
+            <a:schemeClr val="accent1"/>
+          </a:fillRef>
+          <a:effectRef idx="0">
+            <a:schemeClr val="accent1"/>
+          </a:effectRef>
+          <a:fontRef idx="minor">
+            <a:schemeClr val="lt1"/>
+          </a:fontRef>
+        </p:style>
+        <p:txBody>
+          <a:bodyPr rtlCol="0" anchor="ctr"/>
+          <a:lstStyle/>
+          <a:p>
+            <a:pPr algn="ctr"/>
+            <a:endParaRPr lang="pt-BR"/>
+          </a:p>
+        </p:txBody>
+      </p:sp>
+      <p:sp>
+        <p:nvSpPr>
+          <p:cNvPr id="37" name="Forma livre 36"/>
+          <p:cNvSpPr/>
+          <p:nvPr/>
+        </p:nvSpPr>
+        <p:spPr>
+          <a:xfrm>
+            <a:off x="8035344" y="3950163"/>
+            <a:ext cx="647700" cy="96067"/>
+          </a:xfrm>
+          <a:custGeom>
+            <a:avLst/>
+            <a:gdLst>
+              <a:gd name="connsiteX0" fmla="*/ 0 w 647700"/>
+              <a:gd name="connsiteY0" fmla="*/ 96067 h 96067"/>
+              <a:gd name="connsiteX1" fmla="*/ 371475 w 647700"/>
+              <a:gd name="connsiteY1" fmla="*/ 817 h 96067"/>
+              <a:gd name="connsiteX2" fmla="*/ 647700 w 647700"/>
+              <a:gd name="connsiteY2" fmla="*/ 57967 h 96067"/>
+            </a:gdLst>
+            <a:ahLst/>
+            <a:cxnLst>
+              <a:cxn ang="0">
+                <a:pos x="connsiteX0" y="connsiteY0"/>
+              </a:cxn>
+              <a:cxn ang="0">
+                <a:pos x="connsiteX1" y="connsiteY1"/>
+              </a:cxn>
+              <a:cxn ang="0">
+                <a:pos x="connsiteX2" y="connsiteY2"/>
+              </a:cxn>
+            </a:cxnLst>
+            <a:rect l="l" t="t" r="r" b="b"/>
+            <a:pathLst>
+              <a:path w="647700" h="96067">
+                <a:moveTo>
+                  <a:pt x="0" y="96067"/>
+                </a:moveTo>
+                <a:cubicBezTo>
+                  <a:pt x="131762" y="51617"/>
+                  <a:pt x="263525" y="7167"/>
+                  <a:pt x="371475" y="817"/>
+                </a:cubicBezTo>
+                <a:cubicBezTo>
+                  <a:pt x="479425" y="-5533"/>
+                  <a:pt x="563562" y="26217"/>
+                  <a:pt x="647700" y="57967"/>
+                </a:cubicBezTo>
+              </a:path>
+            </a:pathLst>
+          </a:custGeom>
+          <a:noFill/>
+          <a:ln>
+            <a:headEnd type="none" w="med" len="med"/>
+            <a:tailEnd type="triangle" w="med" len="med"/>
+          </a:ln>
+        </p:spPr>
+        <p:style>
+          <a:lnRef idx="2">
+            <a:schemeClr val="accent1">
+              <a:shade val="50000"/>
+            </a:schemeClr>
+          </a:lnRef>
+          <a:fillRef idx="1">
+            <a:schemeClr val="accent1"/>
+          </a:fillRef>
+          <a:effectRef idx="0">
+            <a:schemeClr val="accent1"/>
+          </a:effectRef>
+          <a:fontRef idx="minor">
+            <a:schemeClr val="lt1"/>
+          </a:fontRef>
+        </p:style>
+        <p:txBody>
+          <a:bodyPr rtlCol="0" anchor="ctr"/>
+          <a:lstStyle/>
+          <a:p>
+            <a:pPr algn="ctr"/>
+            <a:endParaRPr lang="pt-BR"/>
+          </a:p>
+        </p:txBody>
+      </p:sp>
+      <p:sp>
+        <p:nvSpPr>
+          <p:cNvPr id="38" name="CaixaDeTexto 37"/>
+          <p:cNvSpPr txBox="1"/>
+          <p:nvPr/>
+        </p:nvSpPr>
+        <p:spPr>
+          <a:xfrm>
+            <a:off x="5701325" y="3965606"/>
+            <a:ext cx="2990627" cy="369332"/>
+          </a:xfrm>
+          <a:prstGeom prst="rect">
+            <a:avLst/>
+          </a:prstGeom>
+          <a:noFill/>
+        </p:spPr>
+        <p:txBody>
+          <a:bodyPr wrap="none" rtlCol="0">
+            <a:spAutoFit/>
+          </a:bodyPr>
+          <a:lstStyle/>
+          <a:p>
+            <a:r>
+              <a:rPr lang="pt-BR" dirty="0" smtClean="0"/>
+              <a:t>Fiação para ligação ao circuito</a:t>
+            </a:r>
+            <a:endParaRPr lang="pt-BR" dirty="0"/>
+          </a:p>
+        </p:txBody>
+      </p:sp>
     </p:spTree>
     <p:extLst>
       <p:ext uri="{BB962C8B-B14F-4D97-AF65-F5344CB8AC3E}">
@@ -6718,6 +8638,2069 @@
     <p:extLst>
       <p:ext uri="{BB962C8B-B14F-4D97-AF65-F5344CB8AC3E}">
         <p14:creationId xmlns:p14="http://schemas.microsoft.com/office/powerpoint/2010/main" val="2920437492"/>
+      </p:ext>
+    </p:extLst>
+  </p:cSld>
+  <p:clrMapOvr>
+    <a:masterClrMapping/>
+  </p:clrMapOvr>
+</p:sld>
+</file>
+
+<file path=ppt/slides/slide4.xml><?xml version="1.0" encoding="utf-8"?>
+<p:sld xmlns:a="http://schemas.openxmlformats.org/drawingml/2006/main" xmlns:r="http://schemas.openxmlformats.org/officeDocument/2006/relationships" xmlns:p="http://schemas.openxmlformats.org/presentationml/2006/main">
+  <p:cSld>
+    <p:spTree>
+      <p:nvGrpSpPr>
+        <p:cNvPr id="1" name=""/>
+        <p:cNvGrpSpPr/>
+        <p:nvPr/>
+      </p:nvGrpSpPr>
+      <p:grpSpPr>
+        <a:xfrm>
+          <a:off x="0" y="0"/>
+          <a:ext cx="0" cy="0"/>
+          <a:chOff x="0" y="0"/>
+          <a:chExt cx="0" cy="0"/>
+        </a:xfrm>
+      </p:grpSpPr>
+      <p:cxnSp>
+        <p:nvCxnSpPr>
+          <p:cNvPr id="4" name="Conector reto 3"/>
+          <p:cNvCxnSpPr/>
+          <p:nvPr/>
+        </p:nvCxnSpPr>
+        <p:spPr>
+          <a:xfrm>
+            <a:off x="857250" y="2495550"/>
+            <a:ext cx="1028700" cy="0"/>
+          </a:xfrm>
+          <a:prstGeom prst="line">
+            <a:avLst/>
+          </a:prstGeom>
+          <a:ln w="19050">
+            <a:solidFill>
+              <a:schemeClr val="tx1"/>
+            </a:solidFill>
+          </a:ln>
+        </p:spPr>
+        <p:style>
+          <a:lnRef idx="1">
+            <a:schemeClr val="accent1"/>
+          </a:lnRef>
+          <a:fillRef idx="0">
+            <a:schemeClr val="accent1"/>
+          </a:fillRef>
+          <a:effectRef idx="0">
+            <a:schemeClr val="accent1"/>
+          </a:effectRef>
+          <a:fontRef idx="minor">
+            <a:schemeClr val="tx1"/>
+          </a:fontRef>
+        </p:style>
+      </p:cxnSp>
+      <p:cxnSp>
+        <p:nvCxnSpPr>
+          <p:cNvPr id="5" name="Conector reto 4"/>
+          <p:cNvCxnSpPr/>
+          <p:nvPr/>
+        </p:nvCxnSpPr>
+        <p:spPr>
+          <a:xfrm>
+            <a:off x="857250" y="3238500"/>
+            <a:ext cx="1028700" cy="0"/>
+          </a:xfrm>
+          <a:prstGeom prst="line">
+            <a:avLst/>
+          </a:prstGeom>
+          <a:ln w="19050">
+            <a:solidFill>
+              <a:schemeClr val="tx1"/>
+            </a:solidFill>
+          </a:ln>
+        </p:spPr>
+        <p:style>
+          <a:lnRef idx="1">
+            <a:schemeClr val="accent1"/>
+          </a:lnRef>
+          <a:fillRef idx="0">
+            <a:schemeClr val="accent1"/>
+          </a:fillRef>
+          <a:effectRef idx="0">
+            <a:schemeClr val="accent1"/>
+          </a:effectRef>
+          <a:fontRef idx="minor">
+            <a:schemeClr val="tx1"/>
+          </a:fontRef>
+        </p:style>
+      </p:cxnSp>
+      <p:cxnSp>
+        <p:nvCxnSpPr>
+          <p:cNvPr id="6" name="Conector reto 5"/>
+          <p:cNvCxnSpPr/>
+          <p:nvPr/>
+        </p:nvCxnSpPr>
+        <p:spPr>
+          <a:xfrm rot="-1800000">
+            <a:off x="1830652" y="2289175"/>
+            <a:ext cx="825500" cy="0"/>
+          </a:xfrm>
+          <a:prstGeom prst="line">
+            <a:avLst/>
+          </a:prstGeom>
+          <a:ln w="28575">
+            <a:solidFill>
+              <a:schemeClr val="tx1"/>
+            </a:solidFill>
+            <a:prstDash val="dash"/>
+          </a:ln>
+        </p:spPr>
+        <p:style>
+          <a:lnRef idx="1">
+            <a:schemeClr val="accent1"/>
+          </a:lnRef>
+          <a:fillRef idx="0">
+            <a:schemeClr val="accent1"/>
+          </a:fillRef>
+          <a:effectRef idx="0">
+            <a:schemeClr val="accent1"/>
+          </a:effectRef>
+          <a:fontRef idx="minor">
+            <a:schemeClr val="tx1"/>
+          </a:fontRef>
+        </p:style>
+      </p:cxnSp>
+      <p:cxnSp>
+        <p:nvCxnSpPr>
+          <p:cNvPr id="7" name="Conector reto 6"/>
+          <p:cNvCxnSpPr/>
+          <p:nvPr/>
+        </p:nvCxnSpPr>
+        <p:spPr>
+          <a:xfrm rot="1800000">
+            <a:off x="1830652" y="3444875"/>
+            <a:ext cx="825500" cy="0"/>
+          </a:xfrm>
+          <a:prstGeom prst="line">
+            <a:avLst/>
+          </a:prstGeom>
+          <a:ln w="28575">
+            <a:solidFill>
+              <a:schemeClr val="tx1"/>
+            </a:solidFill>
+            <a:prstDash val="dash"/>
+          </a:ln>
+        </p:spPr>
+        <p:style>
+          <a:lnRef idx="1">
+            <a:schemeClr val="accent1"/>
+          </a:lnRef>
+          <a:fillRef idx="0">
+            <a:schemeClr val="accent1"/>
+          </a:fillRef>
+          <a:effectRef idx="0">
+            <a:schemeClr val="accent1"/>
+          </a:effectRef>
+          <a:fontRef idx="minor">
+            <a:schemeClr val="tx1"/>
+          </a:fontRef>
+        </p:style>
+      </p:cxnSp>
+      <p:cxnSp>
+        <p:nvCxnSpPr>
+          <p:cNvPr id="8" name="Conector reto 7"/>
+          <p:cNvCxnSpPr/>
+          <p:nvPr/>
+        </p:nvCxnSpPr>
+        <p:spPr>
+          <a:xfrm>
+            <a:off x="2600854" y="2082800"/>
+            <a:ext cx="1028700" cy="0"/>
+          </a:xfrm>
+          <a:prstGeom prst="line">
+            <a:avLst/>
+          </a:prstGeom>
+          <a:ln w="19050">
+            <a:solidFill>
+              <a:schemeClr val="tx1"/>
+            </a:solidFill>
+          </a:ln>
+        </p:spPr>
+        <p:style>
+          <a:lnRef idx="1">
+            <a:schemeClr val="accent1"/>
+          </a:lnRef>
+          <a:fillRef idx="0">
+            <a:schemeClr val="accent1"/>
+          </a:fillRef>
+          <a:effectRef idx="0">
+            <a:schemeClr val="accent1"/>
+          </a:effectRef>
+          <a:fontRef idx="minor">
+            <a:schemeClr val="tx1"/>
+          </a:fontRef>
+        </p:style>
+      </p:cxnSp>
+      <p:cxnSp>
+        <p:nvCxnSpPr>
+          <p:cNvPr id="9" name="Conector reto 8"/>
+          <p:cNvCxnSpPr/>
+          <p:nvPr/>
+        </p:nvCxnSpPr>
+        <p:spPr>
+          <a:xfrm>
+            <a:off x="2600854" y="3644900"/>
+            <a:ext cx="1028700" cy="0"/>
+          </a:xfrm>
+          <a:prstGeom prst="line">
+            <a:avLst/>
+          </a:prstGeom>
+          <a:ln w="19050">
+            <a:solidFill>
+              <a:schemeClr val="tx1"/>
+            </a:solidFill>
+          </a:ln>
+        </p:spPr>
+        <p:style>
+          <a:lnRef idx="1">
+            <a:schemeClr val="accent1"/>
+          </a:lnRef>
+          <a:fillRef idx="0">
+            <a:schemeClr val="accent1"/>
+          </a:fillRef>
+          <a:effectRef idx="0">
+            <a:schemeClr val="accent1"/>
+          </a:effectRef>
+          <a:fontRef idx="minor">
+            <a:schemeClr val="tx1"/>
+          </a:fontRef>
+        </p:style>
+      </p:cxnSp>
+      <p:cxnSp>
+        <p:nvCxnSpPr>
+          <p:cNvPr id="10" name="Conector reto 9"/>
+          <p:cNvCxnSpPr/>
+          <p:nvPr/>
+        </p:nvCxnSpPr>
+        <p:spPr>
+          <a:xfrm rot="-1800000">
+            <a:off x="3574256" y="1870076"/>
+            <a:ext cx="825500" cy="0"/>
+          </a:xfrm>
+          <a:prstGeom prst="line">
+            <a:avLst/>
+          </a:prstGeom>
+          <a:ln w="28575">
+            <a:solidFill>
+              <a:schemeClr val="tx1"/>
+            </a:solidFill>
+            <a:prstDash val="dash"/>
+          </a:ln>
+        </p:spPr>
+        <p:style>
+          <a:lnRef idx="1">
+            <a:schemeClr val="accent1"/>
+          </a:lnRef>
+          <a:fillRef idx="0">
+            <a:schemeClr val="accent1"/>
+          </a:fillRef>
+          <a:effectRef idx="0">
+            <a:schemeClr val="accent1"/>
+          </a:effectRef>
+          <a:fontRef idx="minor">
+            <a:schemeClr val="tx1"/>
+          </a:fontRef>
+        </p:style>
+      </p:cxnSp>
+      <p:cxnSp>
+        <p:nvCxnSpPr>
+          <p:cNvPr id="11" name="Conector reto 10"/>
+          <p:cNvCxnSpPr/>
+          <p:nvPr/>
+        </p:nvCxnSpPr>
+        <p:spPr>
+          <a:xfrm>
+            <a:off x="4344458" y="1663701"/>
+            <a:ext cx="1028700" cy="0"/>
+          </a:xfrm>
+          <a:prstGeom prst="line">
+            <a:avLst/>
+          </a:prstGeom>
+          <a:ln w="19050">
+            <a:solidFill>
+              <a:schemeClr val="tx1"/>
+            </a:solidFill>
+          </a:ln>
+        </p:spPr>
+        <p:style>
+          <a:lnRef idx="1">
+            <a:schemeClr val="accent1"/>
+          </a:lnRef>
+          <a:fillRef idx="0">
+            <a:schemeClr val="accent1"/>
+          </a:fillRef>
+          <a:effectRef idx="0">
+            <a:schemeClr val="accent1"/>
+          </a:effectRef>
+          <a:fontRef idx="minor">
+            <a:schemeClr val="tx1"/>
+          </a:fontRef>
+        </p:style>
+      </p:cxnSp>
+      <p:cxnSp>
+        <p:nvCxnSpPr>
+          <p:cNvPr id="12" name="Conector reto 11"/>
+          <p:cNvCxnSpPr/>
+          <p:nvPr/>
+        </p:nvCxnSpPr>
+        <p:spPr>
+          <a:xfrm rot="1800000">
+            <a:off x="3574256" y="3851275"/>
+            <a:ext cx="825500" cy="0"/>
+          </a:xfrm>
+          <a:prstGeom prst="line">
+            <a:avLst/>
+          </a:prstGeom>
+          <a:ln w="28575">
+            <a:solidFill>
+              <a:schemeClr val="tx1"/>
+            </a:solidFill>
+            <a:prstDash val="dash"/>
+          </a:ln>
+        </p:spPr>
+        <p:style>
+          <a:lnRef idx="1">
+            <a:schemeClr val="accent1"/>
+          </a:lnRef>
+          <a:fillRef idx="0">
+            <a:schemeClr val="accent1"/>
+          </a:fillRef>
+          <a:effectRef idx="0">
+            <a:schemeClr val="accent1"/>
+          </a:effectRef>
+          <a:fontRef idx="minor">
+            <a:schemeClr val="tx1"/>
+          </a:fontRef>
+        </p:style>
+      </p:cxnSp>
+      <p:cxnSp>
+        <p:nvCxnSpPr>
+          <p:cNvPr id="13" name="Conector reto 12"/>
+          <p:cNvCxnSpPr/>
+          <p:nvPr/>
+        </p:nvCxnSpPr>
+        <p:spPr>
+          <a:xfrm>
+            <a:off x="4344458" y="4051300"/>
+            <a:ext cx="1028700" cy="0"/>
+          </a:xfrm>
+          <a:prstGeom prst="line">
+            <a:avLst/>
+          </a:prstGeom>
+          <a:ln w="19050">
+            <a:solidFill>
+              <a:schemeClr val="tx1"/>
+            </a:solidFill>
+          </a:ln>
+        </p:spPr>
+        <p:style>
+          <a:lnRef idx="1">
+            <a:schemeClr val="accent1"/>
+          </a:lnRef>
+          <a:fillRef idx="0">
+            <a:schemeClr val="accent1"/>
+          </a:fillRef>
+          <a:effectRef idx="0">
+            <a:schemeClr val="accent1"/>
+          </a:effectRef>
+          <a:fontRef idx="minor">
+            <a:schemeClr val="tx1"/>
+          </a:fontRef>
+        </p:style>
+      </p:cxnSp>
+      <p:sp>
+        <p:nvSpPr>
+          <p:cNvPr id="14" name="CaixaDeTexto 13"/>
+          <p:cNvSpPr txBox="1"/>
+          <p:nvPr/>
+        </p:nvSpPr>
+        <p:spPr>
+          <a:xfrm>
+            <a:off x="1154374" y="2713502"/>
+            <a:ext cx="431528" cy="369332"/>
+          </a:xfrm>
+          <a:prstGeom prst="rect">
+            <a:avLst/>
+          </a:prstGeom>
+          <a:noFill/>
+        </p:spPr>
+        <p:txBody>
+          <a:bodyPr wrap="none" rtlCol="0">
+            <a:spAutoFit/>
+          </a:bodyPr>
+          <a:lstStyle/>
+          <a:p>
+            <a:r>
+              <a:rPr lang="el-GR" b="1" dirty="0" smtClean="0"/>
+              <a:t>Δ</a:t>
+            </a:r>
+            <a:r>
+              <a:rPr lang="pt-BR" b="1" dirty="0" smtClean="0"/>
+              <a:t>T</a:t>
+            </a:r>
+            <a:endParaRPr lang="pt-BR" b="1" dirty="0"/>
+          </a:p>
+        </p:txBody>
+      </p:sp>
+      <p:sp>
+        <p:nvSpPr>
+          <p:cNvPr id="15" name="CaixaDeTexto 14"/>
+          <p:cNvSpPr txBox="1"/>
+          <p:nvPr/>
+        </p:nvSpPr>
+        <p:spPr>
+          <a:xfrm>
+            <a:off x="2741544" y="2524295"/>
+            <a:ext cx="747319" cy="646331"/>
+          </a:xfrm>
+          <a:prstGeom prst="rect">
+            <a:avLst/>
+          </a:prstGeom>
+          <a:noFill/>
+        </p:spPr>
+        <p:txBody>
+          <a:bodyPr wrap="none" rtlCol="0">
+            <a:spAutoFit/>
+          </a:bodyPr>
+          <a:lstStyle/>
+          <a:p>
+            <a:pPr algn="ctr"/>
+            <a:r>
+              <a:rPr lang="el-GR" b="1" dirty="0" smtClean="0"/>
+              <a:t>Δ</a:t>
+            </a:r>
+            <a:r>
+              <a:rPr lang="pt-BR" b="1" dirty="0" smtClean="0"/>
+              <a:t>R do</a:t>
+            </a:r>
+          </a:p>
+          <a:p>
+            <a:pPr algn="ctr"/>
+            <a:r>
+              <a:rPr lang="pt-BR" b="1" dirty="0" smtClean="0"/>
+              <a:t>Pt100</a:t>
+            </a:r>
+            <a:endParaRPr lang="pt-BR" b="1" dirty="0"/>
+          </a:p>
+        </p:txBody>
+      </p:sp>
+      <p:sp>
+        <p:nvSpPr>
+          <p:cNvPr id="16" name="CaixaDeTexto 15"/>
+          <p:cNvSpPr txBox="1"/>
+          <p:nvPr/>
+        </p:nvSpPr>
+        <p:spPr>
+          <a:xfrm>
+            <a:off x="4353276" y="2384595"/>
+            <a:ext cx="1054456" cy="923330"/>
+          </a:xfrm>
+          <a:prstGeom prst="rect">
+            <a:avLst/>
+          </a:prstGeom>
+          <a:noFill/>
+        </p:spPr>
+        <p:txBody>
+          <a:bodyPr wrap="none" rtlCol="0">
+            <a:spAutoFit/>
+          </a:bodyPr>
+          <a:lstStyle/>
+          <a:p>
+            <a:pPr algn="ctr"/>
+            <a:r>
+              <a:rPr lang="pt-BR" b="1" dirty="0" smtClean="0"/>
+              <a:t>Tensão</a:t>
+            </a:r>
+          </a:p>
+          <a:p>
+            <a:pPr algn="ctr"/>
+            <a:r>
+              <a:rPr lang="pt-BR" b="1" dirty="0"/>
+              <a:t>d</a:t>
+            </a:r>
+            <a:r>
+              <a:rPr lang="pt-BR" b="1" dirty="0" smtClean="0"/>
+              <a:t>e Saída</a:t>
+            </a:r>
+          </a:p>
+          <a:p>
+            <a:pPr algn="ctr"/>
+            <a:r>
+              <a:rPr lang="pt-BR" b="1" dirty="0"/>
+              <a:t>d</a:t>
+            </a:r>
+            <a:r>
+              <a:rPr lang="pt-BR" b="1" dirty="0" smtClean="0"/>
+              <a:t>a Ponte</a:t>
+            </a:r>
+            <a:endParaRPr lang="pt-BR" b="1" dirty="0"/>
+          </a:p>
+        </p:txBody>
+      </p:sp>
+      <p:cxnSp>
+        <p:nvCxnSpPr>
+          <p:cNvPr id="17" name="Conector reto 16"/>
+          <p:cNvCxnSpPr/>
+          <p:nvPr/>
+        </p:nvCxnSpPr>
+        <p:spPr>
+          <a:xfrm rot="-1800000">
+            <a:off x="5317860" y="1460245"/>
+            <a:ext cx="825500" cy="0"/>
+          </a:xfrm>
+          <a:prstGeom prst="line">
+            <a:avLst/>
+          </a:prstGeom>
+          <a:ln w="28575">
+            <a:solidFill>
+              <a:schemeClr val="tx1"/>
+            </a:solidFill>
+            <a:prstDash val="dash"/>
+          </a:ln>
+        </p:spPr>
+        <p:style>
+          <a:lnRef idx="1">
+            <a:schemeClr val="accent1"/>
+          </a:lnRef>
+          <a:fillRef idx="0">
+            <a:schemeClr val="accent1"/>
+          </a:fillRef>
+          <a:effectRef idx="0">
+            <a:schemeClr val="accent1"/>
+          </a:effectRef>
+          <a:fontRef idx="minor">
+            <a:schemeClr val="tx1"/>
+          </a:fontRef>
+        </p:style>
+      </p:cxnSp>
+      <p:cxnSp>
+        <p:nvCxnSpPr>
+          <p:cNvPr id="18" name="Conector reto 17"/>
+          <p:cNvCxnSpPr/>
+          <p:nvPr/>
+        </p:nvCxnSpPr>
+        <p:spPr>
+          <a:xfrm>
+            <a:off x="6088062" y="1253870"/>
+            <a:ext cx="1028700" cy="0"/>
+          </a:xfrm>
+          <a:prstGeom prst="line">
+            <a:avLst/>
+          </a:prstGeom>
+          <a:ln w="19050">
+            <a:solidFill>
+              <a:schemeClr val="tx1"/>
+            </a:solidFill>
+          </a:ln>
+        </p:spPr>
+        <p:style>
+          <a:lnRef idx="1">
+            <a:schemeClr val="accent1"/>
+          </a:lnRef>
+          <a:fillRef idx="0">
+            <a:schemeClr val="accent1"/>
+          </a:fillRef>
+          <a:effectRef idx="0">
+            <a:schemeClr val="accent1"/>
+          </a:effectRef>
+          <a:fontRef idx="minor">
+            <a:schemeClr val="tx1"/>
+          </a:fontRef>
+        </p:style>
+      </p:cxnSp>
+      <p:cxnSp>
+        <p:nvCxnSpPr>
+          <p:cNvPr id="19" name="Conector reto 18"/>
+          <p:cNvCxnSpPr/>
+          <p:nvPr/>
+        </p:nvCxnSpPr>
+        <p:spPr>
+          <a:xfrm rot="1800000">
+            <a:off x="5317859" y="4257677"/>
+            <a:ext cx="825500" cy="0"/>
+          </a:xfrm>
+          <a:prstGeom prst="line">
+            <a:avLst/>
+          </a:prstGeom>
+          <a:ln w="28575">
+            <a:solidFill>
+              <a:schemeClr val="tx1"/>
+            </a:solidFill>
+            <a:prstDash val="dash"/>
+          </a:ln>
+        </p:spPr>
+        <p:style>
+          <a:lnRef idx="1">
+            <a:schemeClr val="accent1"/>
+          </a:lnRef>
+          <a:fillRef idx="0">
+            <a:schemeClr val="accent1"/>
+          </a:fillRef>
+          <a:effectRef idx="0">
+            <a:schemeClr val="accent1"/>
+          </a:effectRef>
+          <a:fontRef idx="minor">
+            <a:schemeClr val="tx1"/>
+          </a:fontRef>
+        </p:style>
+      </p:cxnSp>
+      <p:cxnSp>
+        <p:nvCxnSpPr>
+          <p:cNvPr id="20" name="Conector reto 19"/>
+          <p:cNvCxnSpPr/>
+          <p:nvPr/>
+        </p:nvCxnSpPr>
+        <p:spPr>
+          <a:xfrm>
+            <a:off x="6088061" y="4457702"/>
+            <a:ext cx="1028700" cy="0"/>
+          </a:xfrm>
+          <a:prstGeom prst="line">
+            <a:avLst/>
+          </a:prstGeom>
+          <a:ln w="19050">
+            <a:solidFill>
+              <a:schemeClr val="tx1"/>
+            </a:solidFill>
+          </a:ln>
+        </p:spPr>
+        <p:style>
+          <a:lnRef idx="1">
+            <a:schemeClr val="accent1"/>
+          </a:lnRef>
+          <a:fillRef idx="0">
+            <a:schemeClr val="accent1"/>
+          </a:fillRef>
+          <a:effectRef idx="0">
+            <a:schemeClr val="accent1"/>
+          </a:effectRef>
+          <a:fontRef idx="minor">
+            <a:schemeClr val="tx1"/>
+          </a:fontRef>
+        </p:style>
+      </p:cxnSp>
+      <p:sp>
+        <p:nvSpPr>
+          <p:cNvPr id="21" name="CaixaDeTexto 20"/>
+          <p:cNvSpPr txBox="1"/>
+          <p:nvPr/>
+        </p:nvSpPr>
+        <p:spPr>
+          <a:xfrm>
+            <a:off x="6038213" y="2219495"/>
+            <a:ext cx="1088182" cy="1200329"/>
+          </a:xfrm>
+          <a:prstGeom prst="rect">
+            <a:avLst/>
+          </a:prstGeom>
+          <a:noFill/>
+        </p:spPr>
+        <p:txBody>
+          <a:bodyPr wrap="none" rtlCol="0">
+            <a:spAutoFit/>
+          </a:bodyPr>
+          <a:lstStyle/>
+          <a:p>
+            <a:pPr algn="ctr"/>
+            <a:r>
+              <a:rPr lang="pt-BR" b="1" dirty="0" smtClean="0"/>
+              <a:t>Tensão</a:t>
+            </a:r>
+          </a:p>
+          <a:p>
+            <a:pPr algn="ctr"/>
+            <a:r>
+              <a:rPr lang="pt-BR" b="1" dirty="0"/>
+              <a:t>d</a:t>
+            </a:r>
+            <a:r>
+              <a:rPr lang="pt-BR" b="1" dirty="0" smtClean="0"/>
+              <a:t>e Saída</a:t>
+            </a:r>
+          </a:p>
+          <a:p>
+            <a:pPr algn="ctr"/>
+            <a:r>
+              <a:rPr lang="pt-BR" b="1" dirty="0"/>
+              <a:t>d</a:t>
+            </a:r>
+            <a:r>
+              <a:rPr lang="pt-BR" b="1" dirty="0" smtClean="0"/>
+              <a:t>o Ajuste</a:t>
+            </a:r>
+          </a:p>
+          <a:p>
+            <a:pPr algn="ctr"/>
+            <a:r>
+              <a:rPr lang="pt-BR" b="1" dirty="0" smtClean="0"/>
+              <a:t>de Offset</a:t>
+            </a:r>
+            <a:endParaRPr lang="pt-BR" b="1" dirty="0"/>
+          </a:p>
+        </p:txBody>
+      </p:sp>
+      <p:cxnSp>
+        <p:nvCxnSpPr>
+          <p:cNvPr id="22" name="Conector reto 21"/>
+          <p:cNvCxnSpPr/>
+          <p:nvPr/>
+        </p:nvCxnSpPr>
+        <p:spPr>
+          <a:xfrm rot="-1800000">
+            <a:off x="7061463" y="1044064"/>
+            <a:ext cx="825500" cy="0"/>
+          </a:xfrm>
+          <a:prstGeom prst="line">
+            <a:avLst/>
+          </a:prstGeom>
+          <a:ln w="28575">
+            <a:solidFill>
+              <a:schemeClr val="tx1"/>
+            </a:solidFill>
+            <a:prstDash val="dash"/>
+          </a:ln>
+        </p:spPr>
+        <p:style>
+          <a:lnRef idx="1">
+            <a:schemeClr val="accent1"/>
+          </a:lnRef>
+          <a:fillRef idx="0">
+            <a:schemeClr val="accent1"/>
+          </a:fillRef>
+          <a:effectRef idx="0">
+            <a:schemeClr val="accent1"/>
+          </a:effectRef>
+          <a:fontRef idx="minor">
+            <a:schemeClr val="tx1"/>
+          </a:fontRef>
+        </p:style>
+      </p:cxnSp>
+      <p:cxnSp>
+        <p:nvCxnSpPr>
+          <p:cNvPr id="23" name="Conector reto 22"/>
+          <p:cNvCxnSpPr/>
+          <p:nvPr/>
+        </p:nvCxnSpPr>
+        <p:spPr>
+          <a:xfrm>
+            <a:off x="7831665" y="837689"/>
+            <a:ext cx="1028700" cy="0"/>
+          </a:xfrm>
+          <a:prstGeom prst="line">
+            <a:avLst/>
+          </a:prstGeom>
+          <a:ln w="19050">
+            <a:solidFill>
+              <a:schemeClr val="tx1"/>
+            </a:solidFill>
+          </a:ln>
+        </p:spPr>
+        <p:style>
+          <a:lnRef idx="1">
+            <a:schemeClr val="accent1"/>
+          </a:lnRef>
+          <a:fillRef idx="0">
+            <a:schemeClr val="accent1"/>
+          </a:fillRef>
+          <a:effectRef idx="0">
+            <a:schemeClr val="accent1"/>
+          </a:effectRef>
+          <a:fontRef idx="minor">
+            <a:schemeClr val="tx1"/>
+          </a:fontRef>
+        </p:style>
+      </p:cxnSp>
+      <p:cxnSp>
+        <p:nvCxnSpPr>
+          <p:cNvPr id="24" name="Conector reto 23"/>
+          <p:cNvCxnSpPr/>
+          <p:nvPr/>
+        </p:nvCxnSpPr>
+        <p:spPr>
+          <a:xfrm rot="1800000">
+            <a:off x="7061463" y="4664076"/>
+            <a:ext cx="825500" cy="0"/>
+          </a:xfrm>
+          <a:prstGeom prst="line">
+            <a:avLst/>
+          </a:prstGeom>
+          <a:ln w="28575">
+            <a:solidFill>
+              <a:schemeClr val="tx1"/>
+            </a:solidFill>
+            <a:prstDash val="dash"/>
+          </a:ln>
+        </p:spPr>
+        <p:style>
+          <a:lnRef idx="1">
+            <a:schemeClr val="accent1"/>
+          </a:lnRef>
+          <a:fillRef idx="0">
+            <a:schemeClr val="accent1"/>
+          </a:fillRef>
+          <a:effectRef idx="0">
+            <a:schemeClr val="accent1"/>
+          </a:effectRef>
+          <a:fontRef idx="minor">
+            <a:schemeClr val="tx1"/>
+          </a:fontRef>
+        </p:style>
+      </p:cxnSp>
+      <p:cxnSp>
+        <p:nvCxnSpPr>
+          <p:cNvPr id="25" name="Conector reto 24"/>
+          <p:cNvCxnSpPr/>
+          <p:nvPr/>
+        </p:nvCxnSpPr>
+        <p:spPr>
+          <a:xfrm>
+            <a:off x="7831665" y="4864101"/>
+            <a:ext cx="1028700" cy="0"/>
+          </a:xfrm>
+          <a:prstGeom prst="line">
+            <a:avLst/>
+          </a:prstGeom>
+          <a:ln w="19050">
+            <a:solidFill>
+              <a:schemeClr val="tx1"/>
+            </a:solidFill>
+          </a:ln>
+        </p:spPr>
+        <p:style>
+          <a:lnRef idx="1">
+            <a:schemeClr val="accent1"/>
+          </a:lnRef>
+          <a:fillRef idx="0">
+            <a:schemeClr val="accent1"/>
+          </a:fillRef>
+          <a:effectRef idx="0">
+            <a:schemeClr val="accent1"/>
+          </a:effectRef>
+          <a:fontRef idx="minor">
+            <a:schemeClr val="tx1"/>
+          </a:fontRef>
+        </p:style>
+      </p:cxnSp>
+      <p:sp>
+        <p:nvSpPr>
+          <p:cNvPr id="26" name="CaixaDeTexto 25"/>
+          <p:cNvSpPr txBox="1"/>
+          <p:nvPr/>
+        </p:nvSpPr>
+        <p:spPr>
+          <a:xfrm>
+            <a:off x="1090513" y="3190874"/>
+            <a:ext cx="529312" cy="369332"/>
+          </a:xfrm>
+          <a:prstGeom prst="rect">
+            <a:avLst/>
+          </a:prstGeom>
+          <a:noFill/>
+        </p:spPr>
+        <p:txBody>
+          <a:bodyPr wrap="none" rtlCol="0">
+            <a:spAutoFit/>
+          </a:bodyPr>
+          <a:lstStyle/>
+          <a:p>
+            <a:r>
+              <a:rPr lang="pt-BR" dirty="0" err="1" smtClean="0"/>
+              <a:t>T</a:t>
+            </a:r>
+            <a:r>
+              <a:rPr lang="pt-BR" baseline="-25000" dirty="0" err="1" smtClean="0"/>
+              <a:t>mín</a:t>
+            </a:r>
+            <a:endParaRPr lang="pt-BR" dirty="0"/>
+          </a:p>
+        </p:txBody>
+      </p:sp>
+      <p:sp>
+        <p:nvSpPr>
+          <p:cNvPr id="27" name="CaixaDeTexto 26"/>
+          <p:cNvSpPr txBox="1"/>
+          <p:nvPr/>
+        </p:nvSpPr>
+        <p:spPr>
+          <a:xfrm>
+            <a:off x="1090513" y="2124074"/>
+            <a:ext cx="553549" cy="369332"/>
+          </a:xfrm>
+          <a:prstGeom prst="rect">
+            <a:avLst/>
+          </a:prstGeom>
+          <a:noFill/>
+        </p:spPr>
+        <p:txBody>
+          <a:bodyPr wrap="none" rtlCol="0">
+            <a:spAutoFit/>
+          </a:bodyPr>
+          <a:lstStyle/>
+          <a:p>
+            <a:r>
+              <a:rPr lang="pt-BR" dirty="0" err="1" smtClean="0"/>
+              <a:t>T</a:t>
+            </a:r>
+            <a:r>
+              <a:rPr lang="pt-BR" baseline="-25000" dirty="0" err="1" smtClean="0"/>
+              <a:t>máx</a:t>
+            </a:r>
+            <a:endParaRPr lang="pt-BR" dirty="0"/>
+          </a:p>
+        </p:txBody>
+      </p:sp>
+      <p:sp>
+        <p:nvSpPr>
+          <p:cNvPr id="28" name="CaixaDeTexto 27"/>
+          <p:cNvSpPr txBox="1"/>
+          <p:nvPr/>
+        </p:nvSpPr>
+        <p:spPr>
+          <a:xfrm>
+            <a:off x="2828812" y="1680689"/>
+            <a:ext cx="572786" cy="369332"/>
+          </a:xfrm>
+          <a:prstGeom prst="rect">
+            <a:avLst/>
+          </a:prstGeom>
+          <a:noFill/>
+        </p:spPr>
+        <p:txBody>
+          <a:bodyPr wrap="none" rtlCol="0">
+            <a:spAutoFit/>
+          </a:bodyPr>
+          <a:lstStyle/>
+          <a:p>
+            <a:pPr algn="ctr"/>
+            <a:r>
+              <a:rPr lang="pt-BR" dirty="0" err="1" smtClean="0"/>
+              <a:t>R</a:t>
+            </a:r>
+            <a:r>
+              <a:rPr lang="pt-BR" baseline="-25000" dirty="0" err="1" smtClean="0"/>
+              <a:t>máx</a:t>
+            </a:r>
+            <a:endParaRPr lang="pt-BR" dirty="0"/>
+          </a:p>
+        </p:txBody>
+      </p:sp>
+      <p:sp>
+        <p:nvSpPr>
+          <p:cNvPr id="29" name="CaixaDeTexto 28"/>
+          <p:cNvSpPr txBox="1"/>
+          <p:nvPr/>
+        </p:nvSpPr>
+        <p:spPr>
+          <a:xfrm>
+            <a:off x="2840931" y="3598389"/>
+            <a:ext cx="548548" cy="369332"/>
+          </a:xfrm>
+          <a:prstGeom prst="rect">
+            <a:avLst/>
+          </a:prstGeom>
+          <a:noFill/>
+        </p:spPr>
+        <p:txBody>
+          <a:bodyPr wrap="none" rtlCol="0">
+            <a:spAutoFit/>
+          </a:bodyPr>
+          <a:lstStyle/>
+          <a:p>
+            <a:pPr algn="ctr"/>
+            <a:r>
+              <a:rPr lang="pt-BR" dirty="0" err="1" smtClean="0"/>
+              <a:t>R</a:t>
+            </a:r>
+            <a:r>
+              <a:rPr lang="pt-BR" baseline="-25000" dirty="0" err="1" smtClean="0"/>
+              <a:t>mín</a:t>
+            </a:r>
+            <a:endParaRPr lang="pt-BR" dirty="0"/>
+          </a:p>
+        </p:txBody>
+      </p:sp>
+      <p:sp>
+        <p:nvSpPr>
+          <p:cNvPr id="30" name="CaixaDeTexto 29"/>
+          <p:cNvSpPr txBox="1"/>
+          <p:nvPr/>
+        </p:nvSpPr>
+        <p:spPr>
+          <a:xfrm>
+            <a:off x="4317114" y="1271886"/>
+            <a:ext cx="1126783" cy="369332"/>
+          </a:xfrm>
+          <a:prstGeom prst="rect">
+            <a:avLst/>
+          </a:prstGeom>
+          <a:noFill/>
+        </p:spPr>
+        <p:txBody>
+          <a:bodyPr wrap="none" rtlCol="0">
+            <a:spAutoFit/>
+          </a:bodyPr>
+          <a:lstStyle/>
+          <a:p>
+            <a:pPr algn="ctr"/>
+            <a:r>
+              <a:rPr lang="pt-BR" dirty="0" err="1" smtClean="0"/>
+              <a:t>Vponte</a:t>
+            </a:r>
+            <a:r>
+              <a:rPr lang="pt-BR" baseline="-25000" dirty="0" err="1" smtClean="0"/>
+              <a:t>máx</a:t>
+            </a:r>
+            <a:endParaRPr lang="pt-BR" dirty="0"/>
+          </a:p>
+        </p:txBody>
+      </p:sp>
+      <p:sp>
+        <p:nvSpPr>
+          <p:cNvPr id="31" name="CaixaDeTexto 30"/>
+          <p:cNvSpPr txBox="1"/>
+          <p:nvPr/>
+        </p:nvSpPr>
+        <p:spPr>
+          <a:xfrm>
+            <a:off x="4329232" y="4027786"/>
+            <a:ext cx="1102546" cy="369332"/>
+          </a:xfrm>
+          <a:prstGeom prst="rect">
+            <a:avLst/>
+          </a:prstGeom>
+          <a:noFill/>
+        </p:spPr>
+        <p:txBody>
+          <a:bodyPr wrap="none" rtlCol="0">
+            <a:spAutoFit/>
+          </a:bodyPr>
+          <a:lstStyle/>
+          <a:p>
+            <a:pPr algn="ctr"/>
+            <a:r>
+              <a:rPr lang="pt-BR" dirty="0" err="1" smtClean="0"/>
+              <a:t>Vponte</a:t>
+            </a:r>
+            <a:r>
+              <a:rPr lang="pt-BR" baseline="-25000" dirty="0" err="1" smtClean="0"/>
+              <a:t>mín</a:t>
+            </a:r>
+            <a:endParaRPr lang="pt-BR" dirty="0"/>
+          </a:p>
+        </p:txBody>
+      </p:sp>
+      <p:sp>
+        <p:nvSpPr>
+          <p:cNvPr id="32" name="CaixaDeTexto 31"/>
+          <p:cNvSpPr txBox="1"/>
+          <p:nvPr/>
+        </p:nvSpPr>
+        <p:spPr>
+          <a:xfrm>
+            <a:off x="6030860" y="884539"/>
+            <a:ext cx="1190390" cy="369332"/>
+          </a:xfrm>
+          <a:prstGeom prst="rect">
+            <a:avLst/>
+          </a:prstGeom>
+          <a:noFill/>
+        </p:spPr>
+        <p:txBody>
+          <a:bodyPr wrap="none" rtlCol="0">
+            <a:spAutoFit/>
+          </a:bodyPr>
+          <a:lstStyle/>
+          <a:p>
+            <a:pPr algn="ctr"/>
+            <a:r>
+              <a:rPr lang="pt-BR" dirty="0" err="1" smtClean="0"/>
+              <a:t>V</a:t>
+            </a:r>
+            <a:r>
+              <a:rPr lang="pt-BR" baseline="-25000" dirty="0" err="1" smtClean="0"/>
+              <a:t>aj_offset_máx</a:t>
+            </a:r>
+            <a:endParaRPr lang="pt-BR" dirty="0"/>
+          </a:p>
+        </p:txBody>
+      </p:sp>
+      <p:sp>
+        <p:nvSpPr>
+          <p:cNvPr id="33" name="CaixaDeTexto 32"/>
+          <p:cNvSpPr txBox="1"/>
+          <p:nvPr/>
+        </p:nvSpPr>
+        <p:spPr>
+          <a:xfrm>
+            <a:off x="6042979" y="4453239"/>
+            <a:ext cx="1166153" cy="369332"/>
+          </a:xfrm>
+          <a:prstGeom prst="rect">
+            <a:avLst/>
+          </a:prstGeom>
+          <a:noFill/>
+        </p:spPr>
+        <p:txBody>
+          <a:bodyPr wrap="none" rtlCol="0">
+            <a:spAutoFit/>
+          </a:bodyPr>
+          <a:lstStyle/>
+          <a:p>
+            <a:pPr algn="ctr"/>
+            <a:r>
+              <a:rPr lang="pt-BR" dirty="0" err="1" smtClean="0"/>
+              <a:t>V</a:t>
+            </a:r>
+            <a:r>
+              <a:rPr lang="pt-BR" baseline="-25000" dirty="0" err="1" smtClean="0"/>
+              <a:t>aj_offset_mín</a:t>
+            </a:r>
+            <a:endParaRPr lang="pt-BR" dirty="0"/>
+          </a:p>
+        </p:txBody>
+      </p:sp>
+      <p:sp>
+        <p:nvSpPr>
+          <p:cNvPr id="34" name="CaixaDeTexto 33"/>
+          <p:cNvSpPr txBox="1"/>
+          <p:nvPr/>
+        </p:nvSpPr>
+        <p:spPr>
+          <a:xfrm>
+            <a:off x="7904132" y="442447"/>
+            <a:ext cx="883768" cy="369332"/>
+          </a:xfrm>
+          <a:prstGeom prst="rect">
+            <a:avLst/>
+          </a:prstGeom>
+          <a:noFill/>
+        </p:spPr>
+        <p:txBody>
+          <a:bodyPr wrap="none" rtlCol="0">
+            <a:spAutoFit/>
+          </a:bodyPr>
+          <a:lstStyle/>
+          <a:p>
+            <a:pPr algn="ctr"/>
+            <a:r>
+              <a:rPr lang="pt-BR" dirty="0" err="1" smtClean="0"/>
+              <a:t>V</a:t>
+            </a:r>
+            <a:r>
+              <a:rPr lang="pt-BR" baseline="-25000" dirty="0" err="1" smtClean="0"/>
+              <a:t>INA_máx</a:t>
+            </a:r>
+            <a:endParaRPr lang="pt-BR" dirty="0"/>
+          </a:p>
+        </p:txBody>
+      </p:sp>
+      <p:sp>
+        <p:nvSpPr>
+          <p:cNvPr id="35" name="CaixaDeTexto 34"/>
+          <p:cNvSpPr txBox="1"/>
+          <p:nvPr/>
+        </p:nvSpPr>
+        <p:spPr>
+          <a:xfrm>
+            <a:off x="7916250" y="4836647"/>
+            <a:ext cx="859530" cy="369332"/>
+          </a:xfrm>
+          <a:prstGeom prst="rect">
+            <a:avLst/>
+          </a:prstGeom>
+          <a:noFill/>
+        </p:spPr>
+        <p:txBody>
+          <a:bodyPr wrap="none" rtlCol="0">
+            <a:spAutoFit/>
+          </a:bodyPr>
+          <a:lstStyle/>
+          <a:p>
+            <a:pPr algn="ctr"/>
+            <a:r>
+              <a:rPr lang="pt-BR" dirty="0" err="1" smtClean="0"/>
+              <a:t>V</a:t>
+            </a:r>
+            <a:r>
+              <a:rPr lang="pt-BR" baseline="-25000" dirty="0" err="1" smtClean="0"/>
+              <a:t>INA_mín</a:t>
+            </a:r>
+            <a:endParaRPr lang="pt-BR" dirty="0"/>
+          </a:p>
+        </p:txBody>
+      </p:sp>
+      <p:sp>
+        <p:nvSpPr>
+          <p:cNvPr id="36" name="CaixaDeTexto 35"/>
+          <p:cNvSpPr txBox="1"/>
+          <p:nvPr/>
+        </p:nvSpPr>
+        <p:spPr>
+          <a:xfrm>
+            <a:off x="1225755" y="5997408"/>
+            <a:ext cx="4519058" cy="369332"/>
+          </a:xfrm>
+          <a:prstGeom prst="rect">
+            <a:avLst/>
+          </a:prstGeom>
+          <a:noFill/>
+        </p:spPr>
+        <p:txBody>
+          <a:bodyPr wrap="none" rtlCol="0">
+            <a:spAutoFit/>
+          </a:bodyPr>
+          <a:lstStyle/>
+          <a:p>
+            <a:r>
+              <a:rPr lang="pt-BR" dirty="0" smtClean="0"/>
+              <a:t>Cadeia de medidas proposta – </a:t>
+            </a:r>
+            <a:r>
+              <a:rPr lang="pt-BR" dirty="0" smtClean="0"/>
+              <a:t>Sensor de Nível</a:t>
+            </a:r>
+            <a:endParaRPr lang="pt-BR" dirty="0"/>
+          </a:p>
+        </p:txBody>
+      </p:sp>
+      <p:sp>
+        <p:nvSpPr>
+          <p:cNvPr id="37" name="CaixaDeTexto 36"/>
+          <p:cNvSpPr txBox="1"/>
+          <p:nvPr/>
+        </p:nvSpPr>
+        <p:spPr>
+          <a:xfrm>
+            <a:off x="1072056" y="2985134"/>
+            <a:ext cx="590225" cy="307777"/>
+          </a:xfrm>
+          <a:prstGeom prst="rect">
+            <a:avLst/>
+          </a:prstGeom>
+          <a:noFill/>
+        </p:spPr>
+        <p:txBody>
+          <a:bodyPr wrap="none" rtlCol="0">
+            <a:spAutoFit/>
+          </a:bodyPr>
+          <a:lstStyle/>
+          <a:p>
+            <a:pPr algn="ctr"/>
+            <a:r>
+              <a:rPr lang="pt-BR" sz="1400" dirty="0" smtClean="0"/>
+              <a:t>-10</a:t>
+            </a:r>
+            <a:r>
+              <a:rPr lang="pt-BR" sz="1400" dirty="0" smtClean="0">
+                <a:cs typeface="Times New Roman" panose="02020603050405020304" pitchFamily="18" charset="0"/>
+              </a:rPr>
+              <a:t>°C</a:t>
+            </a:r>
+            <a:endParaRPr lang="pt-BR" sz="1400" dirty="0"/>
+          </a:p>
+        </p:txBody>
+      </p:sp>
+      <p:sp>
+        <p:nvSpPr>
+          <p:cNvPr id="38" name="CaixaDeTexto 37"/>
+          <p:cNvSpPr txBox="1"/>
+          <p:nvPr/>
+        </p:nvSpPr>
+        <p:spPr>
+          <a:xfrm>
+            <a:off x="1099306" y="2444114"/>
+            <a:ext cx="535723" cy="307777"/>
+          </a:xfrm>
+          <a:prstGeom prst="rect">
+            <a:avLst/>
+          </a:prstGeom>
+          <a:noFill/>
+        </p:spPr>
+        <p:txBody>
+          <a:bodyPr wrap="none" rtlCol="0">
+            <a:spAutoFit/>
+          </a:bodyPr>
+          <a:lstStyle/>
+          <a:p>
+            <a:pPr algn="ctr"/>
+            <a:r>
+              <a:rPr lang="pt-BR" sz="1400" dirty="0" smtClean="0"/>
+              <a:t>50</a:t>
+            </a:r>
+            <a:r>
+              <a:rPr lang="pt-BR" sz="1400" dirty="0" smtClean="0">
+                <a:cs typeface="Times New Roman" panose="02020603050405020304" pitchFamily="18" charset="0"/>
+              </a:rPr>
+              <a:t>°C</a:t>
+            </a:r>
+            <a:endParaRPr lang="pt-BR" sz="1400" dirty="0"/>
+          </a:p>
+        </p:txBody>
+      </p:sp>
+      <p:sp>
+        <p:nvSpPr>
+          <p:cNvPr id="39" name="CaixaDeTexto 38"/>
+          <p:cNvSpPr txBox="1"/>
+          <p:nvPr/>
+        </p:nvSpPr>
+        <p:spPr>
+          <a:xfrm>
+            <a:off x="2758376" y="2026177"/>
+            <a:ext cx="713658" cy="307777"/>
+          </a:xfrm>
+          <a:prstGeom prst="rect">
+            <a:avLst/>
+          </a:prstGeom>
+          <a:noFill/>
+        </p:spPr>
+        <p:txBody>
+          <a:bodyPr wrap="none" rtlCol="0">
+            <a:spAutoFit/>
+          </a:bodyPr>
+          <a:lstStyle/>
+          <a:p>
+            <a:pPr algn="ctr"/>
+            <a:r>
+              <a:rPr lang="pt-BR" sz="1400" dirty="0" smtClean="0"/>
+              <a:t>119.4</a:t>
+            </a:r>
+            <a:r>
+              <a:rPr lang="el-GR" sz="1400" dirty="0" smtClean="0"/>
+              <a:t>Ω</a:t>
+            </a:r>
+            <a:endParaRPr lang="pt-BR" sz="1400" dirty="0"/>
+          </a:p>
+        </p:txBody>
+      </p:sp>
+      <p:sp>
+        <p:nvSpPr>
+          <p:cNvPr id="40" name="CaixaDeTexto 39"/>
+          <p:cNvSpPr txBox="1"/>
+          <p:nvPr/>
+        </p:nvSpPr>
+        <p:spPr>
+          <a:xfrm>
+            <a:off x="2804062" y="3397777"/>
+            <a:ext cx="622286" cy="307777"/>
+          </a:xfrm>
+          <a:prstGeom prst="rect">
+            <a:avLst/>
+          </a:prstGeom>
+          <a:noFill/>
+        </p:spPr>
+        <p:txBody>
+          <a:bodyPr wrap="none" rtlCol="0">
+            <a:spAutoFit/>
+          </a:bodyPr>
+          <a:lstStyle/>
+          <a:p>
+            <a:pPr algn="ctr"/>
+            <a:r>
+              <a:rPr lang="pt-BR" sz="1400" dirty="0" smtClean="0"/>
+              <a:t>96.1</a:t>
+            </a:r>
+            <a:r>
+              <a:rPr lang="el-GR" sz="1400" dirty="0" smtClean="0"/>
+              <a:t>Ω</a:t>
+            </a:r>
+            <a:endParaRPr lang="pt-BR" sz="1400" dirty="0"/>
+          </a:p>
+        </p:txBody>
+      </p:sp>
+      <p:sp>
+        <p:nvSpPr>
+          <p:cNvPr id="41" name="CaixaDeTexto 40"/>
+          <p:cNvSpPr txBox="1"/>
+          <p:nvPr/>
+        </p:nvSpPr>
+        <p:spPr>
+          <a:xfrm>
+            <a:off x="4478793" y="3791566"/>
+            <a:ext cx="803425" cy="307777"/>
+          </a:xfrm>
+          <a:prstGeom prst="rect">
+            <a:avLst/>
+          </a:prstGeom>
+          <a:noFill/>
+        </p:spPr>
+        <p:txBody>
+          <a:bodyPr wrap="none" rtlCol="0">
+            <a:spAutoFit/>
+          </a:bodyPr>
+          <a:lstStyle/>
+          <a:p>
+            <a:pPr algn="ctr"/>
+            <a:r>
+              <a:rPr lang="pt-BR" sz="1400" dirty="0" smtClean="0"/>
+              <a:t>-49.7mV</a:t>
+            </a:r>
+            <a:endParaRPr lang="pt-BR" sz="1400" dirty="0"/>
+          </a:p>
+        </p:txBody>
+      </p:sp>
+      <p:sp>
+        <p:nvSpPr>
+          <p:cNvPr id="42" name="CaixaDeTexto 41"/>
+          <p:cNvSpPr txBox="1"/>
+          <p:nvPr/>
+        </p:nvSpPr>
+        <p:spPr>
+          <a:xfrm>
+            <a:off x="4460358" y="1619866"/>
+            <a:ext cx="840295" cy="307777"/>
+          </a:xfrm>
+          <a:prstGeom prst="rect">
+            <a:avLst/>
+          </a:prstGeom>
+          <a:noFill/>
+        </p:spPr>
+        <p:txBody>
+          <a:bodyPr wrap="none" rtlCol="0">
+            <a:spAutoFit/>
+          </a:bodyPr>
+          <a:lstStyle/>
+          <a:p>
+            <a:pPr algn="ctr"/>
+            <a:r>
+              <a:rPr lang="pt-BR" sz="1400" dirty="0" smtClean="0"/>
+              <a:t>221.1mV</a:t>
+            </a:r>
+            <a:endParaRPr lang="pt-BR" sz="1400" dirty="0"/>
+          </a:p>
+        </p:txBody>
+      </p:sp>
+      <p:sp>
+        <p:nvSpPr>
+          <p:cNvPr id="43" name="CaixaDeTexto 42"/>
+          <p:cNvSpPr txBox="1"/>
+          <p:nvPr/>
+        </p:nvSpPr>
+        <p:spPr>
+          <a:xfrm>
+            <a:off x="6205907" y="1212199"/>
+            <a:ext cx="840294" cy="307777"/>
+          </a:xfrm>
+          <a:prstGeom prst="rect">
+            <a:avLst/>
+          </a:prstGeom>
+          <a:noFill/>
+        </p:spPr>
+        <p:txBody>
+          <a:bodyPr wrap="none" rtlCol="0">
+            <a:spAutoFit/>
+          </a:bodyPr>
+          <a:lstStyle/>
+          <a:p>
+            <a:pPr algn="ctr"/>
+            <a:r>
+              <a:rPr lang="pt-BR" sz="1400" dirty="0" smtClean="0"/>
+              <a:t>270.8mV</a:t>
+            </a:r>
+            <a:endParaRPr lang="pt-BR" sz="1400" dirty="0"/>
+          </a:p>
+        </p:txBody>
+      </p:sp>
+      <p:sp>
+        <p:nvSpPr>
+          <p:cNvPr id="44" name="CaixaDeTexto 43"/>
+          <p:cNvSpPr txBox="1"/>
+          <p:nvPr/>
+        </p:nvSpPr>
+        <p:spPr>
+          <a:xfrm>
+            <a:off x="6341361" y="4178919"/>
+            <a:ext cx="569387" cy="307777"/>
+          </a:xfrm>
+          <a:prstGeom prst="rect">
+            <a:avLst/>
+          </a:prstGeom>
+          <a:noFill/>
+        </p:spPr>
+        <p:txBody>
+          <a:bodyPr wrap="none" rtlCol="0">
+            <a:spAutoFit/>
+          </a:bodyPr>
+          <a:lstStyle/>
+          <a:p>
+            <a:pPr algn="ctr"/>
+            <a:r>
+              <a:rPr lang="pt-BR" sz="1400" dirty="0" smtClean="0"/>
+              <a:t>73µV</a:t>
+            </a:r>
+            <a:endParaRPr lang="pt-BR" sz="1400" dirty="0"/>
+          </a:p>
+        </p:txBody>
+      </p:sp>
+      <p:cxnSp>
+        <p:nvCxnSpPr>
+          <p:cNvPr id="45" name="Conector reto 44"/>
+          <p:cNvCxnSpPr/>
+          <p:nvPr/>
+        </p:nvCxnSpPr>
+        <p:spPr>
+          <a:xfrm rot="-1800000">
+            <a:off x="8805067" y="631314"/>
+            <a:ext cx="825500" cy="0"/>
+          </a:xfrm>
+          <a:prstGeom prst="line">
+            <a:avLst/>
+          </a:prstGeom>
+          <a:ln w="28575">
+            <a:solidFill>
+              <a:schemeClr val="tx1"/>
+            </a:solidFill>
+            <a:prstDash val="dash"/>
+          </a:ln>
+        </p:spPr>
+        <p:style>
+          <a:lnRef idx="1">
+            <a:schemeClr val="accent1"/>
+          </a:lnRef>
+          <a:fillRef idx="0">
+            <a:schemeClr val="accent1"/>
+          </a:fillRef>
+          <a:effectRef idx="0">
+            <a:schemeClr val="accent1"/>
+          </a:effectRef>
+          <a:fontRef idx="minor">
+            <a:schemeClr val="tx1"/>
+          </a:fontRef>
+        </p:style>
+      </p:cxnSp>
+      <p:cxnSp>
+        <p:nvCxnSpPr>
+          <p:cNvPr id="46" name="Conector reto 45"/>
+          <p:cNvCxnSpPr/>
+          <p:nvPr/>
+        </p:nvCxnSpPr>
+        <p:spPr>
+          <a:xfrm>
+            <a:off x="9575269" y="424939"/>
+            <a:ext cx="1028700" cy="0"/>
+          </a:xfrm>
+          <a:prstGeom prst="line">
+            <a:avLst/>
+          </a:prstGeom>
+          <a:ln w="19050">
+            <a:solidFill>
+              <a:schemeClr val="tx1"/>
+            </a:solidFill>
+          </a:ln>
+        </p:spPr>
+        <p:style>
+          <a:lnRef idx="1">
+            <a:schemeClr val="accent1"/>
+          </a:lnRef>
+          <a:fillRef idx="0">
+            <a:schemeClr val="accent1"/>
+          </a:fillRef>
+          <a:effectRef idx="0">
+            <a:schemeClr val="accent1"/>
+          </a:effectRef>
+          <a:fontRef idx="minor">
+            <a:schemeClr val="tx1"/>
+          </a:fontRef>
+        </p:style>
+      </p:cxnSp>
+      <p:cxnSp>
+        <p:nvCxnSpPr>
+          <p:cNvPr id="47" name="Conector reto 46"/>
+          <p:cNvCxnSpPr/>
+          <p:nvPr/>
+        </p:nvCxnSpPr>
+        <p:spPr>
+          <a:xfrm rot="1800000">
+            <a:off x="8805067" y="5070477"/>
+            <a:ext cx="825500" cy="0"/>
+          </a:xfrm>
+          <a:prstGeom prst="line">
+            <a:avLst/>
+          </a:prstGeom>
+          <a:ln w="28575">
+            <a:solidFill>
+              <a:schemeClr val="tx1"/>
+            </a:solidFill>
+            <a:prstDash val="dash"/>
+          </a:ln>
+        </p:spPr>
+        <p:style>
+          <a:lnRef idx="1">
+            <a:schemeClr val="accent1"/>
+          </a:lnRef>
+          <a:fillRef idx="0">
+            <a:schemeClr val="accent1"/>
+          </a:fillRef>
+          <a:effectRef idx="0">
+            <a:schemeClr val="accent1"/>
+          </a:effectRef>
+          <a:fontRef idx="minor">
+            <a:schemeClr val="tx1"/>
+          </a:fontRef>
+        </p:style>
+      </p:cxnSp>
+      <p:cxnSp>
+        <p:nvCxnSpPr>
+          <p:cNvPr id="48" name="Conector reto 47"/>
+          <p:cNvCxnSpPr/>
+          <p:nvPr/>
+        </p:nvCxnSpPr>
+        <p:spPr>
+          <a:xfrm>
+            <a:off x="9575269" y="5270502"/>
+            <a:ext cx="1028700" cy="0"/>
+          </a:xfrm>
+          <a:prstGeom prst="line">
+            <a:avLst/>
+          </a:prstGeom>
+          <a:ln w="19050">
+            <a:solidFill>
+              <a:schemeClr val="tx1"/>
+            </a:solidFill>
+          </a:ln>
+        </p:spPr>
+        <p:style>
+          <a:lnRef idx="1">
+            <a:schemeClr val="accent1"/>
+          </a:lnRef>
+          <a:fillRef idx="0">
+            <a:schemeClr val="accent1"/>
+          </a:fillRef>
+          <a:effectRef idx="0">
+            <a:schemeClr val="accent1"/>
+          </a:effectRef>
+          <a:fontRef idx="minor">
+            <a:schemeClr val="tx1"/>
+          </a:fontRef>
+        </p:style>
+      </p:cxnSp>
+      <p:sp>
+        <p:nvSpPr>
+          <p:cNvPr id="49" name="CaixaDeTexto 48"/>
+          <p:cNvSpPr txBox="1"/>
+          <p:nvPr/>
+        </p:nvSpPr>
+        <p:spPr>
+          <a:xfrm>
+            <a:off x="9806529" y="5243048"/>
+            <a:ext cx="566181" cy="369332"/>
+          </a:xfrm>
+          <a:prstGeom prst="rect">
+            <a:avLst/>
+          </a:prstGeom>
+          <a:noFill/>
+        </p:spPr>
+        <p:txBody>
+          <a:bodyPr wrap="none" rtlCol="0">
+            <a:spAutoFit/>
+          </a:bodyPr>
+          <a:lstStyle/>
+          <a:p>
+            <a:pPr algn="ctr"/>
+            <a:r>
+              <a:rPr lang="pt-BR" dirty="0" err="1" smtClean="0"/>
+              <a:t>D</a:t>
+            </a:r>
+            <a:r>
+              <a:rPr lang="pt-BR" baseline="-25000" dirty="0" err="1" smtClean="0"/>
+              <a:t>mín</a:t>
+            </a:r>
+            <a:endParaRPr lang="pt-BR" dirty="0"/>
+          </a:p>
+        </p:txBody>
+      </p:sp>
+      <p:sp>
+        <p:nvSpPr>
+          <p:cNvPr id="50" name="CaixaDeTexto 49"/>
+          <p:cNvSpPr txBox="1"/>
+          <p:nvPr/>
+        </p:nvSpPr>
+        <p:spPr>
+          <a:xfrm>
+            <a:off x="7769421" y="2219495"/>
+            <a:ext cx="1283364" cy="1477328"/>
+          </a:xfrm>
+          <a:prstGeom prst="rect">
+            <a:avLst/>
+          </a:prstGeom>
+          <a:noFill/>
+        </p:spPr>
+        <p:txBody>
+          <a:bodyPr wrap="none" rtlCol="0">
+            <a:spAutoFit/>
+          </a:bodyPr>
+          <a:lstStyle/>
+          <a:p>
+            <a:pPr algn="ctr"/>
+            <a:r>
+              <a:rPr lang="pt-BR" b="1" dirty="0" smtClean="0"/>
+              <a:t>Tensão</a:t>
+            </a:r>
+          </a:p>
+          <a:p>
+            <a:pPr algn="ctr"/>
+            <a:r>
+              <a:rPr lang="pt-BR" b="1" dirty="0"/>
+              <a:t>d</a:t>
+            </a:r>
+            <a:r>
+              <a:rPr lang="pt-BR" b="1" dirty="0" smtClean="0"/>
+              <a:t>e Saída</a:t>
+            </a:r>
+          </a:p>
+          <a:p>
+            <a:pPr algn="ctr"/>
+            <a:r>
+              <a:rPr lang="pt-BR" b="1" dirty="0"/>
+              <a:t>d</a:t>
+            </a:r>
+            <a:r>
+              <a:rPr lang="pt-BR" b="1" dirty="0" smtClean="0"/>
+              <a:t>o </a:t>
+            </a:r>
+            <a:r>
+              <a:rPr lang="pt-BR" b="1" dirty="0" err="1" smtClean="0"/>
+              <a:t>Amp</a:t>
+            </a:r>
+            <a:r>
+              <a:rPr lang="pt-BR" b="1" dirty="0" smtClean="0"/>
+              <a:t>.</a:t>
+            </a:r>
+          </a:p>
+          <a:p>
+            <a:pPr algn="ctr"/>
+            <a:r>
+              <a:rPr lang="pt-BR" b="1" dirty="0" smtClean="0"/>
+              <a:t>de </a:t>
+            </a:r>
+            <a:r>
+              <a:rPr lang="pt-BR" b="1" dirty="0" err="1" smtClean="0"/>
+              <a:t>Instrum</a:t>
+            </a:r>
+            <a:r>
+              <a:rPr lang="pt-BR" b="1" dirty="0" smtClean="0"/>
+              <a:t>.</a:t>
+            </a:r>
+          </a:p>
+          <a:p>
+            <a:pPr algn="ctr"/>
+            <a:r>
+              <a:rPr lang="pt-BR" b="1" dirty="0" smtClean="0"/>
+              <a:t>G=14.756</a:t>
+            </a:r>
+            <a:endParaRPr lang="pt-BR" b="1" dirty="0"/>
+          </a:p>
+        </p:txBody>
+      </p:sp>
+      <p:sp>
+        <p:nvSpPr>
+          <p:cNvPr id="51" name="CaixaDeTexto 50"/>
+          <p:cNvSpPr txBox="1"/>
+          <p:nvPr/>
+        </p:nvSpPr>
+        <p:spPr>
+          <a:xfrm>
+            <a:off x="8017239" y="4595347"/>
+            <a:ext cx="657552" cy="307777"/>
+          </a:xfrm>
+          <a:prstGeom prst="rect">
+            <a:avLst/>
+          </a:prstGeom>
+          <a:noFill/>
+        </p:spPr>
+        <p:txBody>
+          <a:bodyPr wrap="none" rtlCol="0">
+            <a:spAutoFit/>
+          </a:bodyPr>
+          <a:lstStyle/>
+          <a:p>
+            <a:pPr algn="ctr"/>
+            <a:r>
+              <a:rPr lang="pt-BR" sz="1400" dirty="0" smtClean="0"/>
+              <a:t>1.3mV</a:t>
+            </a:r>
+            <a:endParaRPr lang="pt-BR" sz="1400" dirty="0"/>
+          </a:p>
+        </p:txBody>
+      </p:sp>
+      <p:sp>
+        <p:nvSpPr>
+          <p:cNvPr id="52" name="CaixaDeTexto 51"/>
+          <p:cNvSpPr txBox="1"/>
+          <p:nvPr/>
+        </p:nvSpPr>
+        <p:spPr>
+          <a:xfrm>
+            <a:off x="7997202" y="798047"/>
+            <a:ext cx="697627" cy="307777"/>
+          </a:xfrm>
+          <a:prstGeom prst="rect">
+            <a:avLst/>
+          </a:prstGeom>
+          <a:noFill/>
+        </p:spPr>
+        <p:txBody>
+          <a:bodyPr wrap="none" rtlCol="0">
+            <a:spAutoFit/>
+          </a:bodyPr>
+          <a:lstStyle/>
+          <a:p>
+            <a:pPr algn="ctr"/>
+            <a:r>
+              <a:rPr lang="pt-BR" sz="1400" dirty="0" smtClean="0"/>
+              <a:t>3.997V</a:t>
+            </a:r>
+            <a:endParaRPr lang="pt-BR" sz="1400" dirty="0"/>
+          </a:p>
+        </p:txBody>
+      </p:sp>
+      <p:sp>
+        <p:nvSpPr>
+          <p:cNvPr id="53" name="CaixaDeTexto 52"/>
+          <p:cNvSpPr txBox="1"/>
+          <p:nvPr/>
+        </p:nvSpPr>
+        <p:spPr>
+          <a:xfrm>
+            <a:off x="9657451" y="2436503"/>
+            <a:ext cx="889987" cy="923330"/>
+          </a:xfrm>
+          <a:prstGeom prst="rect">
+            <a:avLst/>
+          </a:prstGeom>
+          <a:noFill/>
+        </p:spPr>
+        <p:txBody>
+          <a:bodyPr wrap="none" rtlCol="0">
+            <a:spAutoFit/>
+          </a:bodyPr>
+          <a:lstStyle/>
+          <a:p>
+            <a:pPr algn="ctr"/>
+            <a:r>
+              <a:rPr lang="pt-BR" b="1" dirty="0" smtClean="0"/>
+              <a:t>ADC</a:t>
+            </a:r>
+          </a:p>
+          <a:p>
+            <a:pPr algn="ctr"/>
+            <a:r>
+              <a:rPr lang="pt-BR" b="1" dirty="0" smtClean="0"/>
+              <a:t>14 bits</a:t>
+            </a:r>
+          </a:p>
+          <a:p>
+            <a:pPr algn="ctr"/>
+            <a:r>
+              <a:rPr lang="pt-BR" b="1" dirty="0" smtClean="0"/>
+              <a:t>0 a +5V</a:t>
+            </a:r>
+            <a:endParaRPr lang="pt-BR" b="1" dirty="0"/>
+          </a:p>
+        </p:txBody>
+      </p:sp>
+      <p:sp>
+        <p:nvSpPr>
+          <p:cNvPr id="54" name="CaixaDeTexto 53"/>
+          <p:cNvSpPr txBox="1"/>
+          <p:nvPr/>
+        </p:nvSpPr>
+        <p:spPr>
+          <a:xfrm>
+            <a:off x="9721570" y="4989048"/>
+            <a:ext cx="736100" cy="307777"/>
+          </a:xfrm>
+          <a:prstGeom prst="rect">
+            <a:avLst/>
+          </a:prstGeom>
+          <a:noFill/>
+        </p:spPr>
+        <p:txBody>
+          <a:bodyPr wrap="none" rtlCol="0">
+            <a:spAutoFit/>
+          </a:bodyPr>
+          <a:lstStyle/>
+          <a:p>
+            <a:pPr algn="ctr"/>
+            <a:r>
+              <a:rPr lang="pt-BR" sz="1400" dirty="0" smtClean="0"/>
+              <a:t>0h0003</a:t>
+            </a:r>
+            <a:endParaRPr lang="pt-BR" sz="1400" dirty="0"/>
+          </a:p>
+        </p:txBody>
+      </p:sp>
+      <p:sp>
+        <p:nvSpPr>
+          <p:cNvPr id="55" name="CaixaDeTexto 54"/>
+          <p:cNvSpPr txBox="1"/>
+          <p:nvPr/>
+        </p:nvSpPr>
+        <p:spPr>
+          <a:xfrm>
+            <a:off x="9721570" y="391648"/>
+            <a:ext cx="736100" cy="307777"/>
+          </a:xfrm>
+          <a:prstGeom prst="rect">
+            <a:avLst/>
+          </a:prstGeom>
+          <a:noFill/>
+        </p:spPr>
+        <p:txBody>
+          <a:bodyPr wrap="none" rtlCol="0">
+            <a:spAutoFit/>
+          </a:bodyPr>
+          <a:lstStyle/>
+          <a:p>
+            <a:pPr algn="ctr"/>
+            <a:r>
+              <a:rPr lang="pt-BR" sz="1400" dirty="0" smtClean="0"/>
+              <a:t>0h3328</a:t>
+            </a:r>
+            <a:endParaRPr lang="pt-BR" sz="1400" dirty="0"/>
+          </a:p>
+        </p:txBody>
+      </p:sp>
+    </p:spTree>
+    <p:extLst>
+      <p:ext uri="{BB962C8B-B14F-4D97-AF65-F5344CB8AC3E}">
+        <p14:creationId xmlns:p14="http://schemas.microsoft.com/office/powerpoint/2010/main" val="2820728049"/>
+      </p:ext>
+    </p:extLst>
+  </p:cSld>
+  <p:clrMapOvr>
+    <a:masterClrMapping/>
+  </p:clrMapOvr>
+</p:sld>
+</file>
+
+<file path=ppt/slides/slide5.xml><?xml version="1.0" encoding="utf-8"?>
+<p:sld xmlns:a="http://schemas.openxmlformats.org/drawingml/2006/main" xmlns:r="http://schemas.openxmlformats.org/officeDocument/2006/relationships" xmlns:p="http://schemas.openxmlformats.org/presentationml/2006/main">
+  <p:cSld>
+    <p:spTree>
+      <p:nvGrpSpPr>
+        <p:cNvPr id="1" name=""/>
+        <p:cNvGrpSpPr/>
+        <p:nvPr/>
+      </p:nvGrpSpPr>
+      <p:grpSpPr>
+        <a:xfrm>
+          <a:off x="0" y="0"/>
+          <a:ext cx="0" cy="0"/>
+          <a:chOff x="0" y="0"/>
+          <a:chExt cx="0" cy="0"/>
+        </a:xfrm>
+      </p:grpSpPr>
+      <p:pic>
+        <p:nvPicPr>
+          <p:cNvPr id="11" name="Imagem 10"/>
+          <p:cNvPicPr>
+            <a:picLocks noChangeAspect="1"/>
+          </p:cNvPicPr>
+          <p:nvPr/>
+        </p:nvPicPr>
+        <p:blipFill>
+          <a:blip r:embed="rId2" cstate="print">
+            <a:extLst>
+              <a:ext uri="{28A0092B-C50C-407E-A947-70E740481C1C}">
+                <a14:useLocalDpi xmlns:a14="http://schemas.microsoft.com/office/drawing/2010/main" val="0"/>
+              </a:ext>
+            </a:extLst>
+          </a:blip>
+          <a:stretch>
+            <a:fillRect/>
+          </a:stretch>
+        </p:blipFill>
+        <p:spPr>
+          <a:xfrm>
+            <a:off x="369066" y="1314450"/>
+            <a:ext cx="5097721" cy="4229100"/>
+          </a:xfrm>
+          <a:prstGeom prst="rect">
+            <a:avLst/>
+          </a:prstGeom>
+        </p:spPr>
+      </p:pic>
+      <p:cxnSp>
+        <p:nvCxnSpPr>
+          <p:cNvPr id="13" name="Conector de seta reta 12"/>
+          <p:cNvCxnSpPr/>
+          <p:nvPr/>
+        </p:nvCxnSpPr>
+        <p:spPr>
+          <a:xfrm>
+            <a:off x="623888" y="1447800"/>
+            <a:ext cx="4608512" cy="0"/>
+          </a:xfrm>
+          <a:prstGeom prst="straightConnector1">
+            <a:avLst/>
+          </a:prstGeom>
+          <a:ln w="57150">
+            <a:solidFill>
+              <a:schemeClr val="tx1"/>
+            </a:solidFill>
+            <a:headEnd type="triangle" w="med" len="med"/>
+            <a:tailEnd type="triangle" w="med" len="med"/>
+          </a:ln>
+        </p:spPr>
+        <p:style>
+          <a:lnRef idx="1">
+            <a:schemeClr val="accent1"/>
+          </a:lnRef>
+          <a:fillRef idx="0">
+            <a:schemeClr val="accent1"/>
+          </a:fillRef>
+          <a:effectRef idx="0">
+            <a:schemeClr val="accent1"/>
+          </a:effectRef>
+          <a:fontRef idx="minor">
+            <a:schemeClr val="tx1"/>
+          </a:fontRef>
+        </p:style>
+      </p:cxnSp>
+      <p:sp>
+        <p:nvSpPr>
+          <p:cNvPr id="14" name="CaixaDeTexto 13"/>
+          <p:cNvSpPr txBox="1"/>
+          <p:nvPr/>
+        </p:nvSpPr>
+        <p:spPr>
+          <a:xfrm>
+            <a:off x="1998241" y="857905"/>
+            <a:ext cx="1859805" cy="523220"/>
+          </a:xfrm>
+          <a:prstGeom prst="rect">
+            <a:avLst/>
+          </a:prstGeom>
+          <a:noFill/>
+        </p:spPr>
+        <p:txBody>
+          <a:bodyPr wrap="none" rtlCol="0">
+            <a:spAutoFit/>
+          </a:bodyPr>
+          <a:lstStyle/>
+          <a:p>
+            <a:r>
+              <a:rPr lang="pt-BR" sz="2800" b="1" dirty="0" smtClean="0"/>
+              <a:t>D=17.84cm</a:t>
+            </a:r>
+            <a:endParaRPr lang="pt-BR" sz="2800" b="1" dirty="0"/>
+          </a:p>
+        </p:txBody>
+      </p:sp>
+    </p:spTree>
+    <p:extLst>
+      <p:ext uri="{BB962C8B-B14F-4D97-AF65-F5344CB8AC3E}">
+        <p14:creationId xmlns:p14="http://schemas.microsoft.com/office/powerpoint/2010/main" val="2941553115"/>
       </p:ext>
     </p:extLst>
   </p:cSld>

--- a/Resources/Images/Figuras.pptx
+++ b/Resources/Images/Figuras.pptx
@@ -288,7 +288,7 @@
           <a:p>
             <a:fld id="{637E9AFB-B08B-4167-BD8F-E796937CD375}" type="datetimeFigureOut">
               <a:rPr lang="pt-BR" smtClean="0"/>
-              <a:t>25/06/2016</a:t>
+              <a:t>26/06/2016</a:t>
             </a:fld>
             <a:endParaRPr lang="pt-BR"/>
           </a:p>
@@ -458,7 +458,7 @@
           <a:p>
             <a:fld id="{637E9AFB-B08B-4167-BD8F-E796937CD375}" type="datetimeFigureOut">
               <a:rPr lang="pt-BR" smtClean="0"/>
-              <a:t>25/06/2016</a:t>
+              <a:t>26/06/2016</a:t>
             </a:fld>
             <a:endParaRPr lang="pt-BR"/>
           </a:p>
@@ -638,7 +638,7 @@
           <a:p>
             <a:fld id="{637E9AFB-B08B-4167-BD8F-E796937CD375}" type="datetimeFigureOut">
               <a:rPr lang="pt-BR" smtClean="0"/>
-              <a:t>25/06/2016</a:t>
+              <a:t>26/06/2016</a:t>
             </a:fld>
             <a:endParaRPr lang="pt-BR"/>
           </a:p>
@@ -808,7 +808,7 @@
           <a:p>
             <a:fld id="{637E9AFB-B08B-4167-BD8F-E796937CD375}" type="datetimeFigureOut">
               <a:rPr lang="pt-BR" smtClean="0"/>
-              <a:t>25/06/2016</a:t>
+              <a:t>26/06/2016</a:t>
             </a:fld>
             <a:endParaRPr lang="pt-BR"/>
           </a:p>
@@ -1054,7 +1054,7 @@
           <a:p>
             <a:fld id="{637E9AFB-B08B-4167-BD8F-E796937CD375}" type="datetimeFigureOut">
               <a:rPr lang="pt-BR" smtClean="0"/>
-              <a:t>25/06/2016</a:t>
+              <a:t>26/06/2016</a:t>
             </a:fld>
             <a:endParaRPr lang="pt-BR"/>
           </a:p>
@@ -1286,7 +1286,7 @@
           <a:p>
             <a:fld id="{637E9AFB-B08B-4167-BD8F-E796937CD375}" type="datetimeFigureOut">
               <a:rPr lang="pt-BR" smtClean="0"/>
-              <a:t>25/06/2016</a:t>
+              <a:t>26/06/2016</a:t>
             </a:fld>
             <a:endParaRPr lang="pt-BR"/>
           </a:p>
@@ -1653,7 +1653,7 @@
           <a:p>
             <a:fld id="{637E9AFB-B08B-4167-BD8F-E796937CD375}" type="datetimeFigureOut">
               <a:rPr lang="pt-BR" smtClean="0"/>
-              <a:t>25/06/2016</a:t>
+              <a:t>26/06/2016</a:t>
             </a:fld>
             <a:endParaRPr lang="pt-BR"/>
           </a:p>
@@ -1771,7 +1771,7 @@
           <a:p>
             <a:fld id="{637E9AFB-B08B-4167-BD8F-E796937CD375}" type="datetimeFigureOut">
               <a:rPr lang="pt-BR" smtClean="0"/>
-              <a:t>25/06/2016</a:t>
+              <a:t>26/06/2016</a:t>
             </a:fld>
             <a:endParaRPr lang="pt-BR"/>
           </a:p>
@@ -1866,7 +1866,7 @@
           <a:p>
             <a:fld id="{637E9AFB-B08B-4167-BD8F-E796937CD375}" type="datetimeFigureOut">
               <a:rPr lang="pt-BR" smtClean="0"/>
-              <a:t>25/06/2016</a:t>
+              <a:t>26/06/2016</a:t>
             </a:fld>
             <a:endParaRPr lang="pt-BR"/>
           </a:p>
@@ -2143,7 +2143,7 @@
           <a:p>
             <a:fld id="{637E9AFB-B08B-4167-BD8F-E796937CD375}" type="datetimeFigureOut">
               <a:rPr lang="pt-BR" smtClean="0"/>
-              <a:t>25/06/2016</a:t>
+              <a:t>26/06/2016</a:t>
             </a:fld>
             <a:endParaRPr lang="pt-BR"/>
           </a:p>
@@ -2396,7 +2396,7 @@
           <a:p>
             <a:fld id="{637E9AFB-B08B-4167-BD8F-E796937CD375}" type="datetimeFigureOut">
               <a:rPr lang="pt-BR" smtClean="0"/>
-              <a:t>25/06/2016</a:t>
+              <a:t>26/06/2016</a:t>
             </a:fld>
             <a:endParaRPr lang="pt-BR"/>
           </a:p>
@@ -2609,7 +2609,7 @@
           <a:p>
             <a:fld id="{637E9AFB-B08B-4167-BD8F-E796937CD375}" type="datetimeFigureOut">
               <a:rPr lang="pt-BR" smtClean="0"/>
-              <a:t>25/06/2016</a:t>
+              <a:t>26/06/2016</a:t>
             </a:fld>
             <a:endParaRPr lang="pt-BR"/>
           </a:p>
@@ -4549,11 +4549,7 @@
             <a:pPr algn="ctr"/>
             <a:r>
               <a:rPr lang="pt-BR" b="1" dirty="0" smtClean="0"/>
-              <a:t>-5V </a:t>
-            </a:r>
-            <a:r>
-              <a:rPr lang="pt-BR" b="1" dirty="0" smtClean="0"/>
-              <a:t>a +5V</a:t>
+              <a:t>-5V a +5V</a:t>
             </a:r>
             <a:endParaRPr lang="pt-BR" b="1" dirty="0"/>
           </a:p>
@@ -4584,7 +4580,7 @@
             <a:pPr algn="ctr"/>
             <a:r>
               <a:rPr lang="pt-BR" sz="1400" dirty="0" smtClean="0"/>
-              <a:t>0h0003</a:t>
+              <a:t>0h1458</a:t>
             </a:r>
             <a:endParaRPr lang="pt-BR" sz="1400" dirty="0"/>
           </a:p>
@@ -4615,7 +4611,7 @@
             <a:pPr algn="ctr"/>
             <a:r>
               <a:rPr lang="pt-BR" sz="1400" dirty="0" smtClean="0"/>
-              <a:t>0h3328</a:t>
+              <a:t>0h2984</a:t>
             </a:r>
             <a:endParaRPr lang="pt-BR" sz="1400" dirty="0"/>
           </a:p>
@@ -7816,11 +7812,7 @@
           <a:p>
             <a:r>
               <a:rPr lang="pt-BR" dirty="0" smtClean="0"/>
-              <a:t>Inv</a:t>
-            </a:r>
-            <a:r>
-              <a:rPr lang="pt-BR" dirty="0" smtClean="0"/>
-              <a:t>ólucro metálico</a:t>
+              <a:t>Invólucro metálico</a:t>
             </a:r>
             <a:endParaRPr lang="pt-BR" dirty="0"/>
           </a:p>
@@ -9863,11 +9855,7 @@
           <a:p>
             <a:r>
               <a:rPr lang="pt-BR" dirty="0" smtClean="0"/>
-              <a:t>Cadeia de medidas proposta – </a:t>
-            </a:r>
-            <a:r>
-              <a:rPr lang="pt-BR" dirty="0" smtClean="0"/>
-              <a:t>Sensor de Nível</a:t>
+              <a:t>Cadeia de medidas proposta – Sensor de Nível</a:t>
             </a:r>
             <a:endParaRPr lang="pt-BR" dirty="0"/>
           </a:p>

--- a/Resources/Images/Figuras.pptx
+++ b/Resources/Images/Figuras.pptx
@@ -10,6 +10,7 @@
     <p:sldId id="258" r:id="rId4"/>
     <p:sldId id="259" r:id="rId5"/>
     <p:sldId id="260" r:id="rId6"/>
+    <p:sldId id="261" r:id="rId7"/>
   </p:sldIdLst>
   <p:sldSz cx="12192000" cy="6858000"/>
   <p:notesSz cx="6858000" cy="9144000"/>
@@ -9018,8 +9019,8 @@
         </p:nvSpPr>
         <p:spPr>
           <a:xfrm>
-            <a:off x="1154374" y="2713502"/>
-            <a:ext cx="431528" cy="369332"/>
+            <a:off x="1058739" y="2713502"/>
+            <a:ext cx="622799" cy="369332"/>
           </a:xfrm>
           <a:prstGeom prst="rect">
             <a:avLst/>
@@ -9032,13 +9033,14 @@
           </a:bodyPr>
           <a:lstStyle/>
           <a:p>
+            <a:pPr algn="ctr"/>
             <a:r>
               <a:rPr lang="el-GR" b="1" dirty="0" smtClean="0"/>
               <a:t>Δ</a:t>
             </a:r>
             <a:r>
-              <a:rPr lang="pt-BR" b="1" dirty="0" smtClean="0"/>
-              <a:t>T</a:t>
+              <a:rPr lang="pt-BR" b="1" dirty="0" err="1" smtClean="0"/>
+              <a:t>Vol</a:t>
             </a:r>
             <a:endParaRPr lang="pt-BR" b="1" dirty="0"/>
           </a:p>
@@ -9052,8 +9054,8 @@
         </p:nvSpPr>
         <p:spPr>
           <a:xfrm>
-            <a:off x="2741544" y="2524295"/>
-            <a:ext cx="747319" cy="646331"/>
+            <a:off x="2700667" y="2524295"/>
+            <a:ext cx="829074" cy="646331"/>
           </a:xfrm>
           <a:prstGeom prst="rect">
             <a:avLst/>
@@ -9073,14 +9075,18 @@
             </a:r>
             <a:r>
               <a:rPr lang="pt-BR" b="1" dirty="0" smtClean="0"/>
-              <a:t>R do</a:t>
+              <a:t>C </a:t>
+            </a:r>
+            <a:r>
+              <a:rPr lang="pt-BR" b="1" dirty="0" smtClean="0"/>
+              <a:t>do</a:t>
             </a:r>
           </a:p>
           <a:p>
             <a:pPr algn="ctr"/>
             <a:r>
               <a:rPr lang="pt-BR" b="1" dirty="0" smtClean="0"/>
-              <a:t>Pt100</a:t>
+              <a:t>Sensor</a:t>
             </a:r>
             <a:endParaRPr lang="pt-BR" b="1" dirty="0"/>
           </a:p>
@@ -9094,8 +9100,8 @@
         </p:nvSpPr>
         <p:spPr>
           <a:xfrm>
-            <a:off x="4353276" y="2384595"/>
-            <a:ext cx="1054456" cy="923330"/>
+            <a:off x="4189451" y="2517945"/>
+            <a:ext cx="1382110" cy="646331"/>
           </a:xfrm>
           <a:prstGeom prst="rect">
             <a:avLst/>
@@ -9111,29 +9117,14 @@
             <a:pPr algn="ctr"/>
             <a:r>
               <a:rPr lang="pt-BR" b="1" dirty="0" smtClean="0"/>
-              <a:t>Tensão</a:t>
+              <a:t>Período</a:t>
             </a:r>
           </a:p>
           <a:p>
             <a:pPr algn="ctr"/>
             <a:r>
-              <a:rPr lang="pt-BR" b="1" dirty="0"/>
-              <a:t>d</a:t>
-            </a:r>
-            <a:r>
               <a:rPr lang="pt-BR" b="1" dirty="0" smtClean="0"/>
-              <a:t>e Saída</a:t>
-            </a:r>
-          </a:p>
-          <a:p>
-            <a:pPr algn="ctr"/>
-            <a:r>
-              <a:rPr lang="pt-BR" b="1" dirty="0"/>
-              <a:t>d</a:t>
-            </a:r>
-            <a:r>
-              <a:rPr lang="pt-BR" b="1" dirty="0" smtClean="0"/>
-              <a:t>a Ponte</a:t>
+              <a:t>do Oscilador</a:t>
             </a:r>
             <a:endParaRPr lang="pt-BR" b="1" dirty="0"/>
           </a:p>
@@ -9289,8 +9280,8 @@
         </p:nvSpPr>
         <p:spPr>
           <a:xfrm>
-            <a:off x="6038213" y="2219495"/>
-            <a:ext cx="1088182" cy="1200329"/>
+            <a:off x="5825304" y="2501882"/>
+            <a:ext cx="1514005" cy="646331"/>
           </a:xfrm>
           <a:prstGeom prst="rect">
             <a:avLst/>
@@ -9306,36 +9297,14 @@
             <a:pPr algn="ctr"/>
             <a:r>
               <a:rPr lang="pt-BR" b="1" dirty="0" smtClean="0"/>
-              <a:t>Tensão</a:t>
+              <a:t>Índice</a:t>
             </a:r>
           </a:p>
           <a:p>
             <a:pPr algn="ctr"/>
             <a:r>
-              <a:rPr lang="pt-BR" b="1" dirty="0"/>
-              <a:t>d</a:t>
-            </a:r>
-            <a:r>
               <a:rPr lang="pt-BR" b="1" dirty="0" smtClean="0"/>
-              <a:t>e Saída</a:t>
-            </a:r>
-          </a:p>
-          <a:p>
-            <a:pPr algn="ctr"/>
-            <a:r>
-              <a:rPr lang="pt-BR" b="1" dirty="0"/>
-              <a:t>d</a:t>
-            </a:r>
-            <a:r>
-              <a:rPr lang="pt-BR" b="1" dirty="0" smtClean="0"/>
-              <a:t>o Ajuste</a:t>
-            </a:r>
-          </a:p>
-          <a:p>
-            <a:pPr algn="ctr"/>
-            <a:r>
-              <a:rPr lang="pt-BR" b="1" dirty="0" smtClean="0"/>
-              <a:t>de Offset</a:t>
+              <a:t>Pluviométrico</a:t>
             </a:r>
             <a:endParaRPr lang="pt-BR" b="1" dirty="0"/>
           </a:p>
@@ -9349,7 +9318,7 @@
         </p:nvCxnSpPr>
         <p:spPr>
           <a:xfrm rot="-1800000">
-            <a:off x="7061463" y="1044064"/>
+            <a:off x="9215121" y="1073059"/>
             <a:ext cx="825500" cy="0"/>
           </a:xfrm>
           <a:prstGeom prst="line">
@@ -9385,7 +9354,7 @@
         </p:nvCxnSpPr>
         <p:spPr>
           <a:xfrm>
-            <a:off x="7831665" y="837689"/>
+            <a:off x="9985323" y="866684"/>
             <a:ext cx="1028700" cy="0"/>
           </a:xfrm>
           <a:prstGeom prst="line">
@@ -9420,7 +9389,7 @@
         </p:nvCxnSpPr>
         <p:spPr>
           <a:xfrm rot="1800000">
-            <a:off x="7061463" y="4664076"/>
+            <a:off x="9215121" y="4693071"/>
             <a:ext cx="825500" cy="0"/>
           </a:xfrm>
           <a:prstGeom prst="line">
@@ -9456,7 +9425,7 @@
         </p:nvCxnSpPr>
         <p:spPr>
           <a:xfrm>
-            <a:off x="7831665" y="4864101"/>
+            <a:off x="9985323" y="4893096"/>
             <a:ext cx="1028700" cy="0"/>
           </a:xfrm>
           <a:prstGeom prst="line">
@@ -9491,8 +9460,8 @@
         </p:nvSpPr>
         <p:spPr>
           <a:xfrm>
-            <a:off x="1090513" y="3190874"/>
-            <a:ext cx="529312" cy="369332"/>
+            <a:off x="1014313" y="3190874"/>
+            <a:ext cx="720005" cy="369332"/>
           </a:xfrm>
           <a:prstGeom prst="rect">
             <a:avLst/>
@@ -9507,7 +9476,7 @@
           <a:p>
             <a:r>
               <a:rPr lang="pt-BR" dirty="0" err="1" smtClean="0"/>
-              <a:t>T</a:t>
+              <a:t>Vol</a:t>
             </a:r>
             <a:r>
               <a:rPr lang="pt-BR" baseline="-25000" dirty="0" err="1" smtClean="0"/>
@@ -9525,8 +9494,8 @@
         </p:nvSpPr>
         <p:spPr>
           <a:xfrm>
-            <a:off x="1090513" y="2124074"/>
-            <a:ext cx="553549" cy="369332"/>
+            <a:off x="1014313" y="2124074"/>
+            <a:ext cx="744243" cy="369332"/>
           </a:xfrm>
           <a:prstGeom prst="rect">
             <a:avLst/>
@@ -9541,7 +9510,7 @@
           <a:p>
             <a:r>
               <a:rPr lang="pt-BR" dirty="0" err="1" smtClean="0"/>
-              <a:t>T</a:t>
+              <a:t>Vol</a:t>
             </a:r>
             <a:r>
               <a:rPr lang="pt-BR" baseline="-25000" dirty="0" err="1" smtClean="0"/>
@@ -9576,7 +9545,7 @@
             <a:pPr algn="ctr"/>
             <a:r>
               <a:rPr lang="pt-BR" dirty="0" err="1" smtClean="0"/>
-              <a:t>R</a:t>
+              <a:t>C</a:t>
             </a:r>
             <a:r>
               <a:rPr lang="pt-BR" baseline="-25000" dirty="0" err="1" smtClean="0"/>
@@ -9611,7 +9580,7 @@
             <a:pPr algn="ctr"/>
             <a:r>
               <a:rPr lang="pt-BR" dirty="0" err="1" smtClean="0"/>
-              <a:t>R</a:t>
+              <a:t>C</a:t>
             </a:r>
             <a:r>
               <a:rPr lang="pt-BR" baseline="-25000" dirty="0" err="1" smtClean="0"/>
@@ -9629,8 +9598,8 @@
         </p:nvSpPr>
         <p:spPr>
           <a:xfrm>
-            <a:off x="4317114" y="1271886"/>
-            <a:ext cx="1126783" cy="369332"/>
+            <a:off x="4600525" y="1271886"/>
+            <a:ext cx="559961" cy="369332"/>
           </a:xfrm>
           <a:prstGeom prst="rect">
             <a:avLst/>
@@ -9646,7 +9615,7 @@
             <a:pPr algn="ctr"/>
             <a:r>
               <a:rPr lang="pt-BR" dirty="0" err="1" smtClean="0"/>
-              <a:t>Vponte</a:t>
+              <a:t>T</a:t>
             </a:r>
             <a:r>
               <a:rPr lang="pt-BR" baseline="-25000" dirty="0" err="1" smtClean="0"/>
@@ -9664,8 +9633,8 @@
         </p:nvSpPr>
         <p:spPr>
           <a:xfrm>
-            <a:off x="4329232" y="4027786"/>
-            <a:ext cx="1102546" cy="369332"/>
+            <a:off x="4619792" y="4027786"/>
+            <a:ext cx="521425" cy="369332"/>
           </a:xfrm>
           <a:prstGeom prst="rect">
             <a:avLst/>
@@ -9681,7 +9650,7 @@
             <a:pPr algn="ctr"/>
             <a:r>
               <a:rPr lang="pt-BR" dirty="0" err="1" smtClean="0"/>
-              <a:t>Vponte</a:t>
+              <a:t>T</a:t>
             </a:r>
             <a:r>
               <a:rPr lang="pt-BR" baseline="-25000" dirty="0" err="1" smtClean="0"/>
@@ -9699,8 +9668,8 @@
         </p:nvSpPr>
         <p:spPr>
           <a:xfrm>
-            <a:off x="6030860" y="884539"/>
-            <a:ext cx="1190390" cy="369332"/>
+            <a:off x="6203407" y="884539"/>
+            <a:ext cx="845296" cy="369332"/>
           </a:xfrm>
           <a:prstGeom prst="rect">
             <a:avLst/>
@@ -9716,11 +9685,11 @@
             <a:pPr algn="ctr"/>
             <a:r>
               <a:rPr lang="pt-BR" dirty="0" err="1" smtClean="0"/>
-              <a:t>V</a:t>
+              <a:t>Pluv</a:t>
             </a:r>
             <a:r>
               <a:rPr lang="pt-BR" baseline="-25000" dirty="0" err="1" smtClean="0"/>
-              <a:t>aj_offset_máx</a:t>
+              <a:t>máx</a:t>
             </a:r>
             <a:endParaRPr lang="pt-BR" dirty="0"/>
           </a:p>
@@ -9734,8 +9703,8 @@
         </p:nvSpPr>
         <p:spPr>
           <a:xfrm>
-            <a:off x="6042979" y="4453239"/>
-            <a:ext cx="1166153" cy="369332"/>
+            <a:off x="6215526" y="4453239"/>
+            <a:ext cx="821059" cy="369332"/>
           </a:xfrm>
           <a:prstGeom prst="rect">
             <a:avLst/>
@@ -9751,11 +9720,11 @@
             <a:pPr algn="ctr"/>
             <a:r>
               <a:rPr lang="pt-BR" dirty="0" err="1" smtClean="0"/>
-              <a:t>V</a:t>
+              <a:t>Pluv</a:t>
             </a:r>
             <a:r>
               <a:rPr lang="pt-BR" baseline="-25000" dirty="0" err="1" smtClean="0"/>
-              <a:t>aj_offset_mín</a:t>
+              <a:t>mín</a:t>
             </a:r>
             <a:endParaRPr lang="pt-BR" dirty="0"/>
           </a:p>
@@ -9769,7 +9738,7 @@
         </p:nvSpPr>
         <p:spPr>
           <a:xfrm>
-            <a:off x="7904132" y="442447"/>
+            <a:off x="10057790" y="471442"/>
             <a:ext cx="883768" cy="369332"/>
           </a:xfrm>
           <a:prstGeom prst="rect">
@@ -9804,7 +9773,7 @@
         </p:nvSpPr>
         <p:spPr>
           <a:xfrm>
-            <a:off x="7916250" y="4836647"/>
+            <a:off x="10069908" y="4865642"/>
             <a:ext cx="859530" cy="369332"/>
           </a:xfrm>
           <a:prstGeom prst="rect">
@@ -9839,7 +9808,7 @@
         </p:nvSpPr>
         <p:spPr>
           <a:xfrm>
-            <a:off x="1225755" y="5997408"/>
+            <a:off x="1929922" y="4826446"/>
             <a:ext cx="4519058" cy="369332"/>
           </a:xfrm>
           <a:prstGeom prst="rect">
@@ -9869,8 +9838,8 @@
         </p:nvSpPr>
         <p:spPr>
           <a:xfrm>
-            <a:off x="1072056" y="2985134"/>
-            <a:ext cx="590225" cy="307777"/>
+            <a:off x="1120146" y="2985134"/>
+            <a:ext cx="494046" cy="307777"/>
           </a:xfrm>
           <a:prstGeom prst="rect">
             <a:avLst/>
@@ -9886,13 +9855,7 @@
             <a:pPr algn="ctr"/>
             <a:r>
               <a:rPr lang="pt-BR" sz="1400" dirty="0" smtClean="0"/>
-              <a:t>-10</a:t>
-            </a:r>
-            <a:r>
-              <a:rPr lang="pt-BR" sz="1400" dirty="0" smtClean="0">
-                <a:cs typeface="Times New Roman" panose="02020603050405020304" pitchFamily="18" charset="0"/>
-              </a:rPr>
-              <a:t>°C</a:t>
+              <a:t>0mL</a:t>
             </a:r>
             <a:endParaRPr lang="pt-BR" sz="1400" dirty="0"/>
           </a:p>
@@ -9906,8 +9869,8 @@
         </p:nvSpPr>
         <p:spPr>
           <a:xfrm>
-            <a:off x="1099306" y="2444114"/>
-            <a:ext cx="535723" cy="307777"/>
+            <a:off x="1028773" y="2444114"/>
+            <a:ext cx="676788" cy="307777"/>
           </a:xfrm>
           <a:prstGeom prst="rect">
             <a:avLst/>
@@ -9923,13 +9886,7 @@
             <a:pPr algn="ctr"/>
             <a:r>
               <a:rPr lang="pt-BR" sz="1400" dirty="0" smtClean="0"/>
-              <a:t>50</a:t>
-            </a:r>
-            <a:r>
-              <a:rPr lang="pt-BR" sz="1400" dirty="0" smtClean="0">
-                <a:cs typeface="Times New Roman" panose="02020603050405020304" pitchFamily="18" charset="0"/>
-              </a:rPr>
-              <a:t>°C</a:t>
+              <a:t>120mL</a:t>
             </a:r>
             <a:endParaRPr lang="pt-BR" sz="1400" dirty="0"/>
           </a:p>
@@ -9943,8 +9900,8 @@
         </p:nvSpPr>
         <p:spPr>
           <a:xfrm>
-            <a:off x="2758376" y="2026177"/>
-            <a:ext cx="713658" cy="307777"/>
+            <a:off x="2795246" y="2026177"/>
+            <a:ext cx="639919" cy="307777"/>
           </a:xfrm>
           <a:prstGeom prst="rect">
             <a:avLst/>
@@ -9959,12 +9916,8 @@
           <a:p>
             <a:pPr algn="ctr"/>
             <a:r>
-              <a:rPr lang="pt-BR" sz="1400" dirty="0" smtClean="0"/>
-              <a:t>119.4</a:t>
-            </a:r>
-            <a:r>
-              <a:rPr lang="el-GR" sz="1400" dirty="0" smtClean="0"/>
-              <a:t>Ω</a:t>
+              <a:rPr lang="pt-BR" sz="1400" dirty="0" err="1" smtClean="0"/>
+              <a:t>XXXpF</a:t>
             </a:r>
             <a:endParaRPr lang="pt-BR" sz="1400" dirty="0"/>
           </a:p>
@@ -9978,8 +9931,8 @@
         </p:nvSpPr>
         <p:spPr>
           <a:xfrm>
-            <a:off x="2804062" y="3397777"/>
-            <a:ext cx="622286" cy="307777"/>
+            <a:off x="2795246" y="3397777"/>
+            <a:ext cx="639920" cy="307777"/>
           </a:xfrm>
           <a:prstGeom prst="rect">
             <a:avLst/>
@@ -9994,12 +9947,12 @@
           <a:p>
             <a:pPr algn="ctr"/>
             <a:r>
-              <a:rPr lang="pt-BR" sz="1400" dirty="0" smtClean="0"/>
-              <a:t>96.1</a:t>
-            </a:r>
-            <a:r>
-              <a:rPr lang="el-GR" sz="1400" dirty="0" smtClean="0"/>
-              <a:t>Ω</a:t>
+              <a:rPr lang="pt-BR" sz="1400" dirty="0" err="1" smtClean="0"/>
+              <a:t>XXX</a:t>
+            </a:r>
+            <a:r>
+              <a:rPr lang="pt-BR" sz="1400" dirty="0" err="1" smtClean="0"/>
+              <a:t>pF</a:t>
             </a:r>
             <a:endParaRPr lang="pt-BR" sz="1400" dirty="0"/>
           </a:p>
@@ -10013,8 +9966,8 @@
         </p:nvSpPr>
         <p:spPr>
           <a:xfrm>
-            <a:off x="4478793" y="3791566"/>
-            <a:ext cx="803425" cy="307777"/>
+            <a:off x="4613445" y="3791566"/>
+            <a:ext cx="534121" cy="307777"/>
           </a:xfrm>
           <a:prstGeom prst="rect">
             <a:avLst/>
@@ -10029,10 +9982,14 @@
           <a:p>
             <a:pPr algn="ctr"/>
             <a:r>
-              <a:rPr lang="pt-BR" sz="1400" dirty="0" smtClean="0"/>
-              <a:t>-49.7mV</a:t>
-            </a:r>
-            <a:endParaRPr lang="pt-BR" sz="1400" dirty="0"/>
+              <a:rPr lang="pt-BR" sz="1400" dirty="0" err="1" smtClean="0"/>
+              <a:t>XXX</a:t>
+            </a:r>
+            <a:r>
+              <a:rPr lang="pt-BR" sz="1400" i="1" dirty="0" err="1" smtClean="0"/>
+              <a:t>s</a:t>
+            </a:r>
+            <a:endParaRPr lang="pt-BR" sz="1400" i="1" dirty="0"/>
           </a:p>
         </p:txBody>
       </p:sp>
@@ -10044,8 +10001,8 @@
         </p:nvSpPr>
         <p:spPr>
           <a:xfrm>
-            <a:off x="4460358" y="1619866"/>
-            <a:ext cx="840295" cy="307777"/>
+            <a:off x="4613445" y="1619866"/>
+            <a:ext cx="534121" cy="307777"/>
           </a:xfrm>
           <a:prstGeom prst="rect">
             <a:avLst/>
@@ -10060,10 +10017,14 @@
           <a:p>
             <a:pPr algn="ctr"/>
             <a:r>
-              <a:rPr lang="pt-BR" sz="1400" dirty="0" smtClean="0"/>
-              <a:t>221.1mV</a:t>
-            </a:r>
-            <a:endParaRPr lang="pt-BR" sz="1400" dirty="0"/>
+              <a:rPr lang="pt-BR" sz="1400" dirty="0" err="1" smtClean="0"/>
+              <a:t>XXX</a:t>
+            </a:r>
+            <a:r>
+              <a:rPr lang="pt-BR" sz="1400" i="1" dirty="0" err="1" smtClean="0"/>
+              <a:t>s</a:t>
+            </a:r>
+            <a:endParaRPr lang="pt-BR" sz="1400" i="1" dirty="0"/>
           </a:p>
         </p:txBody>
       </p:sp>
@@ -10075,8 +10036,8 @@
         </p:nvSpPr>
         <p:spPr>
           <a:xfrm>
-            <a:off x="6205907" y="1212199"/>
-            <a:ext cx="840294" cy="307777"/>
+            <a:off x="6345368" y="1212199"/>
+            <a:ext cx="561372" cy="307777"/>
           </a:xfrm>
           <a:prstGeom prst="rect">
             <a:avLst/>
@@ -10092,7 +10053,7 @@
             <a:pPr algn="ctr"/>
             <a:r>
               <a:rPr lang="pt-BR" sz="1400" dirty="0" smtClean="0"/>
-              <a:t>270.8mV</a:t>
+              <a:t>8mm</a:t>
             </a:r>
             <a:endParaRPr lang="pt-BR" sz="1400" dirty="0"/>
           </a:p>
@@ -10106,8 +10067,8 @@
         </p:nvSpPr>
         <p:spPr>
           <a:xfrm>
-            <a:off x="6341361" y="4178919"/>
-            <a:ext cx="569387" cy="307777"/>
+            <a:off x="6345368" y="4178919"/>
+            <a:ext cx="561372" cy="307777"/>
           </a:xfrm>
           <a:prstGeom prst="rect">
             <a:avLst/>
@@ -10123,7 +10084,7 @@
             <a:pPr algn="ctr"/>
             <a:r>
               <a:rPr lang="pt-BR" sz="1400" dirty="0" smtClean="0"/>
-              <a:t>73µV</a:t>
+              <a:t>0mm</a:t>
             </a:r>
             <a:endParaRPr lang="pt-BR" sz="1400" dirty="0"/>
           </a:p>
@@ -10137,7 +10098,7 @@
         </p:nvCxnSpPr>
         <p:spPr>
           <a:xfrm rot="-1800000">
-            <a:off x="8805067" y="631314"/>
+            <a:off x="10958725" y="660309"/>
             <a:ext cx="825500" cy="0"/>
           </a:xfrm>
           <a:prstGeom prst="line">
@@ -10173,7 +10134,7 @@
         </p:nvCxnSpPr>
         <p:spPr>
           <a:xfrm>
-            <a:off x="9575269" y="424939"/>
+            <a:off x="11728927" y="453934"/>
             <a:ext cx="1028700" cy="0"/>
           </a:xfrm>
           <a:prstGeom prst="line">
@@ -10208,7 +10169,7 @@
         </p:nvCxnSpPr>
         <p:spPr>
           <a:xfrm rot="1800000">
-            <a:off x="8805067" y="5070477"/>
+            <a:off x="10958725" y="5099472"/>
             <a:ext cx="825500" cy="0"/>
           </a:xfrm>
           <a:prstGeom prst="line">
@@ -10244,7 +10205,7 @@
         </p:nvCxnSpPr>
         <p:spPr>
           <a:xfrm>
-            <a:off x="9575269" y="5270502"/>
+            <a:off x="11728927" y="5299497"/>
             <a:ext cx="1028700" cy="0"/>
           </a:xfrm>
           <a:prstGeom prst="line">
@@ -10279,7 +10240,7 @@
         </p:nvSpPr>
         <p:spPr>
           <a:xfrm>
-            <a:off x="9806529" y="5243048"/>
+            <a:off x="11960187" y="5272043"/>
             <a:ext cx="566181" cy="369332"/>
           </a:xfrm>
           <a:prstGeom prst="rect">
@@ -10314,7 +10275,7 @@
         </p:nvSpPr>
         <p:spPr>
           <a:xfrm>
-            <a:off x="7769421" y="2219495"/>
+            <a:off x="9923079" y="2248490"/>
             <a:ext cx="1283364" cy="1477328"/>
           </a:xfrm>
           <a:prstGeom prst="rect">
@@ -10397,7 +10358,7 @@
         </p:nvSpPr>
         <p:spPr>
           <a:xfrm>
-            <a:off x="8017239" y="4595347"/>
+            <a:off x="10170897" y="4624342"/>
             <a:ext cx="657552" cy="307777"/>
           </a:xfrm>
           <a:prstGeom prst="rect">
@@ -10428,7 +10389,7 @@
         </p:nvSpPr>
         <p:spPr>
           <a:xfrm>
-            <a:off x="7997202" y="798047"/>
+            <a:off x="10150860" y="827042"/>
             <a:ext cx="697627" cy="307777"/>
           </a:xfrm>
           <a:prstGeom prst="rect">
@@ -10459,7 +10420,7 @@
         </p:nvSpPr>
         <p:spPr>
           <a:xfrm>
-            <a:off x="9657451" y="2436503"/>
+            <a:off x="11811109" y="2465498"/>
             <a:ext cx="889987" cy="923330"/>
           </a:xfrm>
           <a:prstGeom prst="rect">
@@ -10504,7 +10465,7 @@
         </p:nvSpPr>
         <p:spPr>
           <a:xfrm>
-            <a:off x="9721570" y="4989048"/>
+            <a:off x="11875228" y="5018043"/>
             <a:ext cx="736100" cy="307777"/>
           </a:xfrm>
           <a:prstGeom prst="rect">
@@ -10535,7 +10496,7 @@
         </p:nvSpPr>
         <p:spPr>
           <a:xfrm>
-            <a:off x="9721570" y="391648"/>
+            <a:off x="11875228" y="420643"/>
             <a:ext cx="736100" cy="307777"/>
           </a:xfrm>
           <a:prstGeom prst="rect">
@@ -10679,7 +10640,7 @@
           <a:p>
             <a:r>
               <a:rPr lang="pt-BR" sz="2800" b="1" dirty="0" smtClean="0"/>
-              <a:t>D=17.84cm</a:t>
+              <a:t>D=13.82cm</a:t>
             </a:r>
             <a:endParaRPr lang="pt-BR" sz="2800" b="1" dirty="0"/>
           </a:p>
@@ -10689,6 +10650,951 @@
     <p:extLst>
       <p:ext uri="{BB962C8B-B14F-4D97-AF65-F5344CB8AC3E}">
         <p14:creationId xmlns:p14="http://schemas.microsoft.com/office/powerpoint/2010/main" val="2941553115"/>
+      </p:ext>
+    </p:extLst>
+  </p:cSld>
+  <p:clrMapOvr>
+    <a:masterClrMapping/>
+  </p:clrMapOvr>
+</p:sld>
+</file>
+
+<file path=ppt/slides/slide6.xml><?xml version="1.0" encoding="utf-8"?>
+<p:sld xmlns:a="http://schemas.openxmlformats.org/drawingml/2006/main" xmlns:r="http://schemas.openxmlformats.org/officeDocument/2006/relationships" xmlns:p="http://schemas.openxmlformats.org/presentationml/2006/main">
+  <p:cSld>
+    <p:spTree>
+      <p:nvGrpSpPr>
+        <p:cNvPr id="1" name=""/>
+        <p:cNvGrpSpPr/>
+        <p:nvPr/>
+      </p:nvGrpSpPr>
+      <p:grpSpPr>
+        <a:xfrm>
+          <a:off x="0" y="0"/>
+          <a:ext cx="0" cy="0"/>
+          <a:chOff x="0" y="0"/>
+          <a:chExt cx="0" cy="0"/>
+        </a:xfrm>
+      </p:grpSpPr>
+      <p:cxnSp>
+        <p:nvCxnSpPr>
+          <p:cNvPr id="4" name="Conector reto 3"/>
+          <p:cNvCxnSpPr/>
+          <p:nvPr/>
+        </p:nvCxnSpPr>
+        <p:spPr>
+          <a:xfrm>
+            <a:off x="857250" y="2495550"/>
+            <a:ext cx="1028700" cy="0"/>
+          </a:xfrm>
+          <a:prstGeom prst="line">
+            <a:avLst/>
+          </a:prstGeom>
+          <a:ln w="19050">
+            <a:solidFill>
+              <a:schemeClr val="tx1"/>
+            </a:solidFill>
+          </a:ln>
+        </p:spPr>
+        <p:style>
+          <a:lnRef idx="1">
+            <a:schemeClr val="accent1"/>
+          </a:lnRef>
+          <a:fillRef idx="0">
+            <a:schemeClr val="accent1"/>
+          </a:fillRef>
+          <a:effectRef idx="0">
+            <a:schemeClr val="accent1"/>
+          </a:effectRef>
+          <a:fontRef idx="minor">
+            <a:schemeClr val="tx1"/>
+          </a:fontRef>
+        </p:style>
+      </p:cxnSp>
+      <p:cxnSp>
+        <p:nvCxnSpPr>
+          <p:cNvPr id="5" name="Conector reto 4"/>
+          <p:cNvCxnSpPr/>
+          <p:nvPr/>
+        </p:nvCxnSpPr>
+        <p:spPr>
+          <a:xfrm>
+            <a:off x="857250" y="3238500"/>
+            <a:ext cx="1028700" cy="0"/>
+          </a:xfrm>
+          <a:prstGeom prst="line">
+            <a:avLst/>
+          </a:prstGeom>
+          <a:ln w="19050">
+            <a:solidFill>
+              <a:schemeClr val="tx1"/>
+            </a:solidFill>
+          </a:ln>
+        </p:spPr>
+        <p:style>
+          <a:lnRef idx="1">
+            <a:schemeClr val="accent1"/>
+          </a:lnRef>
+          <a:fillRef idx="0">
+            <a:schemeClr val="accent1"/>
+          </a:fillRef>
+          <a:effectRef idx="0">
+            <a:schemeClr val="accent1"/>
+          </a:effectRef>
+          <a:fontRef idx="minor">
+            <a:schemeClr val="tx1"/>
+          </a:fontRef>
+        </p:style>
+      </p:cxnSp>
+      <p:cxnSp>
+        <p:nvCxnSpPr>
+          <p:cNvPr id="6" name="Conector reto 5"/>
+          <p:cNvCxnSpPr/>
+          <p:nvPr/>
+        </p:nvCxnSpPr>
+        <p:spPr>
+          <a:xfrm rot="-1800000">
+            <a:off x="1830652" y="2289175"/>
+            <a:ext cx="825500" cy="0"/>
+          </a:xfrm>
+          <a:prstGeom prst="line">
+            <a:avLst/>
+          </a:prstGeom>
+          <a:ln w="28575">
+            <a:solidFill>
+              <a:schemeClr val="tx1"/>
+            </a:solidFill>
+            <a:prstDash val="dash"/>
+          </a:ln>
+        </p:spPr>
+        <p:style>
+          <a:lnRef idx="1">
+            <a:schemeClr val="accent1"/>
+          </a:lnRef>
+          <a:fillRef idx="0">
+            <a:schemeClr val="accent1"/>
+          </a:fillRef>
+          <a:effectRef idx="0">
+            <a:schemeClr val="accent1"/>
+          </a:effectRef>
+          <a:fontRef idx="minor">
+            <a:schemeClr val="tx1"/>
+          </a:fontRef>
+        </p:style>
+      </p:cxnSp>
+      <p:cxnSp>
+        <p:nvCxnSpPr>
+          <p:cNvPr id="7" name="Conector reto 6"/>
+          <p:cNvCxnSpPr/>
+          <p:nvPr/>
+        </p:nvCxnSpPr>
+        <p:spPr>
+          <a:xfrm rot="1800000">
+            <a:off x="1830652" y="3444875"/>
+            <a:ext cx="825500" cy="0"/>
+          </a:xfrm>
+          <a:prstGeom prst="line">
+            <a:avLst/>
+          </a:prstGeom>
+          <a:ln w="28575">
+            <a:solidFill>
+              <a:schemeClr val="tx1"/>
+            </a:solidFill>
+            <a:prstDash val="dash"/>
+          </a:ln>
+        </p:spPr>
+        <p:style>
+          <a:lnRef idx="1">
+            <a:schemeClr val="accent1"/>
+          </a:lnRef>
+          <a:fillRef idx="0">
+            <a:schemeClr val="accent1"/>
+          </a:fillRef>
+          <a:effectRef idx="0">
+            <a:schemeClr val="accent1"/>
+          </a:effectRef>
+          <a:fontRef idx="minor">
+            <a:schemeClr val="tx1"/>
+          </a:fontRef>
+        </p:style>
+      </p:cxnSp>
+      <p:cxnSp>
+        <p:nvCxnSpPr>
+          <p:cNvPr id="8" name="Conector reto 7"/>
+          <p:cNvCxnSpPr/>
+          <p:nvPr/>
+        </p:nvCxnSpPr>
+        <p:spPr>
+          <a:xfrm>
+            <a:off x="2600854" y="2082800"/>
+            <a:ext cx="1028700" cy="0"/>
+          </a:xfrm>
+          <a:prstGeom prst="line">
+            <a:avLst/>
+          </a:prstGeom>
+          <a:ln w="19050">
+            <a:solidFill>
+              <a:schemeClr val="tx1"/>
+            </a:solidFill>
+          </a:ln>
+        </p:spPr>
+        <p:style>
+          <a:lnRef idx="1">
+            <a:schemeClr val="accent1"/>
+          </a:lnRef>
+          <a:fillRef idx="0">
+            <a:schemeClr val="accent1"/>
+          </a:fillRef>
+          <a:effectRef idx="0">
+            <a:schemeClr val="accent1"/>
+          </a:effectRef>
+          <a:fontRef idx="minor">
+            <a:schemeClr val="tx1"/>
+          </a:fontRef>
+        </p:style>
+      </p:cxnSp>
+      <p:cxnSp>
+        <p:nvCxnSpPr>
+          <p:cNvPr id="9" name="Conector reto 8"/>
+          <p:cNvCxnSpPr/>
+          <p:nvPr/>
+        </p:nvCxnSpPr>
+        <p:spPr>
+          <a:xfrm>
+            <a:off x="2600854" y="3644900"/>
+            <a:ext cx="1028700" cy="0"/>
+          </a:xfrm>
+          <a:prstGeom prst="line">
+            <a:avLst/>
+          </a:prstGeom>
+          <a:ln w="19050">
+            <a:solidFill>
+              <a:schemeClr val="tx1"/>
+            </a:solidFill>
+          </a:ln>
+        </p:spPr>
+        <p:style>
+          <a:lnRef idx="1">
+            <a:schemeClr val="accent1"/>
+          </a:lnRef>
+          <a:fillRef idx="0">
+            <a:schemeClr val="accent1"/>
+          </a:fillRef>
+          <a:effectRef idx="0">
+            <a:schemeClr val="accent1"/>
+          </a:effectRef>
+          <a:fontRef idx="minor">
+            <a:schemeClr val="tx1"/>
+          </a:fontRef>
+        </p:style>
+      </p:cxnSp>
+      <p:sp>
+        <p:nvSpPr>
+          <p:cNvPr id="14" name="CaixaDeTexto 13"/>
+          <p:cNvSpPr txBox="1"/>
+          <p:nvPr/>
+        </p:nvSpPr>
+        <p:spPr>
+          <a:xfrm>
+            <a:off x="1006052" y="2686608"/>
+            <a:ext cx="747128" cy="369332"/>
+          </a:xfrm>
+          <a:prstGeom prst="rect">
+            <a:avLst/>
+          </a:prstGeom>
+          <a:noFill/>
+        </p:spPr>
+        <p:txBody>
+          <a:bodyPr wrap="none" rtlCol="0">
+            <a:spAutoFit/>
+          </a:bodyPr>
+          <a:lstStyle/>
+          <a:p>
+            <a:pPr algn="ctr"/>
+            <a:r>
+              <a:rPr lang="pt-BR" b="1" dirty="0" smtClean="0"/>
+              <a:t>Vento</a:t>
+            </a:r>
+            <a:endParaRPr lang="pt-BR" b="1" dirty="0"/>
+          </a:p>
+        </p:txBody>
+      </p:sp>
+      <p:sp>
+        <p:nvSpPr>
+          <p:cNvPr id="15" name="CaixaDeTexto 14"/>
+          <p:cNvSpPr txBox="1"/>
+          <p:nvPr/>
+        </p:nvSpPr>
+        <p:spPr>
+          <a:xfrm>
+            <a:off x="2426363" y="2524295"/>
+            <a:ext cx="1377685" cy="646331"/>
+          </a:xfrm>
+          <a:prstGeom prst="rect">
+            <a:avLst/>
+          </a:prstGeom>
+          <a:noFill/>
+        </p:spPr>
+        <p:txBody>
+          <a:bodyPr wrap="none" rtlCol="0">
+            <a:spAutoFit/>
+          </a:bodyPr>
+          <a:lstStyle/>
+          <a:p>
+            <a:pPr algn="ctr"/>
+            <a:r>
+              <a:rPr lang="pt-BR" b="1" dirty="0" smtClean="0"/>
+              <a:t>Rotações</a:t>
+            </a:r>
+          </a:p>
+          <a:p>
+            <a:pPr algn="ctr"/>
+            <a:r>
+              <a:rPr lang="pt-BR" b="1" dirty="0" smtClean="0"/>
+              <a:t>Da Estrutura</a:t>
+            </a:r>
+            <a:endParaRPr lang="pt-BR" b="1" dirty="0"/>
+          </a:p>
+        </p:txBody>
+      </p:sp>
+      <p:sp>
+        <p:nvSpPr>
+          <p:cNvPr id="27" name="CaixaDeTexto 26"/>
+          <p:cNvSpPr txBox="1"/>
+          <p:nvPr/>
+        </p:nvSpPr>
+        <p:spPr>
+          <a:xfrm>
+            <a:off x="1090513" y="3190874"/>
+            <a:ext cx="549318" cy="369332"/>
+          </a:xfrm>
+          <a:prstGeom prst="rect">
+            <a:avLst/>
+          </a:prstGeom>
+          <a:noFill/>
+        </p:spPr>
+        <p:txBody>
+          <a:bodyPr wrap="none" rtlCol="0">
+            <a:spAutoFit/>
+          </a:bodyPr>
+          <a:lstStyle/>
+          <a:p>
+            <a:r>
+              <a:rPr lang="pt-BR" dirty="0" err="1" smtClean="0"/>
+              <a:t>V</a:t>
+            </a:r>
+            <a:r>
+              <a:rPr lang="pt-BR" baseline="-25000" dirty="0" err="1" smtClean="0"/>
+              <a:t>mín</a:t>
+            </a:r>
+            <a:endParaRPr lang="pt-BR" dirty="0"/>
+          </a:p>
+        </p:txBody>
+      </p:sp>
+      <p:sp>
+        <p:nvSpPr>
+          <p:cNvPr id="28" name="CaixaDeTexto 27"/>
+          <p:cNvSpPr txBox="1"/>
+          <p:nvPr/>
+        </p:nvSpPr>
+        <p:spPr>
+          <a:xfrm>
+            <a:off x="1090513" y="2124074"/>
+            <a:ext cx="573555" cy="369332"/>
+          </a:xfrm>
+          <a:prstGeom prst="rect">
+            <a:avLst/>
+          </a:prstGeom>
+          <a:noFill/>
+        </p:spPr>
+        <p:txBody>
+          <a:bodyPr wrap="none" rtlCol="0">
+            <a:spAutoFit/>
+          </a:bodyPr>
+          <a:lstStyle/>
+          <a:p>
+            <a:r>
+              <a:rPr lang="pt-BR" dirty="0" err="1" smtClean="0"/>
+              <a:t>V</a:t>
+            </a:r>
+            <a:r>
+              <a:rPr lang="pt-BR" baseline="-25000" dirty="0" err="1" smtClean="0"/>
+              <a:t>máx</a:t>
+            </a:r>
+            <a:endParaRPr lang="pt-BR" dirty="0"/>
+          </a:p>
+        </p:txBody>
+      </p:sp>
+      <p:sp>
+        <p:nvSpPr>
+          <p:cNvPr id="29" name="CaixaDeTexto 28"/>
+          <p:cNvSpPr txBox="1"/>
+          <p:nvPr/>
+        </p:nvSpPr>
+        <p:spPr>
+          <a:xfrm>
+            <a:off x="2670916" y="1680689"/>
+            <a:ext cx="888578" cy="369332"/>
+          </a:xfrm>
+          <a:prstGeom prst="rect">
+            <a:avLst/>
+          </a:prstGeom>
+          <a:noFill/>
+        </p:spPr>
+        <p:txBody>
+          <a:bodyPr wrap="none" rtlCol="0">
+            <a:spAutoFit/>
+          </a:bodyPr>
+          <a:lstStyle/>
+          <a:p>
+            <a:pPr algn="ctr"/>
+            <a:r>
+              <a:rPr lang="pt-BR" dirty="0" err="1" smtClean="0"/>
+              <a:t>RPM</a:t>
+            </a:r>
+            <a:r>
+              <a:rPr lang="pt-BR" baseline="-25000" dirty="0" err="1" smtClean="0"/>
+              <a:t>máx</a:t>
+            </a:r>
+            <a:endParaRPr lang="pt-BR" dirty="0"/>
+          </a:p>
+        </p:txBody>
+      </p:sp>
+      <p:sp>
+        <p:nvSpPr>
+          <p:cNvPr id="30" name="CaixaDeTexto 29"/>
+          <p:cNvSpPr txBox="1"/>
+          <p:nvPr/>
+        </p:nvSpPr>
+        <p:spPr>
+          <a:xfrm>
+            <a:off x="2683035" y="3598389"/>
+            <a:ext cx="864340" cy="369332"/>
+          </a:xfrm>
+          <a:prstGeom prst="rect">
+            <a:avLst/>
+          </a:prstGeom>
+          <a:noFill/>
+        </p:spPr>
+        <p:txBody>
+          <a:bodyPr wrap="none" rtlCol="0">
+            <a:spAutoFit/>
+          </a:bodyPr>
+          <a:lstStyle/>
+          <a:p>
+            <a:pPr algn="ctr"/>
+            <a:r>
+              <a:rPr lang="pt-BR" dirty="0" err="1" smtClean="0"/>
+              <a:t>RPM</a:t>
+            </a:r>
+            <a:r>
+              <a:rPr lang="pt-BR" baseline="-25000" dirty="0" err="1" smtClean="0"/>
+              <a:t>mín</a:t>
+            </a:r>
+            <a:endParaRPr lang="pt-BR" dirty="0"/>
+          </a:p>
+        </p:txBody>
+      </p:sp>
+      <p:sp>
+        <p:nvSpPr>
+          <p:cNvPr id="37" name="CaixaDeTexto 36"/>
+          <p:cNvSpPr txBox="1"/>
+          <p:nvPr/>
+        </p:nvSpPr>
+        <p:spPr>
+          <a:xfrm>
+            <a:off x="1225755" y="4606758"/>
+            <a:ext cx="4319196" cy="369332"/>
+          </a:xfrm>
+          <a:prstGeom prst="rect">
+            <a:avLst/>
+          </a:prstGeom>
+          <a:noFill/>
+        </p:spPr>
+        <p:txBody>
+          <a:bodyPr wrap="none" rtlCol="0">
+            <a:spAutoFit/>
+          </a:bodyPr>
+          <a:lstStyle/>
+          <a:p>
+            <a:r>
+              <a:rPr lang="pt-BR" dirty="0" smtClean="0"/>
+              <a:t>Cadeia de medidas proposta – </a:t>
+            </a:r>
+            <a:r>
+              <a:rPr lang="pt-BR" dirty="0" smtClean="0"/>
+              <a:t>Anemômetro</a:t>
+            </a:r>
+            <a:endParaRPr lang="pt-BR" dirty="0"/>
+          </a:p>
+        </p:txBody>
+      </p:sp>
+      <p:sp>
+        <p:nvSpPr>
+          <p:cNvPr id="38" name="CaixaDeTexto 37"/>
+          <p:cNvSpPr txBox="1"/>
+          <p:nvPr/>
+        </p:nvSpPr>
+        <p:spPr>
+          <a:xfrm>
+            <a:off x="1089786" y="2985134"/>
+            <a:ext cx="554767" cy="307777"/>
+          </a:xfrm>
+          <a:prstGeom prst="rect">
+            <a:avLst/>
+          </a:prstGeom>
+          <a:noFill/>
+        </p:spPr>
+        <p:txBody>
+          <a:bodyPr wrap="none" rtlCol="0">
+            <a:spAutoFit/>
+          </a:bodyPr>
+          <a:lstStyle/>
+          <a:p>
+            <a:pPr algn="ctr"/>
+            <a:r>
+              <a:rPr lang="pt-BR" sz="1400" dirty="0" smtClean="0"/>
+              <a:t>3m/s</a:t>
+            </a:r>
+            <a:endParaRPr lang="pt-BR" sz="1400" dirty="0"/>
+          </a:p>
+        </p:txBody>
+      </p:sp>
+      <p:sp>
+        <p:nvSpPr>
+          <p:cNvPr id="39" name="CaixaDeTexto 38"/>
+          <p:cNvSpPr txBox="1"/>
+          <p:nvPr/>
+        </p:nvSpPr>
+        <p:spPr>
+          <a:xfrm>
+            <a:off x="1044098" y="2444114"/>
+            <a:ext cx="646139" cy="307777"/>
+          </a:xfrm>
+          <a:prstGeom prst="rect">
+            <a:avLst/>
+          </a:prstGeom>
+          <a:noFill/>
+        </p:spPr>
+        <p:txBody>
+          <a:bodyPr wrap="none" rtlCol="0">
+            <a:spAutoFit/>
+          </a:bodyPr>
+          <a:lstStyle/>
+          <a:p>
+            <a:pPr algn="ctr"/>
+            <a:r>
+              <a:rPr lang="pt-BR" sz="1400" dirty="0" smtClean="0"/>
+              <a:t>15m/s</a:t>
+            </a:r>
+            <a:endParaRPr lang="pt-BR" sz="1400" dirty="0"/>
+          </a:p>
+        </p:txBody>
+      </p:sp>
+      <p:sp>
+        <p:nvSpPr>
+          <p:cNvPr id="40" name="CaixaDeTexto 39"/>
+          <p:cNvSpPr txBox="1"/>
+          <p:nvPr/>
+        </p:nvSpPr>
+        <p:spPr>
+          <a:xfrm>
+            <a:off x="2693455" y="2026177"/>
+            <a:ext cx="843501" cy="307777"/>
+          </a:xfrm>
+          <a:prstGeom prst="rect">
+            <a:avLst/>
+          </a:prstGeom>
+          <a:noFill/>
+        </p:spPr>
+        <p:txBody>
+          <a:bodyPr wrap="none" rtlCol="0">
+            <a:spAutoFit/>
+          </a:bodyPr>
+          <a:lstStyle/>
+          <a:p>
+            <a:pPr algn="ctr"/>
+            <a:r>
+              <a:rPr lang="pt-BR" sz="1400" dirty="0" smtClean="0"/>
+              <a:t>796 RPM</a:t>
+            </a:r>
+            <a:endParaRPr lang="pt-BR" sz="1400" dirty="0"/>
+          </a:p>
+        </p:txBody>
+      </p:sp>
+      <p:sp>
+        <p:nvSpPr>
+          <p:cNvPr id="41" name="CaixaDeTexto 40"/>
+          <p:cNvSpPr txBox="1"/>
+          <p:nvPr/>
+        </p:nvSpPr>
+        <p:spPr>
+          <a:xfrm>
+            <a:off x="2830512" y="3397777"/>
+            <a:ext cx="569387" cy="954107"/>
+          </a:xfrm>
+          <a:prstGeom prst="rect">
+            <a:avLst/>
+          </a:prstGeom>
+          <a:noFill/>
+        </p:spPr>
+        <p:txBody>
+          <a:bodyPr wrap="none" rtlCol="0">
+            <a:spAutoFit/>
+          </a:bodyPr>
+          <a:lstStyle/>
+          <a:p>
+            <a:pPr algn="ctr"/>
+            <a:r>
+              <a:rPr lang="pt-BR" sz="1400" dirty="0" smtClean="0"/>
+              <a:t>159</a:t>
+            </a:r>
+          </a:p>
+          <a:p>
+            <a:pPr algn="ctr"/>
+            <a:endParaRPr lang="pt-BR" sz="1400" dirty="0"/>
+          </a:p>
+          <a:p>
+            <a:pPr algn="ctr"/>
+            <a:endParaRPr lang="pt-BR" sz="1400" dirty="0" smtClean="0"/>
+          </a:p>
+          <a:p>
+            <a:pPr algn="ctr"/>
+            <a:r>
+              <a:rPr lang="pt-BR" sz="1400" dirty="0" smtClean="0"/>
+              <a:t> RPM</a:t>
+            </a:r>
+            <a:endParaRPr lang="pt-BR" sz="1400" dirty="0"/>
+          </a:p>
+        </p:txBody>
+      </p:sp>
+      <p:cxnSp>
+        <p:nvCxnSpPr>
+          <p:cNvPr id="46" name="Conector reto 45"/>
+          <p:cNvCxnSpPr/>
+          <p:nvPr/>
+        </p:nvCxnSpPr>
+        <p:spPr>
+          <a:xfrm rot="-1800000">
+            <a:off x="3547268" y="1876425"/>
+            <a:ext cx="825500" cy="0"/>
+          </a:xfrm>
+          <a:prstGeom prst="line">
+            <a:avLst/>
+          </a:prstGeom>
+          <a:ln w="28575">
+            <a:solidFill>
+              <a:schemeClr val="tx1"/>
+            </a:solidFill>
+            <a:prstDash val="dash"/>
+          </a:ln>
+        </p:spPr>
+        <p:style>
+          <a:lnRef idx="1">
+            <a:schemeClr val="accent1"/>
+          </a:lnRef>
+          <a:fillRef idx="0">
+            <a:schemeClr val="accent1"/>
+          </a:fillRef>
+          <a:effectRef idx="0">
+            <a:schemeClr val="accent1"/>
+          </a:effectRef>
+          <a:fontRef idx="minor">
+            <a:schemeClr val="tx1"/>
+          </a:fontRef>
+        </p:style>
+      </p:cxnSp>
+      <p:cxnSp>
+        <p:nvCxnSpPr>
+          <p:cNvPr id="47" name="Conector reto 46"/>
+          <p:cNvCxnSpPr/>
+          <p:nvPr/>
+        </p:nvCxnSpPr>
+        <p:spPr>
+          <a:xfrm>
+            <a:off x="4317470" y="1670050"/>
+            <a:ext cx="1028700" cy="0"/>
+          </a:xfrm>
+          <a:prstGeom prst="line">
+            <a:avLst/>
+          </a:prstGeom>
+          <a:ln w="19050">
+            <a:solidFill>
+              <a:schemeClr val="tx1"/>
+            </a:solidFill>
+          </a:ln>
+        </p:spPr>
+        <p:style>
+          <a:lnRef idx="1">
+            <a:schemeClr val="accent1"/>
+          </a:lnRef>
+          <a:fillRef idx="0">
+            <a:schemeClr val="accent1"/>
+          </a:fillRef>
+          <a:effectRef idx="0">
+            <a:schemeClr val="accent1"/>
+          </a:effectRef>
+          <a:fontRef idx="minor">
+            <a:schemeClr val="tx1"/>
+          </a:fontRef>
+        </p:style>
+      </p:cxnSp>
+      <p:sp>
+        <p:nvSpPr>
+          <p:cNvPr id="48" name="CaixaDeTexto 47"/>
+          <p:cNvSpPr txBox="1"/>
+          <p:nvPr/>
+        </p:nvSpPr>
+        <p:spPr>
+          <a:xfrm>
+            <a:off x="4536611" y="1274808"/>
+            <a:ext cx="590418" cy="369332"/>
+          </a:xfrm>
+          <a:prstGeom prst="rect">
+            <a:avLst/>
+          </a:prstGeom>
+          <a:noFill/>
+        </p:spPr>
+        <p:txBody>
+          <a:bodyPr wrap="none" rtlCol="0">
+            <a:spAutoFit/>
+          </a:bodyPr>
+          <a:lstStyle/>
+          <a:p>
+            <a:pPr algn="ctr"/>
+            <a:r>
+              <a:rPr lang="pt-BR" dirty="0" err="1" smtClean="0"/>
+              <a:t>D</a:t>
+            </a:r>
+            <a:r>
+              <a:rPr lang="pt-BR" baseline="-25000" dirty="0" err="1" smtClean="0"/>
+              <a:t>máx</a:t>
+            </a:r>
+            <a:endParaRPr lang="pt-BR" dirty="0"/>
+          </a:p>
+        </p:txBody>
+      </p:sp>
+      <p:cxnSp>
+        <p:nvCxnSpPr>
+          <p:cNvPr id="49" name="Conector reto 48"/>
+          <p:cNvCxnSpPr/>
+          <p:nvPr/>
+        </p:nvCxnSpPr>
+        <p:spPr>
+          <a:xfrm rot="1800000">
+            <a:off x="3574256" y="3851277"/>
+            <a:ext cx="825500" cy="0"/>
+          </a:xfrm>
+          <a:prstGeom prst="line">
+            <a:avLst/>
+          </a:prstGeom>
+          <a:ln w="28575">
+            <a:solidFill>
+              <a:schemeClr val="tx1"/>
+            </a:solidFill>
+            <a:prstDash val="dash"/>
+          </a:ln>
+        </p:spPr>
+        <p:style>
+          <a:lnRef idx="1">
+            <a:schemeClr val="accent1"/>
+          </a:lnRef>
+          <a:fillRef idx="0">
+            <a:schemeClr val="accent1"/>
+          </a:fillRef>
+          <a:effectRef idx="0">
+            <a:schemeClr val="accent1"/>
+          </a:effectRef>
+          <a:fontRef idx="minor">
+            <a:schemeClr val="tx1"/>
+          </a:fontRef>
+        </p:style>
+      </p:cxnSp>
+      <p:cxnSp>
+        <p:nvCxnSpPr>
+          <p:cNvPr id="50" name="Conector reto 49"/>
+          <p:cNvCxnSpPr/>
+          <p:nvPr/>
+        </p:nvCxnSpPr>
+        <p:spPr>
+          <a:xfrm>
+            <a:off x="4344458" y="4051302"/>
+            <a:ext cx="1028700" cy="0"/>
+          </a:xfrm>
+          <a:prstGeom prst="line">
+            <a:avLst/>
+          </a:prstGeom>
+          <a:ln w="19050">
+            <a:solidFill>
+              <a:schemeClr val="tx1"/>
+            </a:solidFill>
+          </a:ln>
+        </p:spPr>
+        <p:style>
+          <a:lnRef idx="1">
+            <a:schemeClr val="accent1"/>
+          </a:lnRef>
+          <a:fillRef idx="0">
+            <a:schemeClr val="accent1"/>
+          </a:fillRef>
+          <a:effectRef idx="0">
+            <a:schemeClr val="accent1"/>
+          </a:effectRef>
+          <a:fontRef idx="minor">
+            <a:schemeClr val="tx1"/>
+          </a:fontRef>
+        </p:style>
+      </p:cxnSp>
+      <p:sp>
+        <p:nvSpPr>
+          <p:cNvPr id="51" name="CaixaDeTexto 50"/>
+          <p:cNvSpPr txBox="1"/>
+          <p:nvPr/>
+        </p:nvSpPr>
+        <p:spPr>
+          <a:xfrm>
+            <a:off x="4575718" y="4023848"/>
+            <a:ext cx="566181" cy="369332"/>
+          </a:xfrm>
+          <a:prstGeom prst="rect">
+            <a:avLst/>
+          </a:prstGeom>
+          <a:noFill/>
+        </p:spPr>
+        <p:txBody>
+          <a:bodyPr wrap="none" rtlCol="0">
+            <a:spAutoFit/>
+          </a:bodyPr>
+          <a:lstStyle/>
+          <a:p>
+            <a:pPr algn="ctr"/>
+            <a:r>
+              <a:rPr lang="pt-BR" dirty="0" err="1" smtClean="0"/>
+              <a:t>D</a:t>
+            </a:r>
+            <a:r>
+              <a:rPr lang="pt-BR" baseline="-25000" dirty="0" err="1" smtClean="0"/>
+              <a:t>mín</a:t>
+            </a:r>
+            <a:endParaRPr lang="pt-BR" dirty="0"/>
+          </a:p>
+        </p:txBody>
+      </p:sp>
+      <p:sp>
+        <p:nvSpPr>
+          <p:cNvPr id="90" name="CaixaDeTexto 89"/>
+          <p:cNvSpPr txBox="1"/>
+          <p:nvPr/>
+        </p:nvSpPr>
+        <p:spPr>
+          <a:xfrm>
+            <a:off x="4345686" y="2350936"/>
+            <a:ext cx="1026242" cy="923330"/>
+          </a:xfrm>
+          <a:prstGeom prst="rect">
+            <a:avLst/>
+          </a:prstGeom>
+          <a:noFill/>
+        </p:spPr>
+        <p:txBody>
+          <a:bodyPr wrap="none" rtlCol="0">
+            <a:spAutoFit/>
+          </a:bodyPr>
+          <a:lstStyle/>
+          <a:p>
+            <a:pPr algn="ctr"/>
+            <a:r>
+              <a:rPr lang="pt-BR" b="1" dirty="0" smtClean="0"/>
+              <a:t>ADC</a:t>
+            </a:r>
+          </a:p>
+          <a:p>
+            <a:pPr algn="ctr"/>
+            <a:r>
+              <a:rPr lang="pt-BR" b="1" dirty="0" smtClean="0"/>
+              <a:t>14 bits</a:t>
+            </a:r>
+          </a:p>
+          <a:p>
+            <a:pPr algn="ctr"/>
+            <a:r>
+              <a:rPr lang="pt-BR" b="1" dirty="0" smtClean="0"/>
+              <a:t>0V </a:t>
+            </a:r>
+            <a:r>
+              <a:rPr lang="pt-BR" b="1" dirty="0" smtClean="0"/>
+              <a:t>a +5V</a:t>
+            </a:r>
+            <a:endParaRPr lang="pt-BR" b="1" dirty="0"/>
+          </a:p>
+        </p:txBody>
+      </p:sp>
+      <p:sp>
+        <p:nvSpPr>
+          <p:cNvPr id="91" name="CaixaDeTexto 90"/>
+          <p:cNvSpPr txBox="1"/>
+          <p:nvPr/>
+        </p:nvSpPr>
+        <p:spPr>
+          <a:xfrm>
+            <a:off x="4490759" y="3769848"/>
+            <a:ext cx="736100" cy="307777"/>
+          </a:xfrm>
+          <a:prstGeom prst="rect">
+            <a:avLst/>
+          </a:prstGeom>
+          <a:noFill/>
+        </p:spPr>
+        <p:txBody>
+          <a:bodyPr wrap="none" rtlCol="0">
+            <a:spAutoFit/>
+          </a:bodyPr>
+          <a:lstStyle/>
+          <a:p>
+            <a:pPr algn="ctr"/>
+            <a:r>
+              <a:rPr lang="pt-BR" sz="1400" dirty="0" smtClean="0"/>
+              <a:t>0h0000</a:t>
+            </a:r>
+            <a:endParaRPr lang="pt-BR" sz="1400" dirty="0"/>
+          </a:p>
+        </p:txBody>
+      </p:sp>
+      <p:sp>
+        <p:nvSpPr>
+          <p:cNvPr id="92" name="CaixaDeTexto 91"/>
+          <p:cNvSpPr txBox="1"/>
+          <p:nvPr/>
+        </p:nvSpPr>
+        <p:spPr>
+          <a:xfrm>
+            <a:off x="4478199" y="1636759"/>
+            <a:ext cx="707245" cy="307777"/>
+          </a:xfrm>
+          <a:prstGeom prst="rect">
+            <a:avLst/>
+          </a:prstGeom>
+          <a:noFill/>
+        </p:spPr>
+        <p:txBody>
+          <a:bodyPr wrap="none" rtlCol="0">
+            <a:spAutoFit/>
+          </a:bodyPr>
+          <a:lstStyle/>
+          <a:p>
+            <a:pPr algn="ctr"/>
+            <a:r>
+              <a:rPr lang="pt-BR" sz="1400" dirty="0" smtClean="0"/>
+              <a:t>0h3FFF</a:t>
+            </a:r>
+            <a:endParaRPr lang="pt-BR" sz="1400" dirty="0"/>
+          </a:p>
+        </p:txBody>
+      </p:sp>
+    </p:spTree>
+    <p:extLst>
+      <p:ext uri="{BB962C8B-B14F-4D97-AF65-F5344CB8AC3E}">
+        <p14:creationId xmlns:p14="http://schemas.microsoft.com/office/powerpoint/2010/main" val="1922486253"/>
       </p:ext>
     </p:extLst>
   </p:cSld>

--- a/Resources/Images/Figuras.pptx
+++ b/Resources/Images/Figuras.pptx
@@ -6,11 +6,12 @@
   </p:sldMasterIdLst>
   <p:sldIdLst>
     <p:sldId id="256" r:id="rId2"/>
-    <p:sldId id="257" r:id="rId3"/>
-    <p:sldId id="258" r:id="rId4"/>
-    <p:sldId id="259" r:id="rId5"/>
-    <p:sldId id="260" r:id="rId6"/>
-    <p:sldId id="261" r:id="rId7"/>
+    <p:sldId id="262" r:id="rId3"/>
+    <p:sldId id="257" r:id="rId4"/>
+    <p:sldId id="258" r:id="rId5"/>
+    <p:sldId id="259" r:id="rId6"/>
+    <p:sldId id="260" r:id="rId7"/>
+    <p:sldId id="261" r:id="rId8"/>
   </p:sldIdLst>
   <p:sldSz cx="12192000" cy="6858000"/>
   <p:notesSz cx="6858000" cy="9144000"/>
@@ -4632,6 +4633,1647 @@
 </file>
 
 <file path=ppt/slides/slide2.xml><?xml version="1.0" encoding="utf-8"?>
+<p:sld xmlns:a="http://schemas.openxmlformats.org/drawingml/2006/main" xmlns:r="http://schemas.openxmlformats.org/officeDocument/2006/relationships" xmlns:p="http://schemas.openxmlformats.org/presentationml/2006/main">
+  <p:cSld>
+    <p:spTree>
+      <p:nvGrpSpPr>
+        <p:cNvPr id="1" name=""/>
+        <p:cNvGrpSpPr/>
+        <p:nvPr/>
+      </p:nvGrpSpPr>
+      <p:grpSpPr>
+        <a:xfrm>
+          <a:off x="0" y="0"/>
+          <a:ext cx="0" cy="0"/>
+          <a:chOff x="0" y="0"/>
+          <a:chExt cx="0" cy="0"/>
+        </a:xfrm>
+      </p:grpSpPr>
+      <p:cxnSp>
+        <p:nvCxnSpPr>
+          <p:cNvPr id="4" name="Conector reto 3"/>
+          <p:cNvCxnSpPr/>
+          <p:nvPr/>
+        </p:nvCxnSpPr>
+        <p:spPr>
+          <a:xfrm>
+            <a:off x="857250" y="2495550"/>
+            <a:ext cx="1028700" cy="0"/>
+          </a:xfrm>
+          <a:prstGeom prst="line">
+            <a:avLst/>
+          </a:prstGeom>
+          <a:ln w="19050">
+            <a:solidFill>
+              <a:schemeClr val="tx1"/>
+            </a:solidFill>
+          </a:ln>
+        </p:spPr>
+        <p:style>
+          <a:lnRef idx="1">
+            <a:schemeClr val="accent1"/>
+          </a:lnRef>
+          <a:fillRef idx="0">
+            <a:schemeClr val="accent1"/>
+          </a:fillRef>
+          <a:effectRef idx="0">
+            <a:schemeClr val="accent1"/>
+          </a:effectRef>
+          <a:fontRef idx="minor">
+            <a:schemeClr val="tx1"/>
+          </a:fontRef>
+        </p:style>
+      </p:cxnSp>
+      <p:cxnSp>
+        <p:nvCxnSpPr>
+          <p:cNvPr id="5" name="Conector reto 4"/>
+          <p:cNvCxnSpPr/>
+          <p:nvPr/>
+        </p:nvCxnSpPr>
+        <p:spPr>
+          <a:xfrm>
+            <a:off x="857250" y="3238500"/>
+            <a:ext cx="1028700" cy="0"/>
+          </a:xfrm>
+          <a:prstGeom prst="line">
+            <a:avLst/>
+          </a:prstGeom>
+          <a:ln w="19050">
+            <a:solidFill>
+              <a:schemeClr val="tx1"/>
+            </a:solidFill>
+          </a:ln>
+        </p:spPr>
+        <p:style>
+          <a:lnRef idx="1">
+            <a:schemeClr val="accent1"/>
+          </a:lnRef>
+          <a:fillRef idx="0">
+            <a:schemeClr val="accent1"/>
+          </a:fillRef>
+          <a:effectRef idx="0">
+            <a:schemeClr val="accent1"/>
+          </a:effectRef>
+          <a:fontRef idx="minor">
+            <a:schemeClr val="tx1"/>
+          </a:fontRef>
+        </p:style>
+      </p:cxnSp>
+      <p:cxnSp>
+        <p:nvCxnSpPr>
+          <p:cNvPr id="6" name="Conector reto 5"/>
+          <p:cNvCxnSpPr/>
+          <p:nvPr/>
+        </p:nvCxnSpPr>
+        <p:spPr>
+          <a:xfrm rot="-1800000">
+            <a:off x="1830652" y="2289175"/>
+            <a:ext cx="825500" cy="0"/>
+          </a:xfrm>
+          <a:prstGeom prst="line">
+            <a:avLst/>
+          </a:prstGeom>
+          <a:ln w="28575">
+            <a:solidFill>
+              <a:schemeClr val="tx1"/>
+            </a:solidFill>
+            <a:prstDash val="dash"/>
+          </a:ln>
+        </p:spPr>
+        <p:style>
+          <a:lnRef idx="1">
+            <a:schemeClr val="accent1"/>
+          </a:lnRef>
+          <a:fillRef idx="0">
+            <a:schemeClr val="accent1"/>
+          </a:fillRef>
+          <a:effectRef idx="0">
+            <a:schemeClr val="accent1"/>
+          </a:effectRef>
+          <a:fontRef idx="minor">
+            <a:schemeClr val="tx1"/>
+          </a:fontRef>
+        </p:style>
+      </p:cxnSp>
+      <p:cxnSp>
+        <p:nvCxnSpPr>
+          <p:cNvPr id="7" name="Conector reto 6"/>
+          <p:cNvCxnSpPr/>
+          <p:nvPr/>
+        </p:nvCxnSpPr>
+        <p:spPr>
+          <a:xfrm rot="1800000">
+            <a:off x="1830652" y="3444875"/>
+            <a:ext cx="825500" cy="0"/>
+          </a:xfrm>
+          <a:prstGeom prst="line">
+            <a:avLst/>
+          </a:prstGeom>
+          <a:ln w="28575">
+            <a:solidFill>
+              <a:schemeClr val="tx1"/>
+            </a:solidFill>
+            <a:prstDash val="dash"/>
+          </a:ln>
+        </p:spPr>
+        <p:style>
+          <a:lnRef idx="1">
+            <a:schemeClr val="accent1"/>
+          </a:lnRef>
+          <a:fillRef idx="0">
+            <a:schemeClr val="accent1"/>
+          </a:fillRef>
+          <a:effectRef idx="0">
+            <a:schemeClr val="accent1"/>
+          </a:effectRef>
+          <a:fontRef idx="minor">
+            <a:schemeClr val="tx1"/>
+          </a:fontRef>
+        </p:style>
+      </p:cxnSp>
+      <p:cxnSp>
+        <p:nvCxnSpPr>
+          <p:cNvPr id="8" name="Conector reto 7"/>
+          <p:cNvCxnSpPr/>
+          <p:nvPr/>
+        </p:nvCxnSpPr>
+        <p:spPr>
+          <a:xfrm>
+            <a:off x="2600854" y="2082800"/>
+            <a:ext cx="1028700" cy="0"/>
+          </a:xfrm>
+          <a:prstGeom prst="line">
+            <a:avLst/>
+          </a:prstGeom>
+          <a:ln w="19050">
+            <a:solidFill>
+              <a:schemeClr val="tx1"/>
+            </a:solidFill>
+          </a:ln>
+        </p:spPr>
+        <p:style>
+          <a:lnRef idx="1">
+            <a:schemeClr val="accent1"/>
+          </a:lnRef>
+          <a:fillRef idx="0">
+            <a:schemeClr val="accent1"/>
+          </a:fillRef>
+          <a:effectRef idx="0">
+            <a:schemeClr val="accent1"/>
+          </a:effectRef>
+          <a:fontRef idx="minor">
+            <a:schemeClr val="tx1"/>
+          </a:fontRef>
+        </p:style>
+      </p:cxnSp>
+      <p:cxnSp>
+        <p:nvCxnSpPr>
+          <p:cNvPr id="9" name="Conector reto 8"/>
+          <p:cNvCxnSpPr/>
+          <p:nvPr/>
+        </p:nvCxnSpPr>
+        <p:spPr>
+          <a:xfrm>
+            <a:off x="2600854" y="3644900"/>
+            <a:ext cx="1028700" cy="0"/>
+          </a:xfrm>
+          <a:prstGeom prst="line">
+            <a:avLst/>
+          </a:prstGeom>
+          <a:ln w="19050">
+            <a:solidFill>
+              <a:schemeClr val="tx1"/>
+            </a:solidFill>
+          </a:ln>
+        </p:spPr>
+        <p:style>
+          <a:lnRef idx="1">
+            <a:schemeClr val="accent1"/>
+          </a:lnRef>
+          <a:fillRef idx="0">
+            <a:schemeClr val="accent1"/>
+          </a:fillRef>
+          <a:effectRef idx="0">
+            <a:schemeClr val="accent1"/>
+          </a:effectRef>
+          <a:fontRef idx="minor">
+            <a:schemeClr val="tx1"/>
+          </a:fontRef>
+        </p:style>
+      </p:cxnSp>
+      <p:cxnSp>
+        <p:nvCxnSpPr>
+          <p:cNvPr id="10" name="Conector reto 9"/>
+          <p:cNvCxnSpPr/>
+          <p:nvPr/>
+        </p:nvCxnSpPr>
+        <p:spPr>
+          <a:xfrm rot="-1800000">
+            <a:off x="3574256" y="1870076"/>
+            <a:ext cx="825500" cy="0"/>
+          </a:xfrm>
+          <a:prstGeom prst="line">
+            <a:avLst/>
+          </a:prstGeom>
+          <a:ln w="28575">
+            <a:solidFill>
+              <a:schemeClr val="tx1"/>
+            </a:solidFill>
+            <a:prstDash val="dash"/>
+          </a:ln>
+        </p:spPr>
+        <p:style>
+          <a:lnRef idx="1">
+            <a:schemeClr val="accent1"/>
+          </a:lnRef>
+          <a:fillRef idx="0">
+            <a:schemeClr val="accent1"/>
+          </a:fillRef>
+          <a:effectRef idx="0">
+            <a:schemeClr val="accent1"/>
+          </a:effectRef>
+          <a:fontRef idx="minor">
+            <a:schemeClr val="tx1"/>
+          </a:fontRef>
+        </p:style>
+      </p:cxnSp>
+      <p:cxnSp>
+        <p:nvCxnSpPr>
+          <p:cNvPr id="11" name="Conector reto 10"/>
+          <p:cNvCxnSpPr/>
+          <p:nvPr/>
+        </p:nvCxnSpPr>
+        <p:spPr>
+          <a:xfrm>
+            <a:off x="4344458" y="1663701"/>
+            <a:ext cx="1028700" cy="0"/>
+          </a:xfrm>
+          <a:prstGeom prst="line">
+            <a:avLst/>
+          </a:prstGeom>
+          <a:ln w="19050">
+            <a:solidFill>
+              <a:schemeClr val="tx1"/>
+            </a:solidFill>
+          </a:ln>
+        </p:spPr>
+        <p:style>
+          <a:lnRef idx="1">
+            <a:schemeClr val="accent1"/>
+          </a:lnRef>
+          <a:fillRef idx="0">
+            <a:schemeClr val="accent1"/>
+          </a:fillRef>
+          <a:effectRef idx="0">
+            <a:schemeClr val="accent1"/>
+          </a:effectRef>
+          <a:fontRef idx="minor">
+            <a:schemeClr val="tx1"/>
+          </a:fontRef>
+        </p:style>
+      </p:cxnSp>
+      <p:cxnSp>
+        <p:nvCxnSpPr>
+          <p:cNvPr id="12" name="Conector reto 11"/>
+          <p:cNvCxnSpPr/>
+          <p:nvPr/>
+        </p:nvCxnSpPr>
+        <p:spPr>
+          <a:xfrm rot="1800000">
+            <a:off x="3574256" y="3851275"/>
+            <a:ext cx="825500" cy="0"/>
+          </a:xfrm>
+          <a:prstGeom prst="line">
+            <a:avLst/>
+          </a:prstGeom>
+          <a:ln w="28575">
+            <a:solidFill>
+              <a:schemeClr val="tx1"/>
+            </a:solidFill>
+            <a:prstDash val="dash"/>
+          </a:ln>
+        </p:spPr>
+        <p:style>
+          <a:lnRef idx="1">
+            <a:schemeClr val="accent1"/>
+          </a:lnRef>
+          <a:fillRef idx="0">
+            <a:schemeClr val="accent1"/>
+          </a:fillRef>
+          <a:effectRef idx="0">
+            <a:schemeClr val="accent1"/>
+          </a:effectRef>
+          <a:fontRef idx="minor">
+            <a:schemeClr val="tx1"/>
+          </a:fontRef>
+        </p:style>
+      </p:cxnSp>
+      <p:cxnSp>
+        <p:nvCxnSpPr>
+          <p:cNvPr id="13" name="Conector reto 12"/>
+          <p:cNvCxnSpPr/>
+          <p:nvPr/>
+        </p:nvCxnSpPr>
+        <p:spPr>
+          <a:xfrm>
+            <a:off x="4344458" y="4051300"/>
+            <a:ext cx="1028700" cy="0"/>
+          </a:xfrm>
+          <a:prstGeom prst="line">
+            <a:avLst/>
+          </a:prstGeom>
+          <a:ln w="19050">
+            <a:solidFill>
+              <a:schemeClr val="tx1"/>
+            </a:solidFill>
+          </a:ln>
+        </p:spPr>
+        <p:style>
+          <a:lnRef idx="1">
+            <a:schemeClr val="accent1"/>
+          </a:lnRef>
+          <a:fillRef idx="0">
+            <a:schemeClr val="accent1"/>
+          </a:fillRef>
+          <a:effectRef idx="0">
+            <a:schemeClr val="accent1"/>
+          </a:effectRef>
+          <a:fontRef idx="minor">
+            <a:schemeClr val="tx1"/>
+          </a:fontRef>
+        </p:style>
+      </p:cxnSp>
+      <p:sp>
+        <p:nvSpPr>
+          <p:cNvPr id="14" name="CaixaDeTexto 13"/>
+          <p:cNvSpPr txBox="1"/>
+          <p:nvPr/>
+        </p:nvSpPr>
+        <p:spPr>
+          <a:xfrm>
+            <a:off x="1154374" y="2713502"/>
+            <a:ext cx="431528" cy="369332"/>
+          </a:xfrm>
+          <a:prstGeom prst="rect">
+            <a:avLst/>
+          </a:prstGeom>
+          <a:noFill/>
+        </p:spPr>
+        <p:txBody>
+          <a:bodyPr wrap="none" rtlCol="0">
+            <a:spAutoFit/>
+          </a:bodyPr>
+          <a:lstStyle/>
+          <a:p>
+            <a:r>
+              <a:rPr lang="el-GR" b="1" dirty="0" smtClean="0"/>
+              <a:t>Δ</a:t>
+            </a:r>
+            <a:r>
+              <a:rPr lang="pt-BR" b="1" dirty="0" smtClean="0"/>
+              <a:t>T</a:t>
+            </a:r>
+            <a:endParaRPr lang="pt-BR" b="1" dirty="0"/>
+          </a:p>
+        </p:txBody>
+      </p:sp>
+      <p:sp>
+        <p:nvSpPr>
+          <p:cNvPr id="15" name="CaixaDeTexto 14"/>
+          <p:cNvSpPr txBox="1"/>
+          <p:nvPr/>
+        </p:nvSpPr>
+        <p:spPr>
+          <a:xfrm>
+            <a:off x="2741544" y="2524295"/>
+            <a:ext cx="747319" cy="646331"/>
+          </a:xfrm>
+          <a:prstGeom prst="rect">
+            <a:avLst/>
+          </a:prstGeom>
+          <a:noFill/>
+        </p:spPr>
+        <p:txBody>
+          <a:bodyPr wrap="none" rtlCol="0">
+            <a:spAutoFit/>
+          </a:bodyPr>
+          <a:lstStyle/>
+          <a:p>
+            <a:pPr algn="ctr"/>
+            <a:r>
+              <a:rPr lang="el-GR" b="1" dirty="0" smtClean="0"/>
+              <a:t>Δ</a:t>
+            </a:r>
+            <a:r>
+              <a:rPr lang="pt-BR" b="1" dirty="0" smtClean="0"/>
+              <a:t>R do</a:t>
+            </a:r>
+          </a:p>
+          <a:p>
+            <a:pPr algn="ctr"/>
+            <a:r>
+              <a:rPr lang="pt-BR" b="1" dirty="0" smtClean="0"/>
+              <a:t>Pt100</a:t>
+            </a:r>
+            <a:endParaRPr lang="pt-BR" b="1" dirty="0"/>
+          </a:p>
+        </p:txBody>
+      </p:sp>
+      <p:sp>
+        <p:nvSpPr>
+          <p:cNvPr id="16" name="CaixaDeTexto 15"/>
+          <p:cNvSpPr txBox="1"/>
+          <p:nvPr/>
+        </p:nvSpPr>
+        <p:spPr>
+          <a:xfrm>
+            <a:off x="4353276" y="2384595"/>
+            <a:ext cx="1054456" cy="923330"/>
+          </a:xfrm>
+          <a:prstGeom prst="rect">
+            <a:avLst/>
+          </a:prstGeom>
+          <a:noFill/>
+        </p:spPr>
+        <p:txBody>
+          <a:bodyPr wrap="none" rtlCol="0">
+            <a:spAutoFit/>
+          </a:bodyPr>
+          <a:lstStyle/>
+          <a:p>
+            <a:pPr algn="ctr"/>
+            <a:r>
+              <a:rPr lang="pt-BR" b="1" dirty="0" smtClean="0"/>
+              <a:t>Tensão</a:t>
+            </a:r>
+          </a:p>
+          <a:p>
+            <a:pPr algn="ctr"/>
+            <a:r>
+              <a:rPr lang="pt-BR" b="1" dirty="0"/>
+              <a:t>d</a:t>
+            </a:r>
+            <a:r>
+              <a:rPr lang="pt-BR" b="1" dirty="0" smtClean="0"/>
+              <a:t>e Saída</a:t>
+            </a:r>
+          </a:p>
+          <a:p>
+            <a:pPr algn="ctr"/>
+            <a:r>
+              <a:rPr lang="pt-BR" b="1" dirty="0"/>
+              <a:t>d</a:t>
+            </a:r>
+            <a:r>
+              <a:rPr lang="pt-BR" b="1" dirty="0" smtClean="0"/>
+              <a:t>a Ponte</a:t>
+            </a:r>
+            <a:endParaRPr lang="pt-BR" b="1" dirty="0"/>
+          </a:p>
+        </p:txBody>
+      </p:sp>
+      <p:cxnSp>
+        <p:nvCxnSpPr>
+          <p:cNvPr id="22" name="Conector reto 21"/>
+          <p:cNvCxnSpPr/>
+          <p:nvPr/>
+        </p:nvCxnSpPr>
+        <p:spPr>
+          <a:xfrm rot="-1800000">
+            <a:off x="5272607" y="1474314"/>
+            <a:ext cx="825500" cy="0"/>
+          </a:xfrm>
+          <a:prstGeom prst="line">
+            <a:avLst/>
+          </a:prstGeom>
+          <a:ln w="28575">
+            <a:solidFill>
+              <a:schemeClr val="tx1"/>
+            </a:solidFill>
+            <a:prstDash val="dash"/>
+          </a:ln>
+        </p:spPr>
+        <p:style>
+          <a:lnRef idx="1">
+            <a:schemeClr val="accent1"/>
+          </a:lnRef>
+          <a:fillRef idx="0">
+            <a:schemeClr val="accent1"/>
+          </a:fillRef>
+          <a:effectRef idx="0">
+            <a:schemeClr val="accent1"/>
+          </a:effectRef>
+          <a:fontRef idx="minor">
+            <a:schemeClr val="tx1"/>
+          </a:fontRef>
+        </p:style>
+      </p:cxnSp>
+      <p:cxnSp>
+        <p:nvCxnSpPr>
+          <p:cNvPr id="23" name="Conector reto 22"/>
+          <p:cNvCxnSpPr/>
+          <p:nvPr/>
+        </p:nvCxnSpPr>
+        <p:spPr>
+          <a:xfrm>
+            <a:off x="6042809" y="1267939"/>
+            <a:ext cx="1028700" cy="0"/>
+          </a:xfrm>
+          <a:prstGeom prst="line">
+            <a:avLst/>
+          </a:prstGeom>
+          <a:ln w="19050">
+            <a:solidFill>
+              <a:schemeClr val="tx1"/>
+            </a:solidFill>
+          </a:ln>
+        </p:spPr>
+        <p:style>
+          <a:lnRef idx="1">
+            <a:schemeClr val="accent1"/>
+          </a:lnRef>
+          <a:fillRef idx="0">
+            <a:schemeClr val="accent1"/>
+          </a:fillRef>
+          <a:effectRef idx="0">
+            <a:schemeClr val="accent1"/>
+          </a:effectRef>
+          <a:fontRef idx="minor">
+            <a:schemeClr val="tx1"/>
+          </a:fontRef>
+        </p:style>
+      </p:cxnSp>
+      <p:cxnSp>
+        <p:nvCxnSpPr>
+          <p:cNvPr id="24" name="Conector reto 23"/>
+          <p:cNvCxnSpPr/>
+          <p:nvPr/>
+        </p:nvCxnSpPr>
+        <p:spPr>
+          <a:xfrm rot="1800000">
+            <a:off x="5317860" y="4248773"/>
+            <a:ext cx="825500" cy="0"/>
+          </a:xfrm>
+          <a:prstGeom prst="line">
+            <a:avLst/>
+          </a:prstGeom>
+          <a:ln w="28575">
+            <a:solidFill>
+              <a:schemeClr val="tx1"/>
+            </a:solidFill>
+            <a:prstDash val="dash"/>
+          </a:ln>
+        </p:spPr>
+        <p:style>
+          <a:lnRef idx="1">
+            <a:schemeClr val="accent1"/>
+          </a:lnRef>
+          <a:fillRef idx="0">
+            <a:schemeClr val="accent1"/>
+          </a:fillRef>
+          <a:effectRef idx="0">
+            <a:schemeClr val="accent1"/>
+          </a:effectRef>
+          <a:fontRef idx="minor">
+            <a:schemeClr val="tx1"/>
+          </a:fontRef>
+        </p:style>
+      </p:cxnSp>
+      <p:cxnSp>
+        <p:nvCxnSpPr>
+          <p:cNvPr id="25" name="Conector reto 24"/>
+          <p:cNvCxnSpPr/>
+          <p:nvPr/>
+        </p:nvCxnSpPr>
+        <p:spPr>
+          <a:xfrm>
+            <a:off x="6088062" y="4448798"/>
+            <a:ext cx="1028700" cy="0"/>
+          </a:xfrm>
+          <a:prstGeom prst="line">
+            <a:avLst/>
+          </a:prstGeom>
+          <a:ln w="19050">
+            <a:solidFill>
+              <a:schemeClr val="tx1"/>
+            </a:solidFill>
+          </a:ln>
+        </p:spPr>
+        <p:style>
+          <a:lnRef idx="1">
+            <a:schemeClr val="accent1"/>
+          </a:lnRef>
+          <a:fillRef idx="0">
+            <a:schemeClr val="accent1"/>
+          </a:fillRef>
+          <a:effectRef idx="0">
+            <a:schemeClr val="accent1"/>
+          </a:effectRef>
+          <a:fontRef idx="minor">
+            <a:schemeClr val="tx1"/>
+          </a:fontRef>
+        </p:style>
+      </p:cxnSp>
+      <p:sp>
+        <p:nvSpPr>
+          <p:cNvPr id="27" name="CaixaDeTexto 26"/>
+          <p:cNvSpPr txBox="1"/>
+          <p:nvPr/>
+        </p:nvSpPr>
+        <p:spPr>
+          <a:xfrm>
+            <a:off x="1090513" y="3190874"/>
+            <a:ext cx="529312" cy="369332"/>
+          </a:xfrm>
+          <a:prstGeom prst="rect">
+            <a:avLst/>
+          </a:prstGeom>
+          <a:noFill/>
+        </p:spPr>
+        <p:txBody>
+          <a:bodyPr wrap="none" rtlCol="0">
+            <a:spAutoFit/>
+          </a:bodyPr>
+          <a:lstStyle/>
+          <a:p>
+            <a:r>
+              <a:rPr lang="pt-BR" dirty="0" err="1" smtClean="0"/>
+              <a:t>T</a:t>
+            </a:r>
+            <a:r>
+              <a:rPr lang="pt-BR" baseline="-25000" dirty="0" err="1" smtClean="0"/>
+              <a:t>mín</a:t>
+            </a:r>
+            <a:endParaRPr lang="pt-BR" dirty="0"/>
+          </a:p>
+        </p:txBody>
+      </p:sp>
+      <p:sp>
+        <p:nvSpPr>
+          <p:cNvPr id="28" name="CaixaDeTexto 27"/>
+          <p:cNvSpPr txBox="1"/>
+          <p:nvPr/>
+        </p:nvSpPr>
+        <p:spPr>
+          <a:xfrm>
+            <a:off x="1090513" y="2124074"/>
+            <a:ext cx="553549" cy="369332"/>
+          </a:xfrm>
+          <a:prstGeom prst="rect">
+            <a:avLst/>
+          </a:prstGeom>
+          <a:noFill/>
+        </p:spPr>
+        <p:txBody>
+          <a:bodyPr wrap="none" rtlCol="0">
+            <a:spAutoFit/>
+          </a:bodyPr>
+          <a:lstStyle/>
+          <a:p>
+            <a:r>
+              <a:rPr lang="pt-BR" dirty="0" err="1" smtClean="0"/>
+              <a:t>T</a:t>
+            </a:r>
+            <a:r>
+              <a:rPr lang="pt-BR" baseline="-25000" dirty="0" err="1" smtClean="0"/>
+              <a:t>máx</a:t>
+            </a:r>
+            <a:endParaRPr lang="pt-BR" dirty="0"/>
+          </a:p>
+        </p:txBody>
+      </p:sp>
+      <p:sp>
+        <p:nvSpPr>
+          <p:cNvPr id="29" name="CaixaDeTexto 28"/>
+          <p:cNvSpPr txBox="1"/>
+          <p:nvPr/>
+        </p:nvSpPr>
+        <p:spPr>
+          <a:xfrm>
+            <a:off x="2828812" y="1680689"/>
+            <a:ext cx="572786" cy="369332"/>
+          </a:xfrm>
+          <a:prstGeom prst="rect">
+            <a:avLst/>
+          </a:prstGeom>
+          <a:noFill/>
+        </p:spPr>
+        <p:txBody>
+          <a:bodyPr wrap="none" rtlCol="0">
+            <a:spAutoFit/>
+          </a:bodyPr>
+          <a:lstStyle/>
+          <a:p>
+            <a:pPr algn="ctr"/>
+            <a:r>
+              <a:rPr lang="pt-BR" dirty="0" err="1" smtClean="0"/>
+              <a:t>R</a:t>
+            </a:r>
+            <a:r>
+              <a:rPr lang="pt-BR" baseline="-25000" dirty="0" err="1" smtClean="0"/>
+              <a:t>máx</a:t>
+            </a:r>
+            <a:endParaRPr lang="pt-BR" dirty="0"/>
+          </a:p>
+        </p:txBody>
+      </p:sp>
+      <p:sp>
+        <p:nvSpPr>
+          <p:cNvPr id="30" name="CaixaDeTexto 29"/>
+          <p:cNvSpPr txBox="1"/>
+          <p:nvPr/>
+        </p:nvSpPr>
+        <p:spPr>
+          <a:xfrm>
+            <a:off x="2840931" y="3598389"/>
+            <a:ext cx="548548" cy="369332"/>
+          </a:xfrm>
+          <a:prstGeom prst="rect">
+            <a:avLst/>
+          </a:prstGeom>
+          <a:noFill/>
+        </p:spPr>
+        <p:txBody>
+          <a:bodyPr wrap="none" rtlCol="0">
+            <a:spAutoFit/>
+          </a:bodyPr>
+          <a:lstStyle/>
+          <a:p>
+            <a:pPr algn="ctr"/>
+            <a:r>
+              <a:rPr lang="pt-BR" dirty="0" err="1" smtClean="0"/>
+              <a:t>R</a:t>
+            </a:r>
+            <a:r>
+              <a:rPr lang="pt-BR" baseline="-25000" dirty="0" err="1" smtClean="0"/>
+              <a:t>mín</a:t>
+            </a:r>
+            <a:endParaRPr lang="pt-BR" dirty="0"/>
+          </a:p>
+        </p:txBody>
+      </p:sp>
+      <p:sp>
+        <p:nvSpPr>
+          <p:cNvPr id="31" name="CaixaDeTexto 30"/>
+          <p:cNvSpPr txBox="1"/>
+          <p:nvPr/>
+        </p:nvSpPr>
+        <p:spPr>
+          <a:xfrm>
+            <a:off x="4317114" y="1271886"/>
+            <a:ext cx="1126783" cy="369332"/>
+          </a:xfrm>
+          <a:prstGeom prst="rect">
+            <a:avLst/>
+          </a:prstGeom>
+          <a:noFill/>
+        </p:spPr>
+        <p:txBody>
+          <a:bodyPr wrap="none" rtlCol="0">
+            <a:spAutoFit/>
+          </a:bodyPr>
+          <a:lstStyle/>
+          <a:p>
+            <a:pPr algn="ctr"/>
+            <a:r>
+              <a:rPr lang="pt-BR" dirty="0" err="1" smtClean="0"/>
+              <a:t>Vponte</a:t>
+            </a:r>
+            <a:r>
+              <a:rPr lang="pt-BR" baseline="-25000" dirty="0" err="1" smtClean="0"/>
+              <a:t>máx</a:t>
+            </a:r>
+            <a:endParaRPr lang="pt-BR" dirty="0"/>
+          </a:p>
+        </p:txBody>
+      </p:sp>
+      <p:sp>
+        <p:nvSpPr>
+          <p:cNvPr id="32" name="CaixaDeTexto 31"/>
+          <p:cNvSpPr txBox="1"/>
+          <p:nvPr/>
+        </p:nvSpPr>
+        <p:spPr>
+          <a:xfrm>
+            <a:off x="4329232" y="4027786"/>
+            <a:ext cx="1102546" cy="369332"/>
+          </a:xfrm>
+          <a:prstGeom prst="rect">
+            <a:avLst/>
+          </a:prstGeom>
+          <a:noFill/>
+        </p:spPr>
+        <p:txBody>
+          <a:bodyPr wrap="none" rtlCol="0">
+            <a:spAutoFit/>
+          </a:bodyPr>
+          <a:lstStyle/>
+          <a:p>
+            <a:pPr algn="ctr"/>
+            <a:r>
+              <a:rPr lang="pt-BR" dirty="0" err="1" smtClean="0"/>
+              <a:t>Vponte</a:t>
+            </a:r>
+            <a:r>
+              <a:rPr lang="pt-BR" baseline="-25000" dirty="0" err="1" smtClean="0"/>
+              <a:t>mín</a:t>
+            </a:r>
+            <a:endParaRPr lang="pt-BR" dirty="0"/>
+          </a:p>
+        </p:txBody>
+      </p:sp>
+      <p:sp>
+        <p:nvSpPr>
+          <p:cNvPr id="35" name="CaixaDeTexto 34"/>
+          <p:cNvSpPr txBox="1"/>
+          <p:nvPr/>
+        </p:nvSpPr>
+        <p:spPr>
+          <a:xfrm>
+            <a:off x="6115276" y="872697"/>
+            <a:ext cx="883768" cy="369332"/>
+          </a:xfrm>
+          <a:prstGeom prst="rect">
+            <a:avLst/>
+          </a:prstGeom>
+          <a:noFill/>
+        </p:spPr>
+        <p:txBody>
+          <a:bodyPr wrap="none" rtlCol="0">
+            <a:spAutoFit/>
+          </a:bodyPr>
+          <a:lstStyle/>
+          <a:p>
+            <a:pPr algn="ctr"/>
+            <a:r>
+              <a:rPr lang="pt-BR" dirty="0" err="1" smtClean="0"/>
+              <a:t>V</a:t>
+            </a:r>
+            <a:r>
+              <a:rPr lang="pt-BR" baseline="-25000" dirty="0" err="1" smtClean="0"/>
+              <a:t>INA_máx</a:t>
+            </a:r>
+            <a:endParaRPr lang="pt-BR" dirty="0"/>
+          </a:p>
+        </p:txBody>
+      </p:sp>
+      <p:sp>
+        <p:nvSpPr>
+          <p:cNvPr id="36" name="CaixaDeTexto 35"/>
+          <p:cNvSpPr txBox="1"/>
+          <p:nvPr/>
+        </p:nvSpPr>
+        <p:spPr>
+          <a:xfrm>
+            <a:off x="6172647" y="4421344"/>
+            <a:ext cx="859530" cy="369332"/>
+          </a:xfrm>
+          <a:prstGeom prst="rect">
+            <a:avLst/>
+          </a:prstGeom>
+          <a:noFill/>
+        </p:spPr>
+        <p:txBody>
+          <a:bodyPr wrap="none" rtlCol="0">
+            <a:spAutoFit/>
+          </a:bodyPr>
+          <a:lstStyle/>
+          <a:p>
+            <a:pPr algn="ctr"/>
+            <a:r>
+              <a:rPr lang="pt-BR" dirty="0" err="1" smtClean="0"/>
+              <a:t>V</a:t>
+            </a:r>
+            <a:r>
+              <a:rPr lang="pt-BR" baseline="-25000" dirty="0" err="1" smtClean="0"/>
+              <a:t>INA_mín</a:t>
+            </a:r>
+            <a:endParaRPr lang="pt-BR" dirty="0"/>
+          </a:p>
+        </p:txBody>
+      </p:sp>
+      <p:sp>
+        <p:nvSpPr>
+          <p:cNvPr id="37" name="CaixaDeTexto 36"/>
+          <p:cNvSpPr txBox="1"/>
+          <p:nvPr/>
+        </p:nvSpPr>
+        <p:spPr>
+          <a:xfrm>
+            <a:off x="1225755" y="5997408"/>
+            <a:ext cx="4639219" cy="369332"/>
+          </a:xfrm>
+          <a:prstGeom prst="rect">
+            <a:avLst/>
+          </a:prstGeom>
+          <a:noFill/>
+        </p:spPr>
+        <p:txBody>
+          <a:bodyPr wrap="none" rtlCol="0">
+            <a:spAutoFit/>
+          </a:bodyPr>
+          <a:lstStyle/>
+          <a:p>
+            <a:r>
+              <a:rPr lang="pt-BR" dirty="0" smtClean="0"/>
+              <a:t>Cadeia de medidas </a:t>
+            </a:r>
+            <a:r>
+              <a:rPr lang="pt-BR" dirty="0" smtClean="0"/>
+              <a:t>experimental </a:t>
+            </a:r>
+            <a:r>
+              <a:rPr lang="pt-BR" dirty="0" smtClean="0"/>
+              <a:t>– Termômetro</a:t>
+            </a:r>
+            <a:endParaRPr lang="pt-BR" dirty="0"/>
+          </a:p>
+        </p:txBody>
+      </p:sp>
+      <p:sp>
+        <p:nvSpPr>
+          <p:cNvPr id="38" name="CaixaDeTexto 37"/>
+          <p:cNvSpPr txBox="1"/>
+          <p:nvPr/>
+        </p:nvSpPr>
+        <p:spPr>
+          <a:xfrm>
+            <a:off x="1144992" y="2985134"/>
+            <a:ext cx="444352" cy="307777"/>
+          </a:xfrm>
+          <a:prstGeom prst="rect">
+            <a:avLst/>
+          </a:prstGeom>
+          <a:noFill/>
+        </p:spPr>
+        <p:txBody>
+          <a:bodyPr wrap="none" rtlCol="0">
+            <a:spAutoFit/>
+          </a:bodyPr>
+          <a:lstStyle/>
+          <a:p>
+            <a:pPr algn="ctr"/>
+            <a:r>
+              <a:rPr lang="pt-BR" sz="1400" dirty="0" smtClean="0"/>
+              <a:t>5</a:t>
+            </a:r>
+            <a:r>
+              <a:rPr lang="pt-BR" sz="1400" dirty="0" smtClean="0">
+                <a:cs typeface="Times New Roman" panose="02020603050405020304" pitchFamily="18" charset="0"/>
+              </a:rPr>
+              <a:t>°C</a:t>
+            </a:r>
+            <a:endParaRPr lang="pt-BR" sz="1400" dirty="0"/>
+          </a:p>
+        </p:txBody>
+      </p:sp>
+      <p:sp>
+        <p:nvSpPr>
+          <p:cNvPr id="39" name="CaixaDeTexto 38"/>
+          <p:cNvSpPr txBox="1"/>
+          <p:nvPr/>
+        </p:nvSpPr>
+        <p:spPr>
+          <a:xfrm>
+            <a:off x="1099306" y="2444114"/>
+            <a:ext cx="535723" cy="307777"/>
+          </a:xfrm>
+          <a:prstGeom prst="rect">
+            <a:avLst/>
+          </a:prstGeom>
+          <a:noFill/>
+        </p:spPr>
+        <p:txBody>
+          <a:bodyPr wrap="none" rtlCol="0">
+            <a:spAutoFit/>
+          </a:bodyPr>
+          <a:lstStyle/>
+          <a:p>
+            <a:pPr algn="ctr"/>
+            <a:r>
+              <a:rPr lang="pt-BR" sz="1400" dirty="0" smtClean="0"/>
+              <a:t>50</a:t>
+            </a:r>
+            <a:r>
+              <a:rPr lang="pt-BR" sz="1400" dirty="0" smtClean="0">
+                <a:cs typeface="Times New Roman" panose="02020603050405020304" pitchFamily="18" charset="0"/>
+              </a:rPr>
+              <a:t>°C</a:t>
+            </a:r>
+            <a:endParaRPr lang="pt-BR" sz="1400" dirty="0"/>
+          </a:p>
+        </p:txBody>
+      </p:sp>
+      <p:sp>
+        <p:nvSpPr>
+          <p:cNvPr id="40" name="CaixaDeTexto 39"/>
+          <p:cNvSpPr txBox="1"/>
+          <p:nvPr/>
+        </p:nvSpPr>
+        <p:spPr>
+          <a:xfrm>
+            <a:off x="2758376" y="2026177"/>
+            <a:ext cx="713658" cy="307777"/>
+          </a:xfrm>
+          <a:prstGeom prst="rect">
+            <a:avLst/>
+          </a:prstGeom>
+          <a:noFill/>
+        </p:spPr>
+        <p:txBody>
+          <a:bodyPr wrap="none" rtlCol="0">
+            <a:spAutoFit/>
+          </a:bodyPr>
+          <a:lstStyle/>
+          <a:p>
+            <a:pPr algn="ctr"/>
+            <a:r>
+              <a:rPr lang="pt-BR" sz="1400" dirty="0" smtClean="0"/>
+              <a:t>119.4</a:t>
+            </a:r>
+            <a:r>
+              <a:rPr lang="el-GR" sz="1400" dirty="0" smtClean="0"/>
+              <a:t>Ω</a:t>
+            </a:r>
+            <a:endParaRPr lang="pt-BR" sz="1400" dirty="0"/>
+          </a:p>
+        </p:txBody>
+      </p:sp>
+      <p:sp>
+        <p:nvSpPr>
+          <p:cNvPr id="41" name="CaixaDeTexto 40"/>
+          <p:cNvSpPr txBox="1"/>
+          <p:nvPr/>
+        </p:nvSpPr>
+        <p:spPr>
+          <a:xfrm>
+            <a:off x="2758377" y="3397777"/>
+            <a:ext cx="713658" cy="307777"/>
+          </a:xfrm>
+          <a:prstGeom prst="rect">
+            <a:avLst/>
+          </a:prstGeom>
+          <a:noFill/>
+        </p:spPr>
+        <p:txBody>
+          <a:bodyPr wrap="none" rtlCol="0">
+            <a:spAutoFit/>
+          </a:bodyPr>
+          <a:lstStyle/>
+          <a:p>
+            <a:pPr algn="ctr"/>
+            <a:r>
+              <a:rPr lang="pt-BR" sz="1400" dirty="0" smtClean="0"/>
+              <a:t>102.1</a:t>
+            </a:r>
+            <a:r>
+              <a:rPr lang="el-GR" sz="1400" dirty="0" smtClean="0"/>
+              <a:t>Ω</a:t>
+            </a:r>
+            <a:endParaRPr lang="pt-BR" sz="1400" dirty="0"/>
+          </a:p>
+        </p:txBody>
+      </p:sp>
+      <p:sp>
+        <p:nvSpPr>
+          <p:cNvPr id="42" name="CaixaDeTexto 41"/>
+          <p:cNvSpPr txBox="1"/>
+          <p:nvPr/>
+        </p:nvSpPr>
+        <p:spPr>
+          <a:xfrm>
+            <a:off x="4524480" y="3791566"/>
+            <a:ext cx="712054" cy="307777"/>
+          </a:xfrm>
+          <a:prstGeom prst="rect">
+            <a:avLst/>
+          </a:prstGeom>
+          <a:noFill/>
+        </p:spPr>
+        <p:txBody>
+          <a:bodyPr wrap="none" rtlCol="0">
+            <a:spAutoFit/>
+          </a:bodyPr>
+          <a:lstStyle/>
+          <a:p>
+            <a:pPr algn="ctr"/>
+            <a:r>
+              <a:rPr lang="pt-BR" sz="1400" dirty="0" smtClean="0"/>
+              <a:t>-0.8mV</a:t>
+            </a:r>
+            <a:endParaRPr lang="pt-BR" sz="1400" dirty="0"/>
+          </a:p>
+        </p:txBody>
+      </p:sp>
+      <p:sp>
+        <p:nvSpPr>
+          <p:cNvPr id="43" name="CaixaDeTexto 42"/>
+          <p:cNvSpPr txBox="1"/>
+          <p:nvPr/>
+        </p:nvSpPr>
+        <p:spPr>
+          <a:xfrm>
+            <a:off x="4551731" y="1619866"/>
+            <a:ext cx="657551" cy="307777"/>
+          </a:xfrm>
+          <a:prstGeom prst="rect">
+            <a:avLst/>
+          </a:prstGeom>
+          <a:noFill/>
+        </p:spPr>
+        <p:txBody>
+          <a:bodyPr wrap="none" rtlCol="0">
+            <a:spAutoFit/>
+          </a:bodyPr>
+          <a:lstStyle/>
+          <a:p>
+            <a:pPr algn="ctr"/>
+            <a:r>
+              <a:rPr lang="pt-BR" sz="1400" dirty="0" smtClean="0"/>
+              <a:t>1.9mV</a:t>
+            </a:r>
+            <a:endParaRPr lang="pt-BR" sz="1400" dirty="0"/>
+          </a:p>
+        </p:txBody>
+      </p:sp>
+      <p:cxnSp>
+        <p:nvCxnSpPr>
+          <p:cNvPr id="46" name="Conector reto 45"/>
+          <p:cNvCxnSpPr/>
+          <p:nvPr/>
+        </p:nvCxnSpPr>
+        <p:spPr>
+          <a:xfrm rot="-1800000">
+            <a:off x="7016211" y="1061564"/>
+            <a:ext cx="825500" cy="0"/>
+          </a:xfrm>
+          <a:prstGeom prst="line">
+            <a:avLst/>
+          </a:prstGeom>
+          <a:ln w="28575">
+            <a:solidFill>
+              <a:schemeClr val="tx1"/>
+            </a:solidFill>
+            <a:prstDash val="dash"/>
+          </a:ln>
+        </p:spPr>
+        <p:style>
+          <a:lnRef idx="1">
+            <a:schemeClr val="accent1"/>
+          </a:lnRef>
+          <a:fillRef idx="0">
+            <a:schemeClr val="accent1"/>
+          </a:fillRef>
+          <a:effectRef idx="0">
+            <a:schemeClr val="accent1"/>
+          </a:effectRef>
+          <a:fontRef idx="minor">
+            <a:schemeClr val="tx1"/>
+          </a:fontRef>
+        </p:style>
+      </p:cxnSp>
+      <p:cxnSp>
+        <p:nvCxnSpPr>
+          <p:cNvPr id="47" name="Conector reto 46"/>
+          <p:cNvCxnSpPr/>
+          <p:nvPr/>
+        </p:nvCxnSpPr>
+        <p:spPr>
+          <a:xfrm>
+            <a:off x="7786413" y="855189"/>
+            <a:ext cx="1028700" cy="0"/>
+          </a:xfrm>
+          <a:prstGeom prst="line">
+            <a:avLst/>
+          </a:prstGeom>
+          <a:ln w="19050">
+            <a:solidFill>
+              <a:schemeClr val="tx1"/>
+            </a:solidFill>
+          </a:ln>
+        </p:spPr>
+        <p:style>
+          <a:lnRef idx="1">
+            <a:schemeClr val="accent1"/>
+          </a:lnRef>
+          <a:fillRef idx="0">
+            <a:schemeClr val="accent1"/>
+          </a:fillRef>
+          <a:effectRef idx="0">
+            <a:schemeClr val="accent1"/>
+          </a:effectRef>
+          <a:fontRef idx="minor">
+            <a:schemeClr val="tx1"/>
+          </a:fontRef>
+        </p:style>
+      </p:cxnSp>
+      <p:sp>
+        <p:nvSpPr>
+          <p:cNvPr id="48" name="CaixaDeTexto 47"/>
+          <p:cNvSpPr txBox="1"/>
+          <p:nvPr/>
+        </p:nvSpPr>
+        <p:spPr>
+          <a:xfrm>
+            <a:off x="8005554" y="459947"/>
+            <a:ext cx="590418" cy="369332"/>
+          </a:xfrm>
+          <a:prstGeom prst="rect">
+            <a:avLst/>
+          </a:prstGeom>
+          <a:noFill/>
+        </p:spPr>
+        <p:txBody>
+          <a:bodyPr wrap="none" rtlCol="0">
+            <a:spAutoFit/>
+          </a:bodyPr>
+          <a:lstStyle/>
+          <a:p>
+            <a:pPr algn="ctr"/>
+            <a:r>
+              <a:rPr lang="pt-BR" dirty="0" err="1" smtClean="0"/>
+              <a:t>D</a:t>
+            </a:r>
+            <a:r>
+              <a:rPr lang="pt-BR" baseline="-25000" dirty="0" err="1" smtClean="0"/>
+              <a:t>máx</a:t>
+            </a:r>
+            <a:endParaRPr lang="pt-BR" dirty="0"/>
+          </a:p>
+        </p:txBody>
+      </p:sp>
+      <p:cxnSp>
+        <p:nvCxnSpPr>
+          <p:cNvPr id="49" name="Conector reto 48"/>
+          <p:cNvCxnSpPr/>
+          <p:nvPr/>
+        </p:nvCxnSpPr>
+        <p:spPr>
+          <a:xfrm rot="1800000">
+            <a:off x="7061464" y="4655174"/>
+            <a:ext cx="825500" cy="0"/>
+          </a:xfrm>
+          <a:prstGeom prst="line">
+            <a:avLst/>
+          </a:prstGeom>
+          <a:ln w="28575">
+            <a:solidFill>
+              <a:schemeClr val="tx1"/>
+            </a:solidFill>
+            <a:prstDash val="dash"/>
+          </a:ln>
+        </p:spPr>
+        <p:style>
+          <a:lnRef idx="1">
+            <a:schemeClr val="accent1"/>
+          </a:lnRef>
+          <a:fillRef idx="0">
+            <a:schemeClr val="accent1"/>
+          </a:fillRef>
+          <a:effectRef idx="0">
+            <a:schemeClr val="accent1"/>
+          </a:effectRef>
+          <a:fontRef idx="minor">
+            <a:schemeClr val="tx1"/>
+          </a:fontRef>
+        </p:style>
+      </p:cxnSp>
+      <p:cxnSp>
+        <p:nvCxnSpPr>
+          <p:cNvPr id="50" name="Conector reto 49"/>
+          <p:cNvCxnSpPr/>
+          <p:nvPr/>
+        </p:nvCxnSpPr>
+        <p:spPr>
+          <a:xfrm>
+            <a:off x="7831666" y="4855199"/>
+            <a:ext cx="1028700" cy="0"/>
+          </a:xfrm>
+          <a:prstGeom prst="line">
+            <a:avLst/>
+          </a:prstGeom>
+          <a:ln w="19050">
+            <a:solidFill>
+              <a:schemeClr val="tx1"/>
+            </a:solidFill>
+          </a:ln>
+        </p:spPr>
+        <p:style>
+          <a:lnRef idx="1">
+            <a:schemeClr val="accent1"/>
+          </a:lnRef>
+          <a:fillRef idx="0">
+            <a:schemeClr val="accent1"/>
+          </a:fillRef>
+          <a:effectRef idx="0">
+            <a:schemeClr val="accent1"/>
+          </a:effectRef>
+          <a:fontRef idx="minor">
+            <a:schemeClr val="tx1"/>
+          </a:fontRef>
+        </p:style>
+      </p:cxnSp>
+      <p:sp>
+        <p:nvSpPr>
+          <p:cNvPr id="51" name="CaixaDeTexto 50"/>
+          <p:cNvSpPr txBox="1"/>
+          <p:nvPr/>
+        </p:nvSpPr>
+        <p:spPr>
+          <a:xfrm>
+            <a:off x="8062926" y="4827745"/>
+            <a:ext cx="566181" cy="369332"/>
+          </a:xfrm>
+          <a:prstGeom prst="rect">
+            <a:avLst/>
+          </a:prstGeom>
+          <a:noFill/>
+        </p:spPr>
+        <p:txBody>
+          <a:bodyPr wrap="none" rtlCol="0">
+            <a:spAutoFit/>
+          </a:bodyPr>
+          <a:lstStyle/>
+          <a:p>
+            <a:pPr algn="ctr"/>
+            <a:r>
+              <a:rPr lang="pt-BR" dirty="0" err="1" smtClean="0"/>
+              <a:t>D</a:t>
+            </a:r>
+            <a:r>
+              <a:rPr lang="pt-BR" baseline="-25000" dirty="0" err="1" smtClean="0"/>
+              <a:t>mín</a:t>
+            </a:r>
+            <a:endParaRPr lang="pt-BR" dirty="0"/>
+          </a:p>
+        </p:txBody>
+      </p:sp>
+      <p:sp>
+        <p:nvSpPr>
+          <p:cNvPr id="53" name="CaixaDeTexto 52"/>
+          <p:cNvSpPr txBox="1"/>
+          <p:nvPr/>
+        </p:nvSpPr>
+        <p:spPr>
+          <a:xfrm>
+            <a:off x="5970317" y="2219495"/>
+            <a:ext cx="1283364" cy="1477328"/>
+          </a:xfrm>
+          <a:prstGeom prst="rect">
+            <a:avLst/>
+          </a:prstGeom>
+          <a:noFill/>
+        </p:spPr>
+        <p:txBody>
+          <a:bodyPr wrap="none" rtlCol="0">
+            <a:spAutoFit/>
+          </a:bodyPr>
+          <a:lstStyle/>
+          <a:p>
+            <a:pPr algn="ctr"/>
+            <a:r>
+              <a:rPr lang="pt-BR" b="1" dirty="0" smtClean="0"/>
+              <a:t>Tensão</a:t>
+            </a:r>
+          </a:p>
+          <a:p>
+            <a:pPr algn="ctr"/>
+            <a:r>
+              <a:rPr lang="pt-BR" b="1" dirty="0"/>
+              <a:t>d</a:t>
+            </a:r>
+            <a:r>
+              <a:rPr lang="pt-BR" b="1" dirty="0" smtClean="0"/>
+              <a:t>e Saída</a:t>
+            </a:r>
+          </a:p>
+          <a:p>
+            <a:pPr algn="ctr"/>
+            <a:r>
+              <a:rPr lang="pt-BR" b="1" dirty="0"/>
+              <a:t>d</a:t>
+            </a:r>
+            <a:r>
+              <a:rPr lang="pt-BR" b="1" dirty="0" smtClean="0"/>
+              <a:t>o </a:t>
+            </a:r>
+            <a:r>
+              <a:rPr lang="pt-BR" b="1" dirty="0" err="1" smtClean="0"/>
+              <a:t>Amp</a:t>
+            </a:r>
+            <a:r>
+              <a:rPr lang="pt-BR" b="1" dirty="0" smtClean="0"/>
+              <a:t>.</a:t>
+            </a:r>
+          </a:p>
+          <a:p>
+            <a:pPr algn="ctr"/>
+            <a:r>
+              <a:rPr lang="pt-BR" b="1" dirty="0" smtClean="0"/>
+              <a:t>de </a:t>
+            </a:r>
+            <a:r>
+              <a:rPr lang="pt-BR" b="1" dirty="0" err="1" smtClean="0"/>
+              <a:t>Instrum</a:t>
+            </a:r>
+            <a:r>
+              <a:rPr lang="pt-BR" b="1" dirty="0" smtClean="0"/>
+              <a:t>.</a:t>
+            </a:r>
+          </a:p>
+          <a:p>
+            <a:pPr algn="ctr"/>
+            <a:r>
+              <a:rPr lang="pt-BR" b="1" dirty="0" smtClean="0"/>
+              <a:t>G=805</a:t>
+            </a:r>
+            <a:endParaRPr lang="pt-BR" b="1" dirty="0"/>
+          </a:p>
+        </p:txBody>
+      </p:sp>
+      <p:sp>
+        <p:nvSpPr>
+          <p:cNvPr id="54" name="CaixaDeTexto 53"/>
+          <p:cNvSpPr txBox="1"/>
+          <p:nvPr/>
+        </p:nvSpPr>
+        <p:spPr>
+          <a:xfrm>
+            <a:off x="6226350" y="4180044"/>
+            <a:ext cx="752129" cy="307777"/>
+          </a:xfrm>
+          <a:prstGeom prst="rect">
+            <a:avLst/>
+          </a:prstGeom>
+          <a:noFill/>
+        </p:spPr>
+        <p:txBody>
+          <a:bodyPr wrap="none" rtlCol="0">
+            <a:spAutoFit/>
+          </a:bodyPr>
+          <a:lstStyle/>
+          <a:p>
+            <a:pPr algn="ctr"/>
+            <a:r>
+              <a:rPr lang="pt-BR" sz="1400" dirty="0" smtClean="0"/>
+              <a:t>-0.756V</a:t>
+            </a:r>
+            <a:endParaRPr lang="pt-BR" sz="1400" dirty="0"/>
+          </a:p>
+        </p:txBody>
+      </p:sp>
+      <p:sp>
+        <p:nvSpPr>
+          <p:cNvPr id="55" name="CaixaDeTexto 54"/>
+          <p:cNvSpPr txBox="1"/>
+          <p:nvPr/>
+        </p:nvSpPr>
+        <p:spPr>
+          <a:xfrm>
+            <a:off x="6208346" y="1228297"/>
+            <a:ext cx="697628" cy="307777"/>
+          </a:xfrm>
+          <a:prstGeom prst="rect">
+            <a:avLst/>
+          </a:prstGeom>
+          <a:noFill/>
+        </p:spPr>
+        <p:txBody>
+          <a:bodyPr wrap="none" rtlCol="0">
+            <a:spAutoFit/>
+          </a:bodyPr>
+          <a:lstStyle/>
+          <a:p>
+            <a:pPr algn="ctr"/>
+            <a:r>
+              <a:rPr lang="pt-BR" sz="1400" dirty="0" smtClean="0"/>
+              <a:t>1.476V</a:t>
+            </a:r>
+            <a:endParaRPr lang="pt-BR" sz="1400" dirty="0"/>
+          </a:p>
+        </p:txBody>
+      </p:sp>
+      <p:sp>
+        <p:nvSpPr>
+          <p:cNvPr id="90" name="CaixaDeTexto 89"/>
+          <p:cNvSpPr txBox="1"/>
+          <p:nvPr/>
+        </p:nvSpPr>
+        <p:spPr>
+          <a:xfrm>
+            <a:off x="7754953" y="2436503"/>
+            <a:ext cx="1096775" cy="923330"/>
+          </a:xfrm>
+          <a:prstGeom prst="rect">
+            <a:avLst/>
+          </a:prstGeom>
+          <a:noFill/>
+        </p:spPr>
+        <p:txBody>
+          <a:bodyPr wrap="none" rtlCol="0">
+            <a:spAutoFit/>
+          </a:bodyPr>
+          <a:lstStyle/>
+          <a:p>
+            <a:pPr algn="ctr"/>
+            <a:r>
+              <a:rPr lang="pt-BR" b="1" dirty="0" smtClean="0"/>
+              <a:t>ADC</a:t>
+            </a:r>
+          </a:p>
+          <a:p>
+            <a:pPr algn="ctr"/>
+            <a:r>
+              <a:rPr lang="pt-BR" b="1" dirty="0" smtClean="0"/>
+              <a:t>14 bits</a:t>
+            </a:r>
+          </a:p>
+          <a:p>
+            <a:pPr algn="ctr"/>
+            <a:r>
+              <a:rPr lang="pt-BR" b="1" dirty="0" smtClean="0"/>
+              <a:t>-5V a +5V</a:t>
+            </a:r>
+            <a:endParaRPr lang="pt-BR" b="1" dirty="0"/>
+          </a:p>
+        </p:txBody>
+      </p:sp>
+      <p:sp>
+        <p:nvSpPr>
+          <p:cNvPr id="91" name="CaixaDeTexto 90"/>
+          <p:cNvSpPr txBox="1"/>
+          <p:nvPr/>
+        </p:nvSpPr>
+        <p:spPr>
+          <a:xfrm>
+            <a:off x="7965143" y="4573745"/>
+            <a:ext cx="761748" cy="307777"/>
+          </a:xfrm>
+          <a:prstGeom prst="rect">
+            <a:avLst/>
+          </a:prstGeom>
+          <a:noFill/>
+        </p:spPr>
+        <p:txBody>
+          <a:bodyPr wrap="none" rtlCol="0">
+            <a:spAutoFit/>
+          </a:bodyPr>
+          <a:lstStyle/>
+          <a:p>
+            <a:pPr algn="ctr"/>
+            <a:r>
+              <a:rPr lang="pt-BR" sz="1400" dirty="0" smtClean="0"/>
+              <a:t>0h1B2D</a:t>
+            </a:r>
+            <a:endParaRPr lang="pt-BR" sz="1400" dirty="0"/>
+          </a:p>
+        </p:txBody>
+      </p:sp>
+      <p:sp>
+        <p:nvSpPr>
+          <p:cNvPr id="92" name="CaixaDeTexto 91"/>
+          <p:cNvSpPr txBox="1"/>
+          <p:nvPr/>
+        </p:nvSpPr>
+        <p:spPr>
+          <a:xfrm>
+            <a:off x="7932714" y="821898"/>
+            <a:ext cx="736100" cy="307777"/>
+          </a:xfrm>
+          <a:prstGeom prst="rect">
+            <a:avLst/>
+          </a:prstGeom>
+          <a:noFill/>
+        </p:spPr>
+        <p:txBody>
+          <a:bodyPr wrap="none" rtlCol="0">
+            <a:spAutoFit/>
+          </a:bodyPr>
+          <a:lstStyle/>
+          <a:p>
+            <a:pPr algn="ctr"/>
+            <a:r>
+              <a:rPr lang="pt-BR" sz="1400" dirty="0" smtClean="0"/>
+              <a:t>0h2978</a:t>
+            </a:r>
+            <a:endParaRPr lang="pt-BR" sz="1400" dirty="0"/>
+          </a:p>
+        </p:txBody>
+      </p:sp>
+    </p:spTree>
+    <p:extLst>
+      <p:ext uri="{BB962C8B-B14F-4D97-AF65-F5344CB8AC3E}">
+        <p14:creationId xmlns:p14="http://schemas.microsoft.com/office/powerpoint/2010/main" val="3135999748"/>
+      </p:ext>
+    </p:extLst>
+  </p:cSld>
+  <p:clrMapOvr>
+    <a:masterClrMapping/>
+  </p:clrMapOvr>
+</p:sld>
+</file>
+
+<file path=ppt/slides/slide3.xml><?xml version="1.0" encoding="utf-8"?>
 <p:sld xmlns:a="http://schemas.openxmlformats.org/drawingml/2006/main" xmlns:r="http://schemas.openxmlformats.org/officeDocument/2006/relationships" xmlns:p="http://schemas.openxmlformats.org/presentationml/2006/main">
   <p:cSld>
     <p:spTree>
@@ -8167,479 +9809,6 @@
 </p:sld>
 </file>
 
-<file path=ppt/slides/slide3.xml><?xml version="1.0" encoding="utf-8"?>
-<p:sld xmlns:a="http://schemas.openxmlformats.org/drawingml/2006/main" xmlns:r="http://schemas.openxmlformats.org/officeDocument/2006/relationships" xmlns:p="http://schemas.openxmlformats.org/presentationml/2006/main">
-  <p:cSld>
-    <p:spTree>
-      <p:nvGrpSpPr>
-        <p:cNvPr id="1" name=""/>
-        <p:cNvGrpSpPr/>
-        <p:nvPr/>
-      </p:nvGrpSpPr>
-      <p:grpSpPr>
-        <a:xfrm>
-          <a:off x="0" y="0"/>
-          <a:ext cx="0" cy="0"/>
-          <a:chOff x="0" y="0"/>
-          <a:chExt cx="0" cy="0"/>
-        </a:xfrm>
-      </p:grpSpPr>
-      <p:sp>
-        <p:nvSpPr>
-          <p:cNvPr id="3" name="Retângulo 2"/>
-          <p:cNvSpPr/>
-          <p:nvPr/>
-        </p:nvSpPr>
-        <p:spPr>
-          <a:xfrm>
-            <a:off x="127341" y="1815353"/>
-            <a:ext cx="1445965" cy="1461213"/>
-          </a:xfrm>
-          <a:prstGeom prst="rect">
-            <a:avLst/>
-          </a:prstGeom>
-        </p:spPr>
-        <p:style>
-          <a:lnRef idx="2">
-            <a:schemeClr val="accent1">
-              <a:shade val="50000"/>
-            </a:schemeClr>
-          </a:lnRef>
-          <a:fillRef idx="1">
-            <a:schemeClr val="accent1"/>
-          </a:fillRef>
-          <a:effectRef idx="0">
-            <a:schemeClr val="accent1"/>
-          </a:effectRef>
-          <a:fontRef idx="minor">
-            <a:schemeClr val="lt1"/>
-          </a:fontRef>
-        </p:style>
-        <p:txBody>
-          <a:bodyPr rtlCol="0" anchor="ctr"/>
-          <a:lstStyle/>
-          <a:p>
-            <a:pPr algn="ctr"/>
-            <a:r>
-              <a:rPr lang="pt-BR" sz="2800" b="1" dirty="0" smtClean="0"/>
-              <a:t>Sensor</a:t>
-            </a:r>
-          </a:p>
-          <a:p>
-            <a:pPr algn="ctr"/>
-            <a:r>
-              <a:rPr lang="pt-BR" sz="2800" b="1" dirty="0" smtClean="0"/>
-              <a:t>Efeito</a:t>
-            </a:r>
-          </a:p>
-          <a:p>
-            <a:pPr algn="ctr"/>
-            <a:r>
-              <a:rPr lang="pt-BR" sz="2800" b="1" dirty="0" smtClean="0"/>
-              <a:t>Hall</a:t>
-            </a:r>
-            <a:endParaRPr lang="pt-BR" sz="2800" b="1" dirty="0"/>
-          </a:p>
-        </p:txBody>
-      </p:sp>
-      <p:sp>
-        <p:nvSpPr>
-          <p:cNvPr id="4" name="Retângulo 3"/>
-          <p:cNvSpPr/>
-          <p:nvPr/>
-        </p:nvSpPr>
-        <p:spPr>
-          <a:xfrm>
-            <a:off x="2399887" y="1815353"/>
-            <a:ext cx="2441051" cy="1461213"/>
-          </a:xfrm>
-          <a:prstGeom prst="rect">
-            <a:avLst/>
-          </a:prstGeom>
-        </p:spPr>
-        <p:style>
-          <a:lnRef idx="2">
-            <a:schemeClr val="accent1">
-              <a:shade val="50000"/>
-            </a:schemeClr>
-          </a:lnRef>
-          <a:fillRef idx="1">
-            <a:schemeClr val="accent1"/>
-          </a:fillRef>
-          <a:effectRef idx="0">
-            <a:schemeClr val="accent1"/>
-          </a:effectRef>
-          <a:fontRef idx="minor">
-            <a:schemeClr val="lt1"/>
-          </a:fontRef>
-        </p:style>
-        <p:txBody>
-          <a:bodyPr rtlCol="0" anchor="ctr"/>
-          <a:lstStyle/>
-          <a:p>
-            <a:pPr algn="ctr"/>
-            <a:r>
-              <a:rPr lang="pt-BR" sz="2800" b="1" dirty="0" smtClean="0"/>
-              <a:t>Circuito</a:t>
-            </a:r>
-          </a:p>
-          <a:p>
-            <a:pPr algn="ctr"/>
-            <a:r>
-              <a:rPr lang="pt-BR" sz="2800" b="1" dirty="0" smtClean="0"/>
-              <a:t>Condicionador</a:t>
-            </a:r>
-            <a:endParaRPr lang="pt-BR" sz="2800" b="1" dirty="0"/>
-          </a:p>
-        </p:txBody>
-      </p:sp>
-      <p:sp>
-        <p:nvSpPr>
-          <p:cNvPr id="5" name="Retângulo 4"/>
-          <p:cNvSpPr/>
-          <p:nvPr/>
-        </p:nvSpPr>
-        <p:spPr>
-          <a:xfrm>
-            <a:off x="5667526" y="1815353"/>
-            <a:ext cx="1661121" cy="1461213"/>
-          </a:xfrm>
-          <a:prstGeom prst="rect">
-            <a:avLst/>
-          </a:prstGeom>
-        </p:spPr>
-        <p:style>
-          <a:lnRef idx="2">
-            <a:schemeClr val="accent1">
-              <a:shade val="50000"/>
-            </a:schemeClr>
-          </a:lnRef>
-          <a:fillRef idx="1">
-            <a:schemeClr val="accent1"/>
-          </a:fillRef>
-          <a:effectRef idx="0">
-            <a:schemeClr val="accent1"/>
-          </a:effectRef>
-          <a:fontRef idx="minor">
-            <a:schemeClr val="lt1"/>
-          </a:fontRef>
-        </p:style>
-        <p:txBody>
-          <a:bodyPr rtlCol="0" anchor="ctr"/>
-          <a:lstStyle/>
-          <a:p>
-            <a:pPr algn="ctr"/>
-            <a:r>
-              <a:rPr lang="pt-BR" sz="2800" b="1" dirty="0" smtClean="0"/>
-              <a:t>Filtro PB</a:t>
-            </a:r>
-            <a:endParaRPr lang="pt-BR" sz="2800" b="1" dirty="0"/>
-          </a:p>
-        </p:txBody>
-      </p:sp>
-      <p:sp>
-        <p:nvSpPr>
-          <p:cNvPr id="6" name="Retângulo 5"/>
-          <p:cNvSpPr/>
-          <p:nvPr/>
-        </p:nvSpPr>
-        <p:spPr>
-          <a:xfrm>
-            <a:off x="8175813" y="1815353"/>
-            <a:ext cx="1116106" cy="1461213"/>
-          </a:xfrm>
-          <a:prstGeom prst="rect">
-            <a:avLst/>
-          </a:prstGeom>
-        </p:spPr>
-        <p:style>
-          <a:lnRef idx="2">
-            <a:schemeClr val="accent1">
-              <a:shade val="50000"/>
-            </a:schemeClr>
-          </a:lnRef>
-          <a:fillRef idx="1">
-            <a:schemeClr val="accent1"/>
-          </a:fillRef>
-          <a:effectRef idx="0">
-            <a:schemeClr val="accent1"/>
-          </a:effectRef>
-          <a:fontRef idx="minor">
-            <a:schemeClr val="lt1"/>
-          </a:fontRef>
-        </p:style>
-        <p:txBody>
-          <a:bodyPr rtlCol="0" anchor="ctr"/>
-          <a:lstStyle/>
-          <a:p>
-            <a:pPr algn="ctr"/>
-            <a:r>
-              <a:rPr lang="pt-BR" sz="2800" b="1" dirty="0" smtClean="0"/>
-              <a:t>ADC</a:t>
-            </a:r>
-            <a:endParaRPr lang="pt-BR" sz="2800" b="1" dirty="0"/>
-          </a:p>
-        </p:txBody>
-      </p:sp>
-      <p:sp>
-        <p:nvSpPr>
-          <p:cNvPr id="7" name="Retângulo 6"/>
-          <p:cNvSpPr/>
-          <p:nvPr/>
-        </p:nvSpPr>
-        <p:spPr>
-          <a:xfrm>
-            <a:off x="10118501" y="1815353"/>
-            <a:ext cx="2669650" cy="1461213"/>
-          </a:xfrm>
-          <a:prstGeom prst="rect">
-            <a:avLst/>
-          </a:prstGeom>
-        </p:spPr>
-        <p:style>
-          <a:lnRef idx="2">
-            <a:schemeClr val="accent1">
-              <a:shade val="50000"/>
-            </a:schemeClr>
-          </a:lnRef>
-          <a:fillRef idx="1">
-            <a:schemeClr val="accent1"/>
-          </a:fillRef>
-          <a:effectRef idx="0">
-            <a:schemeClr val="accent1"/>
-          </a:effectRef>
-          <a:fontRef idx="minor">
-            <a:schemeClr val="lt1"/>
-          </a:fontRef>
-        </p:style>
-        <p:txBody>
-          <a:bodyPr rtlCol="0" anchor="ctr"/>
-          <a:lstStyle/>
-          <a:p>
-            <a:pPr algn="ctr"/>
-            <a:r>
-              <a:rPr lang="pt-BR" sz="2800" b="1" dirty="0" smtClean="0"/>
-              <a:t>Ferramenta de Instrumentação Virtual</a:t>
-            </a:r>
-            <a:endParaRPr lang="pt-BR" sz="2800" b="1" dirty="0"/>
-          </a:p>
-        </p:txBody>
-      </p:sp>
-      <p:cxnSp>
-        <p:nvCxnSpPr>
-          <p:cNvPr id="9" name="Conector de seta reta 8"/>
-          <p:cNvCxnSpPr>
-            <a:stCxn id="3" idx="3"/>
-          </p:cNvCxnSpPr>
-          <p:nvPr/>
-        </p:nvCxnSpPr>
-        <p:spPr>
-          <a:xfrm flipV="1">
-            <a:off x="1573306" y="2528047"/>
-            <a:ext cx="820270" cy="17913"/>
-          </a:xfrm>
-          <a:prstGeom prst="straightConnector1">
-            <a:avLst/>
-          </a:prstGeom>
-          <a:ln w="76200">
-            <a:solidFill>
-              <a:schemeClr val="tx2">
-                <a:lumMod val="75000"/>
-              </a:schemeClr>
-            </a:solidFill>
-            <a:tailEnd type="triangle"/>
-          </a:ln>
-        </p:spPr>
-        <p:style>
-          <a:lnRef idx="1">
-            <a:schemeClr val="accent1"/>
-          </a:lnRef>
-          <a:fillRef idx="0">
-            <a:schemeClr val="accent1"/>
-          </a:fillRef>
-          <a:effectRef idx="0">
-            <a:schemeClr val="accent1"/>
-          </a:effectRef>
-          <a:fontRef idx="minor">
-            <a:schemeClr val="tx1"/>
-          </a:fontRef>
-        </p:style>
-      </p:cxnSp>
-      <p:cxnSp>
-        <p:nvCxnSpPr>
-          <p:cNvPr id="10" name="Conector de seta reta 9"/>
-          <p:cNvCxnSpPr/>
-          <p:nvPr/>
-        </p:nvCxnSpPr>
-        <p:spPr>
-          <a:xfrm flipV="1">
-            <a:off x="4840941" y="2528047"/>
-            <a:ext cx="820270" cy="17913"/>
-          </a:xfrm>
-          <a:prstGeom prst="straightConnector1">
-            <a:avLst/>
-          </a:prstGeom>
-          <a:ln w="76200">
-            <a:solidFill>
-              <a:schemeClr val="tx2">
-                <a:lumMod val="75000"/>
-              </a:schemeClr>
-            </a:solidFill>
-            <a:tailEnd type="triangle"/>
-          </a:ln>
-        </p:spPr>
-        <p:style>
-          <a:lnRef idx="1">
-            <a:schemeClr val="accent1"/>
-          </a:lnRef>
-          <a:fillRef idx="0">
-            <a:schemeClr val="accent1"/>
-          </a:fillRef>
-          <a:effectRef idx="0">
-            <a:schemeClr val="accent1"/>
-          </a:effectRef>
-          <a:fontRef idx="minor">
-            <a:schemeClr val="tx1"/>
-          </a:fontRef>
-        </p:style>
-      </p:cxnSp>
-      <p:cxnSp>
-        <p:nvCxnSpPr>
-          <p:cNvPr id="11" name="Conector de seta reta 10"/>
-          <p:cNvCxnSpPr/>
-          <p:nvPr/>
-        </p:nvCxnSpPr>
-        <p:spPr>
-          <a:xfrm flipV="1">
-            <a:off x="7342094" y="2528047"/>
-            <a:ext cx="820270" cy="17913"/>
-          </a:xfrm>
-          <a:prstGeom prst="straightConnector1">
-            <a:avLst/>
-          </a:prstGeom>
-          <a:ln w="76200">
-            <a:solidFill>
-              <a:schemeClr val="tx2">
-                <a:lumMod val="75000"/>
-              </a:schemeClr>
-            </a:solidFill>
-            <a:tailEnd type="triangle"/>
-          </a:ln>
-        </p:spPr>
-        <p:style>
-          <a:lnRef idx="1">
-            <a:schemeClr val="accent1"/>
-          </a:lnRef>
-          <a:fillRef idx="0">
-            <a:schemeClr val="accent1"/>
-          </a:fillRef>
-          <a:effectRef idx="0">
-            <a:schemeClr val="accent1"/>
-          </a:effectRef>
-          <a:fontRef idx="minor">
-            <a:schemeClr val="tx1"/>
-          </a:fontRef>
-        </p:style>
-      </p:cxnSp>
-      <p:cxnSp>
-        <p:nvCxnSpPr>
-          <p:cNvPr id="12" name="Conector de seta reta 11"/>
-          <p:cNvCxnSpPr/>
-          <p:nvPr/>
-        </p:nvCxnSpPr>
-        <p:spPr>
-          <a:xfrm flipV="1">
-            <a:off x="9291917" y="2528047"/>
-            <a:ext cx="820270" cy="17913"/>
-          </a:xfrm>
-          <a:prstGeom prst="straightConnector1">
-            <a:avLst/>
-          </a:prstGeom>
-          <a:ln w="76200">
-            <a:solidFill>
-              <a:schemeClr val="tx2">
-                <a:lumMod val="75000"/>
-              </a:schemeClr>
-            </a:solidFill>
-            <a:tailEnd type="triangle"/>
-          </a:ln>
-        </p:spPr>
-        <p:style>
-          <a:lnRef idx="1">
-            <a:schemeClr val="accent1"/>
-          </a:lnRef>
-          <a:fillRef idx="0">
-            <a:schemeClr val="accent1"/>
-          </a:fillRef>
-          <a:effectRef idx="0">
-            <a:schemeClr val="accent1"/>
-          </a:effectRef>
-          <a:fontRef idx="minor">
-            <a:schemeClr val="tx1"/>
-          </a:fontRef>
-        </p:style>
-      </p:cxnSp>
-      <p:pic>
-        <p:nvPicPr>
-          <p:cNvPr id="13" name="Imagem 12"/>
-          <p:cNvPicPr>
-            <a:picLocks noChangeAspect="1"/>
-          </p:cNvPicPr>
-          <p:nvPr/>
-        </p:nvPicPr>
-        <p:blipFill>
-          <a:blip r:embed="rId2"/>
-          <a:stretch>
-            <a:fillRect/>
-          </a:stretch>
-        </p:blipFill>
-        <p:spPr>
-          <a:xfrm>
-            <a:off x="1683349" y="3429000"/>
-            <a:ext cx="2182454" cy="3808969"/>
-          </a:xfrm>
-          <a:prstGeom prst="rect">
-            <a:avLst/>
-          </a:prstGeom>
-        </p:spPr>
-      </p:pic>
-      <p:pic>
-        <p:nvPicPr>
-          <p:cNvPr id="15" name="Imagem 14"/>
-          <p:cNvPicPr>
-            <a:picLocks noChangeAspect="1"/>
-          </p:cNvPicPr>
-          <p:nvPr/>
-        </p:nvPicPr>
-        <p:blipFill>
-          <a:blip r:embed="rId3"/>
-          <a:stretch>
-            <a:fillRect/>
-          </a:stretch>
-        </p:blipFill>
-        <p:spPr>
-          <a:xfrm>
-            <a:off x="4736074" y="3657620"/>
-            <a:ext cx="3876299" cy="1990125"/>
-          </a:xfrm>
-          <a:prstGeom prst="rect">
-            <a:avLst/>
-          </a:prstGeom>
-        </p:spPr>
-      </p:pic>
-    </p:spTree>
-    <p:extLst>
-      <p:ext uri="{BB962C8B-B14F-4D97-AF65-F5344CB8AC3E}">
-        <p14:creationId xmlns:p14="http://schemas.microsoft.com/office/powerpoint/2010/main" val="2920437492"/>
-      </p:ext>
-    </p:extLst>
-  </p:cSld>
-  <p:clrMapOvr>
-    <a:masterClrMapping/>
-  </p:clrMapOvr>
-</p:sld>
-</file>
-
 <file path=ppt/slides/slide4.xml><?xml version="1.0" encoding="utf-8"?>
 <p:sld xmlns:a="http://schemas.openxmlformats.org/drawingml/2006/main" xmlns:r="http://schemas.openxmlformats.org/officeDocument/2006/relationships" xmlns:p="http://schemas.openxmlformats.org/presentationml/2006/main">
   <p:cSld>
@@ -8657,24 +9826,270 @@
           <a:chExt cx="0" cy="0"/>
         </a:xfrm>
       </p:grpSpPr>
+      <p:sp>
+        <p:nvSpPr>
+          <p:cNvPr id="3" name="Retângulo 2"/>
+          <p:cNvSpPr/>
+          <p:nvPr/>
+        </p:nvSpPr>
+        <p:spPr>
+          <a:xfrm>
+            <a:off x="127341" y="1815353"/>
+            <a:ext cx="1445965" cy="1461213"/>
+          </a:xfrm>
+          <a:prstGeom prst="rect">
+            <a:avLst/>
+          </a:prstGeom>
+        </p:spPr>
+        <p:style>
+          <a:lnRef idx="2">
+            <a:schemeClr val="accent1">
+              <a:shade val="50000"/>
+            </a:schemeClr>
+          </a:lnRef>
+          <a:fillRef idx="1">
+            <a:schemeClr val="accent1"/>
+          </a:fillRef>
+          <a:effectRef idx="0">
+            <a:schemeClr val="accent1"/>
+          </a:effectRef>
+          <a:fontRef idx="minor">
+            <a:schemeClr val="lt1"/>
+          </a:fontRef>
+        </p:style>
+        <p:txBody>
+          <a:bodyPr rtlCol="0" anchor="ctr"/>
+          <a:lstStyle/>
+          <a:p>
+            <a:pPr algn="ctr"/>
+            <a:r>
+              <a:rPr lang="pt-BR" sz="2800" b="1" dirty="0" smtClean="0"/>
+              <a:t>Sensor</a:t>
+            </a:r>
+          </a:p>
+          <a:p>
+            <a:pPr algn="ctr"/>
+            <a:r>
+              <a:rPr lang="pt-BR" sz="2800" b="1" dirty="0" smtClean="0"/>
+              <a:t>Efeito</a:t>
+            </a:r>
+          </a:p>
+          <a:p>
+            <a:pPr algn="ctr"/>
+            <a:r>
+              <a:rPr lang="pt-BR" sz="2800" b="1" dirty="0" smtClean="0"/>
+              <a:t>Hall</a:t>
+            </a:r>
+            <a:endParaRPr lang="pt-BR" sz="2800" b="1" dirty="0"/>
+          </a:p>
+        </p:txBody>
+      </p:sp>
+      <p:sp>
+        <p:nvSpPr>
+          <p:cNvPr id="4" name="Retângulo 3"/>
+          <p:cNvSpPr/>
+          <p:nvPr/>
+        </p:nvSpPr>
+        <p:spPr>
+          <a:xfrm>
+            <a:off x="2399887" y="1815353"/>
+            <a:ext cx="2441051" cy="1461213"/>
+          </a:xfrm>
+          <a:prstGeom prst="rect">
+            <a:avLst/>
+          </a:prstGeom>
+        </p:spPr>
+        <p:style>
+          <a:lnRef idx="2">
+            <a:schemeClr val="accent1">
+              <a:shade val="50000"/>
+            </a:schemeClr>
+          </a:lnRef>
+          <a:fillRef idx="1">
+            <a:schemeClr val="accent1"/>
+          </a:fillRef>
+          <a:effectRef idx="0">
+            <a:schemeClr val="accent1"/>
+          </a:effectRef>
+          <a:fontRef idx="minor">
+            <a:schemeClr val="lt1"/>
+          </a:fontRef>
+        </p:style>
+        <p:txBody>
+          <a:bodyPr rtlCol="0" anchor="ctr"/>
+          <a:lstStyle/>
+          <a:p>
+            <a:pPr algn="ctr"/>
+            <a:r>
+              <a:rPr lang="pt-BR" sz="2800" b="1" dirty="0" smtClean="0"/>
+              <a:t>Circuito</a:t>
+            </a:r>
+          </a:p>
+          <a:p>
+            <a:pPr algn="ctr"/>
+            <a:r>
+              <a:rPr lang="pt-BR" sz="2800" b="1" dirty="0" smtClean="0"/>
+              <a:t>Condicionador</a:t>
+            </a:r>
+            <a:endParaRPr lang="pt-BR" sz="2800" b="1" dirty="0"/>
+          </a:p>
+        </p:txBody>
+      </p:sp>
+      <p:sp>
+        <p:nvSpPr>
+          <p:cNvPr id="5" name="Retângulo 4"/>
+          <p:cNvSpPr/>
+          <p:nvPr/>
+        </p:nvSpPr>
+        <p:spPr>
+          <a:xfrm>
+            <a:off x="5667526" y="1815353"/>
+            <a:ext cx="1661121" cy="1461213"/>
+          </a:xfrm>
+          <a:prstGeom prst="rect">
+            <a:avLst/>
+          </a:prstGeom>
+        </p:spPr>
+        <p:style>
+          <a:lnRef idx="2">
+            <a:schemeClr val="accent1">
+              <a:shade val="50000"/>
+            </a:schemeClr>
+          </a:lnRef>
+          <a:fillRef idx="1">
+            <a:schemeClr val="accent1"/>
+          </a:fillRef>
+          <a:effectRef idx="0">
+            <a:schemeClr val="accent1"/>
+          </a:effectRef>
+          <a:fontRef idx="minor">
+            <a:schemeClr val="lt1"/>
+          </a:fontRef>
+        </p:style>
+        <p:txBody>
+          <a:bodyPr rtlCol="0" anchor="ctr"/>
+          <a:lstStyle/>
+          <a:p>
+            <a:pPr algn="ctr"/>
+            <a:r>
+              <a:rPr lang="pt-BR" sz="2800" b="1" dirty="0" smtClean="0"/>
+              <a:t>Filtro PB</a:t>
+            </a:r>
+            <a:endParaRPr lang="pt-BR" sz="2800" b="1" dirty="0"/>
+          </a:p>
+        </p:txBody>
+      </p:sp>
+      <p:sp>
+        <p:nvSpPr>
+          <p:cNvPr id="6" name="Retângulo 5"/>
+          <p:cNvSpPr/>
+          <p:nvPr/>
+        </p:nvSpPr>
+        <p:spPr>
+          <a:xfrm>
+            <a:off x="8175813" y="1815353"/>
+            <a:ext cx="1116106" cy="1461213"/>
+          </a:xfrm>
+          <a:prstGeom prst="rect">
+            <a:avLst/>
+          </a:prstGeom>
+        </p:spPr>
+        <p:style>
+          <a:lnRef idx="2">
+            <a:schemeClr val="accent1">
+              <a:shade val="50000"/>
+            </a:schemeClr>
+          </a:lnRef>
+          <a:fillRef idx="1">
+            <a:schemeClr val="accent1"/>
+          </a:fillRef>
+          <a:effectRef idx="0">
+            <a:schemeClr val="accent1"/>
+          </a:effectRef>
+          <a:fontRef idx="minor">
+            <a:schemeClr val="lt1"/>
+          </a:fontRef>
+        </p:style>
+        <p:txBody>
+          <a:bodyPr rtlCol="0" anchor="ctr"/>
+          <a:lstStyle/>
+          <a:p>
+            <a:pPr algn="ctr"/>
+            <a:r>
+              <a:rPr lang="pt-BR" sz="2800" b="1" dirty="0" smtClean="0"/>
+              <a:t>ADC</a:t>
+            </a:r>
+            <a:endParaRPr lang="pt-BR" sz="2800" b="1" dirty="0"/>
+          </a:p>
+        </p:txBody>
+      </p:sp>
+      <p:sp>
+        <p:nvSpPr>
+          <p:cNvPr id="7" name="Retângulo 6"/>
+          <p:cNvSpPr/>
+          <p:nvPr/>
+        </p:nvSpPr>
+        <p:spPr>
+          <a:xfrm>
+            <a:off x="10118501" y="1815353"/>
+            <a:ext cx="2669650" cy="1461213"/>
+          </a:xfrm>
+          <a:prstGeom prst="rect">
+            <a:avLst/>
+          </a:prstGeom>
+        </p:spPr>
+        <p:style>
+          <a:lnRef idx="2">
+            <a:schemeClr val="accent1">
+              <a:shade val="50000"/>
+            </a:schemeClr>
+          </a:lnRef>
+          <a:fillRef idx="1">
+            <a:schemeClr val="accent1"/>
+          </a:fillRef>
+          <a:effectRef idx="0">
+            <a:schemeClr val="accent1"/>
+          </a:effectRef>
+          <a:fontRef idx="minor">
+            <a:schemeClr val="lt1"/>
+          </a:fontRef>
+        </p:style>
+        <p:txBody>
+          <a:bodyPr rtlCol="0" anchor="ctr"/>
+          <a:lstStyle/>
+          <a:p>
+            <a:pPr algn="ctr"/>
+            <a:r>
+              <a:rPr lang="pt-BR" sz="2800" b="1" dirty="0" smtClean="0"/>
+              <a:t>Ferramenta de Instrumentação Virtual</a:t>
+            </a:r>
+            <a:endParaRPr lang="pt-BR" sz="2800" b="1" dirty="0"/>
+          </a:p>
+        </p:txBody>
+      </p:sp>
       <p:cxnSp>
         <p:nvCxnSpPr>
-          <p:cNvPr id="4" name="Conector reto 3"/>
-          <p:cNvCxnSpPr/>
+          <p:cNvPr id="9" name="Conector de seta reta 8"/>
+          <p:cNvCxnSpPr>
+            <a:stCxn id="3" idx="3"/>
+          </p:cNvCxnSpPr>
           <p:nvPr/>
         </p:nvCxnSpPr>
         <p:spPr>
-          <a:xfrm>
-            <a:off x="857250" y="2495550"/>
-            <a:ext cx="1028700" cy="0"/>
-          </a:xfrm>
-          <a:prstGeom prst="line">
-            <a:avLst/>
-          </a:prstGeom>
-          <a:ln w="19050">
+          <a:xfrm flipV="1">
+            <a:off x="1573306" y="2528047"/>
+            <a:ext cx="820270" cy="17913"/>
+          </a:xfrm>
+          <a:prstGeom prst="straightConnector1">
+            <a:avLst/>
+          </a:prstGeom>
+          <a:ln w="76200">
             <a:solidFill>
-              <a:schemeClr val="tx1"/>
+              <a:schemeClr val="tx2">
+                <a:lumMod val="75000"/>
+              </a:schemeClr>
             </a:solidFill>
+            <a:tailEnd type="triangle"/>
           </a:ln>
         </p:spPr>
         <p:style>
@@ -8694,22 +10109,25 @@
       </p:cxnSp>
       <p:cxnSp>
         <p:nvCxnSpPr>
-          <p:cNvPr id="5" name="Conector reto 4"/>
+          <p:cNvPr id="10" name="Conector de seta reta 9"/>
           <p:cNvCxnSpPr/>
           <p:nvPr/>
         </p:nvCxnSpPr>
         <p:spPr>
-          <a:xfrm>
-            <a:off x="857250" y="3238500"/>
-            <a:ext cx="1028700" cy="0"/>
-          </a:xfrm>
-          <a:prstGeom prst="line">
-            <a:avLst/>
-          </a:prstGeom>
-          <a:ln w="19050">
+          <a:xfrm flipV="1">
+            <a:off x="4840941" y="2528047"/>
+            <a:ext cx="820270" cy="17913"/>
+          </a:xfrm>
+          <a:prstGeom prst="straightConnector1">
+            <a:avLst/>
+          </a:prstGeom>
+          <a:ln w="76200">
             <a:solidFill>
-              <a:schemeClr val="tx1"/>
+              <a:schemeClr val="tx2">
+                <a:lumMod val="75000"/>
+              </a:schemeClr>
             </a:solidFill>
+            <a:tailEnd type="triangle"/>
           </a:ln>
         </p:spPr>
         <p:style>
@@ -8729,23 +10147,25 @@
       </p:cxnSp>
       <p:cxnSp>
         <p:nvCxnSpPr>
-          <p:cNvPr id="6" name="Conector reto 5"/>
+          <p:cNvPr id="11" name="Conector de seta reta 10"/>
           <p:cNvCxnSpPr/>
           <p:nvPr/>
         </p:nvCxnSpPr>
         <p:spPr>
-          <a:xfrm rot="-1800000">
-            <a:off x="1830652" y="2289175"/>
-            <a:ext cx="825500" cy="0"/>
-          </a:xfrm>
-          <a:prstGeom prst="line">
-            <a:avLst/>
-          </a:prstGeom>
-          <a:ln w="28575">
+          <a:xfrm flipV="1">
+            <a:off x="7342094" y="2528047"/>
+            <a:ext cx="820270" cy="17913"/>
+          </a:xfrm>
+          <a:prstGeom prst="straightConnector1">
+            <a:avLst/>
+          </a:prstGeom>
+          <a:ln w="76200">
             <a:solidFill>
-              <a:schemeClr val="tx1"/>
+              <a:schemeClr val="tx2">
+                <a:lumMod val="75000"/>
+              </a:schemeClr>
             </a:solidFill>
-            <a:prstDash val="dash"/>
+            <a:tailEnd type="triangle"/>
           </a:ln>
         </p:spPr>
         <p:style>
@@ -8765,23 +10185,25 @@
       </p:cxnSp>
       <p:cxnSp>
         <p:nvCxnSpPr>
-          <p:cNvPr id="7" name="Conector reto 6"/>
+          <p:cNvPr id="12" name="Conector de seta reta 11"/>
           <p:cNvCxnSpPr/>
           <p:nvPr/>
         </p:nvCxnSpPr>
         <p:spPr>
-          <a:xfrm rot="1800000">
-            <a:off x="1830652" y="3444875"/>
-            <a:ext cx="825500" cy="0"/>
-          </a:xfrm>
-          <a:prstGeom prst="line">
-            <a:avLst/>
-          </a:prstGeom>
-          <a:ln w="28575">
+          <a:xfrm flipV="1">
+            <a:off x="9291917" y="2528047"/>
+            <a:ext cx="820270" cy="17913"/>
+          </a:xfrm>
+          <a:prstGeom prst="straightConnector1">
+            <a:avLst/>
+          </a:prstGeom>
+          <a:ln w="76200">
             <a:solidFill>
-              <a:schemeClr val="tx1"/>
+              <a:schemeClr val="tx2">
+                <a:lumMod val="75000"/>
+              </a:schemeClr>
             </a:solidFill>
-            <a:prstDash val="dash"/>
+            <a:tailEnd type="triangle"/>
           </a:ln>
         </p:spPr>
         <p:style>
@@ -8799,1730 +10221,58 @@
           </a:fontRef>
         </p:style>
       </p:cxnSp>
-      <p:cxnSp>
-        <p:nvCxnSpPr>
-          <p:cNvPr id="8" name="Conector reto 7"/>
-          <p:cNvCxnSpPr/>
-          <p:nvPr/>
-        </p:nvCxnSpPr>
-        <p:spPr>
-          <a:xfrm>
-            <a:off x="2600854" y="2082800"/>
-            <a:ext cx="1028700" cy="0"/>
-          </a:xfrm>
-          <a:prstGeom prst="line">
-            <a:avLst/>
-          </a:prstGeom>
-          <a:ln w="19050">
-            <a:solidFill>
-              <a:schemeClr val="tx1"/>
-            </a:solidFill>
-          </a:ln>
-        </p:spPr>
-        <p:style>
-          <a:lnRef idx="1">
-            <a:schemeClr val="accent1"/>
-          </a:lnRef>
-          <a:fillRef idx="0">
-            <a:schemeClr val="accent1"/>
-          </a:fillRef>
-          <a:effectRef idx="0">
-            <a:schemeClr val="accent1"/>
-          </a:effectRef>
-          <a:fontRef idx="minor">
-            <a:schemeClr val="tx1"/>
-          </a:fontRef>
-        </p:style>
-      </p:cxnSp>
-      <p:cxnSp>
-        <p:nvCxnSpPr>
-          <p:cNvPr id="9" name="Conector reto 8"/>
-          <p:cNvCxnSpPr/>
-          <p:nvPr/>
-        </p:nvCxnSpPr>
-        <p:spPr>
-          <a:xfrm>
-            <a:off x="2600854" y="3644900"/>
-            <a:ext cx="1028700" cy="0"/>
-          </a:xfrm>
-          <a:prstGeom prst="line">
-            <a:avLst/>
-          </a:prstGeom>
-          <a:ln w="19050">
-            <a:solidFill>
-              <a:schemeClr val="tx1"/>
-            </a:solidFill>
-          </a:ln>
-        </p:spPr>
-        <p:style>
-          <a:lnRef idx="1">
-            <a:schemeClr val="accent1"/>
-          </a:lnRef>
-          <a:fillRef idx="0">
-            <a:schemeClr val="accent1"/>
-          </a:fillRef>
-          <a:effectRef idx="0">
-            <a:schemeClr val="accent1"/>
-          </a:effectRef>
-          <a:fontRef idx="minor">
-            <a:schemeClr val="tx1"/>
-          </a:fontRef>
-        </p:style>
-      </p:cxnSp>
-      <p:cxnSp>
-        <p:nvCxnSpPr>
-          <p:cNvPr id="10" name="Conector reto 9"/>
-          <p:cNvCxnSpPr/>
-          <p:nvPr/>
-        </p:nvCxnSpPr>
-        <p:spPr>
-          <a:xfrm rot="-1800000">
-            <a:off x="3574256" y="1870076"/>
-            <a:ext cx="825500" cy="0"/>
-          </a:xfrm>
-          <a:prstGeom prst="line">
-            <a:avLst/>
-          </a:prstGeom>
-          <a:ln w="28575">
-            <a:solidFill>
-              <a:schemeClr val="tx1"/>
-            </a:solidFill>
-            <a:prstDash val="dash"/>
-          </a:ln>
-        </p:spPr>
-        <p:style>
-          <a:lnRef idx="1">
-            <a:schemeClr val="accent1"/>
-          </a:lnRef>
-          <a:fillRef idx="0">
-            <a:schemeClr val="accent1"/>
-          </a:fillRef>
-          <a:effectRef idx="0">
-            <a:schemeClr val="accent1"/>
-          </a:effectRef>
-          <a:fontRef idx="minor">
-            <a:schemeClr val="tx1"/>
-          </a:fontRef>
-        </p:style>
-      </p:cxnSp>
-      <p:cxnSp>
-        <p:nvCxnSpPr>
-          <p:cNvPr id="11" name="Conector reto 10"/>
-          <p:cNvCxnSpPr/>
-          <p:nvPr/>
-        </p:nvCxnSpPr>
-        <p:spPr>
-          <a:xfrm>
-            <a:off x="4344458" y="1663701"/>
-            <a:ext cx="1028700" cy="0"/>
-          </a:xfrm>
-          <a:prstGeom prst="line">
-            <a:avLst/>
-          </a:prstGeom>
-          <a:ln w="19050">
-            <a:solidFill>
-              <a:schemeClr val="tx1"/>
-            </a:solidFill>
-          </a:ln>
-        </p:spPr>
-        <p:style>
-          <a:lnRef idx="1">
-            <a:schemeClr val="accent1"/>
-          </a:lnRef>
-          <a:fillRef idx="0">
-            <a:schemeClr val="accent1"/>
-          </a:fillRef>
-          <a:effectRef idx="0">
-            <a:schemeClr val="accent1"/>
-          </a:effectRef>
-          <a:fontRef idx="minor">
-            <a:schemeClr val="tx1"/>
-          </a:fontRef>
-        </p:style>
-      </p:cxnSp>
-      <p:cxnSp>
-        <p:nvCxnSpPr>
-          <p:cNvPr id="12" name="Conector reto 11"/>
-          <p:cNvCxnSpPr/>
-          <p:nvPr/>
-        </p:nvCxnSpPr>
-        <p:spPr>
-          <a:xfrm rot="1800000">
-            <a:off x="3574256" y="3851275"/>
-            <a:ext cx="825500" cy="0"/>
-          </a:xfrm>
-          <a:prstGeom prst="line">
-            <a:avLst/>
-          </a:prstGeom>
-          <a:ln w="28575">
-            <a:solidFill>
-              <a:schemeClr val="tx1"/>
-            </a:solidFill>
-            <a:prstDash val="dash"/>
-          </a:ln>
-        </p:spPr>
-        <p:style>
-          <a:lnRef idx="1">
-            <a:schemeClr val="accent1"/>
-          </a:lnRef>
-          <a:fillRef idx="0">
-            <a:schemeClr val="accent1"/>
-          </a:fillRef>
-          <a:effectRef idx="0">
-            <a:schemeClr val="accent1"/>
-          </a:effectRef>
-          <a:fontRef idx="minor">
-            <a:schemeClr val="tx1"/>
-          </a:fontRef>
-        </p:style>
-      </p:cxnSp>
-      <p:cxnSp>
-        <p:nvCxnSpPr>
-          <p:cNvPr id="13" name="Conector reto 12"/>
-          <p:cNvCxnSpPr/>
-          <p:nvPr/>
-        </p:nvCxnSpPr>
-        <p:spPr>
-          <a:xfrm>
-            <a:off x="4344458" y="4051300"/>
-            <a:ext cx="1028700" cy="0"/>
-          </a:xfrm>
-          <a:prstGeom prst="line">
-            <a:avLst/>
-          </a:prstGeom>
-          <a:ln w="19050">
-            <a:solidFill>
-              <a:schemeClr val="tx1"/>
-            </a:solidFill>
-          </a:ln>
-        </p:spPr>
-        <p:style>
-          <a:lnRef idx="1">
-            <a:schemeClr val="accent1"/>
-          </a:lnRef>
-          <a:fillRef idx="0">
-            <a:schemeClr val="accent1"/>
-          </a:fillRef>
-          <a:effectRef idx="0">
-            <a:schemeClr val="accent1"/>
-          </a:effectRef>
-          <a:fontRef idx="minor">
-            <a:schemeClr val="tx1"/>
-          </a:fontRef>
-        </p:style>
-      </p:cxnSp>
-      <p:sp>
-        <p:nvSpPr>
-          <p:cNvPr id="14" name="CaixaDeTexto 13"/>
-          <p:cNvSpPr txBox="1"/>
-          <p:nvPr/>
-        </p:nvSpPr>
-        <p:spPr>
-          <a:xfrm>
-            <a:off x="1058739" y="2713502"/>
-            <a:ext cx="622799" cy="369332"/>
+      <p:pic>
+        <p:nvPicPr>
+          <p:cNvPr id="13" name="Imagem 12"/>
+          <p:cNvPicPr>
+            <a:picLocks noChangeAspect="1"/>
+          </p:cNvPicPr>
+          <p:nvPr/>
+        </p:nvPicPr>
+        <p:blipFill>
+          <a:blip r:embed="rId2"/>
+          <a:stretch>
+            <a:fillRect/>
+          </a:stretch>
+        </p:blipFill>
+        <p:spPr>
+          <a:xfrm>
+            <a:off x="1683349" y="3429000"/>
+            <a:ext cx="2182454" cy="3808969"/>
           </a:xfrm>
           <a:prstGeom prst="rect">
             <a:avLst/>
           </a:prstGeom>
-          <a:noFill/>
-        </p:spPr>
-        <p:txBody>
-          <a:bodyPr wrap="none" rtlCol="0">
-            <a:spAutoFit/>
-          </a:bodyPr>
-          <a:lstStyle/>
-          <a:p>
-            <a:pPr algn="ctr"/>
-            <a:r>
-              <a:rPr lang="el-GR" b="1" dirty="0" smtClean="0"/>
-              <a:t>Δ</a:t>
-            </a:r>
-            <a:r>
-              <a:rPr lang="pt-BR" b="1" dirty="0" err="1" smtClean="0"/>
-              <a:t>Vol</a:t>
-            </a:r>
-            <a:endParaRPr lang="pt-BR" b="1" dirty="0"/>
-          </a:p>
-        </p:txBody>
-      </p:sp>
-      <p:sp>
-        <p:nvSpPr>
-          <p:cNvPr id="15" name="CaixaDeTexto 14"/>
-          <p:cNvSpPr txBox="1"/>
-          <p:nvPr/>
-        </p:nvSpPr>
-        <p:spPr>
-          <a:xfrm>
-            <a:off x="2700667" y="2524295"/>
-            <a:ext cx="829074" cy="646331"/>
+        </p:spPr>
+      </p:pic>
+      <p:pic>
+        <p:nvPicPr>
+          <p:cNvPr id="15" name="Imagem 14"/>
+          <p:cNvPicPr>
+            <a:picLocks noChangeAspect="1"/>
+          </p:cNvPicPr>
+          <p:nvPr/>
+        </p:nvPicPr>
+        <p:blipFill>
+          <a:blip r:embed="rId3"/>
+          <a:stretch>
+            <a:fillRect/>
+          </a:stretch>
+        </p:blipFill>
+        <p:spPr>
+          <a:xfrm>
+            <a:off x="4736074" y="3657620"/>
+            <a:ext cx="3876299" cy="1990125"/>
           </a:xfrm>
           <a:prstGeom prst="rect">
             <a:avLst/>
           </a:prstGeom>
-          <a:noFill/>
-        </p:spPr>
-        <p:txBody>
-          <a:bodyPr wrap="none" rtlCol="0">
-            <a:spAutoFit/>
-          </a:bodyPr>
-          <a:lstStyle/>
-          <a:p>
-            <a:pPr algn="ctr"/>
-            <a:r>
-              <a:rPr lang="el-GR" b="1" dirty="0" smtClean="0"/>
-              <a:t>Δ</a:t>
-            </a:r>
-            <a:r>
-              <a:rPr lang="pt-BR" b="1" dirty="0" smtClean="0"/>
-              <a:t>C </a:t>
-            </a:r>
-            <a:r>
-              <a:rPr lang="pt-BR" b="1" dirty="0" smtClean="0"/>
-              <a:t>do</a:t>
-            </a:r>
-          </a:p>
-          <a:p>
-            <a:pPr algn="ctr"/>
-            <a:r>
-              <a:rPr lang="pt-BR" b="1" dirty="0" smtClean="0"/>
-              <a:t>Sensor</a:t>
-            </a:r>
-            <a:endParaRPr lang="pt-BR" b="1" dirty="0"/>
-          </a:p>
-        </p:txBody>
-      </p:sp>
-      <p:sp>
-        <p:nvSpPr>
-          <p:cNvPr id="16" name="CaixaDeTexto 15"/>
-          <p:cNvSpPr txBox="1"/>
-          <p:nvPr/>
-        </p:nvSpPr>
-        <p:spPr>
-          <a:xfrm>
-            <a:off x="4189451" y="2517945"/>
-            <a:ext cx="1382110" cy="646331"/>
-          </a:xfrm>
-          <a:prstGeom prst="rect">
-            <a:avLst/>
-          </a:prstGeom>
-          <a:noFill/>
-        </p:spPr>
-        <p:txBody>
-          <a:bodyPr wrap="none" rtlCol="0">
-            <a:spAutoFit/>
-          </a:bodyPr>
-          <a:lstStyle/>
-          <a:p>
-            <a:pPr algn="ctr"/>
-            <a:r>
-              <a:rPr lang="pt-BR" b="1" dirty="0" smtClean="0"/>
-              <a:t>Período</a:t>
-            </a:r>
-          </a:p>
-          <a:p>
-            <a:pPr algn="ctr"/>
-            <a:r>
-              <a:rPr lang="pt-BR" b="1" dirty="0" smtClean="0"/>
-              <a:t>do Oscilador</a:t>
-            </a:r>
-            <a:endParaRPr lang="pt-BR" b="1" dirty="0"/>
-          </a:p>
-        </p:txBody>
-      </p:sp>
-      <p:cxnSp>
-        <p:nvCxnSpPr>
-          <p:cNvPr id="17" name="Conector reto 16"/>
-          <p:cNvCxnSpPr/>
-          <p:nvPr/>
-        </p:nvCxnSpPr>
-        <p:spPr>
-          <a:xfrm rot="-1800000">
-            <a:off x="5317860" y="1460245"/>
-            <a:ext cx="825500" cy="0"/>
-          </a:xfrm>
-          <a:prstGeom prst="line">
-            <a:avLst/>
-          </a:prstGeom>
-          <a:ln w="28575">
-            <a:solidFill>
-              <a:schemeClr val="tx1"/>
-            </a:solidFill>
-            <a:prstDash val="dash"/>
-          </a:ln>
-        </p:spPr>
-        <p:style>
-          <a:lnRef idx="1">
-            <a:schemeClr val="accent1"/>
-          </a:lnRef>
-          <a:fillRef idx="0">
-            <a:schemeClr val="accent1"/>
-          </a:fillRef>
-          <a:effectRef idx="0">
-            <a:schemeClr val="accent1"/>
-          </a:effectRef>
-          <a:fontRef idx="minor">
-            <a:schemeClr val="tx1"/>
-          </a:fontRef>
-        </p:style>
-      </p:cxnSp>
-      <p:cxnSp>
-        <p:nvCxnSpPr>
-          <p:cNvPr id="18" name="Conector reto 17"/>
-          <p:cNvCxnSpPr/>
-          <p:nvPr/>
-        </p:nvCxnSpPr>
-        <p:spPr>
-          <a:xfrm>
-            <a:off x="6088062" y="1253870"/>
-            <a:ext cx="1028700" cy="0"/>
-          </a:xfrm>
-          <a:prstGeom prst="line">
-            <a:avLst/>
-          </a:prstGeom>
-          <a:ln w="19050">
-            <a:solidFill>
-              <a:schemeClr val="tx1"/>
-            </a:solidFill>
-          </a:ln>
-        </p:spPr>
-        <p:style>
-          <a:lnRef idx="1">
-            <a:schemeClr val="accent1"/>
-          </a:lnRef>
-          <a:fillRef idx="0">
-            <a:schemeClr val="accent1"/>
-          </a:fillRef>
-          <a:effectRef idx="0">
-            <a:schemeClr val="accent1"/>
-          </a:effectRef>
-          <a:fontRef idx="minor">
-            <a:schemeClr val="tx1"/>
-          </a:fontRef>
-        </p:style>
-      </p:cxnSp>
-      <p:cxnSp>
-        <p:nvCxnSpPr>
-          <p:cNvPr id="19" name="Conector reto 18"/>
-          <p:cNvCxnSpPr/>
-          <p:nvPr/>
-        </p:nvCxnSpPr>
-        <p:spPr>
-          <a:xfrm rot="1800000">
-            <a:off x="5317859" y="4257677"/>
-            <a:ext cx="825500" cy="0"/>
-          </a:xfrm>
-          <a:prstGeom prst="line">
-            <a:avLst/>
-          </a:prstGeom>
-          <a:ln w="28575">
-            <a:solidFill>
-              <a:schemeClr val="tx1"/>
-            </a:solidFill>
-            <a:prstDash val="dash"/>
-          </a:ln>
-        </p:spPr>
-        <p:style>
-          <a:lnRef idx="1">
-            <a:schemeClr val="accent1"/>
-          </a:lnRef>
-          <a:fillRef idx="0">
-            <a:schemeClr val="accent1"/>
-          </a:fillRef>
-          <a:effectRef idx="0">
-            <a:schemeClr val="accent1"/>
-          </a:effectRef>
-          <a:fontRef idx="minor">
-            <a:schemeClr val="tx1"/>
-          </a:fontRef>
-        </p:style>
-      </p:cxnSp>
-      <p:cxnSp>
-        <p:nvCxnSpPr>
-          <p:cNvPr id="20" name="Conector reto 19"/>
-          <p:cNvCxnSpPr/>
-          <p:nvPr/>
-        </p:nvCxnSpPr>
-        <p:spPr>
-          <a:xfrm>
-            <a:off x="6088061" y="4457702"/>
-            <a:ext cx="1028700" cy="0"/>
-          </a:xfrm>
-          <a:prstGeom prst="line">
-            <a:avLst/>
-          </a:prstGeom>
-          <a:ln w="19050">
-            <a:solidFill>
-              <a:schemeClr val="tx1"/>
-            </a:solidFill>
-          </a:ln>
-        </p:spPr>
-        <p:style>
-          <a:lnRef idx="1">
-            <a:schemeClr val="accent1"/>
-          </a:lnRef>
-          <a:fillRef idx="0">
-            <a:schemeClr val="accent1"/>
-          </a:fillRef>
-          <a:effectRef idx="0">
-            <a:schemeClr val="accent1"/>
-          </a:effectRef>
-          <a:fontRef idx="minor">
-            <a:schemeClr val="tx1"/>
-          </a:fontRef>
-        </p:style>
-      </p:cxnSp>
-      <p:sp>
-        <p:nvSpPr>
-          <p:cNvPr id="21" name="CaixaDeTexto 20"/>
-          <p:cNvSpPr txBox="1"/>
-          <p:nvPr/>
-        </p:nvSpPr>
-        <p:spPr>
-          <a:xfrm>
-            <a:off x="5825304" y="2501882"/>
-            <a:ext cx="1514005" cy="646331"/>
-          </a:xfrm>
-          <a:prstGeom prst="rect">
-            <a:avLst/>
-          </a:prstGeom>
-          <a:noFill/>
-        </p:spPr>
-        <p:txBody>
-          <a:bodyPr wrap="none" rtlCol="0">
-            <a:spAutoFit/>
-          </a:bodyPr>
-          <a:lstStyle/>
-          <a:p>
-            <a:pPr algn="ctr"/>
-            <a:r>
-              <a:rPr lang="pt-BR" b="1" dirty="0" smtClean="0"/>
-              <a:t>Índice</a:t>
-            </a:r>
-          </a:p>
-          <a:p>
-            <a:pPr algn="ctr"/>
-            <a:r>
-              <a:rPr lang="pt-BR" b="1" dirty="0" smtClean="0"/>
-              <a:t>Pluviométrico</a:t>
-            </a:r>
-            <a:endParaRPr lang="pt-BR" b="1" dirty="0"/>
-          </a:p>
-        </p:txBody>
-      </p:sp>
-      <p:cxnSp>
-        <p:nvCxnSpPr>
-          <p:cNvPr id="22" name="Conector reto 21"/>
-          <p:cNvCxnSpPr/>
-          <p:nvPr/>
-        </p:nvCxnSpPr>
-        <p:spPr>
-          <a:xfrm rot="-1800000">
-            <a:off x="9215121" y="1073059"/>
-            <a:ext cx="825500" cy="0"/>
-          </a:xfrm>
-          <a:prstGeom prst="line">
-            <a:avLst/>
-          </a:prstGeom>
-          <a:ln w="28575">
-            <a:solidFill>
-              <a:schemeClr val="tx1"/>
-            </a:solidFill>
-            <a:prstDash val="dash"/>
-          </a:ln>
-        </p:spPr>
-        <p:style>
-          <a:lnRef idx="1">
-            <a:schemeClr val="accent1"/>
-          </a:lnRef>
-          <a:fillRef idx="0">
-            <a:schemeClr val="accent1"/>
-          </a:fillRef>
-          <a:effectRef idx="0">
-            <a:schemeClr val="accent1"/>
-          </a:effectRef>
-          <a:fontRef idx="minor">
-            <a:schemeClr val="tx1"/>
-          </a:fontRef>
-        </p:style>
-      </p:cxnSp>
-      <p:cxnSp>
-        <p:nvCxnSpPr>
-          <p:cNvPr id="23" name="Conector reto 22"/>
-          <p:cNvCxnSpPr/>
-          <p:nvPr/>
-        </p:nvCxnSpPr>
-        <p:spPr>
-          <a:xfrm>
-            <a:off x="9985323" y="866684"/>
-            <a:ext cx="1028700" cy="0"/>
-          </a:xfrm>
-          <a:prstGeom prst="line">
-            <a:avLst/>
-          </a:prstGeom>
-          <a:ln w="19050">
-            <a:solidFill>
-              <a:schemeClr val="tx1"/>
-            </a:solidFill>
-          </a:ln>
-        </p:spPr>
-        <p:style>
-          <a:lnRef idx="1">
-            <a:schemeClr val="accent1"/>
-          </a:lnRef>
-          <a:fillRef idx="0">
-            <a:schemeClr val="accent1"/>
-          </a:fillRef>
-          <a:effectRef idx="0">
-            <a:schemeClr val="accent1"/>
-          </a:effectRef>
-          <a:fontRef idx="minor">
-            <a:schemeClr val="tx1"/>
-          </a:fontRef>
-        </p:style>
-      </p:cxnSp>
-      <p:cxnSp>
-        <p:nvCxnSpPr>
-          <p:cNvPr id="24" name="Conector reto 23"/>
-          <p:cNvCxnSpPr/>
-          <p:nvPr/>
-        </p:nvCxnSpPr>
-        <p:spPr>
-          <a:xfrm rot="1800000">
-            <a:off x="9215121" y="4693071"/>
-            <a:ext cx="825500" cy="0"/>
-          </a:xfrm>
-          <a:prstGeom prst="line">
-            <a:avLst/>
-          </a:prstGeom>
-          <a:ln w="28575">
-            <a:solidFill>
-              <a:schemeClr val="tx1"/>
-            </a:solidFill>
-            <a:prstDash val="dash"/>
-          </a:ln>
-        </p:spPr>
-        <p:style>
-          <a:lnRef idx="1">
-            <a:schemeClr val="accent1"/>
-          </a:lnRef>
-          <a:fillRef idx="0">
-            <a:schemeClr val="accent1"/>
-          </a:fillRef>
-          <a:effectRef idx="0">
-            <a:schemeClr val="accent1"/>
-          </a:effectRef>
-          <a:fontRef idx="minor">
-            <a:schemeClr val="tx1"/>
-          </a:fontRef>
-        </p:style>
-      </p:cxnSp>
-      <p:cxnSp>
-        <p:nvCxnSpPr>
-          <p:cNvPr id="25" name="Conector reto 24"/>
-          <p:cNvCxnSpPr/>
-          <p:nvPr/>
-        </p:nvCxnSpPr>
-        <p:spPr>
-          <a:xfrm>
-            <a:off x="9985323" y="4893096"/>
-            <a:ext cx="1028700" cy="0"/>
-          </a:xfrm>
-          <a:prstGeom prst="line">
-            <a:avLst/>
-          </a:prstGeom>
-          <a:ln w="19050">
-            <a:solidFill>
-              <a:schemeClr val="tx1"/>
-            </a:solidFill>
-          </a:ln>
-        </p:spPr>
-        <p:style>
-          <a:lnRef idx="1">
-            <a:schemeClr val="accent1"/>
-          </a:lnRef>
-          <a:fillRef idx="0">
-            <a:schemeClr val="accent1"/>
-          </a:fillRef>
-          <a:effectRef idx="0">
-            <a:schemeClr val="accent1"/>
-          </a:effectRef>
-          <a:fontRef idx="minor">
-            <a:schemeClr val="tx1"/>
-          </a:fontRef>
-        </p:style>
-      </p:cxnSp>
-      <p:sp>
-        <p:nvSpPr>
-          <p:cNvPr id="26" name="CaixaDeTexto 25"/>
-          <p:cNvSpPr txBox="1"/>
-          <p:nvPr/>
-        </p:nvSpPr>
-        <p:spPr>
-          <a:xfrm>
-            <a:off x="1014313" y="3190874"/>
-            <a:ext cx="720005" cy="369332"/>
-          </a:xfrm>
-          <a:prstGeom prst="rect">
-            <a:avLst/>
-          </a:prstGeom>
-          <a:noFill/>
-        </p:spPr>
-        <p:txBody>
-          <a:bodyPr wrap="none" rtlCol="0">
-            <a:spAutoFit/>
-          </a:bodyPr>
-          <a:lstStyle/>
-          <a:p>
-            <a:r>
-              <a:rPr lang="pt-BR" dirty="0" err="1" smtClean="0"/>
-              <a:t>Vol</a:t>
-            </a:r>
-            <a:r>
-              <a:rPr lang="pt-BR" baseline="-25000" dirty="0" err="1" smtClean="0"/>
-              <a:t>mín</a:t>
-            </a:r>
-            <a:endParaRPr lang="pt-BR" dirty="0"/>
-          </a:p>
-        </p:txBody>
-      </p:sp>
-      <p:sp>
-        <p:nvSpPr>
-          <p:cNvPr id="27" name="CaixaDeTexto 26"/>
-          <p:cNvSpPr txBox="1"/>
-          <p:nvPr/>
-        </p:nvSpPr>
-        <p:spPr>
-          <a:xfrm>
-            <a:off x="1014313" y="2124074"/>
-            <a:ext cx="744243" cy="369332"/>
-          </a:xfrm>
-          <a:prstGeom prst="rect">
-            <a:avLst/>
-          </a:prstGeom>
-          <a:noFill/>
-        </p:spPr>
-        <p:txBody>
-          <a:bodyPr wrap="none" rtlCol="0">
-            <a:spAutoFit/>
-          </a:bodyPr>
-          <a:lstStyle/>
-          <a:p>
-            <a:r>
-              <a:rPr lang="pt-BR" dirty="0" err="1" smtClean="0"/>
-              <a:t>Vol</a:t>
-            </a:r>
-            <a:r>
-              <a:rPr lang="pt-BR" baseline="-25000" dirty="0" err="1" smtClean="0"/>
-              <a:t>máx</a:t>
-            </a:r>
-            <a:endParaRPr lang="pt-BR" dirty="0"/>
-          </a:p>
-        </p:txBody>
-      </p:sp>
-      <p:sp>
-        <p:nvSpPr>
-          <p:cNvPr id="28" name="CaixaDeTexto 27"/>
-          <p:cNvSpPr txBox="1"/>
-          <p:nvPr/>
-        </p:nvSpPr>
-        <p:spPr>
-          <a:xfrm>
-            <a:off x="2828812" y="1680689"/>
-            <a:ext cx="572786" cy="369332"/>
-          </a:xfrm>
-          <a:prstGeom prst="rect">
-            <a:avLst/>
-          </a:prstGeom>
-          <a:noFill/>
-        </p:spPr>
-        <p:txBody>
-          <a:bodyPr wrap="none" rtlCol="0">
-            <a:spAutoFit/>
-          </a:bodyPr>
-          <a:lstStyle/>
-          <a:p>
-            <a:pPr algn="ctr"/>
-            <a:r>
-              <a:rPr lang="pt-BR" dirty="0" err="1" smtClean="0"/>
-              <a:t>C</a:t>
-            </a:r>
-            <a:r>
-              <a:rPr lang="pt-BR" baseline="-25000" dirty="0" err="1" smtClean="0"/>
-              <a:t>máx</a:t>
-            </a:r>
-            <a:endParaRPr lang="pt-BR" dirty="0"/>
-          </a:p>
-        </p:txBody>
-      </p:sp>
-      <p:sp>
-        <p:nvSpPr>
-          <p:cNvPr id="29" name="CaixaDeTexto 28"/>
-          <p:cNvSpPr txBox="1"/>
-          <p:nvPr/>
-        </p:nvSpPr>
-        <p:spPr>
-          <a:xfrm>
-            <a:off x="2840931" y="3598389"/>
-            <a:ext cx="548548" cy="369332"/>
-          </a:xfrm>
-          <a:prstGeom prst="rect">
-            <a:avLst/>
-          </a:prstGeom>
-          <a:noFill/>
-        </p:spPr>
-        <p:txBody>
-          <a:bodyPr wrap="none" rtlCol="0">
-            <a:spAutoFit/>
-          </a:bodyPr>
-          <a:lstStyle/>
-          <a:p>
-            <a:pPr algn="ctr"/>
-            <a:r>
-              <a:rPr lang="pt-BR" dirty="0" err="1" smtClean="0"/>
-              <a:t>C</a:t>
-            </a:r>
-            <a:r>
-              <a:rPr lang="pt-BR" baseline="-25000" dirty="0" err="1" smtClean="0"/>
-              <a:t>mín</a:t>
-            </a:r>
-            <a:endParaRPr lang="pt-BR" dirty="0"/>
-          </a:p>
-        </p:txBody>
-      </p:sp>
-      <p:sp>
-        <p:nvSpPr>
-          <p:cNvPr id="30" name="CaixaDeTexto 29"/>
-          <p:cNvSpPr txBox="1"/>
-          <p:nvPr/>
-        </p:nvSpPr>
-        <p:spPr>
-          <a:xfrm>
-            <a:off x="4600525" y="1271886"/>
-            <a:ext cx="559961" cy="369332"/>
-          </a:xfrm>
-          <a:prstGeom prst="rect">
-            <a:avLst/>
-          </a:prstGeom>
-          <a:noFill/>
-        </p:spPr>
-        <p:txBody>
-          <a:bodyPr wrap="none" rtlCol="0">
-            <a:spAutoFit/>
-          </a:bodyPr>
-          <a:lstStyle/>
-          <a:p>
-            <a:pPr algn="ctr"/>
-            <a:r>
-              <a:rPr lang="pt-BR" dirty="0" err="1" smtClean="0"/>
-              <a:t>T</a:t>
-            </a:r>
-            <a:r>
-              <a:rPr lang="pt-BR" baseline="-25000" dirty="0" err="1" smtClean="0"/>
-              <a:t>máx</a:t>
-            </a:r>
-            <a:endParaRPr lang="pt-BR" dirty="0"/>
-          </a:p>
-        </p:txBody>
-      </p:sp>
-      <p:sp>
-        <p:nvSpPr>
-          <p:cNvPr id="31" name="CaixaDeTexto 30"/>
-          <p:cNvSpPr txBox="1"/>
-          <p:nvPr/>
-        </p:nvSpPr>
-        <p:spPr>
-          <a:xfrm>
-            <a:off x="4619792" y="4027786"/>
-            <a:ext cx="521425" cy="369332"/>
-          </a:xfrm>
-          <a:prstGeom prst="rect">
-            <a:avLst/>
-          </a:prstGeom>
-          <a:noFill/>
-        </p:spPr>
-        <p:txBody>
-          <a:bodyPr wrap="none" rtlCol="0">
-            <a:spAutoFit/>
-          </a:bodyPr>
-          <a:lstStyle/>
-          <a:p>
-            <a:pPr algn="ctr"/>
-            <a:r>
-              <a:rPr lang="pt-BR" dirty="0" err="1" smtClean="0"/>
-              <a:t>T</a:t>
-            </a:r>
-            <a:r>
-              <a:rPr lang="pt-BR" baseline="-25000" dirty="0" err="1" smtClean="0"/>
-              <a:t>mín</a:t>
-            </a:r>
-            <a:endParaRPr lang="pt-BR" dirty="0"/>
-          </a:p>
-        </p:txBody>
-      </p:sp>
-      <p:sp>
-        <p:nvSpPr>
-          <p:cNvPr id="32" name="CaixaDeTexto 31"/>
-          <p:cNvSpPr txBox="1"/>
-          <p:nvPr/>
-        </p:nvSpPr>
-        <p:spPr>
-          <a:xfrm>
-            <a:off x="6203407" y="884539"/>
-            <a:ext cx="845296" cy="369332"/>
-          </a:xfrm>
-          <a:prstGeom prst="rect">
-            <a:avLst/>
-          </a:prstGeom>
-          <a:noFill/>
-        </p:spPr>
-        <p:txBody>
-          <a:bodyPr wrap="none" rtlCol="0">
-            <a:spAutoFit/>
-          </a:bodyPr>
-          <a:lstStyle/>
-          <a:p>
-            <a:pPr algn="ctr"/>
-            <a:r>
-              <a:rPr lang="pt-BR" dirty="0" err="1" smtClean="0"/>
-              <a:t>Pluv</a:t>
-            </a:r>
-            <a:r>
-              <a:rPr lang="pt-BR" baseline="-25000" dirty="0" err="1" smtClean="0"/>
-              <a:t>máx</a:t>
-            </a:r>
-            <a:endParaRPr lang="pt-BR" dirty="0"/>
-          </a:p>
-        </p:txBody>
-      </p:sp>
-      <p:sp>
-        <p:nvSpPr>
-          <p:cNvPr id="33" name="CaixaDeTexto 32"/>
-          <p:cNvSpPr txBox="1"/>
-          <p:nvPr/>
-        </p:nvSpPr>
-        <p:spPr>
-          <a:xfrm>
-            <a:off x="6215526" y="4453239"/>
-            <a:ext cx="821059" cy="369332"/>
-          </a:xfrm>
-          <a:prstGeom prst="rect">
-            <a:avLst/>
-          </a:prstGeom>
-          <a:noFill/>
-        </p:spPr>
-        <p:txBody>
-          <a:bodyPr wrap="none" rtlCol="0">
-            <a:spAutoFit/>
-          </a:bodyPr>
-          <a:lstStyle/>
-          <a:p>
-            <a:pPr algn="ctr"/>
-            <a:r>
-              <a:rPr lang="pt-BR" dirty="0" err="1" smtClean="0"/>
-              <a:t>Pluv</a:t>
-            </a:r>
-            <a:r>
-              <a:rPr lang="pt-BR" baseline="-25000" dirty="0" err="1" smtClean="0"/>
-              <a:t>mín</a:t>
-            </a:r>
-            <a:endParaRPr lang="pt-BR" dirty="0"/>
-          </a:p>
-        </p:txBody>
-      </p:sp>
-      <p:sp>
-        <p:nvSpPr>
-          <p:cNvPr id="34" name="CaixaDeTexto 33"/>
-          <p:cNvSpPr txBox="1"/>
-          <p:nvPr/>
-        </p:nvSpPr>
-        <p:spPr>
-          <a:xfrm>
-            <a:off x="10057790" y="471442"/>
-            <a:ext cx="883768" cy="369332"/>
-          </a:xfrm>
-          <a:prstGeom prst="rect">
-            <a:avLst/>
-          </a:prstGeom>
-          <a:noFill/>
-        </p:spPr>
-        <p:txBody>
-          <a:bodyPr wrap="none" rtlCol="0">
-            <a:spAutoFit/>
-          </a:bodyPr>
-          <a:lstStyle/>
-          <a:p>
-            <a:pPr algn="ctr"/>
-            <a:r>
-              <a:rPr lang="pt-BR" dirty="0" err="1" smtClean="0"/>
-              <a:t>V</a:t>
-            </a:r>
-            <a:r>
-              <a:rPr lang="pt-BR" baseline="-25000" dirty="0" err="1" smtClean="0"/>
-              <a:t>INA_máx</a:t>
-            </a:r>
-            <a:endParaRPr lang="pt-BR" dirty="0"/>
-          </a:p>
-        </p:txBody>
-      </p:sp>
-      <p:sp>
-        <p:nvSpPr>
-          <p:cNvPr id="35" name="CaixaDeTexto 34"/>
-          <p:cNvSpPr txBox="1"/>
-          <p:nvPr/>
-        </p:nvSpPr>
-        <p:spPr>
-          <a:xfrm>
-            <a:off x="10069908" y="4865642"/>
-            <a:ext cx="859530" cy="369332"/>
-          </a:xfrm>
-          <a:prstGeom prst="rect">
-            <a:avLst/>
-          </a:prstGeom>
-          <a:noFill/>
-        </p:spPr>
-        <p:txBody>
-          <a:bodyPr wrap="none" rtlCol="0">
-            <a:spAutoFit/>
-          </a:bodyPr>
-          <a:lstStyle/>
-          <a:p>
-            <a:pPr algn="ctr"/>
-            <a:r>
-              <a:rPr lang="pt-BR" dirty="0" err="1" smtClean="0"/>
-              <a:t>V</a:t>
-            </a:r>
-            <a:r>
-              <a:rPr lang="pt-BR" baseline="-25000" dirty="0" err="1" smtClean="0"/>
-              <a:t>INA_mín</a:t>
-            </a:r>
-            <a:endParaRPr lang="pt-BR" dirty="0"/>
-          </a:p>
-        </p:txBody>
-      </p:sp>
-      <p:sp>
-        <p:nvSpPr>
-          <p:cNvPr id="36" name="CaixaDeTexto 35"/>
-          <p:cNvSpPr txBox="1"/>
-          <p:nvPr/>
-        </p:nvSpPr>
-        <p:spPr>
-          <a:xfrm>
-            <a:off x="1929922" y="4826446"/>
-            <a:ext cx="4519058" cy="369332"/>
-          </a:xfrm>
-          <a:prstGeom prst="rect">
-            <a:avLst/>
-          </a:prstGeom>
-          <a:noFill/>
-        </p:spPr>
-        <p:txBody>
-          <a:bodyPr wrap="none" rtlCol="0">
-            <a:spAutoFit/>
-          </a:bodyPr>
-          <a:lstStyle/>
-          <a:p>
-            <a:r>
-              <a:rPr lang="pt-BR" dirty="0" smtClean="0"/>
-              <a:t>Cadeia de medidas proposta – Sensor de Nível</a:t>
-            </a:r>
-            <a:endParaRPr lang="pt-BR" dirty="0"/>
-          </a:p>
-        </p:txBody>
-      </p:sp>
-      <p:sp>
-        <p:nvSpPr>
-          <p:cNvPr id="37" name="CaixaDeTexto 36"/>
-          <p:cNvSpPr txBox="1"/>
-          <p:nvPr/>
-        </p:nvSpPr>
-        <p:spPr>
-          <a:xfrm>
-            <a:off x="1120146" y="2985134"/>
-            <a:ext cx="494046" cy="307777"/>
-          </a:xfrm>
-          <a:prstGeom prst="rect">
-            <a:avLst/>
-          </a:prstGeom>
-          <a:noFill/>
-        </p:spPr>
-        <p:txBody>
-          <a:bodyPr wrap="none" rtlCol="0">
-            <a:spAutoFit/>
-          </a:bodyPr>
-          <a:lstStyle/>
-          <a:p>
-            <a:pPr algn="ctr"/>
-            <a:r>
-              <a:rPr lang="pt-BR" sz="1400" dirty="0" smtClean="0"/>
-              <a:t>0mL</a:t>
-            </a:r>
-            <a:endParaRPr lang="pt-BR" sz="1400" dirty="0"/>
-          </a:p>
-        </p:txBody>
-      </p:sp>
-      <p:sp>
-        <p:nvSpPr>
-          <p:cNvPr id="38" name="CaixaDeTexto 37"/>
-          <p:cNvSpPr txBox="1"/>
-          <p:nvPr/>
-        </p:nvSpPr>
-        <p:spPr>
-          <a:xfrm>
-            <a:off x="1028773" y="2444114"/>
-            <a:ext cx="676788" cy="307777"/>
-          </a:xfrm>
-          <a:prstGeom prst="rect">
-            <a:avLst/>
-          </a:prstGeom>
-          <a:noFill/>
-        </p:spPr>
-        <p:txBody>
-          <a:bodyPr wrap="none" rtlCol="0">
-            <a:spAutoFit/>
-          </a:bodyPr>
-          <a:lstStyle/>
-          <a:p>
-            <a:pPr algn="ctr"/>
-            <a:r>
-              <a:rPr lang="pt-BR" sz="1400" dirty="0" smtClean="0"/>
-              <a:t>120mL</a:t>
-            </a:r>
-            <a:endParaRPr lang="pt-BR" sz="1400" dirty="0"/>
-          </a:p>
-        </p:txBody>
-      </p:sp>
-      <p:sp>
-        <p:nvSpPr>
-          <p:cNvPr id="39" name="CaixaDeTexto 38"/>
-          <p:cNvSpPr txBox="1"/>
-          <p:nvPr/>
-        </p:nvSpPr>
-        <p:spPr>
-          <a:xfrm>
-            <a:off x="2795246" y="2026177"/>
-            <a:ext cx="639919" cy="307777"/>
-          </a:xfrm>
-          <a:prstGeom prst="rect">
-            <a:avLst/>
-          </a:prstGeom>
-          <a:noFill/>
-        </p:spPr>
-        <p:txBody>
-          <a:bodyPr wrap="none" rtlCol="0">
-            <a:spAutoFit/>
-          </a:bodyPr>
-          <a:lstStyle/>
-          <a:p>
-            <a:pPr algn="ctr"/>
-            <a:r>
-              <a:rPr lang="pt-BR" sz="1400" dirty="0" err="1" smtClean="0"/>
-              <a:t>XXXpF</a:t>
-            </a:r>
-            <a:endParaRPr lang="pt-BR" sz="1400" dirty="0"/>
-          </a:p>
-        </p:txBody>
-      </p:sp>
-      <p:sp>
-        <p:nvSpPr>
-          <p:cNvPr id="40" name="CaixaDeTexto 39"/>
-          <p:cNvSpPr txBox="1"/>
-          <p:nvPr/>
-        </p:nvSpPr>
-        <p:spPr>
-          <a:xfrm>
-            <a:off x="2795246" y="3397777"/>
-            <a:ext cx="639920" cy="307777"/>
-          </a:xfrm>
-          <a:prstGeom prst="rect">
-            <a:avLst/>
-          </a:prstGeom>
-          <a:noFill/>
-        </p:spPr>
-        <p:txBody>
-          <a:bodyPr wrap="none" rtlCol="0">
-            <a:spAutoFit/>
-          </a:bodyPr>
-          <a:lstStyle/>
-          <a:p>
-            <a:pPr algn="ctr"/>
-            <a:r>
-              <a:rPr lang="pt-BR" sz="1400" dirty="0" err="1" smtClean="0"/>
-              <a:t>XXX</a:t>
-            </a:r>
-            <a:r>
-              <a:rPr lang="pt-BR" sz="1400" dirty="0" err="1" smtClean="0"/>
-              <a:t>pF</a:t>
-            </a:r>
-            <a:endParaRPr lang="pt-BR" sz="1400" dirty="0"/>
-          </a:p>
-        </p:txBody>
-      </p:sp>
-      <p:sp>
-        <p:nvSpPr>
-          <p:cNvPr id="41" name="CaixaDeTexto 40"/>
-          <p:cNvSpPr txBox="1"/>
-          <p:nvPr/>
-        </p:nvSpPr>
-        <p:spPr>
-          <a:xfrm>
-            <a:off x="4613445" y="3791566"/>
-            <a:ext cx="534121" cy="307777"/>
-          </a:xfrm>
-          <a:prstGeom prst="rect">
-            <a:avLst/>
-          </a:prstGeom>
-          <a:noFill/>
-        </p:spPr>
-        <p:txBody>
-          <a:bodyPr wrap="none" rtlCol="0">
-            <a:spAutoFit/>
-          </a:bodyPr>
-          <a:lstStyle/>
-          <a:p>
-            <a:pPr algn="ctr"/>
-            <a:r>
-              <a:rPr lang="pt-BR" sz="1400" dirty="0" err="1" smtClean="0"/>
-              <a:t>XXX</a:t>
-            </a:r>
-            <a:r>
-              <a:rPr lang="pt-BR" sz="1400" i="1" dirty="0" err="1" smtClean="0"/>
-              <a:t>s</a:t>
-            </a:r>
-            <a:endParaRPr lang="pt-BR" sz="1400" i="1" dirty="0"/>
-          </a:p>
-        </p:txBody>
-      </p:sp>
-      <p:sp>
-        <p:nvSpPr>
-          <p:cNvPr id="42" name="CaixaDeTexto 41"/>
-          <p:cNvSpPr txBox="1"/>
-          <p:nvPr/>
-        </p:nvSpPr>
-        <p:spPr>
-          <a:xfrm>
-            <a:off x="4613445" y="1619866"/>
-            <a:ext cx="534121" cy="307777"/>
-          </a:xfrm>
-          <a:prstGeom prst="rect">
-            <a:avLst/>
-          </a:prstGeom>
-          <a:noFill/>
-        </p:spPr>
-        <p:txBody>
-          <a:bodyPr wrap="none" rtlCol="0">
-            <a:spAutoFit/>
-          </a:bodyPr>
-          <a:lstStyle/>
-          <a:p>
-            <a:pPr algn="ctr"/>
-            <a:r>
-              <a:rPr lang="pt-BR" sz="1400" dirty="0" err="1" smtClean="0"/>
-              <a:t>XXX</a:t>
-            </a:r>
-            <a:r>
-              <a:rPr lang="pt-BR" sz="1400" i="1" dirty="0" err="1" smtClean="0"/>
-              <a:t>s</a:t>
-            </a:r>
-            <a:endParaRPr lang="pt-BR" sz="1400" i="1" dirty="0"/>
-          </a:p>
-        </p:txBody>
-      </p:sp>
-      <p:sp>
-        <p:nvSpPr>
-          <p:cNvPr id="43" name="CaixaDeTexto 42"/>
-          <p:cNvSpPr txBox="1"/>
-          <p:nvPr/>
-        </p:nvSpPr>
-        <p:spPr>
-          <a:xfrm>
-            <a:off x="6345368" y="1212199"/>
-            <a:ext cx="561372" cy="307777"/>
-          </a:xfrm>
-          <a:prstGeom prst="rect">
-            <a:avLst/>
-          </a:prstGeom>
-          <a:noFill/>
-        </p:spPr>
-        <p:txBody>
-          <a:bodyPr wrap="none" rtlCol="0">
-            <a:spAutoFit/>
-          </a:bodyPr>
-          <a:lstStyle/>
-          <a:p>
-            <a:pPr algn="ctr"/>
-            <a:r>
-              <a:rPr lang="pt-BR" sz="1400" dirty="0" smtClean="0"/>
-              <a:t>8mm</a:t>
-            </a:r>
-            <a:endParaRPr lang="pt-BR" sz="1400" dirty="0"/>
-          </a:p>
-        </p:txBody>
-      </p:sp>
-      <p:sp>
-        <p:nvSpPr>
-          <p:cNvPr id="44" name="CaixaDeTexto 43"/>
-          <p:cNvSpPr txBox="1"/>
-          <p:nvPr/>
-        </p:nvSpPr>
-        <p:spPr>
-          <a:xfrm>
-            <a:off x="6345368" y="4178919"/>
-            <a:ext cx="561372" cy="307777"/>
-          </a:xfrm>
-          <a:prstGeom prst="rect">
-            <a:avLst/>
-          </a:prstGeom>
-          <a:noFill/>
-        </p:spPr>
-        <p:txBody>
-          <a:bodyPr wrap="none" rtlCol="0">
-            <a:spAutoFit/>
-          </a:bodyPr>
-          <a:lstStyle/>
-          <a:p>
-            <a:pPr algn="ctr"/>
-            <a:r>
-              <a:rPr lang="pt-BR" sz="1400" dirty="0" smtClean="0"/>
-              <a:t>0mm</a:t>
-            </a:r>
-            <a:endParaRPr lang="pt-BR" sz="1400" dirty="0"/>
-          </a:p>
-        </p:txBody>
-      </p:sp>
-      <p:cxnSp>
-        <p:nvCxnSpPr>
-          <p:cNvPr id="45" name="Conector reto 44"/>
-          <p:cNvCxnSpPr/>
-          <p:nvPr/>
-        </p:nvCxnSpPr>
-        <p:spPr>
-          <a:xfrm rot="-1800000">
-            <a:off x="10958725" y="660309"/>
-            <a:ext cx="825500" cy="0"/>
-          </a:xfrm>
-          <a:prstGeom prst="line">
-            <a:avLst/>
-          </a:prstGeom>
-          <a:ln w="28575">
-            <a:solidFill>
-              <a:schemeClr val="tx1"/>
-            </a:solidFill>
-            <a:prstDash val="dash"/>
-          </a:ln>
-        </p:spPr>
-        <p:style>
-          <a:lnRef idx="1">
-            <a:schemeClr val="accent1"/>
-          </a:lnRef>
-          <a:fillRef idx="0">
-            <a:schemeClr val="accent1"/>
-          </a:fillRef>
-          <a:effectRef idx="0">
-            <a:schemeClr val="accent1"/>
-          </a:effectRef>
-          <a:fontRef idx="minor">
-            <a:schemeClr val="tx1"/>
-          </a:fontRef>
-        </p:style>
-      </p:cxnSp>
-      <p:cxnSp>
-        <p:nvCxnSpPr>
-          <p:cNvPr id="46" name="Conector reto 45"/>
-          <p:cNvCxnSpPr/>
-          <p:nvPr/>
-        </p:nvCxnSpPr>
-        <p:spPr>
-          <a:xfrm>
-            <a:off x="11728927" y="453934"/>
-            <a:ext cx="1028700" cy="0"/>
-          </a:xfrm>
-          <a:prstGeom prst="line">
-            <a:avLst/>
-          </a:prstGeom>
-          <a:ln w="19050">
-            <a:solidFill>
-              <a:schemeClr val="tx1"/>
-            </a:solidFill>
-          </a:ln>
-        </p:spPr>
-        <p:style>
-          <a:lnRef idx="1">
-            <a:schemeClr val="accent1"/>
-          </a:lnRef>
-          <a:fillRef idx="0">
-            <a:schemeClr val="accent1"/>
-          </a:fillRef>
-          <a:effectRef idx="0">
-            <a:schemeClr val="accent1"/>
-          </a:effectRef>
-          <a:fontRef idx="minor">
-            <a:schemeClr val="tx1"/>
-          </a:fontRef>
-        </p:style>
-      </p:cxnSp>
-      <p:cxnSp>
-        <p:nvCxnSpPr>
-          <p:cNvPr id="47" name="Conector reto 46"/>
-          <p:cNvCxnSpPr/>
-          <p:nvPr/>
-        </p:nvCxnSpPr>
-        <p:spPr>
-          <a:xfrm rot="1800000">
-            <a:off x="10958725" y="5099472"/>
-            <a:ext cx="825500" cy="0"/>
-          </a:xfrm>
-          <a:prstGeom prst="line">
-            <a:avLst/>
-          </a:prstGeom>
-          <a:ln w="28575">
-            <a:solidFill>
-              <a:schemeClr val="tx1"/>
-            </a:solidFill>
-            <a:prstDash val="dash"/>
-          </a:ln>
-        </p:spPr>
-        <p:style>
-          <a:lnRef idx="1">
-            <a:schemeClr val="accent1"/>
-          </a:lnRef>
-          <a:fillRef idx="0">
-            <a:schemeClr val="accent1"/>
-          </a:fillRef>
-          <a:effectRef idx="0">
-            <a:schemeClr val="accent1"/>
-          </a:effectRef>
-          <a:fontRef idx="minor">
-            <a:schemeClr val="tx1"/>
-          </a:fontRef>
-        </p:style>
-      </p:cxnSp>
-      <p:cxnSp>
-        <p:nvCxnSpPr>
-          <p:cNvPr id="48" name="Conector reto 47"/>
-          <p:cNvCxnSpPr/>
-          <p:nvPr/>
-        </p:nvCxnSpPr>
-        <p:spPr>
-          <a:xfrm>
-            <a:off x="11728927" y="5299497"/>
-            <a:ext cx="1028700" cy="0"/>
-          </a:xfrm>
-          <a:prstGeom prst="line">
-            <a:avLst/>
-          </a:prstGeom>
-          <a:ln w="19050">
-            <a:solidFill>
-              <a:schemeClr val="tx1"/>
-            </a:solidFill>
-          </a:ln>
-        </p:spPr>
-        <p:style>
-          <a:lnRef idx="1">
-            <a:schemeClr val="accent1"/>
-          </a:lnRef>
-          <a:fillRef idx="0">
-            <a:schemeClr val="accent1"/>
-          </a:fillRef>
-          <a:effectRef idx="0">
-            <a:schemeClr val="accent1"/>
-          </a:effectRef>
-          <a:fontRef idx="minor">
-            <a:schemeClr val="tx1"/>
-          </a:fontRef>
-        </p:style>
-      </p:cxnSp>
-      <p:sp>
-        <p:nvSpPr>
-          <p:cNvPr id="49" name="CaixaDeTexto 48"/>
-          <p:cNvSpPr txBox="1"/>
-          <p:nvPr/>
-        </p:nvSpPr>
-        <p:spPr>
-          <a:xfrm>
-            <a:off x="11960187" y="5272043"/>
-            <a:ext cx="566181" cy="369332"/>
-          </a:xfrm>
-          <a:prstGeom prst="rect">
-            <a:avLst/>
-          </a:prstGeom>
-          <a:noFill/>
-        </p:spPr>
-        <p:txBody>
-          <a:bodyPr wrap="none" rtlCol="0">
-            <a:spAutoFit/>
-          </a:bodyPr>
-          <a:lstStyle/>
-          <a:p>
-            <a:pPr algn="ctr"/>
-            <a:r>
-              <a:rPr lang="pt-BR" dirty="0" err="1" smtClean="0"/>
-              <a:t>D</a:t>
-            </a:r>
-            <a:r>
-              <a:rPr lang="pt-BR" baseline="-25000" dirty="0" err="1" smtClean="0"/>
-              <a:t>mín</a:t>
-            </a:r>
-            <a:endParaRPr lang="pt-BR" dirty="0"/>
-          </a:p>
-        </p:txBody>
-      </p:sp>
-      <p:sp>
-        <p:nvSpPr>
-          <p:cNvPr id="50" name="CaixaDeTexto 49"/>
-          <p:cNvSpPr txBox="1"/>
-          <p:nvPr/>
-        </p:nvSpPr>
-        <p:spPr>
-          <a:xfrm>
-            <a:off x="9923079" y="2248490"/>
-            <a:ext cx="1283364" cy="1477328"/>
-          </a:xfrm>
-          <a:prstGeom prst="rect">
-            <a:avLst/>
-          </a:prstGeom>
-          <a:noFill/>
-        </p:spPr>
-        <p:txBody>
-          <a:bodyPr wrap="none" rtlCol="0">
-            <a:spAutoFit/>
-          </a:bodyPr>
-          <a:lstStyle/>
-          <a:p>
-            <a:pPr algn="ctr"/>
-            <a:r>
-              <a:rPr lang="pt-BR" b="1" dirty="0" smtClean="0"/>
-              <a:t>Tensão</a:t>
-            </a:r>
-          </a:p>
-          <a:p>
-            <a:pPr algn="ctr"/>
-            <a:r>
-              <a:rPr lang="pt-BR" b="1" dirty="0"/>
-              <a:t>d</a:t>
-            </a:r>
-            <a:r>
-              <a:rPr lang="pt-BR" b="1" dirty="0" smtClean="0"/>
-              <a:t>e Saída</a:t>
-            </a:r>
-          </a:p>
-          <a:p>
-            <a:pPr algn="ctr"/>
-            <a:r>
-              <a:rPr lang="pt-BR" b="1" dirty="0"/>
-              <a:t>d</a:t>
-            </a:r>
-            <a:r>
-              <a:rPr lang="pt-BR" b="1" dirty="0" smtClean="0"/>
-              <a:t>o </a:t>
-            </a:r>
-            <a:r>
-              <a:rPr lang="pt-BR" b="1" dirty="0" err="1" smtClean="0"/>
-              <a:t>Amp</a:t>
-            </a:r>
-            <a:r>
-              <a:rPr lang="pt-BR" b="1" dirty="0" smtClean="0"/>
-              <a:t>.</a:t>
-            </a:r>
-          </a:p>
-          <a:p>
-            <a:pPr algn="ctr"/>
-            <a:r>
-              <a:rPr lang="pt-BR" b="1" dirty="0" smtClean="0"/>
-              <a:t>de </a:t>
-            </a:r>
-            <a:r>
-              <a:rPr lang="pt-BR" b="1" dirty="0" err="1" smtClean="0"/>
-              <a:t>Instrum</a:t>
-            </a:r>
-            <a:r>
-              <a:rPr lang="pt-BR" b="1" dirty="0" smtClean="0"/>
-              <a:t>.</a:t>
-            </a:r>
-          </a:p>
-          <a:p>
-            <a:pPr algn="ctr"/>
-            <a:r>
-              <a:rPr lang="pt-BR" b="1" dirty="0" smtClean="0"/>
-              <a:t>G=14.756</a:t>
-            </a:r>
-            <a:endParaRPr lang="pt-BR" b="1" dirty="0"/>
-          </a:p>
-        </p:txBody>
-      </p:sp>
-      <p:sp>
-        <p:nvSpPr>
-          <p:cNvPr id="51" name="CaixaDeTexto 50"/>
-          <p:cNvSpPr txBox="1"/>
-          <p:nvPr/>
-        </p:nvSpPr>
-        <p:spPr>
-          <a:xfrm>
-            <a:off x="10170897" y="4624342"/>
-            <a:ext cx="657552" cy="307777"/>
-          </a:xfrm>
-          <a:prstGeom prst="rect">
-            <a:avLst/>
-          </a:prstGeom>
-          <a:noFill/>
-        </p:spPr>
-        <p:txBody>
-          <a:bodyPr wrap="none" rtlCol="0">
-            <a:spAutoFit/>
-          </a:bodyPr>
-          <a:lstStyle/>
-          <a:p>
-            <a:pPr algn="ctr"/>
-            <a:r>
-              <a:rPr lang="pt-BR" sz="1400" dirty="0" smtClean="0"/>
-              <a:t>1.3mV</a:t>
-            </a:r>
-            <a:endParaRPr lang="pt-BR" sz="1400" dirty="0"/>
-          </a:p>
-        </p:txBody>
-      </p:sp>
-      <p:sp>
-        <p:nvSpPr>
-          <p:cNvPr id="52" name="CaixaDeTexto 51"/>
-          <p:cNvSpPr txBox="1"/>
-          <p:nvPr/>
-        </p:nvSpPr>
-        <p:spPr>
-          <a:xfrm>
-            <a:off x="10150860" y="827042"/>
-            <a:ext cx="697627" cy="307777"/>
-          </a:xfrm>
-          <a:prstGeom prst="rect">
-            <a:avLst/>
-          </a:prstGeom>
-          <a:noFill/>
-        </p:spPr>
-        <p:txBody>
-          <a:bodyPr wrap="none" rtlCol="0">
-            <a:spAutoFit/>
-          </a:bodyPr>
-          <a:lstStyle/>
-          <a:p>
-            <a:pPr algn="ctr"/>
-            <a:r>
-              <a:rPr lang="pt-BR" sz="1400" dirty="0" smtClean="0"/>
-              <a:t>3.997V</a:t>
-            </a:r>
-            <a:endParaRPr lang="pt-BR" sz="1400" dirty="0"/>
-          </a:p>
-        </p:txBody>
-      </p:sp>
-      <p:sp>
-        <p:nvSpPr>
-          <p:cNvPr id="53" name="CaixaDeTexto 52"/>
-          <p:cNvSpPr txBox="1"/>
-          <p:nvPr/>
-        </p:nvSpPr>
-        <p:spPr>
-          <a:xfrm>
-            <a:off x="11811109" y="2465498"/>
-            <a:ext cx="889987" cy="923330"/>
-          </a:xfrm>
-          <a:prstGeom prst="rect">
-            <a:avLst/>
-          </a:prstGeom>
-          <a:noFill/>
-        </p:spPr>
-        <p:txBody>
-          <a:bodyPr wrap="none" rtlCol="0">
-            <a:spAutoFit/>
-          </a:bodyPr>
-          <a:lstStyle/>
-          <a:p>
-            <a:pPr algn="ctr"/>
-            <a:r>
-              <a:rPr lang="pt-BR" b="1" dirty="0" smtClean="0"/>
-              <a:t>ADC</a:t>
-            </a:r>
-          </a:p>
-          <a:p>
-            <a:pPr algn="ctr"/>
-            <a:r>
-              <a:rPr lang="pt-BR" b="1" dirty="0" smtClean="0"/>
-              <a:t>14 bits</a:t>
-            </a:r>
-          </a:p>
-          <a:p>
-            <a:pPr algn="ctr"/>
-            <a:r>
-              <a:rPr lang="pt-BR" b="1" dirty="0" smtClean="0"/>
-              <a:t>0 a +5V</a:t>
-            </a:r>
-            <a:endParaRPr lang="pt-BR" b="1" dirty="0"/>
-          </a:p>
-        </p:txBody>
-      </p:sp>
-      <p:sp>
-        <p:nvSpPr>
-          <p:cNvPr id="54" name="CaixaDeTexto 53"/>
-          <p:cNvSpPr txBox="1"/>
-          <p:nvPr/>
-        </p:nvSpPr>
-        <p:spPr>
-          <a:xfrm>
-            <a:off x="11875228" y="5018043"/>
-            <a:ext cx="736100" cy="307777"/>
-          </a:xfrm>
-          <a:prstGeom prst="rect">
-            <a:avLst/>
-          </a:prstGeom>
-          <a:noFill/>
-        </p:spPr>
-        <p:txBody>
-          <a:bodyPr wrap="none" rtlCol="0">
-            <a:spAutoFit/>
-          </a:bodyPr>
-          <a:lstStyle/>
-          <a:p>
-            <a:pPr algn="ctr"/>
-            <a:r>
-              <a:rPr lang="pt-BR" sz="1400" dirty="0" smtClean="0"/>
-              <a:t>0h0003</a:t>
-            </a:r>
-            <a:endParaRPr lang="pt-BR" sz="1400" dirty="0"/>
-          </a:p>
-        </p:txBody>
-      </p:sp>
-      <p:sp>
-        <p:nvSpPr>
-          <p:cNvPr id="55" name="CaixaDeTexto 54"/>
-          <p:cNvSpPr txBox="1"/>
-          <p:nvPr/>
-        </p:nvSpPr>
-        <p:spPr>
-          <a:xfrm>
-            <a:off x="11875228" y="420643"/>
-            <a:ext cx="736100" cy="307777"/>
-          </a:xfrm>
-          <a:prstGeom prst="rect">
-            <a:avLst/>
-          </a:prstGeom>
-          <a:noFill/>
-        </p:spPr>
-        <p:txBody>
-          <a:bodyPr wrap="none" rtlCol="0">
-            <a:spAutoFit/>
-          </a:bodyPr>
-          <a:lstStyle/>
-          <a:p>
-            <a:pPr algn="ctr"/>
-            <a:r>
-              <a:rPr lang="pt-BR" sz="1400" dirty="0" smtClean="0"/>
-              <a:t>0h3328</a:t>
-            </a:r>
-            <a:endParaRPr lang="pt-BR" sz="1400" dirty="0"/>
-          </a:p>
-        </p:txBody>
-      </p:sp>
+        </p:spPr>
+      </p:pic>
     </p:spTree>
     <p:extLst>
       <p:ext uri="{BB962C8B-B14F-4D97-AF65-F5344CB8AC3E}">
-        <p14:creationId xmlns:p14="http://schemas.microsoft.com/office/powerpoint/2010/main" val="2820728049"/>
+        <p14:creationId xmlns:p14="http://schemas.microsoft.com/office/powerpoint/2010/main" val="2920437492"/>
       </p:ext>
     </p:extLst>
   </p:cSld>
@@ -10549,56 +10299,24 @@
           <a:chExt cx="0" cy="0"/>
         </a:xfrm>
       </p:grpSpPr>
-      <p:pic>
-        <p:nvPicPr>
-          <p:cNvPr id="11" name="Imagem 10"/>
-          <p:cNvPicPr>
-            <a:picLocks noChangeAspect="1"/>
-          </p:cNvPicPr>
-          <p:nvPr/>
-        </p:nvPicPr>
-        <p:blipFill>
-          <a:blip r:embed="rId2" cstate="print">
-            <a:extLst>
-              <a:ext uri="{28A0092B-C50C-407E-A947-70E740481C1C}">
-                <a14:useLocalDpi xmlns:a14="http://schemas.microsoft.com/office/drawing/2010/main" val="0"/>
-              </a:ext>
-            </a:extLst>
-          </a:blip>
-          <a:stretch>
-            <a:fillRect/>
-          </a:stretch>
-        </p:blipFill>
-        <p:spPr>
-          <a:xfrm>
-            <a:off x="369066" y="1314450"/>
-            <a:ext cx="5097721" cy="4229100"/>
-          </a:xfrm>
-          <a:prstGeom prst="rect">
-            <a:avLst/>
-          </a:prstGeom>
-        </p:spPr>
-      </p:pic>
       <p:cxnSp>
         <p:nvCxnSpPr>
-          <p:cNvPr id="13" name="Conector de seta reta 12"/>
+          <p:cNvPr id="4" name="Conector reto 3"/>
           <p:cNvCxnSpPr/>
           <p:nvPr/>
         </p:nvCxnSpPr>
         <p:spPr>
           <a:xfrm>
-            <a:off x="623888" y="1447800"/>
-            <a:ext cx="4608512" cy="0"/>
-          </a:xfrm>
-          <a:prstGeom prst="straightConnector1">
-            <a:avLst/>
-          </a:prstGeom>
-          <a:ln w="57150">
+            <a:off x="857250" y="2495550"/>
+            <a:ext cx="1028700" cy="0"/>
+          </a:xfrm>
+          <a:prstGeom prst="line">
+            <a:avLst/>
+          </a:prstGeom>
+          <a:ln w="19050">
             <a:solidFill>
               <a:schemeClr val="tx1"/>
             </a:solidFill>
-            <a:headEnd type="triangle" w="med" len="med"/>
-            <a:tailEnd type="triangle" w="med" len="med"/>
           </a:ln>
         </p:spPr>
         <p:style>
@@ -10616,6 +10334,325 @@
           </a:fontRef>
         </p:style>
       </p:cxnSp>
+      <p:cxnSp>
+        <p:nvCxnSpPr>
+          <p:cNvPr id="5" name="Conector reto 4"/>
+          <p:cNvCxnSpPr/>
+          <p:nvPr/>
+        </p:nvCxnSpPr>
+        <p:spPr>
+          <a:xfrm>
+            <a:off x="857250" y="3238500"/>
+            <a:ext cx="1028700" cy="0"/>
+          </a:xfrm>
+          <a:prstGeom prst="line">
+            <a:avLst/>
+          </a:prstGeom>
+          <a:ln w="19050">
+            <a:solidFill>
+              <a:schemeClr val="tx1"/>
+            </a:solidFill>
+          </a:ln>
+        </p:spPr>
+        <p:style>
+          <a:lnRef idx="1">
+            <a:schemeClr val="accent1"/>
+          </a:lnRef>
+          <a:fillRef idx="0">
+            <a:schemeClr val="accent1"/>
+          </a:fillRef>
+          <a:effectRef idx="0">
+            <a:schemeClr val="accent1"/>
+          </a:effectRef>
+          <a:fontRef idx="minor">
+            <a:schemeClr val="tx1"/>
+          </a:fontRef>
+        </p:style>
+      </p:cxnSp>
+      <p:cxnSp>
+        <p:nvCxnSpPr>
+          <p:cNvPr id="6" name="Conector reto 5"/>
+          <p:cNvCxnSpPr/>
+          <p:nvPr/>
+        </p:nvCxnSpPr>
+        <p:spPr>
+          <a:xfrm rot="-1800000">
+            <a:off x="1830652" y="2289175"/>
+            <a:ext cx="825500" cy="0"/>
+          </a:xfrm>
+          <a:prstGeom prst="line">
+            <a:avLst/>
+          </a:prstGeom>
+          <a:ln w="28575">
+            <a:solidFill>
+              <a:schemeClr val="tx1"/>
+            </a:solidFill>
+            <a:prstDash val="dash"/>
+          </a:ln>
+        </p:spPr>
+        <p:style>
+          <a:lnRef idx="1">
+            <a:schemeClr val="accent1"/>
+          </a:lnRef>
+          <a:fillRef idx="0">
+            <a:schemeClr val="accent1"/>
+          </a:fillRef>
+          <a:effectRef idx="0">
+            <a:schemeClr val="accent1"/>
+          </a:effectRef>
+          <a:fontRef idx="minor">
+            <a:schemeClr val="tx1"/>
+          </a:fontRef>
+        </p:style>
+      </p:cxnSp>
+      <p:cxnSp>
+        <p:nvCxnSpPr>
+          <p:cNvPr id="7" name="Conector reto 6"/>
+          <p:cNvCxnSpPr/>
+          <p:nvPr/>
+        </p:nvCxnSpPr>
+        <p:spPr>
+          <a:xfrm rot="1800000">
+            <a:off x="1830652" y="3444875"/>
+            <a:ext cx="825500" cy="0"/>
+          </a:xfrm>
+          <a:prstGeom prst="line">
+            <a:avLst/>
+          </a:prstGeom>
+          <a:ln w="28575">
+            <a:solidFill>
+              <a:schemeClr val="tx1"/>
+            </a:solidFill>
+            <a:prstDash val="dash"/>
+          </a:ln>
+        </p:spPr>
+        <p:style>
+          <a:lnRef idx="1">
+            <a:schemeClr val="accent1"/>
+          </a:lnRef>
+          <a:fillRef idx="0">
+            <a:schemeClr val="accent1"/>
+          </a:fillRef>
+          <a:effectRef idx="0">
+            <a:schemeClr val="accent1"/>
+          </a:effectRef>
+          <a:fontRef idx="minor">
+            <a:schemeClr val="tx1"/>
+          </a:fontRef>
+        </p:style>
+      </p:cxnSp>
+      <p:cxnSp>
+        <p:nvCxnSpPr>
+          <p:cNvPr id="8" name="Conector reto 7"/>
+          <p:cNvCxnSpPr/>
+          <p:nvPr/>
+        </p:nvCxnSpPr>
+        <p:spPr>
+          <a:xfrm>
+            <a:off x="2600854" y="2082800"/>
+            <a:ext cx="1028700" cy="0"/>
+          </a:xfrm>
+          <a:prstGeom prst="line">
+            <a:avLst/>
+          </a:prstGeom>
+          <a:ln w="19050">
+            <a:solidFill>
+              <a:schemeClr val="tx1"/>
+            </a:solidFill>
+          </a:ln>
+        </p:spPr>
+        <p:style>
+          <a:lnRef idx="1">
+            <a:schemeClr val="accent1"/>
+          </a:lnRef>
+          <a:fillRef idx="0">
+            <a:schemeClr val="accent1"/>
+          </a:fillRef>
+          <a:effectRef idx="0">
+            <a:schemeClr val="accent1"/>
+          </a:effectRef>
+          <a:fontRef idx="minor">
+            <a:schemeClr val="tx1"/>
+          </a:fontRef>
+        </p:style>
+      </p:cxnSp>
+      <p:cxnSp>
+        <p:nvCxnSpPr>
+          <p:cNvPr id="9" name="Conector reto 8"/>
+          <p:cNvCxnSpPr/>
+          <p:nvPr/>
+        </p:nvCxnSpPr>
+        <p:spPr>
+          <a:xfrm>
+            <a:off x="2600854" y="3644900"/>
+            <a:ext cx="1028700" cy="0"/>
+          </a:xfrm>
+          <a:prstGeom prst="line">
+            <a:avLst/>
+          </a:prstGeom>
+          <a:ln w="19050">
+            <a:solidFill>
+              <a:schemeClr val="tx1"/>
+            </a:solidFill>
+          </a:ln>
+        </p:spPr>
+        <p:style>
+          <a:lnRef idx="1">
+            <a:schemeClr val="accent1"/>
+          </a:lnRef>
+          <a:fillRef idx="0">
+            <a:schemeClr val="accent1"/>
+          </a:fillRef>
+          <a:effectRef idx="0">
+            <a:schemeClr val="accent1"/>
+          </a:effectRef>
+          <a:fontRef idx="minor">
+            <a:schemeClr val="tx1"/>
+          </a:fontRef>
+        </p:style>
+      </p:cxnSp>
+      <p:cxnSp>
+        <p:nvCxnSpPr>
+          <p:cNvPr id="10" name="Conector reto 9"/>
+          <p:cNvCxnSpPr/>
+          <p:nvPr/>
+        </p:nvCxnSpPr>
+        <p:spPr>
+          <a:xfrm rot="-1800000">
+            <a:off x="3574256" y="1870076"/>
+            <a:ext cx="825500" cy="0"/>
+          </a:xfrm>
+          <a:prstGeom prst="line">
+            <a:avLst/>
+          </a:prstGeom>
+          <a:ln w="28575">
+            <a:solidFill>
+              <a:schemeClr val="tx1"/>
+            </a:solidFill>
+            <a:prstDash val="dash"/>
+          </a:ln>
+        </p:spPr>
+        <p:style>
+          <a:lnRef idx="1">
+            <a:schemeClr val="accent1"/>
+          </a:lnRef>
+          <a:fillRef idx="0">
+            <a:schemeClr val="accent1"/>
+          </a:fillRef>
+          <a:effectRef idx="0">
+            <a:schemeClr val="accent1"/>
+          </a:effectRef>
+          <a:fontRef idx="minor">
+            <a:schemeClr val="tx1"/>
+          </a:fontRef>
+        </p:style>
+      </p:cxnSp>
+      <p:cxnSp>
+        <p:nvCxnSpPr>
+          <p:cNvPr id="11" name="Conector reto 10"/>
+          <p:cNvCxnSpPr/>
+          <p:nvPr/>
+        </p:nvCxnSpPr>
+        <p:spPr>
+          <a:xfrm>
+            <a:off x="4344458" y="1663701"/>
+            <a:ext cx="1028700" cy="0"/>
+          </a:xfrm>
+          <a:prstGeom prst="line">
+            <a:avLst/>
+          </a:prstGeom>
+          <a:ln w="19050">
+            <a:solidFill>
+              <a:schemeClr val="tx1"/>
+            </a:solidFill>
+          </a:ln>
+        </p:spPr>
+        <p:style>
+          <a:lnRef idx="1">
+            <a:schemeClr val="accent1"/>
+          </a:lnRef>
+          <a:fillRef idx="0">
+            <a:schemeClr val="accent1"/>
+          </a:fillRef>
+          <a:effectRef idx="0">
+            <a:schemeClr val="accent1"/>
+          </a:effectRef>
+          <a:fontRef idx="minor">
+            <a:schemeClr val="tx1"/>
+          </a:fontRef>
+        </p:style>
+      </p:cxnSp>
+      <p:cxnSp>
+        <p:nvCxnSpPr>
+          <p:cNvPr id="12" name="Conector reto 11"/>
+          <p:cNvCxnSpPr/>
+          <p:nvPr/>
+        </p:nvCxnSpPr>
+        <p:spPr>
+          <a:xfrm rot="1800000">
+            <a:off x="3574256" y="3851275"/>
+            <a:ext cx="825500" cy="0"/>
+          </a:xfrm>
+          <a:prstGeom prst="line">
+            <a:avLst/>
+          </a:prstGeom>
+          <a:ln w="28575">
+            <a:solidFill>
+              <a:schemeClr val="tx1"/>
+            </a:solidFill>
+            <a:prstDash val="dash"/>
+          </a:ln>
+        </p:spPr>
+        <p:style>
+          <a:lnRef idx="1">
+            <a:schemeClr val="accent1"/>
+          </a:lnRef>
+          <a:fillRef idx="0">
+            <a:schemeClr val="accent1"/>
+          </a:fillRef>
+          <a:effectRef idx="0">
+            <a:schemeClr val="accent1"/>
+          </a:effectRef>
+          <a:fontRef idx="minor">
+            <a:schemeClr val="tx1"/>
+          </a:fontRef>
+        </p:style>
+      </p:cxnSp>
+      <p:cxnSp>
+        <p:nvCxnSpPr>
+          <p:cNvPr id="13" name="Conector reto 12"/>
+          <p:cNvCxnSpPr/>
+          <p:nvPr/>
+        </p:nvCxnSpPr>
+        <p:spPr>
+          <a:xfrm>
+            <a:off x="4344458" y="4051300"/>
+            <a:ext cx="1028700" cy="0"/>
+          </a:xfrm>
+          <a:prstGeom prst="line">
+            <a:avLst/>
+          </a:prstGeom>
+          <a:ln w="19050">
+            <a:solidFill>
+              <a:schemeClr val="tx1"/>
+            </a:solidFill>
+          </a:ln>
+        </p:spPr>
+        <p:style>
+          <a:lnRef idx="1">
+            <a:schemeClr val="accent1"/>
+          </a:lnRef>
+          <a:fillRef idx="0">
+            <a:schemeClr val="accent1"/>
+          </a:fillRef>
+          <a:effectRef idx="0">
+            <a:schemeClr val="accent1"/>
+          </a:effectRef>
+          <a:fontRef idx="minor">
+            <a:schemeClr val="tx1"/>
+          </a:fontRef>
+        </p:style>
+      </p:cxnSp>
       <p:sp>
         <p:nvSpPr>
           <p:cNvPr id="14" name="CaixaDeTexto 13"/>
@@ -10624,8 +10661,8 @@
         </p:nvSpPr>
         <p:spPr>
           <a:xfrm>
-            <a:off x="1998241" y="857905"/>
-            <a:ext cx="1859805" cy="523220"/>
+            <a:off x="1058739" y="2713502"/>
+            <a:ext cx="622799" cy="369332"/>
           </a:xfrm>
           <a:prstGeom prst="rect">
             <a:avLst/>
@@ -10638,18 +10675,847 @@
           </a:bodyPr>
           <a:lstStyle/>
           <a:p>
-            <a:r>
-              <a:rPr lang="pt-BR" sz="2800" b="1" dirty="0" smtClean="0"/>
-              <a:t>D=13.82cm</a:t>
-            </a:r>
-            <a:endParaRPr lang="pt-BR" sz="2800" b="1" dirty="0"/>
+            <a:pPr algn="ctr"/>
+            <a:r>
+              <a:rPr lang="el-GR" b="1" dirty="0" smtClean="0"/>
+              <a:t>Δ</a:t>
+            </a:r>
+            <a:r>
+              <a:rPr lang="pt-BR" b="1" dirty="0" err="1" smtClean="0"/>
+              <a:t>Vol</a:t>
+            </a:r>
+            <a:endParaRPr lang="pt-BR" b="1" dirty="0"/>
+          </a:p>
+        </p:txBody>
+      </p:sp>
+      <p:sp>
+        <p:nvSpPr>
+          <p:cNvPr id="15" name="CaixaDeTexto 14"/>
+          <p:cNvSpPr txBox="1"/>
+          <p:nvPr/>
+        </p:nvSpPr>
+        <p:spPr>
+          <a:xfrm>
+            <a:off x="2700667" y="2524295"/>
+            <a:ext cx="829074" cy="646331"/>
+          </a:xfrm>
+          <a:prstGeom prst="rect">
+            <a:avLst/>
+          </a:prstGeom>
+          <a:noFill/>
+        </p:spPr>
+        <p:txBody>
+          <a:bodyPr wrap="none" rtlCol="0">
+            <a:spAutoFit/>
+          </a:bodyPr>
+          <a:lstStyle/>
+          <a:p>
+            <a:pPr algn="ctr"/>
+            <a:r>
+              <a:rPr lang="el-GR" b="1" dirty="0" smtClean="0"/>
+              <a:t>Δ</a:t>
+            </a:r>
+            <a:r>
+              <a:rPr lang="pt-BR" b="1" dirty="0" smtClean="0"/>
+              <a:t>C do</a:t>
+            </a:r>
+          </a:p>
+          <a:p>
+            <a:pPr algn="ctr"/>
+            <a:r>
+              <a:rPr lang="pt-BR" b="1" dirty="0" smtClean="0"/>
+              <a:t>Sensor</a:t>
+            </a:r>
+            <a:endParaRPr lang="pt-BR" b="1" dirty="0"/>
+          </a:p>
+        </p:txBody>
+      </p:sp>
+      <p:sp>
+        <p:nvSpPr>
+          <p:cNvPr id="16" name="CaixaDeTexto 15"/>
+          <p:cNvSpPr txBox="1"/>
+          <p:nvPr/>
+        </p:nvSpPr>
+        <p:spPr>
+          <a:xfrm>
+            <a:off x="4189451" y="2517945"/>
+            <a:ext cx="1382110" cy="646331"/>
+          </a:xfrm>
+          <a:prstGeom prst="rect">
+            <a:avLst/>
+          </a:prstGeom>
+          <a:noFill/>
+        </p:spPr>
+        <p:txBody>
+          <a:bodyPr wrap="none" rtlCol="0">
+            <a:spAutoFit/>
+          </a:bodyPr>
+          <a:lstStyle/>
+          <a:p>
+            <a:pPr algn="ctr"/>
+            <a:r>
+              <a:rPr lang="pt-BR" b="1" dirty="0" smtClean="0"/>
+              <a:t>Período</a:t>
+            </a:r>
+          </a:p>
+          <a:p>
+            <a:pPr algn="ctr"/>
+            <a:r>
+              <a:rPr lang="pt-BR" b="1" dirty="0" smtClean="0"/>
+              <a:t>do Oscilador</a:t>
+            </a:r>
+            <a:endParaRPr lang="pt-BR" b="1" dirty="0"/>
+          </a:p>
+        </p:txBody>
+      </p:sp>
+      <p:cxnSp>
+        <p:nvCxnSpPr>
+          <p:cNvPr id="17" name="Conector reto 16"/>
+          <p:cNvCxnSpPr/>
+          <p:nvPr/>
+        </p:nvCxnSpPr>
+        <p:spPr>
+          <a:xfrm rot="-1800000">
+            <a:off x="5317860" y="1460245"/>
+            <a:ext cx="825500" cy="0"/>
+          </a:xfrm>
+          <a:prstGeom prst="line">
+            <a:avLst/>
+          </a:prstGeom>
+          <a:ln w="28575">
+            <a:solidFill>
+              <a:schemeClr val="tx1"/>
+            </a:solidFill>
+            <a:prstDash val="dash"/>
+          </a:ln>
+        </p:spPr>
+        <p:style>
+          <a:lnRef idx="1">
+            <a:schemeClr val="accent1"/>
+          </a:lnRef>
+          <a:fillRef idx="0">
+            <a:schemeClr val="accent1"/>
+          </a:fillRef>
+          <a:effectRef idx="0">
+            <a:schemeClr val="accent1"/>
+          </a:effectRef>
+          <a:fontRef idx="minor">
+            <a:schemeClr val="tx1"/>
+          </a:fontRef>
+        </p:style>
+      </p:cxnSp>
+      <p:cxnSp>
+        <p:nvCxnSpPr>
+          <p:cNvPr id="18" name="Conector reto 17"/>
+          <p:cNvCxnSpPr/>
+          <p:nvPr/>
+        </p:nvCxnSpPr>
+        <p:spPr>
+          <a:xfrm>
+            <a:off x="6088062" y="1253870"/>
+            <a:ext cx="1028700" cy="0"/>
+          </a:xfrm>
+          <a:prstGeom prst="line">
+            <a:avLst/>
+          </a:prstGeom>
+          <a:ln w="19050">
+            <a:solidFill>
+              <a:schemeClr val="tx1"/>
+            </a:solidFill>
+          </a:ln>
+        </p:spPr>
+        <p:style>
+          <a:lnRef idx="1">
+            <a:schemeClr val="accent1"/>
+          </a:lnRef>
+          <a:fillRef idx="0">
+            <a:schemeClr val="accent1"/>
+          </a:fillRef>
+          <a:effectRef idx="0">
+            <a:schemeClr val="accent1"/>
+          </a:effectRef>
+          <a:fontRef idx="minor">
+            <a:schemeClr val="tx1"/>
+          </a:fontRef>
+        </p:style>
+      </p:cxnSp>
+      <p:cxnSp>
+        <p:nvCxnSpPr>
+          <p:cNvPr id="19" name="Conector reto 18"/>
+          <p:cNvCxnSpPr/>
+          <p:nvPr/>
+        </p:nvCxnSpPr>
+        <p:spPr>
+          <a:xfrm rot="1800000">
+            <a:off x="5317859" y="4257677"/>
+            <a:ext cx="825500" cy="0"/>
+          </a:xfrm>
+          <a:prstGeom prst="line">
+            <a:avLst/>
+          </a:prstGeom>
+          <a:ln w="28575">
+            <a:solidFill>
+              <a:schemeClr val="tx1"/>
+            </a:solidFill>
+            <a:prstDash val="dash"/>
+          </a:ln>
+        </p:spPr>
+        <p:style>
+          <a:lnRef idx="1">
+            <a:schemeClr val="accent1"/>
+          </a:lnRef>
+          <a:fillRef idx="0">
+            <a:schemeClr val="accent1"/>
+          </a:fillRef>
+          <a:effectRef idx="0">
+            <a:schemeClr val="accent1"/>
+          </a:effectRef>
+          <a:fontRef idx="minor">
+            <a:schemeClr val="tx1"/>
+          </a:fontRef>
+        </p:style>
+      </p:cxnSp>
+      <p:cxnSp>
+        <p:nvCxnSpPr>
+          <p:cNvPr id="20" name="Conector reto 19"/>
+          <p:cNvCxnSpPr/>
+          <p:nvPr/>
+        </p:nvCxnSpPr>
+        <p:spPr>
+          <a:xfrm>
+            <a:off x="6088061" y="4457702"/>
+            <a:ext cx="1028700" cy="0"/>
+          </a:xfrm>
+          <a:prstGeom prst="line">
+            <a:avLst/>
+          </a:prstGeom>
+          <a:ln w="19050">
+            <a:solidFill>
+              <a:schemeClr val="tx1"/>
+            </a:solidFill>
+          </a:ln>
+        </p:spPr>
+        <p:style>
+          <a:lnRef idx="1">
+            <a:schemeClr val="accent1"/>
+          </a:lnRef>
+          <a:fillRef idx="0">
+            <a:schemeClr val="accent1"/>
+          </a:fillRef>
+          <a:effectRef idx="0">
+            <a:schemeClr val="accent1"/>
+          </a:effectRef>
+          <a:fontRef idx="minor">
+            <a:schemeClr val="tx1"/>
+          </a:fontRef>
+        </p:style>
+      </p:cxnSp>
+      <p:sp>
+        <p:nvSpPr>
+          <p:cNvPr id="21" name="CaixaDeTexto 20"/>
+          <p:cNvSpPr txBox="1"/>
+          <p:nvPr/>
+        </p:nvSpPr>
+        <p:spPr>
+          <a:xfrm>
+            <a:off x="5825304" y="2501882"/>
+            <a:ext cx="1514005" cy="646331"/>
+          </a:xfrm>
+          <a:prstGeom prst="rect">
+            <a:avLst/>
+          </a:prstGeom>
+          <a:noFill/>
+        </p:spPr>
+        <p:txBody>
+          <a:bodyPr wrap="none" rtlCol="0">
+            <a:spAutoFit/>
+          </a:bodyPr>
+          <a:lstStyle/>
+          <a:p>
+            <a:pPr algn="ctr"/>
+            <a:r>
+              <a:rPr lang="pt-BR" b="1" dirty="0" smtClean="0"/>
+              <a:t>Índice</a:t>
+            </a:r>
+          </a:p>
+          <a:p>
+            <a:pPr algn="ctr"/>
+            <a:r>
+              <a:rPr lang="pt-BR" b="1" dirty="0" smtClean="0"/>
+              <a:t>Pluviométrico</a:t>
+            </a:r>
+            <a:endParaRPr lang="pt-BR" b="1" dirty="0"/>
+          </a:p>
+        </p:txBody>
+      </p:sp>
+      <p:sp>
+        <p:nvSpPr>
+          <p:cNvPr id="26" name="CaixaDeTexto 25"/>
+          <p:cNvSpPr txBox="1"/>
+          <p:nvPr/>
+        </p:nvSpPr>
+        <p:spPr>
+          <a:xfrm>
+            <a:off x="1014313" y="3190874"/>
+            <a:ext cx="720005" cy="369332"/>
+          </a:xfrm>
+          <a:prstGeom prst="rect">
+            <a:avLst/>
+          </a:prstGeom>
+          <a:noFill/>
+        </p:spPr>
+        <p:txBody>
+          <a:bodyPr wrap="none" rtlCol="0">
+            <a:spAutoFit/>
+          </a:bodyPr>
+          <a:lstStyle/>
+          <a:p>
+            <a:r>
+              <a:rPr lang="pt-BR" dirty="0" err="1" smtClean="0"/>
+              <a:t>Vol</a:t>
+            </a:r>
+            <a:r>
+              <a:rPr lang="pt-BR" baseline="-25000" dirty="0" err="1" smtClean="0"/>
+              <a:t>mín</a:t>
+            </a:r>
+            <a:endParaRPr lang="pt-BR" dirty="0"/>
+          </a:p>
+        </p:txBody>
+      </p:sp>
+      <p:sp>
+        <p:nvSpPr>
+          <p:cNvPr id="27" name="CaixaDeTexto 26"/>
+          <p:cNvSpPr txBox="1"/>
+          <p:nvPr/>
+        </p:nvSpPr>
+        <p:spPr>
+          <a:xfrm>
+            <a:off x="1014313" y="2124074"/>
+            <a:ext cx="744243" cy="369332"/>
+          </a:xfrm>
+          <a:prstGeom prst="rect">
+            <a:avLst/>
+          </a:prstGeom>
+          <a:noFill/>
+        </p:spPr>
+        <p:txBody>
+          <a:bodyPr wrap="none" rtlCol="0">
+            <a:spAutoFit/>
+          </a:bodyPr>
+          <a:lstStyle/>
+          <a:p>
+            <a:r>
+              <a:rPr lang="pt-BR" dirty="0" err="1" smtClean="0"/>
+              <a:t>Vol</a:t>
+            </a:r>
+            <a:r>
+              <a:rPr lang="pt-BR" baseline="-25000" dirty="0" err="1" smtClean="0"/>
+              <a:t>máx</a:t>
+            </a:r>
+            <a:endParaRPr lang="pt-BR" dirty="0"/>
+          </a:p>
+        </p:txBody>
+      </p:sp>
+      <p:sp>
+        <p:nvSpPr>
+          <p:cNvPr id="28" name="CaixaDeTexto 27"/>
+          <p:cNvSpPr txBox="1"/>
+          <p:nvPr/>
+        </p:nvSpPr>
+        <p:spPr>
+          <a:xfrm>
+            <a:off x="2828812" y="1680689"/>
+            <a:ext cx="572786" cy="369332"/>
+          </a:xfrm>
+          <a:prstGeom prst="rect">
+            <a:avLst/>
+          </a:prstGeom>
+          <a:noFill/>
+        </p:spPr>
+        <p:txBody>
+          <a:bodyPr wrap="none" rtlCol="0">
+            <a:spAutoFit/>
+          </a:bodyPr>
+          <a:lstStyle/>
+          <a:p>
+            <a:pPr algn="ctr"/>
+            <a:r>
+              <a:rPr lang="pt-BR" dirty="0" err="1" smtClean="0"/>
+              <a:t>C</a:t>
+            </a:r>
+            <a:r>
+              <a:rPr lang="pt-BR" baseline="-25000" dirty="0" err="1" smtClean="0"/>
+              <a:t>máx</a:t>
+            </a:r>
+            <a:endParaRPr lang="pt-BR" dirty="0"/>
+          </a:p>
+        </p:txBody>
+      </p:sp>
+      <p:sp>
+        <p:nvSpPr>
+          <p:cNvPr id="29" name="CaixaDeTexto 28"/>
+          <p:cNvSpPr txBox="1"/>
+          <p:nvPr/>
+        </p:nvSpPr>
+        <p:spPr>
+          <a:xfrm>
+            <a:off x="2840931" y="3598389"/>
+            <a:ext cx="548548" cy="369332"/>
+          </a:xfrm>
+          <a:prstGeom prst="rect">
+            <a:avLst/>
+          </a:prstGeom>
+          <a:noFill/>
+        </p:spPr>
+        <p:txBody>
+          <a:bodyPr wrap="none" rtlCol="0">
+            <a:spAutoFit/>
+          </a:bodyPr>
+          <a:lstStyle/>
+          <a:p>
+            <a:pPr algn="ctr"/>
+            <a:r>
+              <a:rPr lang="pt-BR" dirty="0" err="1" smtClean="0"/>
+              <a:t>C</a:t>
+            </a:r>
+            <a:r>
+              <a:rPr lang="pt-BR" baseline="-25000" dirty="0" err="1" smtClean="0"/>
+              <a:t>mín</a:t>
+            </a:r>
+            <a:endParaRPr lang="pt-BR" dirty="0"/>
+          </a:p>
+        </p:txBody>
+      </p:sp>
+      <p:sp>
+        <p:nvSpPr>
+          <p:cNvPr id="30" name="CaixaDeTexto 29"/>
+          <p:cNvSpPr txBox="1"/>
+          <p:nvPr/>
+        </p:nvSpPr>
+        <p:spPr>
+          <a:xfrm>
+            <a:off x="4600525" y="1271886"/>
+            <a:ext cx="559961" cy="369332"/>
+          </a:xfrm>
+          <a:prstGeom prst="rect">
+            <a:avLst/>
+          </a:prstGeom>
+          <a:noFill/>
+        </p:spPr>
+        <p:txBody>
+          <a:bodyPr wrap="none" rtlCol="0">
+            <a:spAutoFit/>
+          </a:bodyPr>
+          <a:lstStyle/>
+          <a:p>
+            <a:pPr algn="ctr"/>
+            <a:r>
+              <a:rPr lang="pt-BR" dirty="0" err="1" smtClean="0"/>
+              <a:t>T</a:t>
+            </a:r>
+            <a:r>
+              <a:rPr lang="pt-BR" baseline="-25000" dirty="0" err="1" smtClean="0"/>
+              <a:t>máx</a:t>
+            </a:r>
+            <a:endParaRPr lang="pt-BR" dirty="0"/>
+          </a:p>
+        </p:txBody>
+      </p:sp>
+      <p:sp>
+        <p:nvSpPr>
+          <p:cNvPr id="31" name="CaixaDeTexto 30"/>
+          <p:cNvSpPr txBox="1"/>
+          <p:nvPr/>
+        </p:nvSpPr>
+        <p:spPr>
+          <a:xfrm>
+            <a:off x="4619792" y="4027786"/>
+            <a:ext cx="521425" cy="369332"/>
+          </a:xfrm>
+          <a:prstGeom prst="rect">
+            <a:avLst/>
+          </a:prstGeom>
+          <a:noFill/>
+        </p:spPr>
+        <p:txBody>
+          <a:bodyPr wrap="none" rtlCol="0">
+            <a:spAutoFit/>
+          </a:bodyPr>
+          <a:lstStyle/>
+          <a:p>
+            <a:pPr algn="ctr"/>
+            <a:r>
+              <a:rPr lang="pt-BR" dirty="0" err="1" smtClean="0"/>
+              <a:t>T</a:t>
+            </a:r>
+            <a:r>
+              <a:rPr lang="pt-BR" baseline="-25000" dirty="0" err="1" smtClean="0"/>
+              <a:t>mín</a:t>
+            </a:r>
+            <a:endParaRPr lang="pt-BR" dirty="0"/>
+          </a:p>
+        </p:txBody>
+      </p:sp>
+      <p:sp>
+        <p:nvSpPr>
+          <p:cNvPr id="32" name="CaixaDeTexto 31"/>
+          <p:cNvSpPr txBox="1"/>
+          <p:nvPr/>
+        </p:nvSpPr>
+        <p:spPr>
+          <a:xfrm>
+            <a:off x="6203407" y="884539"/>
+            <a:ext cx="845296" cy="369332"/>
+          </a:xfrm>
+          <a:prstGeom prst="rect">
+            <a:avLst/>
+          </a:prstGeom>
+          <a:noFill/>
+        </p:spPr>
+        <p:txBody>
+          <a:bodyPr wrap="none" rtlCol="0">
+            <a:spAutoFit/>
+          </a:bodyPr>
+          <a:lstStyle/>
+          <a:p>
+            <a:pPr algn="ctr"/>
+            <a:r>
+              <a:rPr lang="pt-BR" dirty="0" err="1" smtClean="0"/>
+              <a:t>Pluv</a:t>
+            </a:r>
+            <a:r>
+              <a:rPr lang="pt-BR" baseline="-25000" dirty="0" err="1" smtClean="0"/>
+              <a:t>máx</a:t>
+            </a:r>
+            <a:endParaRPr lang="pt-BR" dirty="0"/>
+          </a:p>
+        </p:txBody>
+      </p:sp>
+      <p:sp>
+        <p:nvSpPr>
+          <p:cNvPr id="33" name="CaixaDeTexto 32"/>
+          <p:cNvSpPr txBox="1"/>
+          <p:nvPr/>
+        </p:nvSpPr>
+        <p:spPr>
+          <a:xfrm>
+            <a:off x="6215526" y="4453239"/>
+            <a:ext cx="821059" cy="369332"/>
+          </a:xfrm>
+          <a:prstGeom prst="rect">
+            <a:avLst/>
+          </a:prstGeom>
+          <a:noFill/>
+        </p:spPr>
+        <p:txBody>
+          <a:bodyPr wrap="none" rtlCol="0">
+            <a:spAutoFit/>
+          </a:bodyPr>
+          <a:lstStyle/>
+          <a:p>
+            <a:pPr algn="ctr"/>
+            <a:r>
+              <a:rPr lang="pt-BR" dirty="0" err="1" smtClean="0"/>
+              <a:t>Pluv</a:t>
+            </a:r>
+            <a:r>
+              <a:rPr lang="pt-BR" baseline="-25000" dirty="0" err="1" smtClean="0"/>
+              <a:t>mín</a:t>
+            </a:r>
+            <a:endParaRPr lang="pt-BR" dirty="0"/>
+          </a:p>
+        </p:txBody>
+      </p:sp>
+      <p:sp>
+        <p:nvSpPr>
+          <p:cNvPr id="36" name="CaixaDeTexto 35"/>
+          <p:cNvSpPr txBox="1"/>
+          <p:nvPr/>
+        </p:nvSpPr>
+        <p:spPr>
+          <a:xfrm>
+            <a:off x="1929922" y="4826446"/>
+            <a:ext cx="4519058" cy="369332"/>
+          </a:xfrm>
+          <a:prstGeom prst="rect">
+            <a:avLst/>
+          </a:prstGeom>
+          <a:noFill/>
+        </p:spPr>
+        <p:txBody>
+          <a:bodyPr wrap="none" rtlCol="0">
+            <a:spAutoFit/>
+          </a:bodyPr>
+          <a:lstStyle/>
+          <a:p>
+            <a:r>
+              <a:rPr lang="pt-BR" dirty="0" smtClean="0"/>
+              <a:t>Cadeia de medidas proposta – Sensor de Nível</a:t>
+            </a:r>
+            <a:endParaRPr lang="pt-BR" dirty="0"/>
+          </a:p>
+        </p:txBody>
+      </p:sp>
+      <p:sp>
+        <p:nvSpPr>
+          <p:cNvPr id="37" name="CaixaDeTexto 36"/>
+          <p:cNvSpPr txBox="1"/>
+          <p:nvPr/>
+        </p:nvSpPr>
+        <p:spPr>
+          <a:xfrm>
+            <a:off x="1120146" y="2985134"/>
+            <a:ext cx="494046" cy="307777"/>
+          </a:xfrm>
+          <a:prstGeom prst="rect">
+            <a:avLst/>
+          </a:prstGeom>
+          <a:noFill/>
+        </p:spPr>
+        <p:txBody>
+          <a:bodyPr wrap="none" rtlCol="0">
+            <a:spAutoFit/>
+          </a:bodyPr>
+          <a:lstStyle/>
+          <a:p>
+            <a:pPr algn="ctr"/>
+            <a:r>
+              <a:rPr lang="pt-BR" sz="1400" dirty="0" smtClean="0"/>
+              <a:t>0mL</a:t>
+            </a:r>
+            <a:endParaRPr lang="pt-BR" sz="1400" dirty="0"/>
+          </a:p>
+        </p:txBody>
+      </p:sp>
+      <p:sp>
+        <p:nvSpPr>
+          <p:cNvPr id="38" name="CaixaDeTexto 37"/>
+          <p:cNvSpPr txBox="1"/>
+          <p:nvPr/>
+        </p:nvSpPr>
+        <p:spPr>
+          <a:xfrm>
+            <a:off x="1028773" y="2444114"/>
+            <a:ext cx="676788" cy="307777"/>
+          </a:xfrm>
+          <a:prstGeom prst="rect">
+            <a:avLst/>
+          </a:prstGeom>
+          <a:noFill/>
+        </p:spPr>
+        <p:txBody>
+          <a:bodyPr wrap="none" rtlCol="0">
+            <a:spAutoFit/>
+          </a:bodyPr>
+          <a:lstStyle/>
+          <a:p>
+            <a:pPr algn="ctr"/>
+            <a:r>
+              <a:rPr lang="pt-BR" sz="1400" dirty="0" smtClean="0"/>
+              <a:t>120mL</a:t>
+            </a:r>
+            <a:endParaRPr lang="pt-BR" sz="1400" dirty="0"/>
+          </a:p>
+        </p:txBody>
+      </p:sp>
+      <p:sp>
+        <p:nvSpPr>
+          <p:cNvPr id="39" name="CaixaDeTexto 38"/>
+          <p:cNvSpPr txBox="1"/>
+          <p:nvPr/>
+        </p:nvSpPr>
+        <p:spPr>
+          <a:xfrm>
+            <a:off x="2729523" y="2026177"/>
+            <a:ext cx="771365" cy="307777"/>
+          </a:xfrm>
+          <a:prstGeom prst="rect">
+            <a:avLst/>
+          </a:prstGeom>
+          <a:noFill/>
+        </p:spPr>
+        <p:txBody>
+          <a:bodyPr wrap="none" rtlCol="0">
+            <a:spAutoFit/>
+          </a:bodyPr>
+          <a:lstStyle/>
+          <a:p>
+            <a:pPr algn="ctr"/>
+            <a:r>
+              <a:rPr lang="pt-BR" sz="1400" dirty="0" smtClean="0"/>
+              <a:t>203.6pF</a:t>
+            </a:r>
+            <a:endParaRPr lang="pt-BR" sz="1400" dirty="0"/>
+          </a:p>
+        </p:txBody>
+      </p:sp>
+      <p:sp>
+        <p:nvSpPr>
+          <p:cNvPr id="40" name="CaixaDeTexto 39"/>
+          <p:cNvSpPr txBox="1"/>
+          <p:nvPr/>
+        </p:nvSpPr>
+        <p:spPr>
+          <a:xfrm>
+            <a:off x="2729524" y="3397777"/>
+            <a:ext cx="771365" cy="307777"/>
+          </a:xfrm>
+          <a:prstGeom prst="rect">
+            <a:avLst/>
+          </a:prstGeom>
+          <a:noFill/>
+        </p:spPr>
+        <p:txBody>
+          <a:bodyPr wrap="none" rtlCol="0">
+            <a:spAutoFit/>
+          </a:bodyPr>
+          <a:lstStyle/>
+          <a:p>
+            <a:pPr algn="ctr"/>
+            <a:r>
+              <a:rPr lang="pt-BR" sz="1400" dirty="0" smtClean="0"/>
+              <a:t>3.416pF</a:t>
+            </a:r>
+            <a:endParaRPr lang="pt-BR" sz="1400" dirty="0"/>
+          </a:p>
+        </p:txBody>
+      </p:sp>
+      <p:sp>
+        <p:nvSpPr>
+          <p:cNvPr id="41" name="CaixaDeTexto 40"/>
+          <p:cNvSpPr txBox="1"/>
+          <p:nvPr/>
+        </p:nvSpPr>
+        <p:spPr>
+          <a:xfrm>
+            <a:off x="4566157" y="3791566"/>
+            <a:ext cx="628698" cy="307777"/>
+          </a:xfrm>
+          <a:prstGeom prst="rect">
+            <a:avLst/>
+          </a:prstGeom>
+          <a:noFill/>
+        </p:spPr>
+        <p:txBody>
+          <a:bodyPr wrap="none" rtlCol="0">
+            <a:spAutoFit/>
+          </a:bodyPr>
+          <a:lstStyle/>
+          <a:p>
+            <a:pPr algn="ctr"/>
+            <a:r>
+              <a:rPr lang="pt-BR" sz="1400" dirty="0" smtClean="0"/>
+              <a:t>147µ</a:t>
+            </a:r>
+            <a:r>
+              <a:rPr lang="pt-BR" sz="1400" i="1" dirty="0" smtClean="0"/>
+              <a:t>s</a:t>
+            </a:r>
+            <a:endParaRPr lang="pt-BR" sz="1400" i="1" dirty="0"/>
+          </a:p>
+        </p:txBody>
+      </p:sp>
+      <p:sp>
+        <p:nvSpPr>
+          <p:cNvPr id="42" name="CaixaDeTexto 41"/>
+          <p:cNvSpPr txBox="1"/>
+          <p:nvPr/>
+        </p:nvSpPr>
+        <p:spPr>
+          <a:xfrm>
+            <a:off x="4520471" y="1619866"/>
+            <a:ext cx="720070" cy="307777"/>
+          </a:xfrm>
+          <a:prstGeom prst="rect">
+            <a:avLst/>
+          </a:prstGeom>
+          <a:noFill/>
+        </p:spPr>
+        <p:txBody>
+          <a:bodyPr wrap="none" rtlCol="0">
+            <a:spAutoFit/>
+          </a:bodyPr>
+          <a:lstStyle/>
+          <a:p>
+            <a:pPr algn="ctr"/>
+            <a:r>
+              <a:rPr lang="pt-BR" sz="1400" dirty="0" smtClean="0"/>
+              <a:t>1115µ</a:t>
+            </a:r>
+            <a:r>
+              <a:rPr lang="pt-BR" sz="1400" i="1" dirty="0" smtClean="0"/>
+              <a:t>s</a:t>
+            </a:r>
+            <a:endParaRPr lang="pt-BR" sz="1400" i="1" dirty="0"/>
+          </a:p>
+        </p:txBody>
+      </p:sp>
+      <p:sp>
+        <p:nvSpPr>
+          <p:cNvPr id="43" name="CaixaDeTexto 42"/>
+          <p:cNvSpPr txBox="1"/>
+          <p:nvPr/>
+        </p:nvSpPr>
+        <p:spPr>
+          <a:xfrm>
+            <a:off x="6345368" y="1212199"/>
+            <a:ext cx="561372" cy="307777"/>
+          </a:xfrm>
+          <a:prstGeom prst="rect">
+            <a:avLst/>
+          </a:prstGeom>
+          <a:noFill/>
+        </p:spPr>
+        <p:txBody>
+          <a:bodyPr wrap="none" rtlCol="0">
+            <a:spAutoFit/>
+          </a:bodyPr>
+          <a:lstStyle/>
+          <a:p>
+            <a:pPr algn="ctr"/>
+            <a:r>
+              <a:rPr lang="pt-BR" sz="1400" dirty="0" smtClean="0"/>
+              <a:t>8mm</a:t>
+            </a:r>
+            <a:endParaRPr lang="pt-BR" sz="1400" dirty="0"/>
+          </a:p>
+        </p:txBody>
+      </p:sp>
+      <p:sp>
+        <p:nvSpPr>
+          <p:cNvPr id="44" name="CaixaDeTexto 43"/>
+          <p:cNvSpPr txBox="1"/>
+          <p:nvPr/>
+        </p:nvSpPr>
+        <p:spPr>
+          <a:xfrm>
+            <a:off x="6345368" y="4178919"/>
+            <a:ext cx="561372" cy="307777"/>
+          </a:xfrm>
+          <a:prstGeom prst="rect">
+            <a:avLst/>
+          </a:prstGeom>
+          <a:noFill/>
+        </p:spPr>
+        <p:txBody>
+          <a:bodyPr wrap="none" rtlCol="0">
+            <a:spAutoFit/>
+          </a:bodyPr>
+          <a:lstStyle/>
+          <a:p>
+            <a:pPr algn="ctr"/>
+            <a:r>
+              <a:rPr lang="pt-BR" sz="1400" dirty="0" smtClean="0"/>
+              <a:t>0mm</a:t>
+            </a:r>
+            <a:endParaRPr lang="pt-BR" sz="1400" dirty="0"/>
           </a:p>
         </p:txBody>
       </p:sp>
     </p:spTree>
     <p:extLst>
       <p:ext uri="{BB962C8B-B14F-4D97-AF65-F5344CB8AC3E}">
-        <p14:creationId xmlns:p14="http://schemas.microsoft.com/office/powerpoint/2010/main" val="2941553115"/>
+        <p14:creationId xmlns:p14="http://schemas.microsoft.com/office/powerpoint/2010/main" val="2820728049"/>
       </p:ext>
     </p:extLst>
   </p:cSld>
@@ -10676,6 +11542,133 @@
           <a:chExt cx="0" cy="0"/>
         </a:xfrm>
       </p:grpSpPr>
+      <p:pic>
+        <p:nvPicPr>
+          <p:cNvPr id="11" name="Imagem 10"/>
+          <p:cNvPicPr>
+            <a:picLocks noChangeAspect="1"/>
+          </p:cNvPicPr>
+          <p:nvPr/>
+        </p:nvPicPr>
+        <p:blipFill>
+          <a:blip r:embed="rId2" cstate="print">
+            <a:extLst>
+              <a:ext uri="{28A0092B-C50C-407E-A947-70E740481C1C}">
+                <a14:useLocalDpi xmlns:a14="http://schemas.microsoft.com/office/drawing/2010/main" val="0"/>
+              </a:ext>
+            </a:extLst>
+          </a:blip>
+          <a:stretch>
+            <a:fillRect/>
+          </a:stretch>
+        </p:blipFill>
+        <p:spPr>
+          <a:xfrm>
+            <a:off x="369066" y="1314450"/>
+            <a:ext cx="5097721" cy="4229100"/>
+          </a:xfrm>
+          <a:prstGeom prst="rect">
+            <a:avLst/>
+          </a:prstGeom>
+        </p:spPr>
+      </p:pic>
+      <p:cxnSp>
+        <p:nvCxnSpPr>
+          <p:cNvPr id="13" name="Conector de seta reta 12"/>
+          <p:cNvCxnSpPr/>
+          <p:nvPr/>
+        </p:nvCxnSpPr>
+        <p:spPr>
+          <a:xfrm>
+            <a:off x="623888" y="1447800"/>
+            <a:ext cx="4608512" cy="0"/>
+          </a:xfrm>
+          <a:prstGeom prst="straightConnector1">
+            <a:avLst/>
+          </a:prstGeom>
+          <a:ln w="57150">
+            <a:solidFill>
+              <a:schemeClr val="tx1"/>
+            </a:solidFill>
+            <a:headEnd type="triangle" w="med" len="med"/>
+            <a:tailEnd type="triangle" w="med" len="med"/>
+          </a:ln>
+        </p:spPr>
+        <p:style>
+          <a:lnRef idx="1">
+            <a:schemeClr val="accent1"/>
+          </a:lnRef>
+          <a:fillRef idx="0">
+            <a:schemeClr val="accent1"/>
+          </a:fillRef>
+          <a:effectRef idx="0">
+            <a:schemeClr val="accent1"/>
+          </a:effectRef>
+          <a:fontRef idx="minor">
+            <a:schemeClr val="tx1"/>
+          </a:fontRef>
+        </p:style>
+      </p:cxnSp>
+      <p:sp>
+        <p:nvSpPr>
+          <p:cNvPr id="14" name="CaixaDeTexto 13"/>
+          <p:cNvSpPr txBox="1"/>
+          <p:nvPr/>
+        </p:nvSpPr>
+        <p:spPr>
+          <a:xfrm>
+            <a:off x="1998241" y="857905"/>
+            <a:ext cx="1859805" cy="523220"/>
+          </a:xfrm>
+          <a:prstGeom prst="rect">
+            <a:avLst/>
+          </a:prstGeom>
+          <a:noFill/>
+        </p:spPr>
+        <p:txBody>
+          <a:bodyPr wrap="none" rtlCol="0">
+            <a:spAutoFit/>
+          </a:bodyPr>
+          <a:lstStyle/>
+          <a:p>
+            <a:r>
+              <a:rPr lang="pt-BR" sz="2800" b="1" dirty="0" smtClean="0"/>
+              <a:t>D=13.82cm</a:t>
+            </a:r>
+            <a:endParaRPr lang="pt-BR" sz="2800" b="1" dirty="0"/>
+          </a:p>
+        </p:txBody>
+      </p:sp>
+    </p:spTree>
+    <p:extLst>
+      <p:ext uri="{BB962C8B-B14F-4D97-AF65-F5344CB8AC3E}">
+        <p14:creationId xmlns:p14="http://schemas.microsoft.com/office/powerpoint/2010/main" val="2941553115"/>
+      </p:ext>
+    </p:extLst>
+  </p:cSld>
+  <p:clrMapOvr>
+    <a:masterClrMapping/>
+  </p:clrMapOvr>
+</p:sld>
+</file>
+
+<file path=ppt/slides/slide7.xml><?xml version="1.0" encoding="utf-8"?>
+<p:sld xmlns:a="http://schemas.openxmlformats.org/drawingml/2006/main" xmlns:r="http://schemas.openxmlformats.org/officeDocument/2006/relationships" xmlns:p="http://schemas.openxmlformats.org/presentationml/2006/main">
+  <p:cSld>
+    <p:spTree>
+      <p:nvGrpSpPr>
+        <p:cNvPr id="1" name=""/>
+        <p:cNvGrpSpPr/>
+        <p:nvPr/>
+      </p:nvGrpSpPr>
+      <p:grpSpPr>
+        <a:xfrm>
+          <a:off x="0" y="0"/>
+          <a:ext cx="0" cy="0"/>
+          <a:chOff x="0" y="0"/>
+          <a:chExt cx="0" cy="0"/>
+        </a:xfrm>
+      </p:grpSpPr>
       <p:cxnSp>
         <p:nvCxnSpPr>
           <p:cNvPr id="4" name="Conector reto 3"/>
@@ -11119,11 +12112,7 @@
           <a:p>
             <a:r>
               <a:rPr lang="pt-BR" dirty="0" smtClean="0"/>
-              <a:t>Cadeia de medidas proposta – </a:t>
-            </a:r>
-            <a:r>
-              <a:rPr lang="pt-BR" dirty="0" smtClean="0"/>
-              <a:t>Anemômetro</a:t>
+              <a:t>Cadeia de medidas proposta – Anemômetro</a:t>
             </a:r>
             <a:endParaRPr lang="pt-BR" dirty="0"/>
           </a:p>
@@ -11519,11 +12508,7 @@
             <a:pPr algn="ctr"/>
             <a:r>
               <a:rPr lang="pt-BR" b="1" dirty="0" smtClean="0"/>
-              <a:t>0V </a:t>
-            </a:r>
-            <a:r>
-              <a:rPr lang="pt-BR" b="1" dirty="0" smtClean="0"/>
-              <a:t>a +5V</a:t>
+              <a:t>0V a +5V</a:t>
             </a:r>
             <a:endParaRPr lang="pt-BR" b="1" dirty="0"/>
           </a:p>

--- a/Resources/Images/Figuras.pptx
+++ b/Resources/Images/Figuras.pptx
@@ -290,7 +290,7 @@
           <a:p>
             <a:fld id="{637E9AFB-B08B-4167-BD8F-E796937CD375}" type="datetimeFigureOut">
               <a:rPr lang="pt-BR" smtClean="0"/>
-              <a:t>26/06/2016</a:t>
+              <a:t>27/06/2016</a:t>
             </a:fld>
             <a:endParaRPr lang="pt-BR"/>
           </a:p>
@@ -460,7 +460,7 @@
           <a:p>
             <a:fld id="{637E9AFB-B08B-4167-BD8F-E796937CD375}" type="datetimeFigureOut">
               <a:rPr lang="pt-BR" smtClean="0"/>
-              <a:t>26/06/2016</a:t>
+              <a:t>27/06/2016</a:t>
             </a:fld>
             <a:endParaRPr lang="pt-BR"/>
           </a:p>
@@ -640,7 +640,7 @@
           <a:p>
             <a:fld id="{637E9AFB-B08B-4167-BD8F-E796937CD375}" type="datetimeFigureOut">
               <a:rPr lang="pt-BR" smtClean="0"/>
-              <a:t>26/06/2016</a:t>
+              <a:t>27/06/2016</a:t>
             </a:fld>
             <a:endParaRPr lang="pt-BR"/>
           </a:p>
@@ -810,7 +810,7 @@
           <a:p>
             <a:fld id="{637E9AFB-B08B-4167-BD8F-E796937CD375}" type="datetimeFigureOut">
               <a:rPr lang="pt-BR" smtClean="0"/>
-              <a:t>26/06/2016</a:t>
+              <a:t>27/06/2016</a:t>
             </a:fld>
             <a:endParaRPr lang="pt-BR"/>
           </a:p>
@@ -1056,7 +1056,7 @@
           <a:p>
             <a:fld id="{637E9AFB-B08B-4167-BD8F-E796937CD375}" type="datetimeFigureOut">
               <a:rPr lang="pt-BR" smtClean="0"/>
-              <a:t>26/06/2016</a:t>
+              <a:t>27/06/2016</a:t>
             </a:fld>
             <a:endParaRPr lang="pt-BR"/>
           </a:p>
@@ -1288,7 +1288,7 @@
           <a:p>
             <a:fld id="{637E9AFB-B08B-4167-BD8F-E796937CD375}" type="datetimeFigureOut">
               <a:rPr lang="pt-BR" smtClean="0"/>
-              <a:t>26/06/2016</a:t>
+              <a:t>27/06/2016</a:t>
             </a:fld>
             <a:endParaRPr lang="pt-BR"/>
           </a:p>
@@ -1655,7 +1655,7 @@
           <a:p>
             <a:fld id="{637E9AFB-B08B-4167-BD8F-E796937CD375}" type="datetimeFigureOut">
               <a:rPr lang="pt-BR" smtClean="0"/>
-              <a:t>26/06/2016</a:t>
+              <a:t>27/06/2016</a:t>
             </a:fld>
             <a:endParaRPr lang="pt-BR"/>
           </a:p>
@@ -1773,7 +1773,7 @@
           <a:p>
             <a:fld id="{637E9AFB-B08B-4167-BD8F-E796937CD375}" type="datetimeFigureOut">
               <a:rPr lang="pt-BR" smtClean="0"/>
-              <a:t>26/06/2016</a:t>
+              <a:t>27/06/2016</a:t>
             </a:fld>
             <a:endParaRPr lang="pt-BR"/>
           </a:p>
@@ -1868,7 +1868,7 @@
           <a:p>
             <a:fld id="{637E9AFB-B08B-4167-BD8F-E796937CD375}" type="datetimeFigureOut">
               <a:rPr lang="pt-BR" smtClean="0"/>
-              <a:t>26/06/2016</a:t>
+              <a:t>27/06/2016</a:t>
             </a:fld>
             <a:endParaRPr lang="pt-BR"/>
           </a:p>
@@ -2145,7 +2145,7 @@
           <a:p>
             <a:fld id="{637E9AFB-B08B-4167-BD8F-E796937CD375}" type="datetimeFigureOut">
               <a:rPr lang="pt-BR" smtClean="0"/>
-              <a:t>26/06/2016</a:t>
+              <a:t>27/06/2016</a:t>
             </a:fld>
             <a:endParaRPr lang="pt-BR"/>
           </a:p>
@@ -2398,7 +2398,7 @@
           <a:p>
             <a:fld id="{637E9AFB-B08B-4167-BD8F-E796937CD375}" type="datetimeFigureOut">
               <a:rPr lang="pt-BR" smtClean="0"/>
-              <a:t>26/06/2016</a:t>
+              <a:t>27/06/2016</a:t>
             </a:fld>
             <a:endParaRPr lang="pt-BR"/>
           </a:p>
@@ -2611,7 +2611,7 @@
           <a:p>
             <a:fld id="{637E9AFB-B08B-4167-BD8F-E796937CD375}" type="datetimeFigureOut">
               <a:rPr lang="pt-BR" smtClean="0"/>
-              <a:t>26/06/2016</a:t>
+              <a:t>27/06/2016</a:t>
             </a:fld>
             <a:endParaRPr lang="pt-BR"/>
           </a:p>
@@ -5576,15 +5576,7 @@
           <a:p>
             <a:r>
               <a:rPr lang="pt-BR" dirty="0" smtClean="0"/>
-              <a:t>Cadeia de medidas </a:t>
-            </a:r>
-            <a:r>
-              <a:rPr lang="pt-BR" dirty="0" smtClean="0"/>
-              <a:t>experimental </a:t>
-            </a:r>
-            <a:r>
-              <a:rPr lang="pt-BR" dirty="0" smtClean="0"/>
-              <a:t>– Termômetro</a:t>
+              <a:t>Cadeia de medidas experimental – Termômetro</a:t>
             </a:r>
             <a:endParaRPr lang="pt-BR" dirty="0"/>
           </a:p>
@@ -12576,6 +12568,914 @@
           </a:p>
         </p:txBody>
       </p:sp>
+      <p:cxnSp>
+        <p:nvCxnSpPr>
+          <p:cNvPr id="31" name="Conector reto 30"/>
+          <p:cNvCxnSpPr/>
+          <p:nvPr/>
+        </p:nvCxnSpPr>
+        <p:spPr>
+          <a:xfrm>
+            <a:off x="6773955" y="2495551"/>
+            <a:ext cx="1028700" cy="0"/>
+          </a:xfrm>
+          <a:prstGeom prst="line">
+            <a:avLst/>
+          </a:prstGeom>
+          <a:ln w="19050">
+            <a:solidFill>
+              <a:schemeClr val="tx1"/>
+            </a:solidFill>
+          </a:ln>
+        </p:spPr>
+        <p:style>
+          <a:lnRef idx="1">
+            <a:schemeClr val="accent1"/>
+          </a:lnRef>
+          <a:fillRef idx="0">
+            <a:schemeClr val="accent1"/>
+          </a:fillRef>
+          <a:effectRef idx="0">
+            <a:schemeClr val="accent1"/>
+          </a:effectRef>
+          <a:fontRef idx="minor">
+            <a:schemeClr val="tx1"/>
+          </a:fontRef>
+        </p:style>
+      </p:cxnSp>
+      <p:cxnSp>
+        <p:nvCxnSpPr>
+          <p:cNvPr id="32" name="Conector reto 31"/>
+          <p:cNvCxnSpPr/>
+          <p:nvPr/>
+        </p:nvCxnSpPr>
+        <p:spPr>
+          <a:xfrm>
+            <a:off x="6773955" y="3238501"/>
+            <a:ext cx="1028700" cy="0"/>
+          </a:xfrm>
+          <a:prstGeom prst="line">
+            <a:avLst/>
+          </a:prstGeom>
+          <a:ln w="19050">
+            <a:solidFill>
+              <a:schemeClr val="tx1"/>
+            </a:solidFill>
+          </a:ln>
+        </p:spPr>
+        <p:style>
+          <a:lnRef idx="1">
+            <a:schemeClr val="accent1"/>
+          </a:lnRef>
+          <a:fillRef idx="0">
+            <a:schemeClr val="accent1"/>
+          </a:fillRef>
+          <a:effectRef idx="0">
+            <a:schemeClr val="accent1"/>
+          </a:effectRef>
+          <a:fontRef idx="minor">
+            <a:schemeClr val="tx1"/>
+          </a:fontRef>
+        </p:style>
+      </p:cxnSp>
+      <p:cxnSp>
+        <p:nvCxnSpPr>
+          <p:cNvPr id="33" name="Conector reto 32"/>
+          <p:cNvCxnSpPr/>
+          <p:nvPr/>
+        </p:nvCxnSpPr>
+        <p:spPr>
+          <a:xfrm rot="-1800000">
+            <a:off x="7747357" y="2289176"/>
+            <a:ext cx="825500" cy="0"/>
+          </a:xfrm>
+          <a:prstGeom prst="line">
+            <a:avLst/>
+          </a:prstGeom>
+          <a:ln w="28575">
+            <a:solidFill>
+              <a:schemeClr val="tx1"/>
+            </a:solidFill>
+            <a:prstDash val="dash"/>
+          </a:ln>
+        </p:spPr>
+        <p:style>
+          <a:lnRef idx="1">
+            <a:schemeClr val="accent1"/>
+          </a:lnRef>
+          <a:fillRef idx="0">
+            <a:schemeClr val="accent1"/>
+          </a:fillRef>
+          <a:effectRef idx="0">
+            <a:schemeClr val="accent1"/>
+          </a:effectRef>
+          <a:fontRef idx="minor">
+            <a:schemeClr val="tx1"/>
+          </a:fontRef>
+        </p:style>
+      </p:cxnSp>
+      <p:cxnSp>
+        <p:nvCxnSpPr>
+          <p:cNvPr id="34" name="Conector reto 33"/>
+          <p:cNvCxnSpPr/>
+          <p:nvPr/>
+        </p:nvCxnSpPr>
+        <p:spPr>
+          <a:xfrm rot="1800000">
+            <a:off x="7747357" y="3444876"/>
+            <a:ext cx="825500" cy="0"/>
+          </a:xfrm>
+          <a:prstGeom prst="line">
+            <a:avLst/>
+          </a:prstGeom>
+          <a:ln w="28575">
+            <a:solidFill>
+              <a:schemeClr val="tx1"/>
+            </a:solidFill>
+            <a:prstDash val="dash"/>
+          </a:ln>
+        </p:spPr>
+        <p:style>
+          <a:lnRef idx="1">
+            <a:schemeClr val="accent1"/>
+          </a:lnRef>
+          <a:fillRef idx="0">
+            <a:schemeClr val="accent1"/>
+          </a:fillRef>
+          <a:effectRef idx="0">
+            <a:schemeClr val="accent1"/>
+          </a:effectRef>
+          <a:fontRef idx="minor">
+            <a:schemeClr val="tx1"/>
+          </a:fontRef>
+        </p:style>
+      </p:cxnSp>
+      <p:cxnSp>
+        <p:nvCxnSpPr>
+          <p:cNvPr id="35" name="Conector reto 34"/>
+          <p:cNvCxnSpPr/>
+          <p:nvPr/>
+        </p:nvCxnSpPr>
+        <p:spPr>
+          <a:xfrm>
+            <a:off x="8517559" y="2082801"/>
+            <a:ext cx="1028700" cy="0"/>
+          </a:xfrm>
+          <a:prstGeom prst="line">
+            <a:avLst/>
+          </a:prstGeom>
+          <a:ln w="19050">
+            <a:solidFill>
+              <a:schemeClr val="tx1"/>
+            </a:solidFill>
+          </a:ln>
+        </p:spPr>
+        <p:style>
+          <a:lnRef idx="1">
+            <a:schemeClr val="accent1"/>
+          </a:lnRef>
+          <a:fillRef idx="0">
+            <a:schemeClr val="accent1"/>
+          </a:fillRef>
+          <a:effectRef idx="0">
+            <a:schemeClr val="accent1"/>
+          </a:effectRef>
+          <a:fontRef idx="minor">
+            <a:schemeClr val="tx1"/>
+          </a:fontRef>
+        </p:style>
+      </p:cxnSp>
+      <p:cxnSp>
+        <p:nvCxnSpPr>
+          <p:cNvPr id="36" name="Conector reto 35"/>
+          <p:cNvCxnSpPr/>
+          <p:nvPr/>
+        </p:nvCxnSpPr>
+        <p:spPr>
+          <a:xfrm>
+            <a:off x="8517559" y="3644901"/>
+            <a:ext cx="1028700" cy="0"/>
+          </a:xfrm>
+          <a:prstGeom prst="line">
+            <a:avLst/>
+          </a:prstGeom>
+          <a:ln w="19050">
+            <a:solidFill>
+              <a:schemeClr val="tx1"/>
+            </a:solidFill>
+          </a:ln>
+        </p:spPr>
+        <p:style>
+          <a:lnRef idx="1">
+            <a:schemeClr val="accent1"/>
+          </a:lnRef>
+          <a:fillRef idx="0">
+            <a:schemeClr val="accent1"/>
+          </a:fillRef>
+          <a:effectRef idx="0">
+            <a:schemeClr val="accent1"/>
+          </a:effectRef>
+          <a:fontRef idx="minor">
+            <a:schemeClr val="tx1"/>
+          </a:fontRef>
+        </p:style>
+      </p:cxnSp>
+      <p:sp>
+        <p:nvSpPr>
+          <p:cNvPr id="42" name="CaixaDeTexto 41"/>
+          <p:cNvSpPr txBox="1"/>
+          <p:nvPr/>
+        </p:nvSpPr>
+        <p:spPr>
+          <a:xfrm>
+            <a:off x="6922757" y="2686609"/>
+            <a:ext cx="747128" cy="369332"/>
+          </a:xfrm>
+          <a:prstGeom prst="rect">
+            <a:avLst/>
+          </a:prstGeom>
+          <a:noFill/>
+        </p:spPr>
+        <p:txBody>
+          <a:bodyPr wrap="none" rtlCol="0">
+            <a:spAutoFit/>
+          </a:bodyPr>
+          <a:lstStyle/>
+          <a:p>
+            <a:pPr algn="ctr"/>
+            <a:r>
+              <a:rPr lang="pt-BR" b="1" dirty="0" smtClean="0"/>
+              <a:t>Vento</a:t>
+            </a:r>
+            <a:endParaRPr lang="pt-BR" b="1" dirty="0"/>
+          </a:p>
+        </p:txBody>
+      </p:sp>
+      <p:sp>
+        <p:nvSpPr>
+          <p:cNvPr id="43" name="CaixaDeTexto 42"/>
+          <p:cNvSpPr txBox="1"/>
+          <p:nvPr/>
+        </p:nvSpPr>
+        <p:spPr>
+          <a:xfrm>
+            <a:off x="8343068" y="2524296"/>
+            <a:ext cx="1377685" cy="646331"/>
+          </a:xfrm>
+          <a:prstGeom prst="rect">
+            <a:avLst/>
+          </a:prstGeom>
+          <a:noFill/>
+        </p:spPr>
+        <p:txBody>
+          <a:bodyPr wrap="none" rtlCol="0">
+            <a:spAutoFit/>
+          </a:bodyPr>
+          <a:lstStyle/>
+          <a:p>
+            <a:pPr algn="ctr"/>
+            <a:r>
+              <a:rPr lang="pt-BR" b="1" dirty="0" smtClean="0"/>
+              <a:t>Rotações</a:t>
+            </a:r>
+          </a:p>
+          <a:p>
+            <a:pPr algn="ctr"/>
+            <a:r>
+              <a:rPr lang="pt-BR" b="1" dirty="0" smtClean="0"/>
+              <a:t>Da Estrutura</a:t>
+            </a:r>
+            <a:endParaRPr lang="pt-BR" b="1" dirty="0"/>
+          </a:p>
+        </p:txBody>
+      </p:sp>
+      <p:sp>
+        <p:nvSpPr>
+          <p:cNvPr id="44" name="CaixaDeTexto 43"/>
+          <p:cNvSpPr txBox="1"/>
+          <p:nvPr/>
+        </p:nvSpPr>
+        <p:spPr>
+          <a:xfrm>
+            <a:off x="7007218" y="3190875"/>
+            <a:ext cx="549318" cy="369332"/>
+          </a:xfrm>
+          <a:prstGeom prst="rect">
+            <a:avLst/>
+          </a:prstGeom>
+          <a:noFill/>
+        </p:spPr>
+        <p:txBody>
+          <a:bodyPr wrap="none" rtlCol="0">
+            <a:spAutoFit/>
+          </a:bodyPr>
+          <a:lstStyle/>
+          <a:p>
+            <a:r>
+              <a:rPr lang="pt-BR" dirty="0" err="1" smtClean="0"/>
+              <a:t>V</a:t>
+            </a:r>
+            <a:r>
+              <a:rPr lang="pt-BR" baseline="-25000" dirty="0" err="1" smtClean="0"/>
+              <a:t>mín</a:t>
+            </a:r>
+            <a:endParaRPr lang="pt-BR" dirty="0"/>
+          </a:p>
+        </p:txBody>
+      </p:sp>
+      <p:sp>
+        <p:nvSpPr>
+          <p:cNvPr id="45" name="CaixaDeTexto 44"/>
+          <p:cNvSpPr txBox="1"/>
+          <p:nvPr/>
+        </p:nvSpPr>
+        <p:spPr>
+          <a:xfrm>
+            <a:off x="7007218" y="2124075"/>
+            <a:ext cx="573555" cy="369332"/>
+          </a:xfrm>
+          <a:prstGeom prst="rect">
+            <a:avLst/>
+          </a:prstGeom>
+          <a:noFill/>
+        </p:spPr>
+        <p:txBody>
+          <a:bodyPr wrap="none" rtlCol="0">
+            <a:spAutoFit/>
+          </a:bodyPr>
+          <a:lstStyle/>
+          <a:p>
+            <a:r>
+              <a:rPr lang="pt-BR" dirty="0" err="1" smtClean="0"/>
+              <a:t>V</a:t>
+            </a:r>
+            <a:r>
+              <a:rPr lang="pt-BR" baseline="-25000" dirty="0" err="1" smtClean="0"/>
+              <a:t>máx</a:t>
+            </a:r>
+            <a:endParaRPr lang="pt-BR" dirty="0"/>
+          </a:p>
+        </p:txBody>
+      </p:sp>
+      <p:sp>
+        <p:nvSpPr>
+          <p:cNvPr id="52" name="CaixaDeTexto 51"/>
+          <p:cNvSpPr txBox="1"/>
+          <p:nvPr/>
+        </p:nvSpPr>
+        <p:spPr>
+          <a:xfrm>
+            <a:off x="8587621" y="1680690"/>
+            <a:ext cx="888578" cy="369332"/>
+          </a:xfrm>
+          <a:prstGeom prst="rect">
+            <a:avLst/>
+          </a:prstGeom>
+          <a:noFill/>
+        </p:spPr>
+        <p:txBody>
+          <a:bodyPr wrap="none" rtlCol="0">
+            <a:spAutoFit/>
+          </a:bodyPr>
+          <a:lstStyle/>
+          <a:p>
+            <a:pPr algn="ctr"/>
+            <a:r>
+              <a:rPr lang="pt-BR" dirty="0" err="1" smtClean="0"/>
+              <a:t>RPM</a:t>
+            </a:r>
+            <a:r>
+              <a:rPr lang="pt-BR" baseline="-25000" dirty="0" err="1" smtClean="0"/>
+              <a:t>máx</a:t>
+            </a:r>
+            <a:endParaRPr lang="pt-BR" dirty="0"/>
+          </a:p>
+        </p:txBody>
+      </p:sp>
+      <p:sp>
+        <p:nvSpPr>
+          <p:cNvPr id="53" name="CaixaDeTexto 52"/>
+          <p:cNvSpPr txBox="1"/>
+          <p:nvPr/>
+        </p:nvSpPr>
+        <p:spPr>
+          <a:xfrm>
+            <a:off x="8599740" y="3598390"/>
+            <a:ext cx="864340" cy="369332"/>
+          </a:xfrm>
+          <a:prstGeom prst="rect">
+            <a:avLst/>
+          </a:prstGeom>
+          <a:noFill/>
+        </p:spPr>
+        <p:txBody>
+          <a:bodyPr wrap="none" rtlCol="0">
+            <a:spAutoFit/>
+          </a:bodyPr>
+          <a:lstStyle/>
+          <a:p>
+            <a:pPr algn="ctr"/>
+            <a:r>
+              <a:rPr lang="pt-BR" dirty="0" err="1" smtClean="0"/>
+              <a:t>RPM</a:t>
+            </a:r>
+            <a:r>
+              <a:rPr lang="pt-BR" baseline="-25000" dirty="0" err="1" smtClean="0"/>
+              <a:t>mín</a:t>
+            </a:r>
+            <a:endParaRPr lang="pt-BR" dirty="0"/>
+          </a:p>
+        </p:txBody>
+      </p:sp>
+      <p:sp>
+        <p:nvSpPr>
+          <p:cNvPr id="54" name="CaixaDeTexto 53"/>
+          <p:cNvSpPr txBox="1"/>
+          <p:nvPr/>
+        </p:nvSpPr>
+        <p:spPr>
+          <a:xfrm>
+            <a:off x="7142460" y="4606759"/>
+            <a:ext cx="4722255" cy="369332"/>
+          </a:xfrm>
+          <a:prstGeom prst="rect">
+            <a:avLst/>
+          </a:prstGeom>
+          <a:noFill/>
+        </p:spPr>
+        <p:txBody>
+          <a:bodyPr wrap="none" rtlCol="0">
+            <a:spAutoFit/>
+          </a:bodyPr>
+          <a:lstStyle/>
+          <a:p>
+            <a:r>
+              <a:rPr lang="pt-BR" dirty="0" smtClean="0"/>
+              <a:t>Cadeia de medidas </a:t>
+            </a:r>
+            <a:r>
+              <a:rPr lang="pt-BR" dirty="0" smtClean="0"/>
+              <a:t>experimental </a:t>
+            </a:r>
+            <a:r>
+              <a:rPr lang="pt-BR" dirty="0" smtClean="0"/>
+              <a:t>– Anemômetro</a:t>
+            </a:r>
+            <a:endParaRPr lang="pt-BR" dirty="0"/>
+          </a:p>
+        </p:txBody>
+      </p:sp>
+      <p:sp>
+        <p:nvSpPr>
+          <p:cNvPr id="55" name="CaixaDeTexto 54"/>
+          <p:cNvSpPr txBox="1"/>
+          <p:nvPr/>
+        </p:nvSpPr>
+        <p:spPr>
+          <a:xfrm>
+            <a:off x="6938364" y="2985135"/>
+            <a:ext cx="691023" cy="307777"/>
+          </a:xfrm>
+          <a:prstGeom prst="rect">
+            <a:avLst/>
+          </a:prstGeom>
+          <a:noFill/>
+        </p:spPr>
+        <p:txBody>
+          <a:bodyPr wrap="none" rtlCol="0">
+            <a:spAutoFit/>
+          </a:bodyPr>
+          <a:lstStyle/>
+          <a:p>
+            <a:pPr algn="ctr"/>
+            <a:r>
+              <a:rPr lang="pt-BR" sz="1400" dirty="0" smtClean="0"/>
+              <a:t>2.9m/s</a:t>
+            </a:r>
+            <a:endParaRPr lang="pt-BR" sz="1400" dirty="0"/>
+          </a:p>
+        </p:txBody>
+      </p:sp>
+      <p:sp>
+        <p:nvSpPr>
+          <p:cNvPr id="56" name="CaixaDeTexto 55"/>
+          <p:cNvSpPr txBox="1"/>
+          <p:nvPr/>
+        </p:nvSpPr>
+        <p:spPr>
+          <a:xfrm>
+            <a:off x="6938362" y="2444115"/>
+            <a:ext cx="691023" cy="307777"/>
+          </a:xfrm>
+          <a:prstGeom prst="rect">
+            <a:avLst/>
+          </a:prstGeom>
+          <a:noFill/>
+        </p:spPr>
+        <p:txBody>
+          <a:bodyPr wrap="none" rtlCol="0">
+            <a:spAutoFit/>
+          </a:bodyPr>
+          <a:lstStyle/>
+          <a:p>
+            <a:pPr algn="ctr"/>
+            <a:r>
+              <a:rPr lang="pt-BR" sz="1400" dirty="0" smtClean="0"/>
+              <a:t>9.1m/s</a:t>
+            </a:r>
+            <a:endParaRPr lang="pt-BR" sz="1400" dirty="0"/>
+          </a:p>
+        </p:txBody>
+      </p:sp>
+      <p:sp>
+        <p:nvSpPr>
+          <p:cNvPr id="57" name="CaixaDeTexto 56"/>
+          <p:cNvSpPr txBox="1"/>
+          <p:nvPr/>
+        </p:nvSpPr>
+        <p:spPr>
+          <a:xfrm>
+            <a:off x="8496347" y="2026178"/>
+            <a:ext cx="1071127" cy="307777"/>
+          </a:xfrm>
+          <a:prstGeom prst="rect">
+            <a:avLst/>
+          </a:prstGeom>
+          <a:noFill/>
+        </p:spPr>
+        <p:txBody>
+          <a:bodyPr wrap="none" rtlCol="0">
+            <a:spAutoFit/>
+          </a:bodyPr>
+          <a:lstStyle/>
+          <a:p>
+            <a:pPr algn="ctr"/>
+            <a:r>
+              <a:rPr lang="pt-BR" sz="1400" dirty="0" smtClean="0"/>
+              <a:t>183.49 </a:t>
+            </a:r>
+            <a:r>
+              <a:rPr lang="pt-BR" sz="1400" dirty="0" smtClean="0"/>
+              <a:t>RPM</a:t>
+            </a:r>
+            <a:endParaRPr lang="pt-BR" sz="1400" dirty="0"/>
+          </a:p>
+        </p:txBody>
+      </p:sp>
+      <p:sp>
+        <p:nvSpPr>
+          <p:cNvPr id="58" name="CaixaDeTexto 57"/>
+          <p:cNvSpPr txBox="1"/>
+          <p:nvPr/>
+        </p:nvSpPr>
+        <p:spPr>
+          <a:xfrm>
+            <a:off x="8542033" y="3397778"/>
+            <a:ext cx="979755" cy="307777"/>
+          </a:xfrm>
+          <a:prstGeom prst="rect">
+            <a:avLst/>
+          </a:prstGeom>
+          <a:noFill/>
+        </p:spPr>
+        <p:txBody>
+          <a:bodyPr wrap="none" rtlCol="0">
+            <a:spAutoFit/>
+          </a:bodyPr>
+          <a:lstStyle/>
+          <a:p>
+            <a:pPr algn="ctr"/>
+            <a:r>
+              <a:rPr lang="pt-BR" sz="1400" dirty="0" smtClean="0"/>
+              <a:t>83.33 </a:t>
+            </a:r>
+            <a:r>
+              <a:rPr lang="pt-BR" sz="1400" dirty="0" smtClean="0"/>
+              <a:t>RPM</a:t>
+            </a:r>
+            <a:endParaRPr lang="pt-BR" sz="1400" dirty="0"/>
+          </a:p>
+        </p:txBody>
+      </p:sp>
+      <p:cxnSp>
+        <p:nvCxnSpPr>
+          <p:cNvPr id="59" name="Conector reto 58"/>
+          <p:cNvCxnSpPr/>
+          <p:nvPr/>
+        </p:nvCxnSpPr>
+        <p:spPr>
+          <a:xfrm rot="-1800000">
+            <a:off x="9463973" y="1876426"/>
+            <a:ext cx="825500" cy="0"/>
+          </a:xfrm>
+          <a:prstGeom prst="line">
+            <a:avLst/>
+          </a:prstGeom>
+          <a:ln w="28575">
+            <a:solidFill>
+              <a:schemeClr val="tx1"/>
+            </a:solidFill>
+            <a:prstDash val="dash"/>
+          </a:ln>
+        </p:spPr>
+        <p:style>
+          <a:lnRef idx="1">
+            <a:schemeClr val="accent1"/>
+          </a:lnRef>
+          <a:fillRef idx="0">
+            <a:schemeClr val="accent1"/>
+          </a:fillRef>
+          <a:effectRef idx="0">
+            <a:schemeClr val="accent1"/>
+          </a:effectRef>
+          <a:fontRef idx="minor">
+            <a:schemeClr val="tx1"/>
+          </a:fontRef>
+        </p:style>
+      </p:cxnSp>
+      <p:cxnSp>
+        <p:nvCxnSpPr>
+          <p:cNvPr id="60" name="Conector reto 59"/>
+          <p:cNvCxnSpPr/>
+          <p:nvPr/>
+        </p:nvCxnSpPr>
+        <p:spPr>
+          <a:xfrm>
+            <a:off x="10234175" y="1670051"/>
+            <a:ext cx="1028700" cy="0"/>
+          </a:xfrm>
+          <a:prstGeom prst="line">
+            <a:avLst/>
+          </a:prstGeom>
+          <a:ln w="19050">
+            <a:solidFill>
+              <a:schemeClr val="tx1"/>
+            </a:solidFill>
+          </a:ln>
+        </p:spPr>
+        <p:style>
+          <a:lnRef idx="1">
+            <a:schemeClr val="accent1"/>
+          </a:lnRef>
+          <a:fillRef idx="0">
+            <a:schemeClr val="accent1"/>
+          </a:fillRef>
+          <a:effectRef idx="0">
+            <a:schemeClr val="accent1"/>
+          </a:effectRef>
+          <a:fontRef idx="minor">
+            <a:schemeClr val="tx1"/>
+          </a:fontRef>
+        </p:style>
+      </p:cxnSp>
+      <p:sp>
+        <p:nvSpPr>
+          <p:cNvPr id="61" name="CaixaDeTexto 60"/>
+          <p:cNvSpPr txBox="1"/>
+          <p:nvPr/>
+        </p:nvSpPr>
+        <p:spPr>
+          <a:xfrm>
+            <a:off x="10453316" y="1274809"/>
+            <a:ext cx="590418" cy="369332"/>
+          </a:xfrm>
+          <a:prstGeom prst="rect">
+            <a:avLst/>
+          </a:prstGeom>
+          <a:noFill/>
+        </p:spPr>
+        <p:txBody>
+          <a:bodyPr wrap="none" rtlCol="0">
+            <a:spAutoFit/>
+          </a:bodyPr>
+          <a:lstStyle/>
+          <a:p>
+            <a:pPr algn="ctr"/>
+            <a:r>
+              <a:rPr lang="pt-BR" dirty="0" err="1" smtClean="0"/>
+              <a:t>D</a:t>
+            </a:r>
+            <a:r>
+              <a:rPr lang="pt-BR" baseline="-25000" dirty="0" err="1" smtClean="0"/>
+              <a:t>máx</a:t>
+            </a:r>
+            <a:endParaRPr lang="pt-BR" dirty="0"/>
+          </a:p>
+        </p:txBody>
+      </p:sp>
+      <p:cxnSp>
+        <p:nvCxnSpPr>
+          <p:cNvPr id="62" name="Conector reto 61"/>
+          <p:cNvCxnSpPr/>
+          <p:nvPr/>
+        </p:nvCxnSpPr>
+        <p:spPr>
+          <a:xfrm rot="1800000">
+            <a:off x="9490961" y="3851278"/>
+            <a:ext cx="825500" cy="0"/>
+          </a:xfrm>
+          <a:prstGeom prst="line">
+            <a:avLst/>
+          </a:prstGeom>
+          <a:ln w="28575">
+            <a:solidFill>
+              <a:schemeClr val="tx1"/>
+            </a:solidFill>
+            <a:prstDash val="dash"/>
+          </a:ln>
+        </p:spPr>
+        <p:style>
+          <a:lnRef idx="1">
+            <a:schemeClr val="accent1"/>
+          </a:lnRef>
+          <a:fillRef idx="0">
+            <a:schemeClr val="accent1"/>
+          </a:fillRef>
+          <a:effectRef idx="0">
+            <a:schemeClr val="accent1"/>
+          </a:effectRef>
+          <a:fontRef idx="minor">
+            <a:schemeClr val="tx1"/>
+          </a:fontRef>
+        </p:style>
+      </p:cxnSp>
+      <p:cxnSp>
+        <p:nvCxnSpPr>
+          <p:cNvPr id="63" name="Conector reto 62"/>
+          <p:cNvCxnSpPr/>
+          <p:nvPr/>
+        </p:nvCxnSpPr>
+        <p:spPr>
+          <a:xfrm>
+            <a:off x="10261163" y="4051303"/>
+            <a:ext cx="1028700" cy="0"/>
+          </a:xfrm>
+          <a:prstGeom prst="line">
+            <a:avLst/>
+          </a:prstGeom>
+          <a:ln w="19050">
+            <a:solidFill>
+              <a:schemeClr val="tx1"/>
+            </a:solidFill>
+          </a:ln>
+        </p:spPr>
+        <p:style>
+          <a:lnRef idx="1">
+            <a:schemeClr val="accent1"/>
+          </a:lnRef>
+          <a:fillRef idx="0">
+            <a:schemeClr val="accent1"/>
+          </a:fillRef>
+          <a:effectRef idx="0">
+            <a:schemeClr val="accent1"/>
+          </a:effectRef>
+          <a:fontRef idx="minor">
+            <a:schemeClr val="tx1"/>
+          </a:fontRef>
+        </p:style>
+      </p:cxnSp>
+      <p:sp>
+        <p:nvSpPr>
+          <p:cNvPr id="64" name="CaixaDeTexto 63"/>
+          <p:cNvSpPr txBox="1"/>
+          <p:nvPr/>
+        </p:nvSpPr>
+        <p:spPr>
+          <a:xfrm>
+            <a:off x="10492423" y="4023849"/>
+            <a:ext cx="566181" cy="369332"/>
+          </a:xfrm>
+          <a:prstGeom prst="rect">
+            <a:avLst/>
+          </a:prstGeom>
+          <a:noFill/>
+        </p:spPr>
+        <p:txBody>
+          <a:bodyPr wrap="none" rtlCol="0">
+            <a:spAutoFit/>
+          </a:bodyPr>
+          <a:lstStyle/>
+          <a:p>
+            <a:pPr algn="ctr"/>
+            <a:r>
+              <a:rPr lang="pt-BR" dirty="0" err="1" smtClean="0"/>
+              <a:t>D</a:t>
+            </a:r>
+            <a:r>
+              <a:rPr lang="pt-BR" baseline="-25000" dirty="0" err="1" smtClean="0"/>
+              <a:t>mín</a:t>
+            </a:r>
+            <a:endParaRPr lang="pt-BR" dirty="0"/>
+          </a:p>
+        </p:txBody>
+      </p:sp>
+      <p:sp>
+        <p:nvSpPr>
+          <p:cNvPr id="65" name="CaixaDeTexto 64"/>
+          <p:cNvSpPr txBox="1"/>
+          <p:nvPr/>
+        </p:nvSpPr>
+        <p:spPr>
+          <a:xfrm>
+            <a:off x="10262391" y="2350937"/>
+            <a:ext cx="1026242" cy="923330"/>
+          </a:xfrm>
+          <a:prstGeom prst="rect">
+            <a:avLst/>
+          </a:prstGeom>
+          <a:noFill/>
+        </p:spPr>
+        <p:txBody>
+          <a:bodyPr wrap="none" rtlCol="0">
+            <a:spAutoFit/>
+          </a:bodyPr>
+          <a:lstStyle/>
+          <a:p>
+            <a:pPr algn="ctr"/>
+            <a:r>
+              <a:rPr lang="pt-BR" b="1" dirty="0" smtClean="0"/>
+              <a:t>ADC</a:t>
+            </a:r>
+          </a:p>
+          <a:p>
+            <a:pPr algn="ctr"/>
+            <a:r>
+              <a:rPr lang="pt-BR" b="1" dirty="0" smtClean="0"/>
+              <a:t>14 bits</a:t>
+            </a:r>
+          </a:p>
+          <a:p>
+            <a:pPr algn="ctr"/>
+            <a:r>
+              <a:rPr lang="pt-BR" b="1" dirty="0" smtClean="0"/>
+              <a:t>0V a +5V</a:t>
+            </a:r>
+            <a:endParaRPr lang="pt-BR" b="1" dirty="0"/>
+          </a:p>
+        </p:txBody>
+      </p:sp>
+      <p:sp>
+        <p:nvSpPr>
+          <p:cNvPr id="66" name="CaixaDeTexto 65"/>
+          <p:cNvSpPr txBox="1"/>
+          <p:nvPr/>
+        </p:nvSpPr>
+        <p:spPr>
+          <a:xfrm>
+            <a:off x="10407464" y="3769849"/>
+            <a:ext cx="736100" cy="307777"/>
+          </a:xfrm>
+          <a:prstGeom prst="rect">
+            <a:avLst/>
+          </a:prstGeom>
+          <a:noFill/>
+        </p:spPr>
+        <p:txBody>
+          <a:bodyPr wrap="none" rtlCol="0">
+            <a:spAutoFit/>
+          </a:bodyPr>
+          <a:lstStyle/>
+          <a:p>
+            <a:pPr algn="ctr"/>
+            <a:r>
+              <a:rPr lang="pt-BR" sz="1400" dirty="0" smtClean="0"/>
+              <a:t>0h0000</a:t>
+            </a:r>
+            <a:endParaRPr lang="pt-BR" sz="1400" dirty="0"/>
+          </a:p>
+        </p:txBody>
+      </p:sp>
+      <p:sp>
+        <p:nvSpPr>
+          <p:cNvPr id="67" name="CaixaDeTexto 66"/>
+          <p:cNvSpPr txBox="1"/>
+          <p:nvPr/>
+        </p:nvSpPr>
+        <p:spPr>
+          <a:xfrm>
+            <a:off x="10394904" y="1636760"/>
+            <a:ext cx="707245" cy="307777"/>
+          </a:xfrm>
+          <a:prstGeom prst="rect">
+            <a:avLst/>
+          </a:prstGeom>
+          <a:noFill/>
+        </p:spPr>
+        <p:txBody>
+          <a:bodyPr wrap="none" rtlCol="0">
+            <a:spAutoFit/>
+          </a:bodyPr>
+          <a:lstStyle/>
+          <a:p>
+            <a:pPr algn="ctr"/>
+            <a:r>
+              <a:rPr lang="pt-BR" sz="1400" dirty="0" smtClean="0"/>
+              <a:t>0h3FFF</a:t>
+            </a:r>
+            <a:endParaRPr lang="pt-BR" sz="1400" dirty="0"/>
+          </a:p>
+        </p:txBody>
+      </p:sp>
     </p:spTree>
     <p:extLst>
       <p:ext uri="{BB962C8B-B14F-4D97-AF65-F5344CB8AC3E}">

--- a/Resources/Images/Figuras.pptx
+++ b/Resources/Images/Figuras.pptx
@@ -10,8 +10,9 @@
     <p:sldId id="257" r:id="rId4"/>
     <p:sldId id="258" r:id="rId5"/>
     <p:sldId id="259" r:id="rId6"/>
-    <p:sldId id="260" r:id="rId7"/>
-    <p:sldId id="261" r:id="rId8"/>
+    <p:sldId id="263" r:id="rId7"/>
+    <p:sldId id="260" r:id="rId8"/>
+    <p:sldId id="261" r:id="rId9"/>
   </p:sldIdLst>
   <p:sldSz cx="12192000" cy="6858000"/>
   <p:notesSz cx="6858000" cy="9144000"/>
@@ -11534,56 +11535,24 @@
           <a:chExt cx="0" cy="0"/>
         </a:xfrm>
       </p:grpSpPr>
-      <p:pic>
-        <p:nvPicPr>
-          <p:cNvPr id="11" name="Imagem 10"/>
-          <p:cNvPicPr>
-            <a:picLocks noChangeAspect="1"/>
-          </p:cNvPicPr>
-          <p:nvPr/>
-        </p:nvPicPr>
-        <p:blipFill>
-          <a:blip r:embed="rId2" cstate="print">
-            <a:extLst>
-              <a:ext uri="{28A0092B-C50C-407E-A947-70E740481C1C}">
-                <a14:useLocalDpi xmlns:a14="http://schemas.microsoft.com/office/drawing/2010/main" val="0"/>
-              </a:ext>
-            </a:extLst>
-          </a:blip>
-          <a:stretch>
-            <a:fillRect/>
-          </a:stretch>
-        </p:blipFill>
-        <p:spPr>
-          <a:xfrm>
-            <a:off x="369066" y="1314450"/>
-            <a:ext cx="5097721" cy="4229100"/>
-          </a:xfrm>
-          <a:prstGeom prst="rect">
-            <a:avLst/>
-          </a:prstGeom>
-        </p:spPr>
-      </p:pic>
       <p:cxnSp>
         <p:nvCxnSpPr>
-          <p:cNvPr id="13" name="Conector de seta reta 12"/>
+          <p:cNvPr id="4" name="Conector reto 3"/>
           <p:cNvCxnSpPr/>
           <p:nvPr/>
         </p:nvCxnSpPr>
         <p:spPr>
           <a:xfrm>
-            <a:off x="623888" y="1447800"/>
-            <a:ext cx="4608512" cy="0"/>
-          </a:xfrm>
-          <a:prstGeom prst="straightConnector1">
-            <a:avLst/>
-          </a:prstGeom>
-          <a:ln w="57150">
+            <a:off x="857250" y="2495550"/>
+            <a:ext cx="1028700" cy="0"/>
+          </a:xfrm>
+          <a:prstGeom prst="line">
+            <a:avLst/>
+          </a:prstGeom>
+          <a:ln w="19050">
             <a:solidFill>
               <a:schemeClr val="tx1"/>
             </a:solidFill>
-            <a:headEnd type="triangle" w="med" len="med"/>
-            <a:tailEnd type="triangle" w="med" len="med"/>
           </a:ln>
         </p:spPr>
         <p:style>
@@ -11601,6 +11570,325 @@
           </a:fontRef>
         </p:style>
       </p:cxnSp>
+      <p:cxnSp>
+        <p:nvCxnSpPr>
+          <p:cNvPr id="5" name="Conector reto 4"/>
+          <p:cNvCxnSpPr/>
+          <p:nvPr/>
+        </p:nvCxnSpPr>
+        <p:spPr>
+          <a:xfrm>
+            <a:off x="857250" y="3238500"/>
+            <a:ext cx="1028700" cy="0"/>
+          </a:xfrm>
+          <a:prstGeom prst="line">
+            <a:avLst/>
+          </a:prstGeom>
+          <a:ln w="19050">
+            <a:solidFill>
+              <a:schemeClr val="tx1"/>
+            </a:solidFill>
+          </a:ln>
+        </p:spPr>
+        <p:style>
+          <a:lnRef idx="1">
+            <a:schemeClr val="accent1"/>
+          </a:lnRef>
+          <a:fillRef idx="0">
+            <a:schemeClr val="accent1"/>
+          </a:fillRef>
+          <a:effectRef idx="0">
+            <a:schemeClr val="accent1"/>
+          </a:effectRef>
+          <a:fontRef idx="minor">
+            <a:schemeClr val="tx1"/>
+          </a:fontRef>
+        </p:style>
+      </p:cxnSp>
+      <p:cxnSp>
+        <p:nvCxnSpPr>
+          <p:cNvPr id="6" name="Conector reto 5"/>
+          <p:cNvCxnSpPr/>
+          <p:nvPr/>
+        </p:nvCxnSpPr>
+        <p:spPr>
+          <a:xfrm rot="-1800000">
+            <a:off x="1830652" y="2289175"/>
+            <a:ext cx="825500" cy="0"/>
+          </a:xfrm>
+          <a:prstGeom prst="line">
+            <a:avLst/>
+          </a:prstGeom>
+          <a:ln w="28575">
+            <a:solidFill>
+              <a:schemeClr val="tx1"/>
+            </a:solidFill>
+            <a:prstDash val="dash"/>
+          </a:ln>
+        </p:spPr>
+        <p:style>
+          <a:lnRef idx="1">
+            <a:schemeClr val="accent1"/>
+          </a:lnRef>
+          <a:fillRef idx="0">
+            <a:schemeClr val="accent1"/>
+          </a:fillRef>
+          <a:effectRef idx="0">
+            <a:schemeClr val="accent1"/>
+          </a:effectRef>
+          <a:fontRef idx="minor">
+            <a:schemeClr val="tx1"/>
+          </a:fontRef>
+        </p:style>
+      </p:cxnSp>
+      <p:cxnSp>
+        <p:nvCxnSpPr>
+          <p:cNvPr id="7" name="Conector reto 6"/>
+          <p:cNvCxnSpPr/>
+          <p:nvPr/>
+        </p:nvCxnSpPr>
+        <p:spPr>
+          <a:xfrm rot="1800000">
+            <a:off x="1830652" y="3444875"/>
+            <a:ext cx="825500" cy="0"/>
+          </a:xfrm>
+          <a:prstGeom prst="line">
+            <a:avLst/>
+          </a:prstGeom>
+          <a:ln w="28575">
+            <a:solidFill>
+              <a:schemeClr val="tx1"/>
+            </a:solidFill>
+            <a:prstDash val="dash"/>
+          </a:ln>
+        </p:spPr>
+        <p:style>
+          <a:lnRef idx="1">
+            <a:schemeClr val="accent1"/>
+          </a:lnRef>
+          <a:fillRef idx="0">
+            <a:schemeClr val="accent1"/>
+          </a:fillRef>
+          <a:effectRef idx="0">
+            <a:schemeClr val="accent1"/>
+          </a:effectRef>
+          <a:fontRef idx="minor">
+            <a:schemeClr val="tx1"/>
+          </a:fontRef>
+        </p:style>
+      </p:cxnSp>
+      <p:cxnSp>
+        <p:nvCxnSpPr>
+          <p:cNvPr id="8" name="Conector reto 7"/>
+          <p:cNvCxnSpPr/>
+          <p:nvPr/>
+        </p:nvCxnSpPr>
+        <p:spPr>
+          <a:xfrm>
+            <a:off x="2600854" y="2082800"/>
+            <a:ext cx="1028700" cy="0"/>
+          </a:xfrm>
+          <a:prstGeom prst="line">
+            <a:avLst/>
+          </a:prstGeom>
+          <a:ln w="19050">
+            <a:solidFill>
+              <a:schemeClr val="tx1"/>
+            </a:solidFill>
+          </a:ln>
+        </p:spPr>
+        <p:style>
+          <a:lnRef idx="1">
+            <a:schemeClr val="accent1"/>
+          </a:lnRef>
+          <a:fillRef idx="0">
+            <a:schemeClr val="accent1"/>
+          </a:fillRef>
+          <a:effectRef idx="0">
+            <a:schemeClr val="accent1"/>
+          </a:effectRef>
+          <a:fontRef idx="minor">
+            <a:schemeClr val="tx1"/>
+          </a:fontRef>
+        </p:style>
+      </p:cxnSp>
+      <p:cxnSp>
+        <p:nvCxnSpPr>
+          <p:cNvPr id="9" name="Conector reto 8"/>
+          <p:cNvCxnSpPr/>
+          <p:nvPr/>
+        </p:nvCxnSpPr>
+        <p:spPr>
+          <a:xfrm>
+            <a:off x="2600854" y="3644900"/>
+            <a:ext cx="1028700" cy="0"/>
+          </a:xfrm>
+          <a:prstGeom prst="line">
+            <a:avLst/>
+          </a:prstGeom>
+          <a:ln w="19050">
+            <a:solidFill>
+              <a:schemeClr val="tx1"/>
+            </a:solidFill>
+          </a:ln>
+        </p:spPr>
+        <p:style>
+          <a:lnRef idx="1">
+            <a:schemeClr val="accent1"/>
+          </a:lnRef>
+          <a:fillRef idx="0">
+            <a:schemeClr val="accent1"/>
+          </a:fillRef>
+          <a:effectRef idx="0">
+            <a:schemeClr val="accent1"/>
+          </a:effectRef>
+          <a:fontRef idx="minor">
+            <a:schemeClr val="tx1"/>
+          </a:fontRef>
+        </p:style>
+      </p:cxnSp>
+      <p:cxnSp>
+        <p:nvCxnSpPr>
+          <p:cNvPr id="10" name="Conector reto 9"/>
+          <p:cNvCxnSpPr/>
+          <p:nvPr/>
+        </p:nvCxnSpPr>
+        <p:spPr>
+          <a:xfrm rot="-1800000">
+            <a:off x="3574256" y="1870076"/>
+            <a:ext cx="825500" cy="0"/>
+          </a:xfrm>
+          <a:prstGeom prst="line">
+            <a:avLst/>
+          </a:prstGeom>
+          <a:ln w="28575">
+            <a:solidFill>
+              <a:schemeClr val="tx1"/>
+            </a:solidFill>
+            <a:prstDash val="dash"/>
+          </a:ln>
+        </p:spPr>
+        <p:style>
+          <a:lnRef idx="1">
+            <a:schemeClr val="accent1"/>
+          </a:lnRef>
+          <a:fillRef idx="0">
+            <a:schemeClr val="accent1"/>
+          </a:fillRef>
+          <a:effectRef idx="0">
+            <a:schemeClr val="accent1"/>
+          </a:effectRef>
+          <a:fontRef idx="minor">
+            <a:schemeClr val="tx1"/>
+          </a:fontRef>
+        </p:style>
+      </p:cxnSp>
+      <p:cxnSp>
+        <p:nvCxnSpPr>
+          <p:cNvPr id="11" name="Conector reto 10"/>
+          <p:cNvCxnSpPr/>
+          <p:nvPr/>
+        </p:nvCxnSpPr>
+        <p:spPr>
+          <a:xfrm>
+            <a:off x="4344458" y="1663701"/>
+            <a:ext cx="1028700" cy="0"/>
+          </a:xfrm>
+          <a:prstGeom prst="line">
+            <a:avLst/>
+          </a:prstGeom>
+          <a:ln w="19050">
+            <a:solidFill>
+              <a:schemeClr val="tx1"/>
+            </a:solidFill>
+          </a:ln>
+        </p:spPr>
+        <p:style>
+          <a:lnRef idx="1">
+            <a:schemeClr val="accent1"/>
+          </a:lnRef>
+          <a:fillRef idx="0">
+            <a:schemeClr val="accent1"/>
+          </a:fillRef>
+          <a:effectRef idx="0">
+            <a:schemeClr val="accent1"/>
+          </a:effectRef>
+          <a:fontRef idx="minor">
+            <a:schemeClr val="tx1"/>
+          </a:fontRef>
+        </p:style>
+      </p:cxnSp>
+      <p:cxnSp>
+        <p:nvCxnSpPr>
+          <p:cNvPr id="12" name="Conector reto 11"/>
+          <p:cNvCxnSpPr/>
+          <p:nvPr/>
+        </p:nvCxnSpPr>
+        <p:spPr>
+          <a:xfrm rot="1800000">
+            <a:off x="3574256" y="3851275"/>
+            <a:ext cx="825500" cy="0"/>
+          </a:xfrm>
+          <a:prstGeom prst="line">
+            <a:avLst/>
+          </a:prstGeom>
+          <a:ln w="28575">
+            <a:solidFill>
+              <a:schemeClr val="tx1"/>
+            </a:solidFill>
+            <a:prstDash val="dash"/>
+          </a:ln>
+        </p:spPr>
+        <p:style>
+          <a:lnRef idx="1">
+            <a:schemeClr val="accent1"/>
+          </a:lnRef>
+          <a:fillRef idx="0">
+            <a:schemeClr val="accent1"/>
+          </a:fillRef>
+          <a:effectRef idx="0">
+            <a:schemeClr val="accent1"/>
+          </a:effectRef>
+          <a:fontRef idx="minor">
+            <a:schemeClr val="tx1"/>
+          </a:fontRef>
+        </p:style>
+      </p:cxnSp>
+      <p:cxnSp>
+        <p:nvCxnSpPr>
+          <p:cNvPr id="13" name="Conector reto 12"/>
+          <p:cNvCxnSpPr/>
+          <p:nvPr/>
+        </p:nvCxnSpPr>
+        <p:spPr>
+          <a:xfrm>
+            <a:off x="4344458" y="4051300"/>
+            <a:ext cx="1028700" cy="0"/>
+          </a:xfrm>
+          <a:prstGeom prst="line">
+            <a:avLst/>
+          </a:prstGeom>
+          <a:ln w="19050">
+            <a:solidFill>
+              <a:schemeClr val="tx1"/>
+            </a:solidFill>
+          </a:ln>
+        </p:spPr>
+        <p:style>
+          <a:lnRef idx="1">
+            <a:schemeClr val="accent1"/>
+          </a:lnRef>
+          <a:fillRef idx="0">
+            <a:schemeClr val="accent1"/>
+          </a:fillRef>
+          <a:effectRef idx="0">
+            <a:schemeClr val="accent1"/>
+          </a:effectRef>
+          <a:fontRef idx="minor">
+            <a:schemeClr val="tx1"/>
+          </a:fontRef>
+        </p:style>
+      </p:cxnSp>
       <p:sp>
         <p:nvSpPr>
           <p:cNvPr id="14" name="CaixaDeTexto 13"/>
@@ -11609,8 +11897,8 @@
         </p:nvSpPr>
         <p:spPr>
           <a:xfrm>
-            <a:off x="1998241" y="857905"/>
-            <a:ext cx="1859805" cy="523220"/>
+            <a:off x="1058739" y="2713502"/>
+            <a:ext cx="622799" cy="369332"/>
           </a:xfrm>
           <a:prstGeom prst="rect">
             <a:avLst/>
@@ -11623,18 +11911,1159 @@
           </a:bodyPr>
           <a:lstStyle/>
           <a:p>
-            <a:r>
-              <a:rPr lang="pt-BR" sz="2800" b="1" dirty="0" smtClean="0"/>
-              <a:t>D=13.82cm</a:t>
-            </a:r>
-            <a:endParaRPr lang="pt-BR" sz="2800" b="1" dirty="0"/>
+            <a:pPr algn="ctr"/>
+            <a:r>
+              <a:rPr lang="el-GR" b="1" dirty="0" smtClean="0"/>
+              <a:t>Δ</a:t>
+            </a:r>
+            <a:r>
+              <a:rPr lang="pt-BR" b="1" dirty="0" err="1" smtClean="0"/>
+              <a:t>Vol</a:t>
+            </a:r>
+            <a:endParaRPr lang="pt-BR" b="1" dirty="0"/>
+          </a:p>
+        </p:txBody>
+      </p:sp>
+      <p:sp>
+        <p:nvSpPr>
+          <p:cNvPr id="15" name="CaixaDeTexto 14"/>
+          <p:cNvSpPr txBox="1"/>
+          <p:nvPr/>
+        </p:nvSpPr>
+        <p:spPr>
+          <a:xfrm>
+            <a:off x="2700667" y="2524295"/>
+            <a:ext cx="829074" cy="646331"/>
+          </a:xfrm>
+          <a:prstGeom prst="rect">
+            <a:avLst/>
+          </a:prstGeom>
+          <a:noFill/>
+        </p:spPr>
+        <p:txBody>
+          <a:bodyPr wrap="none" rtlCol="0">
+            <a:spAutoFit/>
+          </a:bodyPr>
+          <a:lstStyle/>
+          <a:p>
+            <a:pPr algn="ctr"/>
+            <a:r>
+              <a:rPr lang="el-GR" b="1" dirty="0" smtClean="0"/>
+              <a:t>Δ</a:t>
+            </a:r>
+            <a:r>
+              <a:rPr lang="pt-BR" b="1" dirty="0" smtClean="0"/>
+              <a:t>C do</a:t>
+            </a:r>
+          </a:p>
+          <a:p>
+            <a:pPr algn="ctr"/>
+            <a:r>
+              <a:rPr lang="pt-BR" b="1" dirty="0" smtClean="0"/>
+              <a:t>Sensor</a:t>
+            </a:r>
+            <a:endParaRPr lang="pt-BR" b="1" dirty="0"/>
+          </a:p>
+        </p:txBody>
+      </p:sp>
+      <p:sp>
+        <p:nvSpPr>
+          <p:cNvPr id="16" name="CaixaDeTexto 15"/>
+          <p:cNvSpPr txBox="1"/>
+          <p:nvPr/>
+        </p:nvSpPr>
+        <p:spPr>
+          <a:xfrm>
+            <a:off x="4045791" y="2517945"/>
+            <a:ext cx="1669431" cy="646331"/>
+          </a:xfrm>
+          <a:prstGeom prst="rect">
+            <a:avLst/>
+          </a:prstGeom>
+          <a:noFill/>
+        </p:spPr>
+        <p:txBody>
+          <a:bodyPr wrap="none" rtlCol="0">
+            <a:spAutoFit/>
+          </a:bodyPr>
+          <a:lstStyle/>
+          <a:p>
+            <a:pPr algn="ctr"/>
+            <a:r>
+              <a:rPr lang="pt-BR" b="1" dirty="0" smtClean="0"/>
+              <a:t>Ciclos</a:t>
+            </a:r>
+          </a:p>
+          <a:p>
+            <a:pPr algn="ctr"/>
+            <a:r>
+              <a:rPr lang="pt-BR" b="1" dirty="0" smtClean="0"/>
+              <a:t>do processador</a:t>
+            </a:r>
+            <a:endParaRPr lang="pt-BR" b="1" dirty="0"/>
+          </a:p>
+        </p:txBody>
+      </p:sp>
+      <p:cxnSp>
+        <p:nvCxnSpPr>
+          <p:cNvPr id="17" name="Conector reto 16"/>
+          <p:cNvCxnSpPr/>
+          <p:nvPr/>
+        </p:nvCxnSpPr>
+        <p:spPr>
+          <a:xfrm rot="-1800000">
+            <a:off x="5317860" y="1460245"/>
+            <a:ext cx="825500" cy="0"/>
+          </a:xfrm>
+          <a:prstGeom prst="line">
+            <a:avLst/>
+          </a:prstGeom>
+          <a:ln w="28575">
+            <a:solidFill>
+              <a:schemeClr val="tx1"/>
+            </a:solidFill>
+            <a:prstDash val="dash"/>
+          </a:ln>
+        </p:spPr>
+        <p:style>
+          <a:lnRef idx="1">
+            <a:schemeClr val="accent1"/>
+          </a:lnRef>
+          <a:fillRef idx="0">
+            <a:schemeClr val="accent1"/>
+          </a:fillRef>
+          <a:effectRef idx="0">
+            <a:schemeClr val="accent1"/>
+          </a:effectRef>
+          <a:fontRef idx="minor">
+            <a:schemeClr val="tx1"/>
+          </a:fontRef>
+        </p:style>
+      </p:cxnSp>
+      <p:cxnSp>
+        <p:nvCxnSpPr>
+          <p:cNvPr id="18" name="Conector reto 17"/>
+          <p:cNvCxnSpPr/>
+          <p:nvPr/>
+        </p:nvCxnSpPr>
+        <p:spPr>
+          <a:xfrm>
+            <a:off x="6088062" y="1253870"/>
+            <a:ext cx="1028700" cy="0"/>
+          </a:xfrm>
+          <a:prstGeom prst="line">
+            <a:avLst/>
+          </a:prstGeom>
+          <a:ln w="19050">
+            <a:solidFill>
+              <a:schemeClr val="tx1"/>
+            </a:solidFill>
+          </a:ln>
+        </p:spPr>
+        <p:style>
+          <a:lnRef idx="1">
+            <a:schemeClr val="accent1"/>
+          </a:lnRef>
+          <a:fillRef idx="0">
+            <a:schemeClr val="accent1"/>
+          </a:fillRef>
+          <a:effectRef idx="0">
+            <a:schemeClr val="accent1"/>
+          </a:effectRef>
+          <a:fontRef idx="minor">
+            <a:schemeClr val="tx1"/>
+          </a:fontRef>
+        </p:style>
+      </p:cxnSp>
+      <p:cxnSp>
+        <p:nvCxnSpPr>
+          <p:cNvPr id="19" name="Conector reto 18"/>
+          <p:cNvCxnSpPr/>
+          <p:nvPr/>
+        </p:nvCxnSpPr>
+        <p:spPr>
+          <a:xfrm rot="1800000">
+            <a:off x="5317859" y="4257677"/>
+            <a:ext cx="825500" cy="0"/>
+          </a:xfrm>
+          <a:prstGeom prst="line">
+            <a:avLst/>
+          </a:prstGeom>
+          <a:ln w="28575">
+            <a:solidFill>
+              <a:schemeClr val="tx1"/>
+            </a:solidFill>
+            <a:prstDash val="dash"/>
+          </a:ln>
+        </p:spPr>
+        <p:style>
+          <a:lnRef idx="1">
+            <a:schemeClr val="accent1"/>
+          </a:lnRef>
+          <a:fillRef idx="0">
+            <a:schemeClr val="accent1"/>
+          </a:fillRef>
+          <a:effectRef idx="0">
+            <a:schemeClr val="accent1"/>
+          </a:effectRef>
+          <a:fontRef idx="minor">
+            <a:schemeClr val="tx1"/>
+          </a:fontRef>
+        </p:style>
+      </p:cxnSp>
+      <p:cxnSp>
+        <p:nvCxnSpPr>
+          <p:cNvPr id="20" name="Conector reto 19"/>
+          <p:cNvCxnSpPr/>
+          <p:nvPr/>
+        </p:nvCxnSpPr>
+        <p:spPr>
+          <a:xfrm>
+            <a:off x="6111704" y="4464052"/>
+            <a:ext cx="1028700" cy="0"/>
+          </a:xfrm>
+          <a:prstGeom prst="line">
+            <a:avLst/>
+          </a:prstGeom>
+          <a:ln w="19050">
+            <a:solidFill>
+              <a:schemeClr val="tx1"/>
+            </a:solidFill>
+          </a:ln>
+        </p:spPr>
+        <p:style>
+          <a:lnRef idx="1">
+            <a:schemeClr val="accent1"/>
+          </a:lnRef>
+          <a:fillRef idx="0">
+            <a:schemeClr val="accent1"/>
+          </a:fillRef>
+          <a:effectRef idx="0">
+            <a:schemeClr val="accent1"/>
+          </a:effectRef>
+          <a:fontRef idx="minor">
+            <a:schemeClr val="tx1"/>
+          </a:fontRef>
+        </p:style>
+      </p:cxnSp>
+      <p:sp>
+        <p:nvSpPr>
+          <p:cNvPr id="21" name="CaixaDeTexto 20"/>
+          <p:cNvSpPr txBox="1"/>
+          <p:nvPr/>
+        </p:nvSpPr>
+        <p:spPr>
+          <a:xfrm>
+            <a:off x="5866406" y="2501882"/>
+            <a:ext cx="1431802" cy="646331"/>
+          </a:xfrm>
+          <a:prstGeom prst="rect">
+            <a:avLst/>
+          </a:prstGeom>
+          <a:noFill/>
+        </p:spPr>
+        <p:txBody>
+          <a:bodyPr wrap="none" rtlCol="0">
+            <a:spAutoFit/>
+          </a:bodyPr>
+          <a:lstStyle/>
+          <a:p>
+            <a:pPr algn="ctr"/>
+            <a:r>
+              <a:rPr lang="pt-BR" b="1" dirty="0" smtClean="0"/>
+              <a:t>Compensado</a:t>
+            </a:r>
+          </a:p>
+          <a:p>
+            <a:pPr algn="ctr"/>
+            <a:r>
+              <a:rPr lang="pt-BR" b="1" dirty="0" smtClean="0"/>
+              <a:t>(Valor N)</a:t>
+            </a:r>
+            <a:endParaRPr lang="pt-BR" b="1" dirty="0"/>
+          </a:p>
+        </p:txBody>
+      </p:sp>
+      <p:sp>
+        <p:nvSpPr>
+          <p:cNvPr id="26" name="CaixaDeTexto 25"/>
+          <p:cNvSpPr txBox="1"/>
+          <p:nvPr/>
+        </p:nvSpPr>
+        <p:spPr>
+          <a:xfrm>
+            <a:off x="1014313" y="3190874"/>
+            <a:ext cx="720005" cy="369332"/>
+          </a:xfrm>
+          <a:prstGeom prst="rect">
+            <a:avLst/>
+          </a:prstGeom>
+          <a:noFill/>
+        </p:spPr>
+        <p:txBody>
+          <a:bodyPr wrap="none" rtlCol="0">
+            <a:spAutoFit/>
+          </a:bodyPr>
+          <a:lstStyle/>
+          <a:p>
+            <a:r>
+              <a:rPr lang="pt-BR" dirty="0" err="1" smtClean="0"/>
+              <a:t>Vol</a:t>
+            </a:r>
+            <a:r>
+              <a:rPr lang="pt-BR" baseline="-25000" dirty="0" err="1" smtClean="0"/>
+              <a:t>mín</a:t>
+            </a:r>
+            <a:endParaRPr lang="pt-BR" dirty="0"/>
+          </a:p>
+        </p:txBody>
+      </p:sp>
+      <p:sp>
+        <p:nvSpPr>
+          <p:cNvPr id="27" name="CaixaDeTexto 26"/>
+          <p:cNvSpPr txBox="1"/>
+          <p:nvPr/>
+        </p:nvSpPr>
+        <p:spPr>
+          <a:xfrm>
+            <a:off x="1014313" y="2124074"/>
+            <a:ext cx="744243" cy="369332"/>
+          </a:xfrm>
+          <a:prstGeom prst="rect">
+            <a:avLst/>
+          </a:prstGeom>
+          <a:noFill/>
+        </p:spPr>
+        <p:txBody>
+          <a:bodyPr wrap="none" rtlCol="0">
+            <a:spAutoFit/>
+          </a:bodyPr>
+          <a:lstStyle/>
+          <a:p>
+            <a:r>
+              <a:rPr lang="pt-BR" dirty="0" err="1" smtClean="0"/>
+              <a:t>Vol</a:t>
+            </a:r>
+            <a:r>
+              <a:rPr lang="pt-BR" baseline="-25000" dirty="0" err="1" smtClean="0"/>
+              <a:t>máx</a:t>
+            </a:r>
+            <a:endParaRPr lang="pt-BR" dirty="0"/>
+          </a:p>
+        </p:txBody>
+      </p:sp>
+      <p:sp>
+        <p:nvSpPr>
+          <p:cNvPr id="28" name="CaixaDeTexto 27"/>
+          <p:cNvSpPr txBox="1"/>
+          <p:nvPr/>
+        </p:nvSpPr>
+        <p:spPr>
+          <a:xfrm>
+            <a:off x="2828812" y="1680689"/>
+            <a:ext cx="572786" cy="369332"/>
+          </a:xfrm>
+          <a:prstGeom prst="rect">
+            <a:avLst/>
+          </a:prstGeom>
+          <a:noFill/>
+        </p:spPr>
+        <p:txBody>
+          <a:bodyPr wrap="none" rtlCol="0">
+            <a:spAutoFit/>
+          </a:bodyPr>
+          <a:lstStyle/>
+          <a:p>
+            <a:pPr algn="ctr"/>
+            <a:r>
+              <a:rPr lang="pt-BR" dirty="0" err="1" smtClean="0"/>
+              <a:t>C</a:t>
+            </a:r>
+            <a:r>
+              <a:rPr lang="pt-BR" baseline="-25000" dirty="0" err="1" smtClean="0"/>
+              <a:t>máx</a:t>
+            </a:r>
+            <a:endParaRPr lang="pt-BR" dirty="0"/>
+          </a:p>
+        </p:txBody>
+      </p:sp>
+      <p:sp>
+        <p:nvSpPr>
+          <p:cNvPr id="29" name="CaixaDeTexto 28"/>
+          <p:cNvSpPr txBox="1"/>
+          <p:nvPr/>
+        </p:nvSpPr>
+        <p:spPr>
+          <a:xfrm>
+            <a:off x="2840931" y="3598389"/>
+            <a:ext cx="548548" cy="369332"/>
+          </a:xfrm>
+          <a:prstGeom prst="rect">
+            <a:avLst/>
+          </a:prstGeom>
+          <a:noFill/>
+        </p:spPr>
+        <p:txBody>
+          <a:bodyPr wrap="none" rtlCol="0">
+            <a:spAutoFit/>
+          </a:bodyPr>
+          <a:lstStyle/>
+          <a:p>
+            <a:pPr algn="ctr"/>
+            <a:r>
+              <a:rPr lang="pt-BR" dirty="0" err="1" smtClean="0"/>
+              <a:t>C</a:t>
+            </a:r>
+            <a:r>
+              <a:rPr lang="pt-BR" baseline="-25000" dirty="0" err="1" smtClean="0"/>
+              <a:t>mín</a:t>
+            </a:r>
+            <a:endParaRPr lang="pt-BR" dirty="0"/>
+          </a:p>
+        </p:txBody>
+      </p:sp>
+      <p:sp>
+        <p:nvSpPr>
+          <p:cNvPr id="30" name="CaixaDeTexto 29"/>
+          <p:cNvSpPr txBox="1"/>
+          <p:nvPr/>
+        </p:nvSpPr>
+        <p:spPr>
+          <a:xfrm>
+            <a:off x="4387326" y="1271886"/>
+            <a:ext cx="986360" cy="369332"/>
+          </a:xfrm>
+          <a:prstGeom prst="rect">
+            <a:avLst/>
+          </a:prstGeom>
+          <a:noFill/>
+        </p:spPr>
+        <p:txBody>
+          <a:bodyPr wrap="none" rtlCol="0">
+            <a:spAutoFit/>
+          </a:bodyPr>
+          <a:lstStyle/>
+          <a:p>
+            <a:pPr algn="ctr"/>
+            <a:r>
+              <a:rPr lang="pt-BR" dirty="0" err="1" smtClean="0"/>
+              <a:t>Ciclos</a:t>
+            </a:r>
+            <a:r>
+              <a:rPr lang="pt-BR" baseline="-25000" dirty="0" err="1" smtClean="0"/>
+              <a:t>máx</a:t>
+            </a:r>
+            <a:endParaRPr lang="pt-BR" dirty="0"/>
+          </a:p>
+        </p:txBody>
+      </p:sp>
+      <p:sp>
+        <p:nvSpPr>
+          <p:cNvPr id="31" name="CaixaDeTexto 30"/>
+          <p:cNvSpPr txBox="1"/>
+          <p:nvPr/>
+        </p:nvSpPr>
+        <p:spPr>
+          <a:xfrm>
+            <a:off x="4399444" y="4027786"/>
+            <a:ext cx="962123" cy="369332"/>
+          </a:xfrm>
+          <a:prstGeom prst="rect">
+            <a:avLst/>
+          </a:prstGeom>
+          <a:noFill/>
+        </p:spPr>
+        <p:txBody>
+          <a:bodyPr wrap="none" rtlCol="0">
+            <a:spAutoFit/>
+          </a:bodyPr>
+          <a:lstStyle/>
+          <a:p>
+            <a:pPr algn="ctr"/>
+            <a:r>
+              <a:rPr lang="pt-BR" dirty="0" err="1" smtClean="0"/>
+              <a:t>Ciclos</a:t>
+            </a:r>
+            <a:r>
+              <a:rPr lang="pt-BR" baseline="-25000" dirty="0" err="1" smtClean="0"/>
+              <a:t>mín</a:t>
+            </a:r>
+            <a:endParaRPr lang="pt-BR" dirty="0"/>
+          </a:p>
+        </p:txBody>
+      </p:sp>
+      <p:sp>
+        <p:nvSpPr>
+          <p:cNvPr id="32" name="CaixaDeTexto 31"/>
+          <p:cNvSpPr txBox="1"/>
+          <p:nvPr/>
+        </p:nvSpPr>
+        <p:spPr>
+          <a:xfrm>
+            <a:off x="6327640" y="884539"/>
+            <a:ext cx="596830" cy="369332"/>
+          </a:xfrm>
+          <a:prstGeom prst="rect">
+            <a:avLst/>
+          </a:prstGeom>
+          <a:noFill/>
+        </p:spPr>
+        <p:txBody>
+          <a:bodyPr wrap="none" rtlCol="0">
+            <a:spAutoFit/>
+          </a:bodyPr>
+          <a:lstStyle/>
+          <a:p>
+            <a:pPr algn="ctr"/>
+            <a:r>
+              <a:rPr lang="pt-BR" dirty="0" err="1" smtClean="0"/>
+              <a:t>N</a:t>
+            </a:r>
+            <a:r>
+              <a:rPr lang="pt-BR" baseline="-25000" dirty="0" err="1" smtClean="0"/>
+              <a:t>máx</a:t>
+            </a:r>
+            <a:endParaRPr lang="pt-BR" dirty="0"/>
+          </a:p>
+        </p:txBody>
+      </p:sp>
+      <p:sp>
+        <p:nvSpPr>
+          <p:cNvPr id="33" name="CaixaDeTexto 32"/>
+          <p:cNvSpPr txBox="1"/>
+          <p:nvPr/>
+        </p:nvSpPr>
+        <p:spPr>
+          <a:xfrm>
+            <a:off x="6339759" y="4453239"/>
+            <a:ext cx="572593" cy="369332"/>
+          </a:xfrm>
+          <a:prstGeom prst="rect">
+            <a:avLst/>
+          </a:prstGeom>
+          <a:noFill/>
+        </p:spPr>
+        <p:txBody>
+          <a:bodyPr wrap="none" rtlCol="0">
+            <a:spAutoFit/>
+          </a:bodyPr>
+          <a:lstStyle/>
+          <a:p>
+            <a:pPr algn="ctr"/>
+            <a:r>
+              <a:rPr lang="pt-BR" dirty="0" err="1" smtClean="0"/>
+              <a:t>N</a:t>
+            </a:r>
+            <a:r>
+              <a:rPr lang="pt-BR" baseline="-25000" dirty="0" err="1" smtClean="0"/>
+              <a:t>mín</a:t>
+            </a:r>
+            <a:endParaRPr lang="pt-BR" dirty="0"/>
+          </a:p>
+        </p:txBody>
+      </p:sp>
+      <p:sp>
+        <p:nvSpPr>
+          <p:cNvPr id="36" name="CaixaDeTexto 35"/>
+          <p:cNvSpPr txBox="1"/>
+          <p:nvPr/>
+        </p:nvSpPr>
+        <p:spPr>
+          <a:xfrm>
+            <a:off x="2073110" y="5779891"/>
+            <a:ext cx="4922117" cy="369332"/>
+          </a:xfrm>
+          <a:prstGeom prst="rect">
+            <a:avLst/>
+          </a:prstGeom>
+          <a:noFill/>
+        </p:spPr>
+        <p:txBody>
+          <a:bodyPr wrap="none" rtlCol="0">
+            <a:spAutoFit/>
+          </a:bodyPr>
+          <a:lstStyle/>
+          <a:p>
+            <a:r>
+              <a:rPr lang="pt-BR" dirty="0" smtClean="0"/>
+              <a:t>Cadeia de medidas </a:t>
+            </a:r>
+            <a:r>
+              <a:rPr lang="pt-BR" dirty="0" smtClean="0"/>
+              <a:t>experimental </a:t>
+            </a:r>
+            <a:r>
+              <a:rPr lang="pt-BR" dirty="0" smtClean="0"/>
+              <a:t>– Sensor de Nível</a:t>
+            </a:r>
+            <a:endParaRPr lang="pt-BR" dirty="0"/>
+          </a:p>
+        </p:txBody>
+      </p:sp>
+      <p:sp>
+        <p:nvSpPr>
+          <p:cNvPr id="37" name="CaixaDeTexto 36"/>
+          <p:cNvSpPr txBox="1"/>
+          <p:nvPr/>
+        </p:nvSpPr>
+        <p:spPr>
+          <a:xfrm>
+            <a:off x="1120146" y="2985134"/>
+            <a:ext cx="494046" cy="307777"/>
+          </a:xfrm>
+          <a:prstGeom prst="rect">
+            <a:avLst/>
+          </a:prstGeom>
+          <a:noFill/>
+        </p:spPr>
+        <p:txBody>
+          <a:bodyPr wrap="none" rtlCol="0">
+            <a:spAutoFit/>
+          </a:bodyPr>
+          <a:lstStyle/>
+          <a:p>
+            <a:pPr algn="ctr"/>
+            <a:r>
+              <a:rPr lang="pt-BR" sz="1400" dirty="0" smtClean="0"/>
+              <a:t>0mL</a:t>
+            </a:r>
+            <a:endParaRPr lang="pt-BR" sz="1400" dirty="0"/>
+          </a:p>
+        </p:txBody>
+      </p:sp>
+      <p:sp>
+        <p:nvSpPr>
+          <p:cNvPr id="38" name="CaixaDeTexto 37"/>
+          <p:cNvSpPr txBox="1"/>
+          <p:nvPr/>
+        </p:nvSpPr>
+        <p:spPr>
+          <a:xfrm>
+            <a:off x="1028773" y="2444114"/>
+            <a:ext cx="676788" cy="307777"/>
+          </a:xfrm>
+          <a:prstGeom prst="rect">
+            <a:avLst/>
+          </a:prstGeom>
+          <a:noFill/>
+        </p:spPr>
+        <p:txBody>
+          <a:bodyPr wrap="none" rtlCol="0">
+            <a:spAutoFit/>
+          </a:bodyPr>
+          <a:lstStyle/>
+          <a:p>
+            <a:pPr algn="ctr"/>
+            <a:r>
+              <a:rPr lang="pt-BR" sz="1400" dirty="0" smtClean="0"/>
+              <a:t>120mL</a:t>
+            </a:r>
+            <a:endParaRPr lang="pt-BR" sz="1400" dirty="0"/>
+          </a:p>
+        </p:txBody>
+      </p:sp>
+      <p:sp>
+        <p:nvSpPr>
+          <p:cNvPr id="39" name="CaixaDeTexto 38"/>
+          <p:cNvSpPr txBox="1"/>
+          <p:nvPr/>
+        </p:nvSpPr>
+        <p:spPr>
+          <a:xfrm>
+            <a:off x="2729524" y="2026177"/>
+            <a:ext cx="771365" cy="307777"/>
+          </a:xfrm>
+          <a:prstGeom prst="rect">
+            <a:avLst/>
+          </a:prstGeom>
+          <a:noFill/>
+        </p:spPr>
+        <p:txBody>
+          <a:bodyPr wrap="none" rtlCol="0">
+            <a:spAutoFit/>
+          </a:bodyPr>
+          <a:lstStyle/>
+          <a:p>
+            <a:pPr algn="ctr"/>
+            <a:r>
+              <a:rPr lang="pt-BR" sz="1400" dirty="0" smtClean="0"/>
+              <a:t>384.7pF</a:t>
+            </a:r>
+            <a:endParaRPr lang="pt-BR" sz="1400" dirty="0"/>
+          </a:p>
+        </p:txBody>
+      </p:sp>
+      <p:sp>
+        <p:nvSpPr>
+          <p:cNvPr id="40" name="CaixaDeTexto 39"/>
+          <p:cNvSpPr txBox="1"/>
+          <p:nvPr/>
+        </p:nvSpPr>
+        <p:spPr>
+          <a:xfrm>
+            <a:off x="2775211" y="3397777"/>
+            <a:ext cx="679994" cy="307777"/>
+          </a:xfrm>
+          <a:prstGeom prst="rect">
+            <a:avLst/>
+          </a:prstGeom>
+          <a:noFill/>
+        </p:spPr>
+        <p:txBody>
+          <a:bodyPr wrap="none" rtlCol="0">
+            <a:spAutoFit/>
+          </a:bodyPr>
+          <a:lstStyle/>
+          <a:p>
+            <a:pPr algn="ctr"/>
+            <a:r>
+              <a:rPr lang="pt-BR" sz="1400" dirty="0" smtClean="0"/>
+              <a:t>89.5pF</a:t>
+            </a:r>
+            <a:endParaRPr lang="pt-BR" sz="1400" dirty="0"/>
+          </a:p>
+        </p:txBody>
+      </p:sp>
+      <p:sp>
+        <p:nvSpPr>
+          <p:cNvPr id="41" name="CaixaDeTexto 40"/>
+          <p:cNvSpPr txBox="1"/>
+          <p:nvPr/>
+        </p:nvSpPr>
+        <p:spPr>
+          <a:xfrm>
+            <a:off x="4340135" y="3791566"/>
+            <a:ext cx="1080745" cy="307777"/>
+          </a:xfrm>
+          <a:prstGeom prst="rect">
+            <a:avLst/>
+          </a:prstGeom>
+          <a:noFill/>
+        </p:spPr>
+        <p:txBody>
+          <a:bodyPr wrap="none" rtlCol="0">
+            <a:spAutoFit/>
+          </a:bodyPr>
+          <a:lstStyle/>
+          <a:p>
+            <a:pPr algn="ctr"/>
+            <a:r>
+              <a:rPr lang="pt-BR" sz="1400" dirty="0" smtClean="0"/>
+              <a:t>35132 ciclos</a:t>
+            </a:r>
+            <a:endParaRPr lang="pt-BR" sz="1400" i="1" dirty="0"/>
+          </a:p>
+        </p:txBody>
+      </p:sp>
+      <p:sp>
+        <p:nvSpPr>
+          <p:cNvPr id="42" name="CaixaDeTexto 41"/>
+          <p:cNvSpPr txBox="1"/>
+          <p:nvPr/>
+        </p:nvSpPr>
+        <p:spPr>
+          <a:xfrm>
+            <a:off x="4294450" y="1619866"/>
+            <a:ext cx="1172117" cy="307777"/>
+          </a:xfrm>
+          <a:prstGeom prst="rect">
+            <a:avLst/>
+          </a:prstGeom>
+          <a:noFill/>
+        </p:spPr>
+        <p:txBody>
+          <a:bodyPr wrap="none" rtlCol="0">
+            <a:spAutoFit/>
+          </a:bodyPr>
+          <a:lstStyle/>
+          <a:p>
+            <a:pPr algn="ctr"/>
+            <a:r>
+              <a:rPr lang="pt-BR" sz="1400" dirty="0" smtClean="0"/>
+              <a:t>117082 ciclos</a:t>
+            </a:r>
+            <a:endParaRPr lang="pt-BR" sz="1400" i="1" dirty="0"/>
+          </a:p>
+        </p:txBody>
+      </p:sp>
+      <p:sp>
+        <p:nvSpPr>
+          <p:cNvPr id="43" name="CaixaDeTexto 42"/>
+          <p:cNvSpPr txBox="1"/>
+          <p:nvPr/>
+        </p:nvSpPr>
+        <p:spPr>
+          <a:xfrm>
+            <a:off x="6328536" y="1212199"/>
+            <a:ext cx="595036" cy="307777"/>
+          </a:xfrm>
+          <a:prstGeom prst="rect">
+            <a:avLst/>
+          </a:prstGeom>
+          <a:noFill/>
+        </p:spPr>
+        <p:txBody>
+          <a:bodyPr wrap="none" rtlCol="0">
+            <a:spAutoFit/>
+          </a:bodyPr>
+          <a:lstStyle/>
+          <a:p>
+            <a:pPr algn="ctr"/>
+            <a:r>
+              <a:rPr lang="pt-BR" sz="1400" dirty="0" smtClean="0"/>
+              <a:t>0.909</a:t>
+            </a:r>
+            <a:endParaRPr lang="pt-BR" sz="1400" dirty="0"/>
+          </a:p>
+        </p:txBody>
+      </p:sp>
+      <p:sp>
+        <p:nvSpPr>
+          <p:cNvPr id="44" name="CaixaDeTexto 43"/>
+          <p:cNvSpPr txBox="1"/>
+          <p:nvPr/>
+        </p:nvSpPr>
+        <p:spPr>
+          <a:xfrm>
+            <a:off x="6328536" y="4178919"/>
+            <a:ext cx="595036" cy="307777"/>
+          </a:xfrm>
+          <a:prstGeom prst="rect">
+            <a:avLst/>
+          </a:prstGeom>
+          <a:noFill/>
+        </p:spPr>
+        <p:txBody>
+          <a:bodyPr wrap="none" rtlCol="0">
+            <a:spAutoFit/>
+          </a:bodyPr>
+          <a:lstStyle/>
+          <a:p>
+            <a:pPr algn="ctr"/>
+            <a:r>
+              <a:rPr lang="pt-BR" sz="1400" dirty="0" smtClean="0"/>
+              <a:t>0.004</a:t>
+            </a:r>
+            <a:endParaRPr lang="pt-BR" sz="1400" dirty="0"/>
+          </a:p>
+        </p:txBody>
+      </p:sp>
+      <p:cxnSp>
+        <p:nvCxnSpPr>
+          <p:cNvPr id="45" name="Conector reto 44"/>
+          <p:cNvCxnSpPr/>
+          <p:nvPr/>
+        </p:nvCxnSpPr>
+        <p:spPr>
+          <a:xfrm rot="-1800000">
+            <a:off x="7061463" y="1065511"/>
+            <a:ext cx="825500" cy="0"/>
+          </a:xfrm>
+          <a:prstGeom prst="line">
+            <a:avLst/>
+          </a:prstGeom>
+          <a:ln w="28575">
+            <a:solidFill>
+              <a:schemeClr val="tx1"/>
+            </a:solidFill>
+            <a:prstDash val="dash"/>
+          </a:ln>
+        </p:spPr>
+        <p:style>
+          <a:lnRef idx="1">
+            <a:schemeClr val="accent1"/>
+          </a:lnRef>
+          <a:fillRef idx="0">
+            <a:schemeClr val="accent1"/>
+          </a:fillRef>
+          <a:effectRef idx="0">
+            <a:schemeClr val="accent1"/>
+          </a:effectRef>
+          <a:fontRef idx="minor">
+            <a:schemeClr val="tx1"/>
+          </a:fontRef>
+        </p:style>
+      </p:cxnSp>
+      <p:cxnSp>
+        <p:nvCxnSpPr>
+          <p:cNvPr id="46" name="Conector reto 45"/>
+          <p:cNvCxnSpPr/>
+          <p:nvPr/>
+        </p:nvCxnSpPr>
+        <p:spPr>
+          <a:xfrm>
+            <a:off x="7831665" y="859136"/>
+            <a:ext cx="1028700" cy="0"/>
+          </a:xfrm>
+          <a:prstGeom prst="line">
+            <a:avLst/>
+          </a:prstGeom>
+          <a:ln w="19050">
+            <a:solidFill>
+              <a:schemeClr val="tx1"/>
+            </a:solidFill>
+          </a:ln>
+        </p:spPr>
+        <p:style>
+          <a:lnRef idx="1">
+            <a:schemeClr val="accent1"/>
+          </a:lnRef>
+          <a:fillRef idx="0">
+            <a:schemeClr val="accent1"/>
+          </a:fillRef>
+          <a:effectRef idx="0">
+            <a:schemeClr val="accent1"/>
+          </a:effectRef>
+          <a:fontRef idx="minor">
+            <a:schemeClr val="tx1"/>
+          </a:fontRef>
+        </p:style>
+      </p:cxnSp>
+      <p:sp>
+        <p:nvSpPr>
+          <p:cNvPr id="47" name="CaixaDeTexto 46"/>
+          <p:cNvSpPr txBox="1"/>
+          <p:nvPr/>
+        </p:nvSpPr>
+        <p:spPr>
+          <a:xfrm>
+            <a:off x="7947010" y="489805"/>
+            <a:ext cx="845296" cy="369332"/>
+          </a:xfrm>
+          <a:prstGeom prst="rect">
+            <a:avLst/>
+          </a:prstGeom>
+          <a:noFill/>
+        </p:spPr>
+        <p:txBody>
+          <a:bodyPr wrap="none" rtlCol="0">
+            <a:spAutoFit/>
+          </a:bodyPr>
+          <a:lstStyle/>
+          <a:p>
+            <a:pPr algn="ctr"/>
+            <a:r>
+              <a:rPr lang="pt-BR" dirty="0" err="1" smtClean="0"/>
+              <a:t>Pluv</a:t>
+            </a:r>
+            <a:r>
+              <a:rPr lang="pt-BR" baseline="-25000" dirty="0" err="1" smtClean="0"/>
+              <a:t>máx</a:t>
+            </a:r>
+            <a:endParaRPr lang="pt-BR" dirty="0"/>
+          </a:p>
+        </p:txBody>
+      </p:sp>
+      <p:sp>
+        <p:nvSpPr>
+          <p:cNvPr id="48" name="CaixaDeTexto 47"/>
+          <p:cNvSpPr txBox="1"/>
+          <p:nvPr/>
+        </p:nvSpPr>
+        <p:spPr>
+          <a:xfrm>
+            <a:off x="8088971" y="817465"/>
+            <a:ext cx="561372" cy="307777"/>
+          </a:xfrm>
+          <a:prstGeom prst="rect">
+            <a:avLst/>
+          </a:prstGeom>
+          <a:noFill/>
+        </p:spPr>
+        <p:txBody>
+          <a:bodyPr wrap="none" rtlCol="0">
+            <a:spAutoFit/>
+          </a:bodyPr>
+          <a:lstStyle/>
+          <a:p>
+            <a:pPr algn="ctr"/>
+            <a:r>
+              <a:rPr lang="pt-BR" sz="1400" dirty="0" smtClean="0"/>
+              <a:t>8mm</a:t>
+            </a:r>
+            <a:endParaRPr lang="pt-BR" sz="1400" dirty="0"/>
+          </a:p>
+        </p:txBody>
+      </p:sp>
+      <p:cxnSp>
+        <p:nvCxnSpPr>
+          <p:cNvPr id="49" name="Conector reto 48"/>
+          <p:cNvCxnSpPr/>
+          <p:nvPr/>
+        </p:nvCxnSpPr>
+        <p:spPr>
+          <a:xfrm rot="1800000">
+            <a:off x="7067194" y="4671581"/>
+            <a:ext cx="825500" cy="0"/>
+          </a:xfrm>
+          <a:prstGeom prst="line">
+            <a:avLst/>
+          </a:prstGeom>
+          <a:ln w="28575">
+            <a:solidFill>
+              <a:schemeClr val="tx1"/>
+            </a:solidFill>
+            <a:prstDash val="dash"/>
+          </a:ln>
+        </p:spPr>
+        <p:style>
+          <a:lnRef idx="1">
+            <a:schemeClr val="accent1"/>
+          </a:lnRef>
+          <a:fillRef idx="0">
+            <a:schemeClr val="accent1"/>
+          </a:fillRef>
+          <a:effectRef idx="0">
+            <a:schemeClr val="accent1"/>
+          </a:effectRef>
+          <a:fontRef idx="minor">
+            <a:schemeClr val="tx1"/>
+          </a:fontRef>
+        </p:style>
+      </p:cxnSp>
+      <p:cxnSp>
+        <p:nvCxnSpPr>
+          <p:cNvPr id="50" name="Conector reto 49"/>
+          <p:cNvCxnSpPr/>
+          <p:nvPr/>
+        </p:nvCxnSpPr>
+        <p:spPr>
+          <a:xfrm>
+            <a:off x="7837396" y="4871606"/>
+            <a:ext cx="1028700" cy="0"/>
+          </a:xfrm>
+          <a:prstGeom prst="line">
+            <a:avLst/>
+          </a:prstGeom>
+          <a:ln w="19050">
+            <a:solidFill>
+              <a:schemeClr val="tx1"/>
+            </a:solidFill>
+          </a:ln>
+        </p:spPr>
+        <p:style>
+          <a:lnRef idx="1">
+            <a:schemeClr val="accent1"/>
+          </a:lnRef>
+          <a:fillRef idx="0">
+            <a:schemeClr val="accent1"/>
+          </a:fillRef>
+          <a:effectRef idx="0">
+            <a:schemeClr val="accent1"/>
+          </a:effectRef>
+          <a:fontRef idx="minor">
+            <a:schemeClr val="tx1"/>
+          </a:fontRef>
+        </p:style>
+      </p:cxnSp>
+      <p:sp>
+        <p:nvSpPr>
+          <p:cNvPr id="51" name="CaixaDeTexto 50"/>
+          <p:cNvSpPr txBox="1"/>
+          <p:nvPr/>
+        </p:nvSpPr>
+        <p:spPr>
+          <a:xfrm>
+            <a:off x="7964861" y="4867143"/>
+            <a:ext cx="821059" cy="369332"/>
+          </a:xfrm>
+          <a:prstGeom prst="rect">
+            <a:avLst/>
+          </a:prstGeom>
+          <a:noFill/>
+        </p:spPr>
+        <p:txBody>
+          <a:bodyPr wrap="none" rtlCol="0">
+            <a:spAutoFit/>
+          </a:bodyPr>
+          <a:lstStyle/>
+          <a:p>
+            <a:pPr algn="ctr"/>
+            <a:r>
+              <a:rPr lang="pt-BR" dirty="0" err="1" smtClean="0"/>
+              <a:t>Pluv</a:t>
+            </a:r>
+            <a:r>
+              <a:rPr lang="pt-BR" baseline="-25000" dirty="0" err="1" smtClean="0"/>
+              <a:t>mín</a:t>
+            </a:r>
+            <a:endParaRPr lang="pt-BR" dirty="0"/>
+          </a:p>
+        </p:txBody>
+      </p:sp>
+      <p:sp>
+        <p:nvSpPr>
+          <p:cNvPr id="52" name="CaixaDeTexto 51"/>
+          <p:cNvSpPr txBox="1"/>
+          <p:nvPr/>
+        </p:nvSpPr>
+        <p:spPr>
+          <a:xfrm>
+            <a:off x="8094703" y="4592823"/>
+            <a:ext cx="561372" cy="307777"/>
+          </a:xfrm>
+          <a:prstGeom prst="rect">
+            <a:avLst/>
+          </a:prstGeom>
+          <a:noFill/>
+        </p:spPr>
+        <p:txBody>
+          <a:bodyPr wrap="none" rtlCol="0">
+            <a:spAutoFit/>
+          </a:bodyPr>
+          <a:lstStyle/>
+          <a:p>
+            <a:pPr algn="ctr"/>
+            <a:r>
+              <a:rPr lang="pt-BR" sz="1400" dirty="0" smtClean="0"/>
+              <a:t>0mm</a:t>
+            </a:r>
+            <a:endParaRPr lang="pt-BR" sz="1400" dirty="0"/>
+          </a:p>
+        </p:txBody>
+      </p:sp>
+      <p:sp>
+        <p:nvSpPr>
+          <p:cNvPr id="53" name="CaixaDeTexto 52"/>
+          <p:cNvSpPr txBox="1"/>
+          <p:nvPr/>
+        </p:nvSpPr>
+        <p:spPr>
+          <a:xfrm>
+            <a:off x="7560137" y="2501882"/>
+            <a:ext cx="1514005" cy="646331"/>
+          </a:xfrm>
+          <a:prstGeom prst="rect">
+            <a:avLst/>
+          </a:prstGeom>
+          <a:noFill/>
+        </p:spPr>
+        <p:txBody>
+          <a:bodyPr wrap="none" rtlCol="0">
+            <a:spAutoFit/>
+          </a:bodyPr>
+          <a:lstStyle/>
+          <a:p>
+            <a:pPr algn="ctr"/>
+            <a:r>
+              <a:rPr lang="pt-BR" b="1" dirty="0" smtClean="0"/>
+              <a:t>Índice</a:t>
+            </a:r>
+          </a:p>
+          <a:p>
+            <a:pPr algn="ctr"/>
+            <a:r>
+              <a:rPr lang="pt-BR" b="1" dirty="0" smtClean="0"/>
+              <a:t>Pluviométrico</a:t>
+            </a:r>
+            <a:endParaRPr lang="pt-BR" b="1" dirty="0"/>
           </a:p>
         </p:txBody>
       </p:sp>
     </p:spTree>
     <p:extLst>
       <p:ext uri="{BB962C8B-B14F-4D97-AF65-F5344CB8AC3E}">
-        <p14:creationId xmlns:p14="http://schemas.microsoft.com/office/powerpoint/2010/main" val="2941553115"/>
+        <p14:creationId xmlns:p14="http://schemas.microsoft.com/office/powerpoint/2010/main" val="2230503504"/>
       </p:ext>
     </p:extLst>
   </p:cSld>
@@ -11661,6 +13090,133 @@
           <a:chExt cx="0" cy="0"/>
         </a:xfrm>
       </p:grpSpPr>
+      <p:pic>
+        <p:nvPicPr>
+          <p:cNvPr id="11" name="Imagem 10"/>
+          <p:cNvPicPr>
+            <a:picLocks noChangeAspect="1"/>
+          </p:cNvPicPr>
+          <p:nvPr/>
+        </p:nvPicPr>
+        <p:blipFill>
+          <a:blip r:embed="rId2" cstate="print">
+            <a:extLst>
+              <a:ext uri="{28A0092B-C50C-407E-A947-70E740481C1C}">
+                <a14:useLocalDpi xmlns:a14="http://schemas.microsoft.com/office/drawing/2010/main" val="0"/>
+              </a:ext>
+            </a:extLst>
+          </a:blip>
+          <a:stretch>
+            <a:fillRect/>
+          </a:stretch>
+        </p:blipFill>
+        <p:spPr>
+          <a:xfrm>
+            <a:off x="369066" y="1314450"/>
+            <a:ext cx="5097721" cy="4229100"/>
+          </a:xfrm>
+          <a:prstGeom prst="rect">
+            <a:avLst/>
+          </a:prstGeom>
+        </p:spPr>
+      </p:pic>
+      <p:cxnSp>
+        <p:nvCxnSpPr>
+          <p:cNvPr id="13" name="Conector de seta reta 12"/>
+          <p:cNvCxnSpPr/>
+          <p:nvPr/>
+        </p:nvCxnSpPr>
+        <p:spPr>
+          <a:xfrm>
+            <a:off x="623888" y="1447800"/>
+            <a:ext cx="4608512" cy="0"/>
+          </a:xfrm>
+          <a:prstGeom prst="straightConnector1">
+            <a:avLst/>
+          </a:prstGeom>
+          <a:ln w="57150">
+            <a:solidFill>
+              <a:schemeClr val="tx1"/>
+            </a:solidFill>
+            <a:headEnd type="triangle" w="med" len="med"/>
+            <a:tailEnd type="triangle" w="med" len="med"/>
+          </a:ln>
+        </p:spPr>
+        <p:style>
+          <a:lnRef idx="1">
+            <a:schemeClr val="accent1"/>
+          </a:lnRef>
+          <a:fillRef idx="0">
+            <a:schemeClr val="accent1"/>
+          </a:fillRef>
+          <a:effectRef idx="0">
+            <a:schemeClr val="accent1"/>
+          </a:effectRef>
+          <a:fontRef idx="minor">
+            <a:schemeClr val="tx1"/>
+          </a:fontRef>
+        </p:style>
+      </p:cxnSp>
+      <p:sp>
+        <p:nvSpPr>
+          <p:cNvPr id="14" name="CaixaDeTexto 13"/>
+          <p:cNvSpPr txBox="1"/>
+          <p:nvPr/>
+        </p:nvSpPr>
+        <p:spPr>
+          <a:xfrm>
+            <a:off x="1998241" y="857905"/>
+            <a:ext cx="1859805" cy="523220"/>
+          </a:xfrm>
+          <a:prstGeom prst="rect">
+            <a:avLst/>
+          </a:prstGeom>
+          <a:noFill/>
+        </p:spPr>
+        <p:txBody>
+          <a:bodyPr wrap="none" rtlCol="0">
+            <a:spAutoFit/>
+          </a:bodyPr>
+          <a:lstStyle/>
+          <a:p>
+            <a:r>
+              <a:rPr lang="pt-BR" sz="2800" b="1" dirty="0" smtClean="0"/>
+              <a:t>D=13.82cm</a:t>
+            </a:r>
+            <a:endParaRPr lang="pt-BR" sz="2800" b="1" dirty="0"/>
+          </a:p>
+        </p:txBody>
+      </p:sp>
+    </p:spTree>
+    <p:extLst>
+      <p:ext uri="{BB962C8B-B14F-4D97-AF65-F5344CB8AC3E}">
+        <p14:creationId xmlns:p14="http://schemas.microsoft.com/office/powerpoint/2010/main" val="2941553115"/>
+      </p:ext>
+    </p:extLst>
+  </p:cSld>
+  <p:clrMapOvr>
+    <a:masterClrMapping/>
+  </p:clrMapOvr>
+</p:sld>
+</file>
+
+<file path=ppt/slides/slide8.xml><?xml version="1.0" encoding="utf-8"?>
+<p:sld xmlns:a="http://schemas.openxmlformats.org/drawingml/2006/main" xmlns:r="http://schemas.openxmlformats.org/officeDocument/2006/relationships" xmlns:p="http://schemas.openxmlformats.org/presentationml/2006/main">
+  <p:cSld>
+    <p:spTree>
+      <p:nvGrpSpPr>
+        <p:cNvPr id="1" name=""/>
+        <p:cNvGrpSpPr/>
+        <p:nvPr/>
+      </p:nvGrpSpPr>
+      <p:grpSpPr>
+        <a:xfrm>
+          <a:off x="0" y="0"/>
+          <a:ext cx="0" cy="0"/>
+          <a:chOff x="0" y="0"/>
+          <a:chExt cx="0" cy="0"/>
+        </a:xfrm>
+      </p:grpSpPr>
       <p:cxnSp>
         <p:nvCxnSpPr>
           <p:cNvPr id="4" name="Conector reto 3"/>
@@ -13011,15 +14567,7 @@
           <a:p>
             <a:r>
               <a:rPr lang="pt-BR" dirty="0" smtClean="0"/>
-              <a:t>Cadeia de medidas </a:t>
-            </a:r>
-            <a:r>
-              <a:rPr lang="pt-BR" dirty="0" smtClean="0"/>
-              <a:t>experimental </a:t>
-            </a:r>
-            <a:r>
-              <a:rPr lang="pt-BR" dirty="0" smtClean="0"/>
-              <a:t>– Anemômetro</a:t>
+              <a:t>Cadeia de medidas experimental – Anemômetro</a:t>
             </a:r>
             <a:endParaRPr lang="pt-BR" dirty="0"/>
           </a:p>
@@ -13112,11 +14660,7 @@
             <a:pPr algn="ctr"/>
             <a:r>
               <a:rPr lang="pt-BR" sz="1400" dirty="0" smtClean="0"/>
-              <a:t>183.49 </a:t>
-            </a:r>
-            <a:r>
-              <a:rPr lang="pt-BR" sz="1400" dirty="0" smtClean="0"/>
-              <a:t>RPM</a:t>
+              <a:t>183.49 RPM</a:t>
             </a:r>
             <a:endParaRPr lang="pt-BR" sz="1400" dirty="0"/>
           </a:p>
@@ -13147,11 +14691,7 @@
             <a:pPr algn="ctr"/>
             <a:r>
               <a:rPr lang="pt-BR" sz="1400" dirty="0" smtClean="0"/>
-              <a:t>83.33 </a:t>
-            </a:r>
-            <a:r>
-              <a:rPr lang="pt-BR" sz="1400" dirty="0" smtClean="0"/>
-              <a:t>RPM</a:t>
+              <a:t>83.33 RPM</a:t>
             </a:r>
             <a:endParaRPr lang="pt-BR" sz="1400" dirty="0"/>
           </a:p>
